--- a/PowerPoint Presentation/Entity Framework ASP.NET Core.pptx
+++ b/PowerPoint Presentation/Entity Framework ASP.NET Core.pptx
@@ -5,7 +5,7 @@
     <p:sldMasterId id="2147483648" r:id="rId4"/>
   </p:sldMasterIdLst>
   <p:notesMasterIdLst>
-    <p:notesMasterId r:id="rId11"/>
+    <p:notesMasterId r:id="rId21"/>
   </p:notesMasterIdLst>
   <p:sldIdLst>
     <p:sldId id="260" r:id="rId5"/>
@@ -14,6 +14,16 @@
     <p:sldId id="262" r:id="rId8"/>
     <p:sldId id="263" r:id="rId9"/>
     <p:sldId id="264" r:id="rId10"/>
+    <p:sldId id="265" r:id="rId11"/>
+    <p:sldId id="268" r:id="rId12"/>
+    <p:sldId id="267" r:id="rId13"/>
+    <p:sldId id="269" r:id="rId14"/>
+    <p:sldId id="270" r:id="rId15"/>
+    <p:sldId id="271" r:id="rId16"/>
+    <p:sldId id="272" r:id="rId17"/>
+    <p:sldId id="273" r:id="rId18"/>
+    <p:sldId id="274" r:id="rId19"/>
+    <p:sldId id="275" r:id="rId20"/>
   </p:sldIdLst>
   <p:sldSz cx="12192000" cy="6858000"/>
   <p:notesSz cx="6858000" cy="9144000"/>
@@ -202,7 +212,7 @@
           <a:p>
             <a:fld id="{4B3F774C-70F7-4ED4-813C-739E51CF8487}" type="datetimeFigureOut">
               <a:rPr lang="en-US" smtClean="0"/>
-              <a:t>10/20/2023</a:t>
+              <a:t>10/21/2023</a:t>
             </a:fld>
             <a:endParaRPr lang="en-US" dirty="0"/>
           </a:p>
@@ -971,7 +981,7 @@
           <a:p>
             <a:fld id="{F9F2E34D-57B0-41D5-A7AF-DF10D1068115}" type="datetime1">
               <a:rPr lang="en-US" smtClean="0"/>
-              <a:t>10/20/2023</a:t>
+              <a:t>10/21/2023</a:t>
             </a:fld>
             <a:endParaRPr lang="en-US" dirty="0"/>
           </a:p>
@@ -1263,7 +1273,7 @@
           <a:p>
             <a:fld id="{DF6E8327-77F4-4A2B-9238-101C8E3404E4}" type="datetime1">
               <a:rPr lang="en-US" smtClean="0"/>
-              <a:t>10/20/2023</a:t>
+              <a:t>10/21/2023</a:t>
             </a:fld>
             <a:endParaRPr lang="en-US" dirty="0"/>
           </a:p>
@@ -1507,7 +1517,7 @@
           <a:p>
             <a:fld id="{5287327A-3B7B-4F18-AD00-4892CF91FF9D}" type="datetime1">
               <a:rPr lang="en-US" smtClean="0"/>
-              <a:t>10/20/2023</a:t>
+              <a:t>10/21/2023</a:t>
             </a:fld>
             <a:endParaRPr lang="en-US" dirty="0"/>
           </a:p>
@@ -2043,7 +2053,7 @@
           <a:p>
             <a:fld id="{84398241-E647-4007-AB01-BB30869910EB}" type="datetime1">
               <a:rPr lang="en-US" smtClean="0"/>
-              <a:t>10/20/2023</a:t>
+              <a:t>10/21/2023</a:t>
             </a:fld>
             <a:endParaRPr lang="en-US" dirty="0"/>
           </a:p>
@@ -2287,7 +2297,7 @@
           <a:p>
             <a:fld id="{A09F5554-C941-4C3B-A197-75ED448862A0}" type="datetime1">
               <a:rPr lang="en-US" smtClean="0"/>
-              <a:t>10/20/2023</a:t>
+              <a:t>10/21/2023</a:t>
             </a:fld>
             <a:endParaRPr lang="en-US" dirty="0"/>
           </a:p>
@@ -2815,7 +2825,7 @@
           <a:p>
             <a:fld id="{DC6B44A0-C3F8-4023-9352-7CF7C034B2C8}" type="datetime1">
               <a:rPr lang="en-US" smtClean="0"/>
-              <a:t>10/20/2023</a:t>
+              <a:t>10/21/2023</a:t>
             </a:fld>
             <a:endParaRPr lang="en-US" dirty="0"/>
           </a:p>
@@ -3108,7 +3118,7 @@
           <a:p>
             <a:fld id="{79C3DC5B-471F-47EA-B884-FE923235A560}" type="datetime1">
               <a:rPr lang="en-US" smtClean="0"/>
-              <a:t>10/20/2023</a:t>
+              <a:t>10/21/2023</a:t>
             </a:fld>
             <a:endParaRPr lang="en-US" dirty="0"/>
           </a:p>
@@ -3278,7 +3288,7 @@
           <a:p>
             <a:fld id="{03F8C408-3247-4796-93FF-B91D6887AEC0}" type="datetime1">
               <a:rPr lang="en-US" smtClean="0"/>
-              <a:t>10/20/2023</a:t>
+              <a:t>10/21/2023</a:t>
             </a:fld>
             <a:endParaRPr lang="en-US" dirty="0"/>
           </a:p>
@@ -3454,7 +3464,7 @@
           <a:p>
             <a:fld id="{BBA1D282-CC74-49F4-B876-75084EFB56F1}" type="datetime1">
               <a:rPr lang="en-US" smtClean="0"/>
-              <a:t>10/20/2023</a:t>
+              <a:t>10/21/2023</a:t>
             </a:fld>
             <a:endParaRPr lang="en-US" dirty="0"/>
           </a:p>
@@ -3620,7 +3630,7 @@
           <a:p>
             <a:fld id="{BF56EAF9-2583-4989-8D87-13F548ED6E0C}" type="datetime1">
               <a:rPr lang="en-US" smtClean="0"/>
-              <a:t>10/20/2023</a:t>
+              <a:t>10/21/2023</a:t>
             </a:fld>
             <a:endParaRPr lang="en-US" dirty="0"/>
           </a:p>
@@ -3867,7 +3877,7 @@
           <a:p>
             <a:fld id="{B70E3CFB-BB1B-4B2A-ADF6-B1A4609854C4}" type="datetime1">
               <a:rPr lang="en-US" smtClean="0"/>
-              <a:t>10/20/2023</a:t>
+              <a:t>10/21/2023</a:t>
             </a:fld>
             <a:endParaRPr lang="en-US" dirty="0"/>
           </a:p>
@@ -4160,7 +4170,7 @@
           <a:p>
             <a:fld id="{2B3AEAA8-1A97-412E-935C-2E918F139579}" type="datetime1">
               <a:rPr lang="en-US" smtClean="0"/>
-              <a:t>10/20/2023</a:t>
+              <a:t>10/21/2023</a:t>
             </a:fld>
             <a:endParaRPr lang="en-US" dirty="0"/>
           </a:p>
@@ -4598,7 +4608,7 @@
           <a:p>
             <a:fld id="{638B0DF1-CA1F-4E36-8C65-C52A9896A8FB}" type="datetime1">
               <a:rPr lang="en-US" smtClean="0"/>
-              <a:t>10/20/2023</a:t>
+              <a:t>10/21/2023</a:t>
             </a:fld>
             <a:endParaRPr lang="en-US" dirty="0"/>
           </a:p>
@@ -4712,7 +4722,7 @@
           <a:p>
             <a:fld id="{DB6173FD-197A-4AD6-8D60-38B6A76F0734}" type="datetime1">
               <a:rPr lang="en-US" smtClean="0"/>
-              <a:t>10/20/2023</a:t>
+              <a:t>10/21/2023</a:t>
             </a:fld>
             <a:endParaRPr lang="en-US" dirty="0"/>
           </a:p>
@@ -4803,7 +4813,7 @@
           <a:p>
             <a:fld id="{6BDC3949-07FA-4C7A-A990-D6D1043EED71}" type="datetime1">
               <a:rPr lang="en-US" smtClean="0"/>
-              <a:t>10/20/2023</a:t>
+              <a:t>10/21/2023</a:t>
             </a:fld>
             <a:endParaRPr lang="en-US" dirty="0"/>
           </a:p>
@@ -5082,7 +5092,7 @@
           <a:p>
             <a:fld id="{2E9E2DE8-6D13-4218-A974-D45AA7B6E4FF}" type="datetime1">
               <a:rPr lang="en-US" smtClean="0"/>
-              <a:t>10/20/2023</a:t>
+              <a:t>10/21/2023</a:t>
             </a:fld>
             <a:endParaRPr lang="en-US" dirty="0"/>
           </a:p>
@@ -5369,7 +5379,7 @@
           <a:p>
             <a:fld id="{9CDAB7D7-4BDA-4ABC-B31D-66201C69A314}" type="datetime1">
               <a:rPr lang="en-US" smtClean="0"/>
-              <a:t>10/20/2023</a:t>
+              <a:t>10/21/2023</a:t>
             </a:fld>
             <a:endParaRPr lang="en-US" dirty="0"/>
           </a:p>
@@ -5895,7 +5905,7 @@
           <a:p>
             <a:fld id="{4E3F0A0B-291C-4112-A023-023C51AB2E85}" type="datetime1">
               <a:rPr lang="en-US" smtClean="0"/>
-              <a:t>10/20/2023</a:t>
+              <a:t>10/21/2023</a:t>
             </a:fld>
             <a:endParaRPr lang="en-US" dirty="0"/>
           </a:p>
@@ -6959,7 +6969,105 @@
 </p:sld>
 </file>
 
-<file path=ppt/slides/slide2.xml><?xml version="1.0" encoding="utf-8"?>
+<file path=ppt/slides/slide10.xml><?xml version="1.0" encoding="utf-8"?>
+<p:sld xmlns:a="http://schemas.openxmlformats.org/drawingml/2006/main" xmlns:r="http://schemas.openxmlformats.org/officeDocument/2006/relationships" xmlns:p="http://schemas.openxmlformats.org/presentationml/2006/main">
+  <p:cSld>
+    <p:bg>
+      <p:bgPr>
+        <a:solidFill>
+          <a:schemeClr val="bg2"/>
+        </a:solidFill>
+        <a:effectLst/>
+      </p:bgPr>
+    </p:bg>
+    <p:spTree>
+      <p:nvGrpSpPr>
+        <p:cNvPr id="1" name=""/>
+        <p:cNvGrpSpPr/>
+        <p:nvPr/>
+      </p:nvGrpSpPr>
+      <p:grpSpPr>
+        <a:xfrm>
+          <a:off x="0" y="0"/>
+          <a:ext cx="0" cy="0"/>
+          <a:chOff x="0" y="0"/>
+          <a:chExt cx="0" cy="0"/>
+        </a:xfrm>
+      </p:grpSpPr>
+      <p:sp>
+        <p:nvSpPr>
+          <p:cNvPr id="2" name="Title 1">
+            <a:extLst>
+              <a:ext uri="{FF2B5EF4-FFF2-40B4-BE49-F238E27FC236}">
+                <a16:creationId xmlns:a16="http://schemas.microsoft.com/office/drawing/2014/main" id="{C7492CCE-C435-464E-A19A-D4C606FDBE3D}"/>
+              </a:ext>
+            </a:extLst>
+          </p:cNvPr>
+          <p:cNvSpPr>
+            <a:spLocks noGrp="1"/>
+          </p:cNvSpPr>
+          <p:nvPr>
+            <p:ph type="ctrTitle"/>
+          </p:nvPr>
+        </p:nvSpPr>
+        <p:spPr>
+          <a:xfrm>
+            <a:off x="2928401" y="1433231"/>
+            <a:ext cx="8574622" cy="2616199"/>
+          </a:xfrm>
+        </p:spPr>
+        <p:txBody>
+          <a:bodyPr>
+            <a:normAutofit fontScale="90000"/>
+          </a:bodyPr>
+          <a:lstStyle/>
+          <a:p>
+            <a:pPr algn="l"/>
+            <a:r>
+              <a:rPr lang="en-US" b="1" dirty="0">
+                <a:solidFill>
+                  <a:srgbClr val="FFC000"/>
+                </a:solidFill>
+              </a:rPr>
+              <a:t>Database First Approach </a:t>
+            </a:r>
+            <a:br>
+              <a:rPr lang="en-US" b="1" dirty="0">
+                <a:solidFill>
+                  <a:srgbClr val="FFC000"/>
+                </a:solidFill>
+              </a:rPr>
+            </a:br>
+            <a:r>
+              <a:rPr lang="en-US" b="1" dirty="0">
+                <a:solidFill>
+                  <a:srgbClr val="A6A6A6"/>
+                </a:solidFill>
+              </a:rPr>
+              <a:t>Entity Framework Core ASP.NET 6</a:t>
+            </a:r>
+            <a:endParaRPr lang="en-US" dirty="0">
+              <a:solidFill>
+                <a:srgbClr val="A6A6A6"/>
+              </a:solidFill>
+            </a:endParaRPr>
+          </a:p>
+        </p:txBody>
+      </p:sp>
+    </p:spTree>
+    <p:extLst>
+      <p:ext uri="{BB962C8B-B14F-4D97-AF65-F5344CB8AC3E}">
+        <p14:creationId xmlns:p14="http://schemas.microsoft.com/office/powerpoint/2010/main" val="3913161221"/>
+      </p:ext>
+    </p:extLst>
+  </p:cSld>
+  <p:clrMapOvr>
+    <a:overrideClrMapping bg1="dk1" tx1="lt1" bg2="dk2" tx2="lt2" accent1="accent1" accent2="accent2" accent3="accent3" accent4="accent4" accent5="accent5" accent6="accent6" hlink="hlink" folHlink="folHlink"/>
+  </p:clrMapOvr>
+</p:sld>
+</file>
+
+<file path=ppt/slides/slide11.xml><?xml version="1.0" encoding="utf-8"?>
 <p:sld xmlns:a="http://schemas.openxmlformats.org/drawingml/2006/main" xmlns:r="http://schemas.openxmlformats.org/officeDocument/2006/relationships" xmlns:p="http://schemas.openxmlformats.org/presentationml/2006/main">
   <p:cSld>
     <p:bg>
@@ -7473,8 +7581,8 @@
         </p:nvSpPr>
         <p:spPr>
           <a:xfrm>
-            <a:off x="1018191" y="685800"/>
-            <a:ext cx="8837005" cy="1752599"/>
+            <a:off x="939001" y="323445"/>
+            <a:ext cx="8837005" cy="1440712"/>
           </a:xfrm>
         </p:spPr>
         <p:txBody>
@@ -7490,57 +7598,18 @@
                   <a:srgbClr val="FFC000"/>
                 </a:solidFill>
               </a:rPr>
-              <a:t>ORM </a:t>
-            </a:r>
-            <a:r>
-              <a:rPr lang="en-US" dirty="0"/>
-              <a:t>(</a:t>
-            </a:r>
-            <a:r>
-              <a:rPr lang="en-US" b="1" dirty="0">
-                <a:solidFill>
-                  <a:srgbClr val="FFC000"/>
-                </a:solidFill>
-              </a:rPr>
-              <a:t>O</a:t>
-            </a:r>
-            <a:r>
-              <a:rPr lang="en-US" dirty="0"/>
-              <a:t>BJECT </a:t>
-            </a:r>
-            <a:r>
-              <a:rPr lang="en-US" b="1" dirty="0">
-                <a:solidFill>
-                  <a:srgbClr val="FFC000"/>
-                </a:solidFill>
-              </a:rPr>
-              <a:t>R</a:t>
-            </a:r>
-            <a:r>
-              <a:rPr lang="en-US" dirty="0"/>
-              <a:t>ELATIONAL </a:t>
-            </a:r>
-            <a:r>
-              <a:rPr lang="en-US" b="1" dirty="0">
-                <a:solidFill>
-                  <a:srgbClr val="FFC000"/>
-                </a:solidFill>
-              </a:rPr>
-              <a:t>M</a:t>
-            </a:r>
-            <a:r>
-              <a:rPr lang="en-US" dirty="0"/>
-              <a:t>APPING)</a:t>
-            </a:r>
-          </a:p>
-        </p:txBody>
-      </p:sp>
-      <p:sp>
-        <p:nvSpPr>
-          <p:cNvPr id="3" name="Content Placeholder 2">
+              <a:t>Database First Approach.</a:t>
+            </a:r>
+            <a:endParaRPr lang="en-US" dirty="0"/>
+          </a:p>
+        </p:txBody>
+      </p:sp>
+      <p:sp>
+        <p:nvSpPr>
+          <p:cNvPr id="14" name="Content Placeholder 2">
             <a:extLst>
               <a:ext uri="{FF2B5EF4-FFF2-40B4-BE49-F238E27FC236}">
-                <a16:creationId xmlns:a16="http://schemas.microsoft.com/office/drawing/2014/main" id="{60DFF4FA-F598-4962-B6AB-31A8BE724E52}"/>
+                <a16:creationId xmlns:a16="http://schemas.microsoft.com/office/drawing/2014/main" id="{94B2B145-D0E5-404C-89A3-C7489DFAAF90}"/>
               </a:ext>
             </a:extLst>
           </p:cNvPr>
@@ -7553,8 +7622,8 @@
         </p:nvSpPr>
         <p:spPr>
           <a:xfrm>
-            <a:off x="1018190" y="2438399"/>
-            <a:ext cx="8370281" cy="2947793"/>
+            <a:off x="950599" y="1538693"/>
+            <a:ext cx="8225821" cy="2031821"/>
           </a:xfrm>
         </p:spPr>
         <p:txBody>
@@ -7570,19 +7639,55 @@
             </a:pPr>
             <a:r>
               <a:rPr lang="en-US" sz="2000" dirty="0"/>
-              <a:t>To address the data access requirements of ASP.NET CORE MVC application, you can use  an </a:t>
+              <a:t>In the </a:t>
             </a:r>
             <a:r>
               <a:rPr lang="en-US" sz="2000" dirty="0">
                 <a:solidFill>
-                  <a:srgbClr val="FFC000"/>
+                  <a:srgbClr val="FFFF00"/>
                 </a:solidFill>
               </a:rPr>
-              <a:t>ORM (Object Relational Mapping) </a:t>
+              <a:t>database-first approach </a:t>
             </a:r>
             <a:r>
               <a:rPr lang="en-US" sz="2000" dirty="0"/>
-              <a:t>framework.</a:t>
+              <a:t>the  Entity Framework core creates </a:t>
+            </a:r>
+            <a:r>
+              <a:rPr lang="en-US" sz="2000" dirty="0">
+                <a:solidFill>
+                  <a:srgbClr val="FFFF00"/>
+                </a:solidFill>
+              </a:rPr>
+              <a:t>model classes </a:t>
+            </a:r>
+            <a:r>
+              <a:rPr lang="en-US" sz="2000" dirty="0"/>
+              <a:t>and properties corresponding to the </a:t>
+            </a:r>
+            <a:r>
+              <a:rPr lang="en-US" sz="2000" dirty="0">
+                <a:solidFill>
+                  <a:srgbClr val="FFFF00"/>
+                </a:solidFill>
+              </a:rPr>
+              <a:t>existing database objects</a:t>
+            </a:r>
+            <a:r>
+              <a:rPr lang="en-US" sz="2000" dirty="0"/>
+              <a:t>, such as </a:t>
+            </a:r>
+            <a:r>
+              <a:rPr lang="en-US" sz="2000" dirty="0">
+                <a:solidFill>
+                  <a:srgbClr val="FFFF00"/>
+                </a:solidFill>
+              </a:rPr>
+              <a:t>tables and columns</a:t>
+            </a:r>
+            <a:r>
+              <a:rPr lang="en-US" sz="2000" dirty="0"/>
+              <a:t>.</a:t>
             </a:r>
           </a:p>
           <a:p>
@@ -7593,19 +7698,31 @@
             </a:pPr>
             <a:r>
               <a:rPr lang="en-US" sz="2000" dirty="0"/>
-              <a:t>Simplifies the process of </a:t>
+              <a:t>The </a:t>
             </a:r>
             <a:r>
               <a:rPr lang="en-US" sz="2000" dirty="0">
                 <a:solidFill>
-                  <a:srgbClr val="FFC000"/>
+                  <a:srgbClr val="FFFF00"/>
                 </a:solidFill>
               </a:rPr>
-              <a:t>accessing data </a:t>
+              <a:t>database-first approach </a:t>
             </a:r>
             <a:r>
               <a:rPr lang="en-US" sz="2000" dirty="0"/>
-              <a:t>from application.</a:t>
+              <a:t>is applicable in scenario where a database </a:t>
+            </a:r>
+            <a:r>
+              <a:rPr lang="en-US" sz="2000" dirty="0">
+                <a:solidFill>
+                  <a:srgbClr val="FFFF00"/>
+                </a:solidFill>
+              </a:rPr>
+              <a:t>already exist </a:t>
+            </a:r>
+            <a:r>
+              <a:rPr lang="en-US" sz="2000" dirty="0"/>
+              <a:t>for the application.</a:t>
             </a:r>
           </a:p>
           <a:p>
@@ -7614,39 +7731,16 @@
                 <a:srgbClr val="FFC000"/>
               </a:buClr>
             </a:pPr>
-            <a:r>
-              <a:rPr lang="en-US" sz="2000" dirty="0"/>
-              <a:t>ORM is a tool for storing data from </a:t>
-            </a:r>
-            <a:r>
-              <a:rPr lang="en-US" sz="2000" dirty="0">
-                <a:solidFill>
-                  <a:srgbClr val="FFC000"/>
-                </a:solidFill>
-              </a:rPr>
-              <a:t>domain objects </a:t>
-            </a:r>
-            <a:r>
-              <a:rPr lang="en-US" sz="2000" dirty="0"/>
-              <a:t>to </a:t>
-            </a:r>
-            <a:r>
-              <a:rPr lang="en-US" sz="2000" dirty="0">
-                <a:solidFill>
-                  <a:srgbClr val="FFC000"/>
-                </a:solidFill>
-              </a:rPr>
-              <a:t>relational database.</a:t>
-            </a:r>
-          </a:p>
-        </p:txBody>
-      </p:sp>
-      <p:sp>
-        <p:nvSpPr>
-          <p:cNvPr id="10" name="Arrow: Bent 9">
+            <a:endParaRPr lang="en-US" sz="2000" dirty="0"/>
+          </a:p>
+        </p:txBody>
+      </p:sp>
+      <p:sp>
+        <p:nvSpPr>
+          <p:cNvPr id="13" name="Rectangle 12">
             <a:extLst>
               <a:ext uri="{FF2B5EF4-FFF2-40B4-BE49-F238E27FC236}">
-                <a16:creationId xmlns:a16="http://schemas.microsoft.com/office/drawing/2014/main" id="{3F40B4C5-0DBD-4018-A12F-0D08ACFD297A}"/>
+                <a16:creationId xmlns:a16="http://schemas.microsoft.com/office/drawing/2014/main" id="{EC91A0AC-C5EE-4CDA-90DD-107C10B3BB00}"/>
               </a:ext>
             </a:extLst>
           </p:cNvPr>
@@ -7654,17 +7748,12 @@
           <p:nvPr/>
         </p:nvSpPr>
         <p:spPr>
-          <a:xfrm rot="10800000">
-            <a:off x="3439419" y="4047962"/>
-            <a:ext cx="2308449" cy="828836"/>
+          <a:xfrm>
+            <a:off x="302132" y="3622814"/>
+            <a:ext cx="1777998" cy="1776500"/>
           </a:xfrm>
-          <a:prstGeom prst="bentArrow">
-            <a:avLst>
-              <a:gd name="adj1" fmla="val 25000"/>
-              <a:gd name="adj2" fmla="val 25578"/>
-              <a:gd name="adj3" fmla="val 25000"/>
-              <a:gd name="adj4" fmla="val 0"/>
-            </a:avLst>
+          <a:prstGeom prst="rect">
+            <a:avLst/>
           </a:prstGeom>
         </p:spPr>
         <p:style>
@@ -7688,20 +7777,45 @@
           <a:lstStyle/>
           <a:p>
             <a:pPr algn="ctr"/>
-            <a:endParaRPr lang="en-US">
-              <a:solidFill>
-                <a:schemeClr val="tx1"/>
-              </a:solidFill>
-            </a:endParaRPr>
-          </a:p>
-        </p:txBody>
-      </p:sp>
-      <p:sp>
-        <p:nvSpPr>
-          <p:cNvPr id="12" name="Rectangle 11">
+            <a:r>
+              <a:rPr lang="en-US" dirty="0">
+                <a:solidFill>
+                  <a:srgbClr val="000000"/>
+                </a:solidFill>
+              </a:rPr>
+              <a:t>Existing</a:t>
+            </a:r>
+          </a:p>
+          <a:p>
+            <a:pPr algn="ctr"/>
+            <a:r>
+              <a:rPr lang="en-US" dirty="0">
+                <a:solidFill>
+                  <a:srgbClr val="000000"/>
+                </a:solidFill>
+              </a:rPr>
+              <a:t>Database </a:t>
+            </a:r>
+          </a:p>
+          <a:p>
+            <a:pPr algn="ctr"/>
+            <a:r>
+              <a:rPr lang="en-US" dirty="0">
+                <a:solidFill>
+                  <a:srgbClr val="000000"/>
+                </a:solidFill>
+              </a:rPr>
+              <a:t>Tables</a:t>
+            </a:r>
+          </a:p>
+        </p:txBody>
+      </p:sp>
+      <p:sp>
+        <p:nvSpPr>
+          <p:cNvPr id="15" name="Rectangle 14">
             <a:extLst>
               <a:ext uri="{FF2B5EF4-FFF2-40B4-BE49-F238E27FC236}">
-                <a16:creationId xmlns:a16="http://schemas.microsoft.com/office/drawing/2014/main" id="{167294D8-8335-4F67-8BF5-77CC22E73A17}"/>
+                <a16:creationId xmlns:a16="http://schemas.microsoft.com/office/drawing/2014/main" id="{0AB674E2-F7D4-4F70-86B8-2DEF1CFD0764}"/>
               </a:ext>
             </a:extLst>
           </p:cNvPr>
@@ -7710,7 +7824,1090 @@
         </p:nvSpPr>
         <p:spPr>
           <a:xfrm>
-            <a:off x="2403412" y="4265613"/>
+            <a:off x="3299168" y="3622814"/>
+            <a:ext cx="1777998" cy="1776499"/>
+          </a:xfrm>
+          <a:prstGeom prst="rect">
+            <a:avLst/>
+          </a:prstGeom>
+        </p:spPr>
+        <p:style>
+          <a:lnRef idx="2">
+            <a:schemeClr val="accent1">
+              <a:shade val="50000"/>
+            </a:schemeClr>
+          </a:lnRef>
+          <a:fillRef idx="1">
+            <a:schemeClr val="accent1"/>
+          </a:fillRef>
+          <a:effectRef idx="0">
+            <a:schemeClr val="accent1"/>
+          </a:effectRef>
+          <a:fontRef idx="minor">
+            <a:schemeClr val="lt1"/>
+          </a:fontRef>
+        </p:style>
+        <p:txBody>
+          <a:bodyPr rtlCol="0" anchor="ctr"/>
+          <a:lstStyle/>
+          <a:p>
+            <a:pPr algn="ctr"/>
+            <a:r>
+              <a:rPr lang="en-US" b="1" dirty="0">
+                <a:solidFill>
+                  <a:srgbClr val="000000"/>
+                </a:solidFill>
+              </a:rPr>
+              <a:t>Scaffold</a:t>
+            </a:r>
+          </a:p>
+          <a:p>
+            <a:pPr algn="ctr"/>
+            <a:r>
+              <a:rPr lang="en-US" b="1" dirty="0">
+                <a:solidFill>
+                  <a:srgbClr val="000000"/>
+                </a:solidFill>
+              </a:rPr>
+              <a:t>DbContext</a:t>
+            </a:r>
+            <a:endParaRPr lang="en-US" dirty="0">
+              <a:solidFill>
+                <a:srgbClr val="000000"/>
+              </a:solidFill>
+            </a:endParaRPr>
+          </a:p>
+        </p:txBody>
+      </p:sp>
+      <p:sp>
+        <p:nvSpPr>
+          <p:cNvPr id="16" name="Arrow: Down 15">
+            <a:extLst>
+              <a:ext uri="{FF2B5EF4-FFF2-40B4-BE49-F238E27FC236}">
+                <a16:creationId xmlns:a16="http://schemas.microsoft.com/office/drawing/2014/main" id="{9C46A2A4-05D4-414D-888E-CE0F10E82669}"/>
+              </a:ext>
+            </a:extLst>
+          </p:cNvPr>
+          <p:cNvSpPr/>
+          <p:nvPr/>
+        </p:nvSpPr>
+        <p:spPr>
+          <a:xfrm rot="16200000">
+            <a:off x="2432052" y="4057217"/>
+            <a:ext cx="528145" cy="1004426"/>
+          </a:xfrm>
+          <a:prstGeom prst="downArrow">
+            <a:avLst/>
+          </a:prstGeom>
+        </p:spPr>
+        <p:style>
+          <a:lnRef idx="2">
+            <a:schemeClr val="accent1">
+              <a:shade val="50000"/>
+            </a:schemeClr>
+          </a:lnRef>
+          <a:fillRef idx="1">
+            <a:schemeClr val="accent1"/>
+          </a:fillRef>
+          <a:effectRef idx="0">
+            <a:schemeClr val="accent1"/>
+          </a:effectRef>
+          <a:fontRef idx="minor">
+            <a:schemeClr val="lt1"/>
+          </a:fontRef>
+        </p:style>
+        <p:txBody>
+          <a:bodyPr rtlCol="0" anchor="ctr"/>
+          <a:lstStyle/>
+          <a:p>
+            <a:pPr algn="ctr"/>
+            <a:endParaRPr lang="en-US" dirty="0"/>
+          </a:p>
+        </p:txBody>
+      </p:sp>
+      <p:sp>
+        <p:nvSpPr>
+          <p:cNvPr id="17" name="Arrow: Down 16">
+            <a:extLst>
+              <a:ext uri="{FF2B5EF4-FFF2-40B4-BE49-F238E27FC236}">
+                <a16:creationId xmlns:a16="http://schemas.microsoft.com/office/drawing/2014/main" id="{D8E14C50-E48A-4AF2-A9CD-1C950B73A908}"/>
+              </a:ext>
+            </a:extLst>
+          </p:cNvPr>
+          <p:cNvSpPr/>
+          <p:nvPr/>
+        </p:nvSpPr>
+        <p:spPr>
+          <a:xfrm rot="16200000">
+            <a:off x="5485119" y="4057217"/>
+            <a:ext cx="528145" cy="1004426"/>
+          </a:xfrm>
+          <a:prstGeom prst="downArrow">
+            <a:avLst/>
+          </a:prstGeom>
+        </p:spPr>
+        <p:style>
+          <a:lnRef idx="2">
+            <a:schemeClr val="accent1">
+              <a:shade val="50000"/>
+            </a:schemeClr>
+          </a:lnRef>
+          <a:fillRef idx="1">
+            <a:schemeClr val="accent1"/>
+          </a:fillRef>
+          <a:effectRef idx="0">
+            <a:schemeClr val="accent1"/>
+          </a:effectRef>
+          <a:fontRef idx="minor">
+            <a:schemeClr val="lt1"/>
+          </a:fontRef>
+        </p:style>
+        <p:txBody>
+          <a:bodyPr rtlCol="0" anchor="ctr"/>
+          <a:lstStyle/>
+          <a:p>
+            <a:pPr algn="ctr"/>
+            <a:endParaRPr lang="en-US"/>
+          </a:p>
+        </p:txBody>
+      </p:sp>
+      <p:sp>
+        <p:nvSpPr>
+          <p:cNvPr id="18" name="Rectangle 17">
+            <a:extLst>
+              <a:ext uri="{FF2B5EF4-FFF2-40B4-BE49-F238E27FC236}">
+                <a16:creationId xmlns:a16="http://schemas.microsoft.com/office/drawing/2014/main" id="{023A6B8A-5F57-476A-A551-A7C2EF159F05}"/>
+              </a:ext>
+            </a:extLst>
+          </p:cNvPr>
+          <p:cNvSpPr/>
+          <p:nvPr/>
+        </p:nvSpPr>
+        <p:spPr>
+          <a:xfrm>
+            <a:off x="7098700" y="3275676"/>
+            <a:ext cx="1312478" cy="914400"/>
+          </a:xfrm>
+          <a:prstGeom prst="rect">
+            <a:avLst/>
+          </a:prstGeom>
+        </p:spPr>
+        <p:style>
+          <a:lnRef idx="2">
+            <a:schemeClr val="accent1">
+              <a:shade val="50000"/>
+            </a:schemeClr>
+          </a:lnRef>
+          <a:fillRef idx="1">
+            <a:schemeClr val="accent1"/>
+          </a:fillRef>
+          <a:effectRef idx="0">
+            <a:schemeClr val="accent1"/>
+          </a:effectRef>
+          <a:fontRef idx="minor">
+            <a:schemeClr val="lt1"/>
+          </a:fontRef>
+        </p:style>
+        <p:txBody>
+          <a:bodyPr rtlCol="0" anchor="ctr"/>
+          <a:lstStyle/>
+          <a:p>
+            <a:pPr algn="ctr"/>
+            <a:r>
+              <a:rPr lang="en-US" b="1" dirty="0">
+                <a:ln>
+                  <a:solidFill>
+                    <a:srgbClr val="00B050"/>
+                  </a:solidFill>
+                </a:ln>
+                <a:solidFill>
+                  <a:srgbClr val="000000"/>
+                </a:solidFill>
+              </a:rPr>
+              <a:t>Model Class</a:t>
+            </a:r>
+          </a:p>
+        </p:txBody>
+      </p:sp>
+      <p:sp>
+        <p:nvSpPr>
+          <p:cNvPr id="19" name="Rectangle 18">
+            <a:extLst>
+              <a:ext uri="{FF2B5EF4-FFF2-40B4-BE49-F238E27FC236}">
+                <a16:creationId xmlns:a16="http://schemas.microsoft.com/office/drawing/2014/main" id="{8BC1FF9A-4E0C-4250-B835-13F4952A6C29}"/>
+              </a:ext>
+            </a:extLst>
+          </p:cNvPr>
+          <p:cNvSpPr/>
+          <p:nvPr/>
+        </p:nvSpPr>
+        <p:spPr>
+          <a:xfrm>
+            <a:off x="7202458" y="4990638"/>
+            <a:ext cx="1383908" cy="914400"/>
+          </a:xfrm>
+          <a:prstGeom prst="rect">
+            <a:avLst/>
+          </a:prstGeom>
+        </p:spPr>
+        <p:style>
+          <a:lnRef idx="2">
+            <a:schemeClr val="accent1">
+              <a:shade val="50000"/>
+            </a:schemeClr>
+          </a:lnRef>
+          <a:fillRef idx="1">
+            <a:schemeClr val="accent1"/>
+          </a:fillRef>
+          <a:effectRef idx="0">
+            <a:schemeClr val="accent1"/>
+          </a:effectRef>
+          <a:fontRef idx="minor">
+            <a:schemeClr val="lt1"/>
+          </a:fontRef>
+        </p:style>
+        <p:txBody>
+          <a:bodyPr rtlCol="0" anchor="ctr"/>
+          <a:lstStyle/>
+          <a:p>
+            <a:pPr algn="ctr"/>
+            <a:r>
+              <a:rPr lang="en-US" b="1" dirty="0">
+                <a:ln>
+                  <a:solidFill>
+                    <a:srgbClr val="00B050"/>
+                  </a:solidFill>
+                </a:ln>
+                <a:solidFill>
+                  <a:srgbClr val="000000"/>
+                </a:solidFill>
+              </a:rPr>
+              <a:t>DbContext</a:t>
+            </a:r>
+          </a:p>
+          <a:p>
+            <a:pPr algn="ctr"/>
+            <a:r>
+              <a:rPr lang="en-US" b="1" dirty="0">
+                <a:ln>
+                  <a:solidFill>
+                    <a:srgbClr val="00B050"/>
+                  </a:solidFill>
+                </a:ln>
+                <a:solidFill>
+                  <a:srgbClr val="000000"/>
+                </a:solidFill>
+              </a:rPr>
+              <a:t>Class</a:t>
+            </a:r>
+          </a:p>
+        </p:txBody>
+      </p:sp>
+      <p:sp>
+        <p:nvSpPr>
+          <p:cNvPr id="20" name="Right Brace 19">
+            <a:extLst>
+              <a:ext uri="{FF2B5EF4-FFF2-40B4-BE49-F238E27FC236}">
+                <a16:creationId xmlns:a16="http://schemas.microsoft.com/office/drawing/2014/main" id="{9D624544-30ED-411C-BEC7-64485B12B46E}"/>
+              </a:ext>
+            </a:extLst>
+          </p:cNvPr>
+          <p:cNvSpPr/>
+          <p:nvPr/>
+        </p:nvSpPr>
+        <p:spPr>
+          <a:xfrm rot="10800000">
+            <a:off x="6141075" y="3732876"/>
+            <a:ext cx="871538" cy="1653108"/>
+          </a:xfrm>
+          <a:prstGeom prst="rightBrace">
+            <a:avLst/>
+          </a:prstGeom>
+          <a:ln w="19050"/>
+        </p:spPr>
+        <p:style>
+          <a:lnRef idx="1">
+            <a:schemeClr val="accent1"/>
+          </a:lnRef>
+          <a:fillRef idx="0">
+            <a:schemeClr val="accent1"/>
+          </a:fillRef>
+          <a:effectRef idx="0">
+            <a:schemeClr val="accent1"/>
+          </a:effectRef>
+          <a:fontRef idx="minor">
+            <a:schemeClr val="tx1"/>
+          </a:fontRef>
+        </p:style>
+        <p:txBody>
+          <a:bodyPr rtlCol="0" anchor="ctr"/>
+          <a:lstStyle/>
+          <a:p>
+            <a:pPr algn="ctr"/>
+            <a:endParaRPr lang="en-US"/>
+          </a:p>
+        </p:txBody>
+      </p:sp>
+      <p:sp>
+        <p:nvSpPr>
+          <p:cNvPr id="22" name="Rectangle 21">
+            <a:extLst>
+              <a:ext uri="{FF2B5EF4-FFF2-40B4-BE49-F238E27FC236}">
+                <a16:creationId xmlns:a16="http://schemas.microsoft.com/office/drawing/2014/main" id="{45B11A66-A3F3-4B50-832C-688C7FD0D1D1}"/>
+              </a:ext>
+            </a:extLst>
+          </p:cNvPr>
+          <p:cNvSpPr/>
+          <p:nvPr/>
+        </p:nvSpPr>
+        <p:spPr>
+          <a:xfrm>
+            <a:off x="3212216" y="5214256"/>
+            <a:ext cx="2084110" cy="914400"/>
+          </a:xfrm>
+          <a:prstGeom prst="rect">
+            <a:avLst/>
+          </a:prstGeom>
+          <a:noFill/>
+          <a:ln>
+            <a:noFill/>
+          </a:ln>
+        </p:spPr>
+        <p:style>
+          <a:lnRef idx="2">
+            <a:schemeClr val="accent1">
+              <a:shade val="50000"/>
+            </a:schemeClr>
+          </a:lnRef>
+          <a:fillRef idx="1">
+            <a:schemeClr val="accent1"/>
+          </a:fillRef>
+          <a:effectRef idx="0">
+            <a:schemeClr val="accent1"/>
+          </a:effectRef>
+          <a:fontRef idx="minor">
+            <a:schemeClr val="lt1"/>
+          </a:fontRef>
+        </p:style>
+        <p:txBody>
+          <a:bodyPr rtlCol="0" anchor="ctr"/>
+          <a:lstStyle/>
+          <a:p>
+            <a:pPr algn="ctr"/>
+            <a:r>
+              <a:rPr lang="en-US" sz="2400" b="1" dirty="0">
+                <a:solidFill>
+                  <a:srgbClr val="FFC000"/>
+                </a:solidFill>
+              </a:rPr>
+              <a:t>Command</a:t>
+            </a:r>
+          </a:p>
+        </p:txBody>
+      </p:sp>
+      <p:sp>
+        <p:nvSpPr>
+          <p:cNvPr id="4" name="Plus Sign 3">
+            <a:extLst>
+              <a:ext uri="{FF2B5EF4-FFF2-40B4-BE49-F238E27FC236}">
+                <a16:creationId xmlns:a16="http://schemas.microsoft.com/office/drawing/2014/main" id="{D01A00E9-C807-4C33-8390-C53776D6AEEF}"/>
+              </a:ext>
+            </a:extLst>
+          </p:cNvPr>
+          <p:cNvSpPr/>
+          <p:nvPr/>
+        </p:nvSpPr>
+        <p:spPr>
+          <a:xfrm>
+            <a:off x="7515683" y="4344526"/>
+            <a:ext cx="590773" cy="636587"/>
+          </a:xfrm>
+          <a:prstGeom prst="mathPlus">
+            <a:avLst/>
+          </a:prstGeom>
+          <a:solidFill>
+            <a:srgbClr val="00B050"/>
+          </a:solidFill>
+          <a:ln>
+            <a:noFill/>
+          </a:ln>
+        </p:spPr>
+        <p:style>
+          <a:lnRef idx="2">
+            <a:schemeClr val="accent1">
+              <a:shade val="50000"/>
+            </a:schemeClr>
+          </a:lnRef>
+          <a:fillRef idx="1">
+            <a:schemeClr val="accent1"/>
+          </a:fillRef>
+          <a:effectRef idx="0">
+            <a:schemeClr val="accent1"/>
+          </a:effectRef>
+          <a:fontRef idx="minor">
+            <a:schemeClr val="lt1"/>
+          </a:fontRef>
+        </p:style>
+        <p:txBody>
+          <a:bodyPr rtlCol="0" anchor="ctr"/>
+          <a:lstStyle/>
+          <a:p>
+            <a:pPr algn="ctr"/>
+            <a:endParaRPr lang="en-US"/>
+          </a:p>
+        </p:txBody>
+      </p:sp>
+    </p:spTree>
+    <p:extLst>
+      <p:ext uri="{BB962C8B-B14F-4D97-AF65-F5344CB8AC3E}">
+        <p14:creationId xmlns:p14="http://schemas.microsoft.com/office/powerpoint/2010/main" val="965440168"/>
+      </p:ext>
+    </p:extLst>
+  </p:cSld>
+  <p:clrMapOvr>
+    <a:overrideClrMapping bg1="dk1" tx1="lt1" bg2="dk2" tx2="lt2" accent1="accent1" accent2="accent2" accent3="accent3" accent4="accent4" accent5="accent5" accent6="accent6" hlink="hlink" folHlink="folHlink"/>
+  </p:clrMapOvr>
+</p:sld>
+</file>
+
+<file path=ppt/slides/slide12.xml><?xml version="1.0" encoding="utf-8"?>
+<p:sld xmlns:a="http://schemas.openxmlformats.org/drawingml/2006/main" xmlns:r="http://schemas.openxmlformats.org/officeDocument/2006/relationships" xmlns:p="http://schemas.openxmlformats.org/presentationml/2006/main">
+  <p:cSld>
+    <p:bg>
+      <p:bgPr>
+        <a:solidFill>
+          <a:schemeClr val="bg2"/>
+        </a:solidFill>
+        <a:effectLst/>
+      </p:bgPr>
+    </p:bg>
+    <p:spTree>
+      <p:nvGrpSpPr>
+        <p:cNvPr id="1" name=""/>
+        <p:cNvGrpSpPr/>
+        <p:nvPr/>
+      </p:nvGrpSpPr>
+      <p:grpSpPr>
+        <a:xfrm>
+          <a:off x="0" y="0"/>
+          <a:ext cx="0" cy="0"/>
+          <a:chOff x="0" y="0"/>
+          <a:chExt cx="0" cy="0"/>
+        </a:xfrm>
+      </p:grpSpPr>
+      <p:pic>
+        <p:nvPicPr>
+          <p:cNvPr id="40" name="Picture 39">
+            <a:extLst>
+              <a:ext uri="{FF2B5EF4-FFF2-40B4-BE49-F238E27FC236}">
+                <a16:creationId xmlns:a16="http://schemas.microsoft.com/office/drawing/2014/main" id="{BB8EE029-CBE1-462D-BAC3-F66A43459D59}"/>
+              </a:ext>
+            </a:extLst>
+          </p:cNvPr>
+          <p:cNvPicPr>
+            <a:picLocks noChangeAspect="1"/>
+          </p:cNvPicPr>
+          <p:nvPr/>
+        </p:nvPicPr>
+        <p:blipFill>
+          <a:blip r:embed="rId2"/>
+          <a:stretch>
+            <a:fillRect/>
+          </a:stretch>
+        </p:blipFill>
+        <p:spPr>
+          <a:xfrm>
+            <a:off x="3907529" y="5400919"/>
+            <a:ext cx="7703899" cy="799272"/>
+          </a:xfrm>
+          <a:prstGeom prst="rect">
+            <a:avLst/>
+          </a:prstGeom>
+        </p:spPr>
+      </p:pic>
+      <p:sp>
+        <p:nvSpPr>
+          <p:cNvPr id="2" name="Title 1">
+            <a:extLst>
+              <a:ext uri="{FF2B5EF4-FFF2-40B4-BE49-F238E27FC236}">
+                <a16:creationId xmlns:a16="http://schemas.microsoft.com/office/drawing/2014/main" id="{C7492CCE-C435-464E-A19A-D4C606FDBE3D}"/>
+              </a:ext>
+            </a:extLst>
+          </p:cNvPr>
+          <p:cNvSpPr>
+            <a:spLocks noGrp="1"/>
+          </p:cNvSpPr>
+          <p:nvPr>
+            <p:ph type="title"/>
+          </p:nvPr>
+        </p:nvSpPr>
+        <p:spPr>
+          <a:xfrm>
+            <a:off x="1732010" y="109692"/>
+            <a:ext cx="10018713" cy="1752599"/>
+          </a:xfrm>
+        </p:spPr>
+        <p:txBody>
+          <a:bodyPr>
+            <a:normAutofit/>
+          </a:bodyPr>
+          <a:lstStyle/>
+          <a:p>
+            <a:r>
+              <a:rPr lang="en-US" b="1" dirty="0">
+                <a:solidFill>
+                  <a:srgbClr val="FFC000"/>
+                </a:solidFill>
+              </a:rPr>
+              <a:t>Install 3 Packages ASP.NET Core MVC Application </a:t>
+            </a:r>
+            <a:endParaRPr lang="en-US" dirty="0"/>
+          </a:p>
+        </p:txBody>
+      </p:sp>
+      <p:pic>
+        <p:nvPicPr>
+          <p:cNvPr id="30" name="Content Placeholder 29">
+            <a:extLst>
+              <a:ext uri="{FF2B5EF4-FFF2-40B4-BE49-F238E27FC236}">
+                <a16:creationId xmlns:a16="http://schemas.microsoft.com/office/drawing/2014/main" id="{40290917-7F92-4D9D-A3C4-9BC426887109}"/>
+              </a:ext>
+            </a:extLst>
+          </p:cNvPr>
+          <p:cNvPicPr>
+            <a:picLocks noGrp="1" noChangeAspect="1"/>
+          </p:cNvPicPr>
+          <p:nvPr>
+            <p:ph sz="half" idx="2"/>
+          </p:nvPr>
+        </p:nvPicPr>
+        <p:blipFill>
+          <a:blip r:embed="rId3"/>
+          <a:stretch>
+            <a:fillRect/>
+          </a:stretch>
+        </p:blipFill>
+        <p:spPr>
+          <a:xfrm>
+            <a:off x="3946328" y="2090496"/>
+            <a:ext cx="7665101" cy="785366"/>
+          </a:xfrm>
+        </p:spPr>
+      </p:pic>
+      <p:pic>
+        <p:nvPicPr>
+          <p:cNvPr id="7" name="Picture 6">
+            <a:extLst>
+              <a:ext uri="{FF2B5EF4-FFF2-40B4-BE49-F238E27FC236}">
+                <a16:creationId xmlns:a16="http://schemas.microsoft.com/office/drawing/2014/main" id="{AF3A908F-96D3-4E4B-9A77-12CB8C2E959A}"/>
+              </a:ext>
+            </a:extLst>
+          </p:cNvPr>
+          <p:cNvPicPr>
+            <a:picLocks noChangeAspect="1"/>
+          </p:cNvPicPr>
+          <p:nvPr/>
+        </p:nvPicPr>
+        <p:blipFill>
+          <a:blip r:embed="rId4"/>
+          <a:stretch>
+            <a:fillRect/>
+          </a:stretch>
+        </p:blipFill>
+        <p:spPr>
+          <a:xfrm>
+            <a:off x="2573838" y="1697405"/>
+            <a:ext cx="1574734" cy="1574734"/>
+          </a:xfrm>
+          <a:prstGeom prst="rect">
+            <a:avLst/>
+          </a:prstGeom>
+        </p:spPr>
+      </p:pic>
+      <p:pic>
+        <p:nvPicPr>
+          <p:cNvPr id="34" name="Picture 33">
+            <a:extLst>
+              <a:ext uri="{FF2B5EF4-FFF2-40B4-BE49-F238E27FC236}">
+                <a16:creationId xmlns:a16="http://schemas.microsoft.com/office/drawing/2014/main" id="{E825E400-ABE1-4747-88FC-C998D660E2E0}"/>
+              </a:ext>
+            </a:extLst>
+          </p:cNvPr>
+          <p:cNvPicPr>
+            <a:picLocks noChangeAspect="1"/>
+          </p:cNvPicPr>
+          <p:nvPr/>
+        </p:nvPicPr>
+        <p:blipFill>
+          <a:blip r:embed="rId5"/>
+          <a:stretch>
+            <a:fillRect/>
+          </a:stretch>
+        </p:blipFill>
+        <p:spPr>
+          <a:xfrm>
+            <a:off x="3972433" y="3831382"/>
+            <a:ext cx="7638996" cy="752513"/>
+          </a:xfrm>
+          <a:prstGeom prst="rect">
+            <a:avLst/>
+          </a:prstGeom>
+        </p:spPr>
+      </p:pic>
+      <p:pic>
+        <p:nvPicPr>
+          <p:cNvPr id="32" name="Picture 31">
+            <a:extLst>
+              <a:ext uri="{FF2B5EF4-FFF2-40B4-BE49-F238E27FC236}">
+                <a16:creationId xmlns:a16="http://schemas.microsoft.com/office/drawing/2014/main" id="{6198CDE2-0E23-4B5D-807A-D71FB0111D82}"/>
+              </a:ext>
+            </a:extLst>
+          </p:cNvPr>
+          <p:cNvPicPr>
+            <a:picLocks noChangeAspect="1"/>
+          </p:cNvPicPr>
+          <p:nvPr/>
+        </p:nvPicPr>
+        <p:blipFill>
+          <a:blip r:embed="rId6"/>
+          <a:stretch>
+            <a:fillRect/>
+          </a:stretch>
+        </p:blipFill>
+        <p:spPr>
+          <a:xfrm>
+            <a:off x="2573838" y="3422942"/>
+            <a:ext cx="1572768" cy="1572768"/>
+          </a:xfrm>
+          <a:prstGeom prst="rect">
+            <a:avLst/>
+          </a:prstGeom>
+        </p:spPr>
+      </p:pic>
+      <p:pic>
+        <p:nvPicPr>
+          <p:cNvPr id="36" name="Picture 35">
+            <a:extLst>
+              <a:ext uri="{FF2B5EF4-FFF2-40B4-BE49-F238E27FC236}">
+                <a16:creationId xmlns:a16="http://schemas.microsoft.com/office/drawing/2014/main" id="{DDC00B44-4E7F-4E79-AB00-5D190260DE35}"/>
+              </a:ext>
+            </a:extLst>
+          </p:cNvPr>
+          <p:cNvPicPr>
+            <a:picLocks noChangeAspect="1"/>
+          </p:cNvPicPr>
+          <p:nvPr/>
+        </p:nvPicPr>
+        <p:blipFill>
+          <a:blip r:embed="rId7"/>
+          <a:stretch>
+            <a:fillRect/>
+          </a:stretch>
+        </p:blipFill>
+        <p:spPr>
+          <a:xfrm>
+            <a:off x="2501268" y="5014171"/>
+            <a:ext cx="1572768" cy="1572768"/>
+          </a:xfrm>
+          <a:prstGeom prst="rect">
+            <a:avLst/>
+          </a:prstGeom>
+        </p:spPr>
+      </p:pic>
+      <p:sp>
+        <p:nvSpPr>
+          <p:cNvPr id="41" name="Rectangle 40">
+            <a:extLst>
+              <a:ext uri="{FF2B5EF4-FFF2-40B4-BE49-F238E27FC236}">
+                <a16:creationId xmlns:a16="http://schemas.microsoft.com/office/drawing/2014/main" id="{4E23958F-DDAF-4384-BF30-0112435DB5FA}"/>
+              </a:ext>
+            </a:extLst>
+          </p:cNvPr>
+          <p:cNvSpPr/>
+          <p:nvPr/>
+        </p:nvSpPr>
+        <p:spPr>
+          <a:xfrm>
+            <a:off x="3798262" y="4552142"/>
+            <a:ext cx="8059910" cy="518748"/>
+          </a:xfrm>
+          <a:prstGeom prst="rect">
+            <a:avLst/>
+          </a:prstGeom>
+          <a:noFill/>
+          <a:ln>
+            <a:noFill/>
+          </a:ln>
+        </p:spPr>
+        <p:style>
+          <a:lnRef idx="2">
+            <a:schemeClr val="accent1">
+              <a:shade val="50000"/>
+            </a:schemeClr>
+          </a:lnRef>
+          <a:fillRef idx="1">
+            <a:schemeClr val="accent1"/>
+          </a:fillRef>
+          <a:effectRef idx="0">
+            <a:schemeClr val="accent1"/>
+          </a:effectRef>
+          <a:fontRef idx="minor">
+            <a:schemeClr val="lt1"/>
+          </a:fontRef>
+        </p:style>
+        <p:txBody>
+          <a:bodyPr rtlCol="0" anchor="ctr"/>
+          <a:lstStyle/>
+          <a:p>
+            <a:pPr algn="ctr"/>
+            <a:r>
+              <a:rPr lang="en-US" sz="2000" dirty="0">
+                <a:solidFill>
+                  <a:srgbClr val="FFC000"/>
+                </a:solidFill>
+              </a:rPr>
+              <a:t>They’re primarily used to manage Migrations and to scaffold a DBContext</a:t>
+            </a:r>
+          </a:p>
+        </p:txBody>
+      </p:sp>
+      <p:sp>
+        <p:nvSpPr>
+          <p:cNvPr id="42" name="Rectangle 41">
+            <a:extLst>
+              <a:ext uri="{FF2B5EF4-FFF2-40B4-BE49-F238E27FC236}">
+                <a16:creationId xmlns:a16="http://schemas.microsoft.com/office/drawing/2014/main" id="{626BA2D2-3EC1-48B8-9E9A-72B4C720ABAC}"/>
+              </a:ext>
+            </a:extLst>
+          </p:cNvPr>
+          <p:cNvSpPr/>
+          <p:nvPr/>
+        </p:nvSpPr>
+        <p:spPr>
+          <a:xfrm>
+            <a:off x="3360222" y="6222701"/>
+            <a:ext cx="8059910" cy="518748"/>
+          </a:xfrm>
+          <a:prstGeom prst="rect">
+            <a:avLst/>
+          </a:prstGeom>
+          <a:noFill/>
+          <a:ln>
+            <a:noFill/>
+          </a:ln>
+        </p:spPr>
+        <p:style>
+          <a:lnRef idx="2">
+            <a:schemeClr val="accent1">
+              <a:shade val="50000"/>
+            </a:schemeClr>
+          </a:lnRef>
+          <a:fillRef idx="1">
+            <a:schemeClr val="accent1"/>
+          </a:fillRef>
+          <a:effectRef idx="0">
+            <a:schemeClr val="accent1"/>
+          </a:effectRef>
+          <a:fontRef idx="minor">
+            <a:schemeClr val="lt1"/>
+          </a:fontRef>
+        </p:style>
+        <p:txBody>
+          <a:bodyPr rtlCol="0" anchor="ctr"/>
+          <a:lstStyle/>
+          <a:p>
+            <a:pPr algn="ctr"/>
+            <a:r>
+              <a:rPr lang="en-US" sz="2000" dirty="0">
+                <a:solidFill>
+                  <a:srgbClr val="FFC000"/>
+                </a:solidFill>
+              </a:rPr>
+              <a:t>This Contains all the design-time logic for Entity Framework Core.</a:t>
+            </a:r>
+          </a:p>
+        </p:txBody>
+      </p:sp>
+      <p:sp>
+        <p:nvSpPr>
+          <p:cNvPr id="43" name="Rectangle 42">
+            <a:extLst>
+              <a:ext uri="{FF2B5EF4-FFF2-40B4-BE49-F238E27FC236}">
+                <a16:creationId xmlns:a16="http://schemas.microsoft.com/office/drawing/2014/main" id="{655E530D-049D-4EB1-AD75-BB1475BFEED4}"/>
+              </a:ext>
+            </a:extLst>
+          </p:cNvPr>
+          <p:cNvSpPr/>
+          <p:nvPr/>
+        </p:nvSpPr>
+        <p:spPr>
+          <a:xfrm>
+            <a:off x="1632814" y="1095348"/>
+            <a:ext cx="1882047" cy="526656"/>
+          </a:xfrm>
+          <a:prstGeom prst="rect">
+            <a:avLst/>
+          </a:prstGeom>
+        </p:spPr>
+        <p:style>
+          <a:lnRef idx="2">
+            <a:schemeClr val="accent1">
+              <a:shade val="50000"/>
+            </a:schemeClr>
+          </a:lnRef>
+          <a:fillRef idx="1">
+            <a:schemeClr val="accent1"/>
+          </a:fillRef>
+          <a:effectRef idx="0">
+            <a:schemeClr val="accent1"/>
+          </a:effectRef>
+          <a:fontRef idx="minor">
+            <a:schemeClr val="lt1"/>
+          </a:fontRef>
+        </p:style>
+        <p:txBody>
+          <a:bodyPr rtlCol="0" anchor="ctr"/>
+          <a:lstStyle/>
+          <a:p>
+            <a:r>
+              <a:rPr lang="en-US" sz="3200" b="1" dirty="0">
+                <a:solidFill>
+                  <a:srgbClr val="7030A0"/>
+                </a:solidFill>
+              </a:rPr>
+              <a:t>Step # 01</a:t>
+            </a:r>
+          </a:p>
+        </p:txBody>
+      </p:sp>
+    </p:spTree>
+    <p:extLst>
+      <p:ext uri="{BB962C8B-B14F-4D97-AF65-F5344CB8AC3E}">
+        <p14:creationId xmlns:p14="http://schemas.microsoft.com/office/powerpoint/2010/main" val="890071324"/>
+      </p:ext>
+    </p:extLst>
+  </p:cSld>
+  <p:clrMapOvr>
+    <a:overrideClrMapping bg1="dk1" tx1="lt1" bg2="dk2" tx2="lt2" accent1="accent1" accent2="accent2" accent3="accent3" accent4="accent4" accent5="accent5" accent6="accent6" hlink="hlink" folHlink="folHlink"/>
+  </p:clrMapOvr>
+</p:sld>
+</file>
+
+<file path=ppt/slides/slide13.xml><?xml version="1.0" encoding="utf-8"?>
+<p:sld xmlns:a="http://schemas.openxmlformats.org/drawingml/2006/main" xmlns:r="http://schemas.openxmlformats.org/officeDocument/2006/relationships" xmlns:p="http://schemas.openxmlformats.org/presentationml/2006/main">
+  <p:cSld>
+    <p:bg>
+      <p:bgPr>
+        <a:solidFill>
+          <a:schemeClr val="bg2"/>
+        </a:solidFill>
+        <a:effectLst/>
+      </p:bgPr>
+    </p:bg>
+    <p:spTree>
+      <p:nvGrpSpPr>
+        <p:cNvPr id="1" name=""/>
+        <p:cNvGrpSpPr/>
+        <p:nvPr/>
+      </p:nvGrpSpPr>
+      <p:grpSpPr>
+        <a:xfrm>
+          <a:off x="0" y="0"/>
+          <a:ext cx="0" cy="0"/>
+          <a:chOff x="0" y="0"/>
+          <a:chExt cx="0" cy="0"/>
+        </a:xfrm>
+      </p:grpSpPr>
+      <p:sp>
+        <p:nvSpPr>
+          <p:cNvPr id="43" name="Rectangle 42">
+            <a:extLst>
+              <a:ext uri="{FF2B5EF4-FFF2-40B4-BE49-F238E27FC236}">
+                <a16:creationId xmlns:a16="http://schemas.microsoft.com/office/drawing/2014/main" id="{655E530D-049D-4EB1-AD75-BB1475BFEED4}"/>
+              </a:ext>
+            </a:extLst>
+          </p:cNvPr>
+          <p:cNvSpPr/>
+          <p:nvPr/>
+        </p:nvSpPr>
+        <p:spPr>
+          <a:xfrm>
+            <a:off x="1732009" y="1032303"/>
+            <a:ext cx="1882047" cy="526656"/>
+          </a:xfrm>
+          <a:prstGeom prst="rect">
+            <a:avLst/>
+          </a:prstGeom>
+        </p:spPr>
+        <p:style>
+          <a:lnRef idx="2">
+            <a:schemeClr val="accent1">
+              <a:shade val="50000"/>
+            </a:schemeClr>
+          </a:lnRef>
+          <a:fillRef idx="1">
+            <a:schemeClr val="accent1"/>
+          </a:fillRef>
+          <a:effectRef idx="0">
+            <a:schemeClr val="accent1"/>
+          </a:effectRef>
+          <a:fontRef idx="minor">
+            <a:schemeClr val="lt1"/>
+          </a:fontRef>
+        </p:style>
+        <p:txBody>
+          <a:bodyPr rtlCol="0" anchor="ctr"/>
+          <a:lstStyle/>
+          <a:p>
+            <a:r>
+              <a:rPr lang="en-US" sz="3200" b="1" dirty="0">
+                <a:solidFill>
+                  <a:srgbClr val="7030A0"/>
+                </a:solidFill>
+              </a:rPr>
+              <a:t>Step # 02</a:t>
+            </a:r>
+          </a:p>
+        </p:txBody>
+      </p:sp>
+      <p:sp>
+        <p:nvSpPr>
+          <p:cNvPr id="14" name="Rectangle 13">
+            <a:extLst>
+              <a:ext uri="{FF2B5EF4-FFF2-40B4-BE49-F238E27FC236}">
+                <a16:creationId xmlns:a16="http://schemas.microsoft.com/office/drawing/2014/main" id="{85BBF831-03CE-4DC6-98AB-FA29819745EF}"/>
+              </a:ext>
+            </a:extLst>
+          </p:cNvPr>
+          <p:cNvSpPr/>
+          <p:nvPr/>
+        </p:nvSpPr>
+        <p:spPr>
+          <a:xfrm>
+            <a:off x="1583502" y="1840095"/>
+            <a:ext cx="8059910" cy="518748"/>
+          </a:xfrm>
+          <a:prstGeom prst="rect">
+            <a:avLst/>
+          </a:prstGeom>
+          <a:noFill/>
+          <a:ln>
+            <a:noFill/>
+          </a:ln>
+        </p:spPr>
+        <p:style>
+          <a:lnRef idx="2">
+            <a:schemeClr val="accent1">
+              <a:shade val="50000"/>
+            </a:schemeClr>
+          </a:lnRef>
+          <a:fillRef idx="1">
+            <a:schemeClr val="accent1"/>
+          </a:fillRef>
+          <a:effectRef idx="0">
+            <a:schemeClr val="accent1"/>
+          </a:effectRef>
+          <a:fontRef idx="minor">
+            <a:schemeClr val="lt1"/>
+          </a:fontRef>
+        </p:style>
+        <p:txBody>
+          <a:bodyPr rtlCol="0" anchor="ctr"/>
+          <a:lstStyle/>
+          <a:p>
+            <a:pPr marL="457200" indent="-457200">
+              <a:buFont typeface="Wingdings" panose="05000000000000000000" pitchFamily="2" charset="2"/>
+              <a:buChar char="Ø"/>
+            </a:pPr>
+            <a:r>
+              <a:rPr lang="en-US" sz="3200" dirty="0">
+                <a:solidFill>
+                  <a:schemeClr val="tx1"/>
+                </a:solidFill>
+              </a:rPr>
+              <a:t>Execute a command for scaffold DBContext</a:t>
+            </a:r>
+          </a:p>
+        </p:txBody>
+      </p:sp>
+      <p:sp>
+        <p:nvSpPr>
+          <p:cNvPr id="5" name="Rectangle 4">
+            <a:extLst>
+              <a:ext uri="{FF2B5EF4-FFF2-40B4-BE49-F238E27FC236}">
+                <a16:creationId xmlns:a16="http://schemas.microsoft.com/office/drawing/2014/main" id="{612C8AB2-565E-4F9E-AE1D-85205F3F703B}"/>
+              </a:ext>
+            </a:extLst>
+          </p:cNvPr>
+          <p:cNvSpPr/>
+          <p:nvPr/>
+        </p:nvSpPr>
+        <p:spPr>
+          <a:xfrm>
+            <a:off x="1511371" y="2950713"/>
+            <a:ext cx="10459990" cy="707886"/>
+          </a:xfrm>
+          <a:prstGeom prst="rect">
+            <a:avLst/>
+          </a:prstGeom>
+        </p:spPr>
+        <p:txBody>
+          <a:bodyPr wrap="square">
+            <a:spAutoFit/>
+          </a:bodyPr>
+          <a:lstStyle/>
+          <a:p>
+            <a:pPr algn="ctr"/>
+            <a:r>
+              <a:rPr lang="en-US" sz="2000" dirty="0"/>
+              <a:t>Scaffold-DbContext "data source=.;initial catalog=Studentdb;user id=sa;password=aptech;" </a:t>
+            </a:r>
+            <a:r>
+              <a:rPr lang="en-US" sz="2000" dirty="0">
+                <a:solidFill>
+                  <a:srgbClr val="00B0F0"/>
+                </a:solidFill>
+              </a:rPr>
+              <a:t>Microsoft.EntityFrameworkCore.SqlServer  </a:t>
+            </a:r>
+            <a:r>
+              <a:rPr lang="en-US" sz="2000" dirty="0">
+                <a:solidFill>
+                  <a:srgbClr val="FFC000"/>
+                </a:solidFill>
+              </a:rPr>
+              <a:t>-OutputDir</a:t>
+            </a:r>
+            <a:r>
+              <a:rPr lang="en-US" sz="2000" dirty="0"/>
+              <a:t> </a:t>
+            </a:r>
+            <a:r>
+              <a:rPr lang="en-US" sz="2000" dirty="0">
+                <a:solidFill>
+                  <a:srgbClr val="DC143F"/>
+                </a:solidFill>
+              </a:rPr>
+              <a:t>Models</a:t>
+            </a:r>
+          </a:p>
+        </p:txBody>
+      </p:sp>
+      <p:sp>
+        <p:nvSpPr>
+          <p:cNvPr id="18" name="Rectangle 17">
+            <a:extLst>
+              <a:ext uri="{FF2B5EF4-FFF2-40B4-BE49-F238E27FC236}">
+                <a16:creationId xmlns:a16="http://schemas.microsoft.com/office/drawing/2014/main" id="{CF32C2D0-78EB-409F-8E24-C54E8139E14F}"/>
+              </a:ext>
+            </a:extLst>
+          </p:cNvPr>
+          <p:cNvSpPr/>
+          <p:nvPr/>
+        </p:nvSpPr>
+        <p:spPr>
+          <a:xfrm>
+            <a:off x="8109155" y="4167775"/>
             <a:ext cx="914400" cy="914400"/>
           </a:xfrm>
           <a:prstGeom prst="rect">
@@ -7748,28 +8945,17 @@
                   <a:srgbClr val="FFC000"/>
                 </a:solidFill>
               </a:rPr>
-              <a:t>Model </a:t>
-            </a:r>
-          </a:p>
-          <a:p>
-            <a:pPr algn="ctr"/>
-            <a:r>
-              <a:rPr lang="en-US" sz="2000" dirty="0">
-                <a:solidFill>
-                  <a:srgbClr val="FFC000"/>
-                </a:solidFill>
-              </a:rPr>
-              <a:t>Class</a:t>
-            </a:r>
-          </a:p>
-        </p:txBody>
-      </p:sp>
-      <p:sp>
-        <p:nvSpPr>
-          <p:cNvPr id="22" name="Rectangle 21">
+              <a:t>Flag</a:t>
+            </a:r>
+          </a:p>
+        </p:txBody>
+      </p:sp>
+      <p:sp>
+        <p:nvSpPr>
+          <p:cNvPr id="19" name="Arrow: Down 18">
             <a:extLst>
               <a:ext uri="{FF2B5EF4-FFF2-40B4-BE49-F238E27FC236}">
-                <a16:creationId xmlns:a16="http://schemas.microsoft.com/office/drawing/2014/main" id="{310DA046-6434-48EE-9C05-04D19D459EF5}"/>
+                <a16:creationId xmlns:a16="http://schemas.microsoft.com/office/drawing/2014/main" id="{F6176B24-86E1-48FE-B933-7719B16E98D3}"/>
               </a:ext>
             </a:extLst>
           </p:cNvPr>
@@ -7778,7 +8964,588 @@
         </p:nvSpPr>
         <p:spPr>
           <a:xfrm>
-            <a:off x="6966441" y="4750496"/>
+            <a:off x="8291273" y="3665667"/>
+            <a:ext cx="528145" cy="625957"/>
+          </a:xfrm>
+          <a:prstGeom prst="downArrow">
+            <a:avLst/>
+          </a:prstGeom>
+        </p:spPr>
+        <p:style>
+          <a:lnRef idx="2">
+            <a:schemeClr val="accent1">
+              <a:shade val="50000"/>
+            </a:schemeClr>
+          </a:lnRef>
+          <a:fillRef idx="1">
+            <a:schemeClr val="accent1"/>
+          </a:fillRef>
+          <a:effectRef idx="0">
+            <a:schemeClr val="accent1"/>
+          </a:effectRef>
+          <a:fontRef idx="minor">
+            <a:schemeClr val="lt1"/>
+          </a:fontRef>
+        </p:style>
+        <p:txBody>
+          <a:bodyPr rtlCol="0" anchor="ctr"/>
+          <a:lstStyle/>
+          <a:p>
+            <a:pPr algn="ctr"/>
+            <a:endParaRPr lang="en-US"/>
+          </a:p>
+        </p:txBody>
+      </p:sp>
+      <p:sp>
+        <p:nvSpPr>
+          <p:cNvPr id="20" name="Rectangle 19">
+            <a:extLst>
+              <a:ext uri="{FF2B5EF4-FFF2-40B4-BE49-F238E27FC236}">
+                <a16:creationId xmlns:a16="http://schemas.microsoft.com/office/drawing/2014/main" id="{99789330-0621-4A51-A826-69684280706D}"/>
+              </a:ext>
+            </a:extLst>
+          </p:cNvPr>
+          <p:cNvSpPr/>
+          <p:nvPr/>
+        </p:nvSpPr>
+        <p:spPr>
+          <a:xfrm>
+            <a:off x="8999794" y="4283528"/>
+            <a:ext cx="1419996" cy="914400"/>
+          </a:xfrm>
+          <a:prstGeom prst="rect">
+            <a:avLst/>
+          </a:prstGeom>
+          <a:noFill/>
+          <a:ln>
+            <a:noFill/>
+          </a:ln>
+        </p:spPr>
+        <p:style>
+          <a:lnRef idx="2">
+            <a:schemeClr val="accent1">
+              <a:shade val="50000"/>
+            </a:schemeClr>
+          </a:lnRef>
+          <a:fillRef idx="1">
+            <a:schemeClr val="accent1"/>
+          </a:fillRef>
+          <a:effectRef idx="0">
+            <a:schemeClr val="accent1"/>
+          </a:effectRef>
+          <a:fontRef idx="minor">
+            <a:schemeClr val="lt1"/>
+          </a:fontRef>
+        </p:style>
+        <p:txBody>
+          <a:bodyPr rtlCol="0" anchor="ctr"/>
+          <a:lstStyle/>
+          <a:p>
+            <a:pPr algn="ctr"/>
+            <a:r>
+              <a:rPr lang="en-US" sz="2000" dirty="0">
+                <a:solidFill>
+                  <a:srgbClr val="DC143F"/>
+                </a:solidFill>
+              </a:rPr>
+              <a:t>Folder Target</a:t>
+            </a:r>
+          </a:p>
+        </p:txBody>
+      </p:sp>
+      <p:sp>
+        <p:nvSpPr>
+          <p:cNvPr id="21" name="Arrow: Down 20">
+            <a:extLst>
+              <a:ext uri="{FF2B5EF4-FFF2-40B4-BE49-F238E27FC236}">
+                <a16:creationId xmlns:a16="http://schemas.microsoft.com/office/drawing/2014/main" id="{FD56632A-CCD7-4F15-B366-8491B8F2E194}"/>
+              </a:ext>
+            </a:extLst>
+          </p:cNvPr>
+          <p:cNvSpPr/>
+          <p:nvPr/>
+        </p:nvSpPr>
+        <p:spPr>
+          <a:xfrm>
+            <a:off x="9466427" y="3640728"/>
+            <a:ext cx="528145" cy="625957"/>
+          </a:xfrm>
+          <a:prstGeom prst="downArrow">
+            <a:avLst/>
+          </a:prstGeom>
+        </p:spPr>
+        <p:style>
+          <a:lnRef idx="2">
+            <a:schemeClr val="accent1">
+              <a:shade val="50000"/>
+            </a:schemeClr>
+          </a:lnRef>
+          <a:fillRef idx="1">
+            <a:schemeClr val="accent1"/>
+          </a:fillRef>
+          <a:effectRef idx="0">
+            <a:schemeClr val="accent1"/>
+          </a:effectRef>
+          <a:fontRef idx="minor">
+            <a:schemeClr val="lt1"/>
+          </a:fontRef>
+        </p:style>
+        <p:txBody>
+          <a:bodyPr rtlCol="0" anchor="ctr"/>
+          <a:lstStyle/>
+          <a:p>
+            <a:pPr algn="ctr"/>
+            <a:endParaRPr lang="en-US"/>
+          </a:p>
+        </p:txBody>
+      </p:sp>
+      <p:sp>
+        <p:nvSpPr>
+          <p:cNvPr id="22" name="Rectangle 21">
+            <a:extLst>
+              <a:ext uri="{FF2B5EF4-FFF2-40B4-BE49-F238E27FC236}">
+                <a16:creationId xmlns:a16="http://schemas.microsoft.com/office/drawing/2014/main" id="{6343ED99-BB7E-41AF-8049-CAC7FC331570}"/>
+              </a:ext>
+            </a:extLst>
+          </p:cNvPr>
+          <p:cNvSpPr/>
+          <p:nvPr/>
+        </p:nvSpPr>
+        <p:spPr>
+          <a:xfrm>
+            <a:off x="4415164" y="4203529"/>
+            <a:ext cx="1680836" cy="914400"/>
+          </a:xfrm>
+          <a:prstGeom prst="rect">
+            <a:avLst/>
+          </a:prstGeom>
+          <a:noFill/>
+          <a:ln>
+            <a:noFill/>
+          </a:ln>
+        </p:spPr>
+        <p:style>
+          <a:lnRef idx="2">
+            <a:schemeClr val="accent1">
+              <a:shade val="50000"/>
+            </a:schemeClr>
+          </a:lnRef>
+          <a:fillRef idx="1">
+            <a:schemeClr val="accent1"/>
+          </a:fillRef>
+          <a:effectRef idx="0">
+            <a:schemeClr val="accent1"/>
+          </a:effectRef>
+          <a:fontRef idx="minor">
+            <a:schemeClr val="lt1"/>
+          </a:fontRef>
+        </p:style>
+        <p:txBody>
+          <a:bodyPr rtlCol="0" anchor="ctr"/>
+          <a:lstStyle/>
+          <a:p>
+            <a:pPr algn="ctr"/>
+            <a:r>
+              <a:rPr lang="en-US" sz="2000" dirty="0">
+                <a:solidFill>
+                  <a:srgbClr val="00B0F0"/>
+                </a:solidFill>
+              </a:rPr>
+              <a:t>Database Provider</a:t>
+            </a:r>
+          </a:p>
+        </p:txBody>
+      </p:sp>
+      <p:sp>
+        <p:nvSpPr>
+          <p:cNvPr id="23" name="Arrow: Down 22">
+            <a:extLst>
+              <a:ext uri="{FF2B5EF4-FFF2-40B4-BE49-F238E27FC236}">
+                <a16:creationId xmlns:a16="http://schemas.microsoft.com/office/drawing/2014/main" id="{1C74A2E7-5425-4172-AD7E-E8596FCBEE84}"/>
+              </a:ext>
+            </a:extLst>
+          </p:cNvPr>
+          <p:cNvSpPr/>
+          <p:nvPr/>
+        </p:nvSpPr>
+        <p:spPr>
+          <a:xfrm>
+            <a:off x="4991510" y="3640728"/>
+            <a:ext cx="528145" cy="625957"/>
+          </a:xfrm>
+          <a:prstGeom prst="downArrow">
+            <a:avLst/>
+          </a:prstGeom>
+        </p:spPr>
+        <p:style>
+          <a:lnRef idx="2">
+            <a:schemeClr val="accent1">
+              <a:shade val="50000"/>
+            </a:schemeClr>
+          </a:lnRef>
+          <a:fillRef idx="1">
+            <a:schemeClr val="accent1"/>
+          </a:fillRef>
+          <a:effectRef idx="0">
+            <a:schemeClr val="accent1"/>
+          </a:effectRef>
+          <a:fontRef idx="minor">
+            <a:schemeClr val="lt1"/>
+          </a:fontRef>
+        </p:style>
+        <p:txBody>
+          <a:bodyPr rtlCol="0" anchor="ctr"/>
+          <a:lstStyle/>
+          <a:p>
+            <a:pPr algn="ctr"/>
+            <a:endParaRPr lang="en-US"/>
+          </a:p>
+        </p:txBody>
+      </p:sp>
+      <p:sp>
+        <p:nvSpPr>
+          <p:cNvPr id="24" name="Rectangle 23">
+            <a:extLst>
+              <a:ext uri="{FF2B5EF4-FFF2-40B4-BE49-F238E27FC236}">
+                <a16:creationId xmlns:a16="http://schemas.microsoft.com/office/drawing/2014/main" id="{3C1497E9-E84B-40C7-972B-6D08A6D07524}"/>
+              </a:ext>
+            </a:extLst>
+          </p:cNvPr>
+          <p:cNvSpPr/>
+          <p:nvPr/>
+        </p:nvSpPr>
+        <p:spPr>
+          <a:xfrm>
+            <a:off x="1732009" y="5313681"/>
+            <a:ext cx="10018713" cy="914400"/>
+          </a:xfrm>
+          <a:prstGeom prst="rect">
+            <a:avLst/>
+          </a:prstGeom>
+          <a:noFill/>
+          <a:ln>
+            <a:noFill/>
+          </a:ln>
+        </p:spPr>
+        <p:style>
+          <a:lnRef idx="2">
+            <a:schemeClr val="accent1">
+              <a:shade val="50000"/>
+            </a:schemeClr>
+          </a:lnRef>
+          <a:fillRef idx="1">
+            <a:schemeClr val="accent1"/>
+          </a:fillRef>
+          <a:effectRef idx="0">
+            <a:schemeClr val="accent1"/>
+          </a:effectRef>
+          <a:fontRef idx="minor">
+            <a:schemeClr val="lt1"/>
+          </a:fontRef>
+        </p:style>
+        <p:txBody>
+          <a:bodyPr rtlCol="0" anchor="ctr"/>
+          <a:lstStyle/>
+          <a:p>
+            <a:pPr marL="457200" indent="-457200">
+              <a:buFont typeface="Wingdings" panose="05000000000000000000" pitchFamily="2" charset="2"/>
+              <a:buChar char="Ø"/>
+            </a:pPr>
+            <a:r>
+              <a:rPr lang="en-US" sz="3200" dirty="0">
+                <a:solidFill>
+                  <a:schemeClr val="tx1"/>
+                </a:solidFill>
+              </a:rPr>
+              <a:t>Above command will generate </a:t>
+            </a:r>
+            <a:r>
+              <a:rPr lang="en-US" sz="3200" b="1" dirty="0">
+                <a:solidFill>
+                  <a:srgbClr val="DC143F"/>
+                </a:solidFill>
+              </a:rPr>
+              <a:t>modal class</a:t>
+            </a:r>
+            <a:r>
+              <a:rPr lang="en-US" sz="3200" dirty="0">
+                <a:solidFill>
+                  <a:srgbClr val="DC143F"/>
+                </a:solidFill>
+              </a:rPr>
+              <a:t> </a:t>
+            </a:r>
+            <a:r>
+              <a:rPr lang="en-US" sz="3200" dirty="0">
+                <a:solidFill>
+                  <a:schemeClr val="tx1"/>
+                </a:solidFill>
+              </a:rPr>
+              <a:t>and </a:t>
+            </a:r>
+            <a:r>
+              <a:rPr lang="en-US" sz="3200" b="1" dirty="0">
+                <a:solidFill>
+                  <a:srgbClr val="FFC000"/>
+                </a:solidFill>
+              </a:rPr>
+              <a:t>DbContext</a:t>
+            </a:r>
+            <a:r>
+              <a:rPr lang="en-US" sz="3200" dirty="0">
+                <a:solidFill>
+                  <a:srgbClr val="FFC000"/>
+                </a:solidFill>
+              </a:rPr>
+              <a:t> class </a:t>
+            </a:r>
+            <a:r>
+              <a:rPr lang="en-US" sz="3200" dirty="0">
+                <a:solidFill>
+                  <a:schemeClr val="tx1"/>
+                </a:solidFill>
+              </a:rPr>
+              <a:t>automatically </a:t>
+            </a:r>
+          </a:p>
+        </p:txBody>
+      </p:sp>
+    </p:spTree>
+    <p:extLst>
+      <p:ext uri="{BB962C8B-B14F-4D97-AF65-F5344CB8AC3E}">
+        <p14:creationId xmlns:p14="http://schemas.microsoft.com/office/powerpoint/2010/main" val="1809819102"/>
+      </p:ext>
+    </p:extLst>
+  </p:cSld>
+  <p:clrMapOvr>
+    <a:overrideClrMapping bg1="dk1" tx1="lt1" bg2="dk2" tx2="lt2" accent1="accent1" accent2="accent2" accent3="accent3" accent4="accent4" accent5="accent5" accent6="accent6" hlink="hlink" folHlink="folHlink"/>
+  </p:clrMapOvr>
+</p:sld>
+</file>
+
+<file path=ppt/slides/slide14.xml><?xml version="1.0" encoding="utf-8"?>
+<p:sld xmlns:a="http://schemas.openxmlformats.org/drawingml/2006/main" xmlns:r="http://schemas.openxmlformats.org/officeDocument/2006/relationships" xmlns:p="http://schemas.openxmlformats.org/presentationml/2006/main">
+  <p:cSld>
+    <p:bg>
+      <p:bgPr>
+        <a:solidFill>
+          <a:schemeClr val="bg2"/>
+        </a:solidFill>
+        <a:effectLst/>
+      </p:bgPr>
+    </p:bg>
+    <p:spTree>
+      <p:nvGrpSpPr>
+        <p:cNvPr id="1" name=""/>
+        <p:cNvGrpSpPr/>
+        <p:nvPr/>
+      </p:nvGrpSpPr>
+      <p:grpSpPr>
+        <a:xfrm>
+          <a:off x="0" y="0"/>
+          <a:ext cx="0" cy="0"/>
+          <a:chOff x="0" y="0"/>
+          <a:chExt cx="0" cy="0"/>
+        </a:xfrm>
+      </p:grpSpPr>
+      <p:sp>
+        <p:nvSpPr>
+          <p:cNvPr id="43" name="Rectangle 42">
+            <a:extLst>
+              <a:ext uri="{FF2B5EF4-FFF2-40B4-BE49-F238E27FC236}">
+                <a16:creationId xmlns:a16="http://schemas.microsoft.com/office/drawing/2014/main" id="{655E530D-049D-4EB1-AD75-BB1475BFEED4}"/>
+              </a:ext>
+            </a:extLst>
+          </p:cNvPr>
+          <p:cNvSpPr/>
+          <p:nvPr/>
+        </p:nvSpPr>
+        <p:spPr>
+          <a:xfrm>
+            <a:off x="1732009" y="1032303"/>
+            <a:ext cx="1882047" cy="526656"/>
+          </a:xfrm>
+          <a:prstGeom prst="rect">
+            <a:avLst/>
+          </a:prstGeom>
+        </p:spPr>
+        <p:style>
+          <a:lnRef idx="2">
+            <a:schemeClr val="accent1">
+              <a:shade val="50000"/>
+            </a:schemeClr>
+          </a:lnRef>
+          <a:fillRef idx="1">
+            <a:schemeClr val="accent1"/>
+          </a:fillRef>
+          <a:effectRef idx="0">
+            <a:schemeClr val="accent1"/>
+          </a:effectRef>
+          <a:fontRef idx="minor">
+            <a:schemeClr val="lt1"/>
+          </a:fontRef>
+        </p:style>
+        <p:txBody>
+          <a:bodyPr rtlCol="0" anchor="ctr"/>
+          <a:lstStyle/>
+          <a:p>
+            <a:r>
+              <a:rPr lang="en-US" sz="3200" b="1" dirty="0">
+                <a:solidFill>
+                  <a:srgbClr val="7030A0"/>
+                </a:solidFill>
+              </a:rPr>
+              <a:t>Step # 02</a:t>
+            </a:r>
+          </a:p>
+        </p:txBody>
+      </p:sp>
+      <p:sp>
+        <p:nvSpPr>
+          <p:cNvPr id="14" name="Rectangle 13">
+            <a:extLst>
+              <a:ext uri="{FF2B5EF4-FFF2-40B4-BE49-F238E27FC236}">
+                <a16:creationId xmlns:a16="http://schemas.microsoft.com/office/drawing/2014/main" id="{85BBF831-03CE-4DC6-98AB-FA29819745EF}"/>
+              </a:ext>
+            </a:extLst>
+          </p:cNvPr>
+          <p:cNvSpPr/>
+          <p:nvPr/>
+        </p:nvSpPr>
+        <p:spPr>
+          <a:xfrm>
+            <a:off x="1583502" y="1840095"/>
+            <a:ext cx="10167220" cy="518748"/>
+          </a:xfrm>
+          <a:prstGeom prst="rect">
+            <a:avLst/>
+          </a:prstGeom>
+          <a:noFill/>
+          <a:ln>
+            <a:noFill/>
+          </a:ln>
+        </p:spPr>
+        <p:style>
+          <a:lnRef idx="2">
+            <a:schemeClr val="accent1">
+              <a:shade val="50000"/>
+            </a:schemeClr>
+          </a:lnRef>
+          <a:fillRef idx="1">
+            <a:schemeClr val="accent1"/>
+          </a:fillRef>
+          <a:effectRef idx="0">
+            <a:schemeClr val="accent1"/>
+          </a:effectRef>
+          <a:fontRef idx="minor">
+            <a:schemeClr val="lt1"/>
+          </a:fontRef>
+        </p:style>
+        <p:txBody>
+          <a:bodyPr rtlCol="0" anchor="ctr"/>
+          <a:lstStyle/>
+          <a:p>
+            <a:pPr marL="457200" indent="-457200">
+              <a:buFont typeface="Wingdings" panose="05000000000000000000" pitchFamily="2" charset="2"/>
+              <a:buChar char="Ø"/>
+            </a:pPr>
+            <a:r>
+              <a:rPr lang="en-US" sz="3200" dirty="0">
+                <a:solidFill>
+                  <a:schemeClr val="tx1"/>
+                </a:solidFill>
+              </a:rPr>
+              <a:t>If we update our database then how we can update our model and DbContext</a:t>
+            </a:r>
+          </a:p>
+        </p:txBody>
+      </p:sp>
+      <p:sp>
+        <p:nvSpPr>
+          <p:cNvPr id="5" name="Rectangle 4">
+            <a:extLst>
+              <a:ext uri="{FF2B5EF4-FFF2-40B4-BE49-F238E27FC236}">
+                <a16:creationId xmlns:a16="http://schemas.microsoft.com/office/drawing/2014/main" id="{612C8AB2-565E-4F9E-AE1D-85205F3F703B}"/>
+              </a:ext>
+            </a:extLst>
+          </p:cNvPr>
+          <p:cNvSpPr/>
+          <p:nvPr/>
+        </p:nvSpPr>
+        <p:spPr>
+          <a:xfrm>
+            <a:off x="1290732" y="3610936"/>
+            <a:ext cx="10459990" cy="707886"/>
+          </a:xfrm>
+          <a:prstGeom prst="rect">
+            <a:avLst/>
+          </a:prstGeom>
+        </p:spPr>
+        <p:txBody>
+          <a:bodyPr wrap="square">
+            <a:spAutoFit/>
+          </a:bodyPr>
+          <a:lstStyle/>
+          <a:p>
+            <a:pPr algn="ctr"/>
+            <a:r>
+              <a:rPr lang="en-US" sz="2000" dirty="0"/>
+              <a:t>Scaffold-DbContext "data source=.;initial catalog=Studentdb;user id=sa;password=aptech;" </a:t>
+            </a:r>
+            <a:r>
+              <a:rPr lang="en-US" sz="2000" dirty="0">
+                <a:solidFill>
+                  <a:srgbClr val="00B0F0"/>
+                </a:solidFill>
+              </a:rPr>
+              <a:t>Microsoft.EntityFrameworkCore.SqlServer  </a:t>
+            </a:r>
+            <a:r>
+              <a:rPr lang="en-US" sz="2000" dirty="0">
+                <a:solidFill>
+                  <a:srgbClr val="FFC000"/>
+                </a:solidFill>
+              </a:rPr>
+              <a:t>-OutputDir</a:t>
+            </a:r>
+            <a:r>
+              <a:rPr lang="en-US" sz="2000" dirty="0"/>
+              <a:t> </a:t>
+            </a:r>
+            <a:r>
+              <a:rPr lang="en-US" sz="2000" dirty="0">
+                <a:solidFill>
+                  <a:srgbClr val="DC143F"/>
+                </a:solidFill>
+              </a:rPr>
+              <a:t>Models </a:t>
+            </a:r>
+            <a:r>
+              <a:rPr lang="en-US" sz="2000" b="1" dirty="0">
+                <a:solidFill>
+                  <a:srgbClr val="FFFF00"/>
+                </a:solidFill>
+              </a:rPr>
+              <a:t>-force</a:t>
+            </a:r>
+          </a:p>
+        </p:txBody>
+      </p:sp>
+      <p:sp>
+        <p:nvSpPr>
+          <p:cNvPr id="18" name="Rectangle 17">
+            <a:extLst>
+              <a:ext uri="{FF2B5EF4-FFF2-40B4-BE49-F238E27FC236}">
+                <a16:creationId xmlns:a16="http://schemas.microsoft.com/office/drawing/2014/main" id="{CF32C2D0-78EB-409F-8E24-C54E8139E14F}"/>
+              </a:ext>
+            </a:extLst>
+          </p:cNvPr>
+          <p:cNvSpPr/>
+          <p:nvPr/>
+        </p:nvSpPr>
+        <p:spPr>
+          <a:xfrm>
+            <a:off x="7496630" y="4832761"/>
             <a:ext cx="914400" cy="914400"/>
           </a:xfrm>
           <a:prstGeom prst="rect">
@@ -7816,17 +9583,17 @@
                   <a:srgbClr val="FFC000"/>
                 </a:solidFill>
               </a:rPr>
-              <a:t>SQL Server DB</a:t>
-            </a:r>
-          </a:p>
-        </p:txBody>
-      </p:sp>
-      <p:sp>
-        <p:nvSpPr>
-          <p:cNvPr id="13" name="Arrow: Down 12">
+              <a:t>Flag</a:t>
+            </a:r>
+          </a:p>
+        </p:txBody>
+      </p:sp>
+      <p:sp>
+        <p:nvSpPr>
+          <p:cNvPr id="19" name="Arrow: Down 18">
             <a:extLst>
               <a:ext uri="{FF2B5EF4-FFF2-40B4-BE49-F238E27FC236}">
-                <a16:creationId xmlns:a16="http://schemas.microsoft.com/office/drawing/2014/main" id="{01BD54BB-E07F-490B-9D9E-3DB205A1326B}"/>
+                <a16:creationId xmlns:a16="http://schemas.microsoft.com/office/drawing/2014/main" id="{F6176B24-86E1-48FE-B933-7719B16E98D3}"/>
               </a:ext>
             </a:extLst>
           </p:cNvPr>
@@ -7835,7 +9602,7 @@
         </p:nvSpPr>
         <p:spPr>
           <a:xfrm>
-            <a:off x="7191739" y="4038339"/>
+            <a:off x="7678748" y="4363107"/>
             <a:ext cx="528145" cy="625957"/>
           </a:xfrm>
           <a:prstGeom prst="downArrow">
@@ -7867,10 +9634,276 @@
           </a:p>
         </p:txBody>
       </p:sp>
+      <p:sp>
+        <p:nvSpPr>
+          <p:cNvPr id="20" name="Rectangle 19">
+            <a:extLst>
+              <a:ext uri="{FF2B5EF4-FFF2-40B4-BE49-F238E27FC236}">
+                <a16:creationId xmlns:a16="http://schemas.microsoft.com/office/drawing/2014/main" id="{99789330-0621-4A51-A826-69684280706D}"/>
+              </a:ext>
+            </a:extLst>
+          </p:cNvPr>
+          <p:cNvSpPr/>
+          <p:nvPr/>
+        </p:nvSpPr>
+        <p:spPr>
+          <a:xfrm>
+            <a:off x="8353768" y="5005907"/>
+            <a:ext cx="1419996" cy="914400"/>
+          </a:xfrm>
+          <a:prstGeom prst="rect">
+            <a:avLst/>
+          </a:prstGeom>
+          <a:noFill/>
+          <a:ln>
+            <a:noFill/>
+          </a:ln>
+        </p:spPr>
+        <p:style>
+          <a:lnRef idx="2">
+            <a:schemeClr val="accent1">
+              <a:shade val="50000"/>
+            </a:schemeClr>
+          </a:lnRef>
+          <a:fillRef idx="1">
+            <a:schemeClr val="accent1"/>
+          </a:fillRef>
+          <a:effectRef idx="0">
+            <a:schemeClr val="accent1"/>
+          </a:effectRef>
+          <a:fontRef idx="minor">
+            <a:schemeClr val="lt1"/>
+          </a:fontRef>
+        </p:style>
+        <p:txBody>
+          <a:bodyPr rtlCol="0" anchor="ctr"/>
+          <a:lstStyle/>
+          <a:p>
+            <a:pPr algn="ctr"/>
+            <a:r>
+              <a:rPr lang="en-US" sz="2000" dirty="0">
+                <a:solidFill>
+                  <a:srgbClr val="DC143F"/>
+                </a:solidFill>
+              </a:rPr>
+              <a:t>Folder Target</a:t>
+            </a:r>
+          </a:p>
+        </p:txBody>
+      </p:sp>
+      <p:sp>
+        <p:nvSpPr>
+          <p:cNvPr id="21" name="Arrow: Down 20">
+            <a:extLst>
+              <a:ext uri="{FF2B5EF4-FFF2-40B4-BE49-F238E27FC236}">
+                <a16:creationId xmlns:a16="http://schemas.microsoft.com/office/drawing/2014/main" id="{FD56632A-CCD7-4F15-B366-8491B8F2E194}"/>
+              </a:ext>
+            </a:extLst>
+          </p:cNvPr>
+          <p:cNvSpPr/>
+          <p:nvPr/>
+        </p:nvSpPr>
+        <p:spPr>
+          <a:xfrm>
+            <a:off x="8820401" y="4363107"/>
+            <a:ext cx="528145" cy="625957"/>
+          </a:xfrm>
+          <a:prstGeom prst="downArrow">
+            <a:avLst/>
+          </a:prstGeom>
+        </p:spPr>
+        <p:style>
+          <a:lnRef idx="2">
+            <a:schemeClr val="accent1">
+              <a:shade val="50000"/>
+            </a:schemeClr>
+          </a:lnRef>
+          <a:fillRef idx="1">
+            <a:schemeClr val="accent1"/>
+          </a:fillRef>
+          <a:effectRef idx="0">
+            <a:schemeClr val="accent1"/>
+          </a:effectRef>
+          <a:fontRef idx="minor">
+            <a:schemeClr val="lt1"/>
+          </a:fontRef>
+        </p:style>
+        <p:txBody>
+          <a:bodyPr rtlCol="0" anchor="ctr"/>
+          <a:lstStyle/>
+          <a:p>
+            <a:pPr algn="ctr"/>
+            <a:endParaRPr lang="en-US"/>
+          </a:p>
+        </p:txBody>
+      </p:sp>
+      <p:sp>
+        <p:nvSpPr>
+          <p:cNvPr id="22" name="Rectangle 21">
+            <a:extLst>
+              <a:ext uri="{FF2B5EF4-FFF2-40B4-BE49-F238E27FC236}">
+                <a16:creationId xmlns:a16="http://schemas.microsoft.com/office/drawing/2014/main" id="{6343ED99-BB7E-41AF-8049-CAC7FC331570}"/>
+              </a:ext>
+            </a:extLst>
+          </p:cNvPr>
+          <p:cNvSpPr/>
+          <p:nvPr/>
+        </p:nvSpPr>
+        <p:spPr>
+          <a:xfrm>
+            <a:off x="4194525" y="4863752"/>
+            <a:ext cx="1680836" cy="914400"/>
+          </a:xfrm>
+          <a:prstGeom prst="rect">
+            <a:avLst/>
+          </a:prstGeom>
+          <a:noFill/>
+          <a:ln>
+            <a:noFill/>
+          </a:ln>
+        </p:spPr>
+        <p:style>
+          <a:lnRef idx="2">
+            <a:schemeClr val="accent1">
+              <a:shade val="50000"/>
+            </a:schemeClr>
+          </a:lnRef>
+          <a:fillRef idx="1">
+            <a:schemeClr val="accent1"/>
+          </a:fillRef>
+          <a:effectRef idx="0">
+            <a:schemeClr val="accent1"/>
+          </a:effectRef>
+          <a:fontRef idx="minor">
+            <a:schemeClr val="lt1"/>
+          </a:fontRef>
+        </p:style>
+        <p:txBody>
+          <a:bodyPr rtlCol="0" anchor="ctr"/>
+          <a:lstStyle/>
+          <a:p>
+            <a:pPr algn="ctr"/>
+            <a:r>
+              <a:rPr lang="en-US" sz="2000" dirty="0">
+                <a:solidFill>
+                  <a:srgbClr val="00B0F0"/>
+                </a:solidFill>
+              </a:rPr>
+              <a:t>Database Provider</a:t>
+            </a:r>
+          </a:p>
+        </p:txBody>
+      </p:sp>
+      <p:sp>
+        <p:nvSpPr>
+          <p:cNvPr id="23" name="Arrow: Down 22">
+            <a:extLst>
+              <a:ext uri="{FF2B5EF4-FFF2-40B4-BE49-F238E27FC236}">
+                <a16:creationId xmlns:a16="http://schemas.microsoft.com/office/drawing/2014/main" id="{1C74A2E7-5425-4172-AD7E-E8596FCBEE84}"/>
+              </a:ext>
+            </a:extLst>
+          </p:cNvPr>
+          <p:cNvSpPr/>
+          <p:nvPr/>
+        </p:nvSpPr>
+        <p:spPr>
+          <a:xfrm>
+            <a:off x="4770871" y="4300951"/>
+            <a:ext cx="528145" cy="625957"/>
+          </a:xfrm>
+          <a:prstGeom prst="downArrow">
+            <a:avLst/>
+          </a:prstGeom>
+        </p:spPr>
+        <p:style>
+          <a:lnRef idx="2">
+            <a:schemeClr val="accent1">
+              <a:shade val="50000"/>
+            </a:schemeClr>
+          </a:lnRef>
+          <a:fillRef idx="1">
+            <a:schemeClr val="accent1"/>
+          </a:fillRef>
+          <a:effectRef idx="0">
+            <a:schemeClr val="accent1"/>
+          </a:effectRef>
+          <a:fontRef idx="minor">
+            <a:schemeClr val="lt1"/>
+          </a:fontRef>
+        </p:style>
+        <p:txBody>
+          <a:bodyPr rtlCol="0" anchor="ctr"/>
+          <a:lstStyle/>
+          <a:p>
+            <a:pPr algn="ctr"/>
+            <a:endParaRPr lang="en-US"/>
+          </a:p>
+        </p:txBody>
+      </p:sp>
+      <p:sp>
+        <p:nvSpPr>
+          <p:cNvPr id="24" name="Rectangle 23">
+            <a:extLst>
+              <a:ext uri="{FF2B5EF4-FFF2-40B4-BE49-F238E27FC236}">
+                <a16:creationId xmlns:a16="http://schemas.microsoft.com/office/drawing/2014/main" id="{3C1497E9-E84B-40C7-972B-6D08A6D07524}"/>
+              </a:ext>
+            </a:extLst>
+          </p:cNvPr>
+          <p:cNvSpPr/>
+          <p:nvPr/>
+        </p:nvSpPr>
+        <p:spPr>
+          <a:xfrm>
+            <a:off x="1583502" y="2666268"/>
+            <a:ext cx="10018713" cy="914400"/>
+          </a:xfrm>
+          <a:prstGeom prst="rect">
+            <a:avLst/>
+          </a:prstGeom>
+          <a:noFill/>
+          <a:ln>
+            <a:noFill/>
+          </a:ln>
+        </p:spPr>
+        <p:style>
+          <a:lnRef idx="2">
+            <a:schemeClr val="accent1">
+              <a:shade val="50000"/>
+            </a:schemeClr>
+          </a:lnRef>
+          <a:fillRef idx="1">
+            <a:schemeClr val="accent1"/>
+          </a:fillRef>
+          <a:effectRef idx="0">
+            <a:schemeClr val="accent1"/>
+          </a:effectRef>
+          <a:fontRef idx="minor">
+            <a:schemeClr val="lt1"/>
+          </a:fontRef>
+        </p:style>
+        <p:txBody>
+          <a:bodyPr rtlCol="0" anchor="ctr"/>
+          <a:lstStyle/>
+          <a:p>
+            <a:pPr marL="457200" indent="-457200">
+              <a:buFont typeface="Wingdings" panose="05000000000000000000" pitchFamily="2" charset="2"/>
+              <a:buChar char="Ø"/>
+            </a:pPr>
+            <a:r>
+              <a:rPr lang="en-US" sz="3200" dirty="0">
+                <a:solidFill>
+                  <a:schemeClr val="tx1"/>
+                </a:solidFill>
+              </a:rPr>
+              <a:t>By using this command </a:t>
+            </a:r>
+          </a:p>
+        </p:txBody>
+      </p:sp>
     </p:spTree>
     <p:extLst>
       <p:ext uri="{BB962C8B-B14F-4D97-AF65-F5344CB8AC3E}">
-        <p14:creationId xmlns:p14="http://schemas.microsoft.com/office/powerpoint/2010/main" val="990684553"/>
+        <p14:creationId xmlns:p14="http://schemas.microsoft.com/office/powerpoint/2010/main" val="1778412655"/>
       </p:ext>
     </p:extLst>
   </p:cSld>
@@ -7880,7 +9913,371 @@
 </p:sld>
 </file>
 
-<file path=ppt/slides/slide3.xml><?xml version="1.0" encoding="utf-8"?>
+<file path=ppt/slides/slide15.xml><?xml version="1.0" encoding="utf-8"?>
+<p:sld xmlns:a="http://schemas.openxmlformats.org/drawingml/2006/main" xmlns:r="http://schemas.openxmlformats.org/officeDocument/2006/relationships" xmlns:p="http://schemas.openxmlformats.org/presentationml/2006/main">
+  <p:cSld>
+    <p:bg>
+      <p:bgPr>
+        <a:solidFill>
+          <a:schemeClr val="bg2"/>
+        </a:solidFill>
+        <a:effectLst/>
+      </p:bgPr>
+    </p:bg>
+    <p:spTree>
+      <p:nvGrpSpPr>
+        <p:cNvPr id="1" name=""/>
+        <p:cNvGrpSpPr/>
+        <p:nvPr/>
+      </p:nvGrpSpPr>
+      <p:grpSpPr>
+        <a:xfrm>
+          <a:off x="0" y="0"/>
+          <a:ext cx="0" cy="0"/>
+          <a:chOff x="0" y="0"/>
+          <a:chExt cx="0" cy="0"/>
+        </a:xfrm>
+      </p:grpSpPr>
+      <p:sp>
+        <p:nvSpPr>
+          <p:cNvPr id="43" name="Rectangle 42">
+            <a:extLst>
+              <a:ext uri="{FF2B5EF4-FFF2-40B4-BE49-F238E27FC236}">
+                <a16:creationId xmlns:a16="http://schemas.microsoft.com/office/drawing/2014/main" id="{655E530D-049D-4EB1-AD75-BB1475BFEED4}"/>
+              </a:ext>
+            </a:extLst>
+          </p:cNvPr>
+          <p:cNvSpPr/>
+          <p:nvPr/>
+        </p:nvSpPr>
+        <p:spPr>
+          <a:xfrm>
+            <a:off x="1732009" y="1032303"/>
+            <a:ext cx="1882047" cy="526656"/>
+          </a:xfrm>
+          <a:prstGeom prst="rect">
+            <a:avLst/>
+          </a:prstGeom>
+        </p:spPr>
+        <p:style>
+          <a:lnRef idx="2">
+            <a:schemeClr val="accent1">
+              <a:shade val="50000"/>
+            </a:schemeClr>
+          </a:lnRef>
+          <a:fillRef idx="1">
+            <a:schemeClr val="accent1"/>
+          </a:fillRef>
+          <a:effectRef idx="0">
+            <a:schemeClr val="accent1"/>
+          </a:effectRef>
+          <a:fontRef idx="minor">
+            <a:schemeClr val="lt1"/>
+          </a:fontRef>
+        </p:style>
+        <p:txBody>
+          <a:bodyPr rtlCol="0" anchor="ctr"/>
+          <a:lstStyle/>
+          <a:p>
+            <a:r>
+              <a:rPr lang="en-US" sz="3200" b="1" dirty="0">
+                <a:solidFill>
+                  <a:srgbClr val="7030A0"/>
+                </a:solidFill>
+              </a:rPr>
+              <a:t>Step # 03</a:t>
+            </a:r>
+          </a:p>
+        </p:txBody>
+      </p:sp>
+      <p:sp>
+        <p:nvSpPr>
+          <p:cNvPr id="14" name="Rectangle 13">
+            <a:extLst>
+              <a:ext uri="{FF2B5EF4-FFF2-40B4-BE49-F238E27FC236}">
+                <a16:creationId xmlns:a16="http://schemas.microsoft.com/office/drawing/2014/main" id="{85BBF831-03CE-4DC6-98AB-FA29819745EF}"/>
+              </a:ext>
+            </a:extLst>
+          </p:cNvPr>
+          <p:cNvSpPr/>
+          <p:nvPr/>
+        </p:nvSpPr>
+        <p:spPr>
+          <a:xfrm>
+            <a:off x="1583502" y="1840094"/>
+            <a:ext cx="10167220" cy="1222419"/>
+          </a:xfrm>
+          <a:prstGeom prst="rect">
+            <a:avLst/>
+          </a:prstGeom>
+          <a:noFill/>
+          <a:ln>
+            <a:noFill/>
+          </a:ln>
+        </p:spPr>
+        <p:style>
+          <a:lnRef idx="2">
+            <a:schemeClr val="accent1">
+              <a:shade val="50000"/>
+            </a:schemeClr>
+          </a:lnRef>
+          <a:fillRef idx="1">
+            <a:schemeClr val="accent1"/>
+          </a:fillRef>
+          <a:effectRef idx="0">
+            <a:schemeClr val="accent1"/>
+          </a:effectRef>
+          <a:fontRef idx="minor">
+            <a:schemeClr val="lt1"/>
+          </a:fontRef>
+        </p:style>
+        <p:txBody>
+          <a:bodyPr rtlCol="0" anchor="ctr"/>
+          <a:lstStyle/>
+          <a:p>
+            <a:pPr marL="457200" indent="-457200">
+              <a:buFont typeface="Wingdings" panose="05000000000000000000" pitchFamily="2" charset="2"/>
+              <a:buChar char="Ø"/>
+            </a:pPr>
+            <a:r>
+              <a:rPr lang="en-US" sz="3200" dirty="0">
+                <a:solidFill>
+                  <a:schemeClr val="tx1"/>
+                </a:solidFill>
+              </a:rPr>
+              <a:t>Move </a:t>
+            </a:r>
+            <a:r>
+              <a:rPr lang="en-US" sz="3200" b="1" dirty="0">
+                <a:solidFill>
+                  <a:srgbClr val="00B0F0"/>
+                </a:solidFill>
+              </a:rPr>
+              <a:t>Connection String </a:t>
+            </a:r>
+            <a:r>
+              <a:rPr lang="en-US" sz="3200" dirty="0">
+                <a:solidFill>
+                  <a:schemeClr val="tx1"/>
+                </a:solidFill>
+              </a:rPr>
+              <a:t>from </a:t>
+            </a:r>
+            <a:r>
+              <a:rPr lang="en-US" sz="3200" b="1" dirty="0">
+                <a:solidFill>
+                  <a:srgbClr val="FFC000"/>
+                </a:solidFill>
+              </a:rPr>
+              <a:t>DbContext</a:t>
+            </a:r>
+            <a:r>
+              <a:rPr lang="en-US" sz="3200" dirty="0">
+                <a:solidFill>
+                  <a:schemeClr val="tx1"/>
+                </a:solidFill>
+              </a:rPr>
+              <a:t> Class to </a:t>
+            </a:r>
+            <a:r>
+              <a:rPr lang="en-US" sz="3200" b="1" dirty="0">
+                <a:solidFill>
+                  <a:srgbClr val="FFC000"/>
+                </a:solidFill>
+              </a:rPr>
+              <a:t>appsettings.json </a:t>
+            </a:r>
+            <a:r>
+              <a:rPr lang="en-US" sz="3200" dirty="0">
+                <a:solidFill>
+                  <a:schemeClr val="tx1"/>
+                </a:solidFill>
+              </a:rPr>
+              <a:t>File</a:t>
+            </a:r>
+          </a:p>
+        </p:txBody>
+      </p:sp>
+    </p:spTree>
+    <p:extLst>
+      <p:ext uri="{BB962C8B-B14F-4D97-AF65-F5344CB8AC3E}">
+        <p14:creationId xmlns:p14="http://schemas.microsoft.com/office/powerpoint/2010/main" val="916604783"/>
+      </p:ext>
+    </p:extLst>
+  </p:cSld>
+  <p:clrMapOvr>
+    <a:overrideClrMapping bg1="dk1" tx1="lt1" bg2="dk2" tx2="lt2" accent1="accent1" accent2="accent2" accent3="accent3" accent4="accent4" accent5="accent5" accent6="accent6" hlink="hlink" folHlink="folHlink"/>
+  </p:clrMapOvr>
+</p:sld>
+</file>
+
+<file path=ppt/slides/slide16.xml><?xml version="1.0" encoding="utf-8"?>
+<p:sld xmlns:a="http://schemas.openxmlformats.org/drawingml/2006/main" xmlns:r="http://schemas.openxmlformats.org/officeDocument/2006/relationships" xmlns:p="http://schemas.openxmlformats.org/presentationml/2006/main">
+  <p:cSld>
+    <p:bg>
+      <p:bgPr>
+        <a:solidFill>
+          <a:schemeClr val="bg2"/>
+        </a:solidFill>
+        <a:effectLst/>
+      </p:bgPr>
+    </p:bg>
+    <p:spTree>
+      <p:nvGrpSpPr>
+        <p:cNvPr id="1" name=""/>
+        <p:cNvGrpSpPr/>
+        <p:nvPr/>
+      </p:nvGrpSpPr>
+      <p:grpSpPr>
+        <a:xfrm>
+          <a:off x="0" y="0"/>
+          <a:ext cx="0" cy="0"/>
+          <a:chOff x="0" y="0"/>
+          <a:chExt cx="0" cy="0"/>
+        </a:xfrm>
+      </p:grpSpPr>
+      <p:sp>
+        <p:nvSpPr>
+          <p:cNvPr id="43" name="Rectangle 42">
+            <a:extLst>
+              <a:ext uri="{FF2B5EF4-FFF2-40B4-BE49-F238E27FC236}">
+                <a16:creationId xmlns:a16="http://schemas.microsoft.com/office/drawing/2014/main" id="{655E530D-049D-4EB1-AD75-BB1475BFEED4}"/>
+              </a:ext>
+            </a:extLst>
+          </p:cNvPr>
+          <p:cNvSpPr/>
+          <p:nvPr/>
+        </p:nvSpPr>
+        <p:spPr>
+          <a:xfrm>
+            <a:off x="1732009" y="1032303"/>
+            <a:ext cx="1882047" cy="526656"/>
+          </a:xfrm>
+          <a:prstGeom prst="rect">
+            <a:avLst/>
+          </a:prstGeom>
+        </p:spPr>
+        <p:style>
+          <a:lnRef idx="2">
+            <a:schemeClr val="accent1">
+              <a:shade val="50000"/>
+            </a:schemeClr>
+          </a:lnRef>
+          <a:fillRef idx="1">
+            <a:schemeClr val="accent1"/>
+          </a:fillRef>
+          <a:effectRef idx="0">
+            <a:schemeClr val="accent1"/>
+          </a:effectRef>
+          <a:fontRef idx="minor">
+            <a:schemeClr val="lt1"/>
+          </a:fontRef>
+        </p:style>
+        <p:txBody>
+          <a:bodyPr rtlCol="0" anchor="ctr"/>
+          <a:lstStyle/>
+          <a:p>
+            <a:r>
+              <a:rPr lang="en-US" sz="3200" b="1" dirty="0">
+                <a:solidFill>
+                  <a:srgbClr val="7030A0"/>
+                </a:solidFill>
+              </a:rPr>
+              <a:t>Step # 04</a:t>
+            </a:r>
+          </a:p>
+        </p:txBody>
+      </p:sp>
+      <p:sp>
+        <p:nvSpPr>
+          <p:cNvPr id="14" name="Rectangle 13">
+            <a:extLst>
+              <a:ext uri="{FF2B5EF4-FFF2-40B4-BE49-F238E27FC236}">
+                <a16:creationId xmlns:a16="http://schemas.microsoft.com/office/drawing/2014/main" id="{85BBF831-03CE-4DC6-98AB-FA29819745EF}"/>
+              </a:ext>
+            </a:extLst>
+          </p:cNvPr>
+          <p:cNvSpPr/>
+          <p:nvPr/>
+        </p:nvSpPr>
+        <p:spPr>
+          <a:xfrm>
+            <a:off x="1583502" y="1840094"/>
+            <a:ext cx="10167220" cy="1222419"/>
+          </a:xfrm>
+          <a:prstGeom prst="rect">
+            <a:avLst/>
+          </a:prstGeom>
+          <a:noFill/>
+          <a:ln>
+            <a:noFill/>
+          </a:ln>
+        </p:spPr>
+        <p:style>
+          <a:lnRef idx="2">
+            <a:schemeClr val="accent1">
+              <a:shade val="50000"/>
+            </a:schemeClr>
+          </a:lnRef>
+          <a:fillRef idx="1">
+            <a:schemeClr val="accent1"/>
+          </a:fillRef>
+          <a:effectRef idx="0">
+            <a:schemeClr val="accent1"/>
+          </a:effectRef>
+          <a:fontRef idx="minor">
+            <a:schemeClr val="lt1"/>
+          </a:fontRef>
+        </p:style>
+        <p:txBody>
+          <a:bodyPr rtlCol="0" anchor="ctr"/>
+          <a:lstStyle/>
+          <a:p>
+            <a:pPr marL="457200" indent="-457200">
+              <a:buFont typeface="Wingdings" panose="05000000000000000000" pitchFamily="2" charset="2"/>
+              <a:buChar char="Ø"/>
+            </a:pPr>
+            <a:r>
+              <a:rPr lang="en-US" sz="3200" dirty="0">
+                <a:solidFill>
+                  <a:schemeClr val="tx1"/>
+                </a:solidFill>
+              </a:rPr>
+              <a:t>Register Connection String in </a:t>
+            </a:r>
+            <a:r>
+              <a:rPr lang="en-US" sz="3200" b="1" dirty="0">
+                <a:solidFill>
+                  <a:srgbClr val="FFC000"/>
+                </a:solidFill>
+              </a:rPr>
+              <a:t>Program.cs </a:t>
+            </a:r>
+            <a:r>
+              <a:rPr lang="en-US" sz="3200" dirty="0">
+                <a:solidFill>
+                  <a:schemeClr val="tx1"/>
+                </a:solidFill>
+              </a:rPr>
+              <a:t>File.</a:t>
+            </a:r>
+          </a:p>
+        </p:txBody>
+      </p:sp>
+    </p:spTree>
+    <p:extLst>
+      <p:ext uri="{BB962C8B-B14F-4D97-AF65-F5344CB8AC3E}">
+        <p14:creationId xmlns:p14="http://schemas.microsoft.com/office/powerpoint/2010/main" val="2751478820"/>
+      </p:ext>
+    </p:extLst>
+  </p:cSld>
+  <p:clrMapOvr>
+    <a:overrideClrMapping bg1="dk1" tx1="lt1" bg2="dk2" tx2="lt2" accent1="accent1" accent2="accent2" accent3="accent3" accent4="accent4" accent5="accent5" accent6="accent6" hlink="hlink" folHlink="folHlink"/>
+  </p:clrMapOvr>
+</p:sld>
+</file>
+
+<file path=ppt/slides/slide2.xml><?xml version="1.0" encoding="utf-8"?>
 <p:sld xmlns:a="http://schemas.openxmlformats.org/drawingml/2006/main" xmlns:r="http://schemas.openxmlformats.org/officeDocument/2006/relationships" xmlns:p="http://schemas.openxmlformats.org/presentationml/2006/main">
   <p:cSld>
     <p:bg>
@@ -8456,42 +10853,118 @@
           </a:p>
         </p:txBody>
       </p:sp>
-      <p:pic>
-        <p:nvPicPr>
-          <p:cNvPr id="30" name="Picture 29">
+      <p:sp>
+        <p:nvSpPr>
+          <p:cNvPr id="3" name="Content Placeholder 2">
             <a:extLst>
               <a:ext uri="{FF2B5EF4-FFF2-40B4-BE49-F238E27FC236}">
-                <a16:creationId xmlns:a16="http://schemas.microsoft.com/office/drawing/2014/main" id="{0A2379D1-5030-4CE8-813C-4173E5ABFBC0}"/>
+                <a16:creationId xmlns:a16="http://schemas.microsoft.com/office/drawing/2014/main" id="{60DFF4FA-F598-4962-B6AB-31A8BE724E52}"/>
               </a:ext>
             </a:extLst>
           </p:cNvPr>
-          <p:cNvPicPr>
-            <a:picLocks noChangeAspect="1"/>
-          </p:cNvPicPr>
-          <p:nvPr/>
-        </p:nvPicPr>
-        <p:blipFill>
-          <a:blip r:embed="rId2"/>
-          <a:stretch>
-            <a:fillRect/>
-          </a:stretch>
-        </p:blipFill>
+          <p:cNvSpPr>
+            <a:spLocks noGrp="1"/>
+          </p:cNvSpPr>
+          <p:nvPr>
+            <p:ph idx="1"/>
+          </p:nvPr>
+        </p:nvSpPr>
         <p:spPr>
           <a:xfrm>
-            <a:off x="1215913" y="3080601"/>
-            <a:ext cx="7185929" cy="1756220"/>
+            <a:off x="1018190" y="2438399"/>
+            <a:ext cx="8370281" cy="2947793"/>
           </a:xfrm>
-          <a:prstGeom prst="rect">
-            <a:avLst/>
-          </a:prstGeom>
         </p:spPr>
-      </p:pic>
-      <p:sp>
-        <p:nvSpPr>
-          <p:cNvPr id="11" name="Arrow: Curved Right 10">
+        <p:txBody>
+          <a:bodyPr anchor="t">
+            <a:normAutofit/>
+          </a:bodyPr>
+          <a:lstStyle/>
+          <a:p>
+            <a:pPr algn="just">
+              <a:buClr>
+                <a:srgbClr val="FFC000"/>
+              </a:buClr>
+            </a:pPr>
+            <a:r>
+              <a:rPr lang="en-US" sz="2000" dirty="0"/>
+              <a:t>To address the data access requirements of ASP.NET CORE MVC application, you can use  an </a:t>
+            </a:r>
+            <a:r>
+              <a:rPr lang="en-US" sz="2000" dirty="0">
+                <a:solidFill>
+                  <a:srgbClr val="FFC000"/>
+                </a:solidFill>
+              </a:rPr>
+              <a:t>ORM (Object Relational Mapping) </a:t>
+            </a:r>
+            <a:r>
+              <a:rPr lang="en-US" sz="2000" dirty="0"/>
+              <a:t>framework.</a:t>
+            </a:r>
+          </a:p>
+          <a:p>
+            <a:pPr algn="just">
+              <a:buClr>
+                <a:srgbClr val="FFC000"/>
+              </a:buClr>
+            </a:pPr>
+            <a:r>
+              <a:rPr lang="en-US" sz="2000" dirty="0"/>
+              <a:t>Simplifies the process of </a:t>
+            </a:r>
+            <a:r>
+              <a:rPr lang="en-US" sz="2000" dirty="0">
+                <a:solidFill>
+                  <a:srgbClr val="FFC000"/>
+                </a:solidFill>
+              </a:rPr>
+              <a:t>accessing data </a:t>
+            </a:r>
+            <a:r>
+              <a:rPr lang="en-US" sz="2000" dirty="0"/>
+              <a:t>from application.</a:t>
+            </a:r>
+          </a:p>
+          <a:p>
+            <a:pPr algn="just">
+              <a:buClr>
+                <a:srgbClr val="FFC000"/>
+              </a:buClr>
+            </a:pPr>
+            <a:r>
+              <a:rPr lang="en-US" sz="2000" dirty="0"/>
+              <a:t>ORM is a tool for storing data from </a:t>
+            </a:r>
+            <a:r>
+              <a:rPr lang="en-US" sz="2000" dirty="0">
+                <a:solidFill>
+                  <a:srgbClr val="FFC000"/>
+                </a:solidFill>
+              </a:rPr>
+              <a:t>domain objects </a:t>
+            </a:r>
+            <a:r>
+              <a:rPr lang="en-US" sz="2000" dirty="0"/>
+              <a:t>to </a:t>
+            </a:r>
+            <a:r>
+              <a:rPr lang="en-US" sz="2000" dirty="0">
+                <a:solidFill>
+                  <a:srgbClr val="FFC000"/>
+                </a:solidFill>
+              </a:rPr>
+              <a:t>relational database.</a:t>
+            </a:r>
+          </a:p>
+        </p:txBody>
+      </p:sp>
+      <p:sp>
+        <p:nvSpPr>
+          <p:cNvPr id="10" name="Arrow: Bent 9">
             <a:extLst>
               <a:ext uri="{FF2B5EF4-FFF2-40B4-BE49-F238E27FC236}">
-                <a16:creationId xmlns:a16="http://schemas.microsoft.com/office/drawing/2014/main" id="{E5015501-DDD8-4446-904D-A30B44A1BDE5}"/>
+                <a16:creationId xmlns:a16="http://schemas.microsoft.com/office/drawing/2014/main" id="{3F40B4C5-0DBD-4018-A12F-0D08ACFD297A}"/>
               </a:ext>
             </a:extLst>
           </p:cNvPr>
@@ -8499,15 +10972,16 @@
           <p:nvPr/>
         </p:nvSpPr>
         <p:spPr>
-          <a:xfrm rot="5400000" flipH="1">
-            <a:off x="4325315" y="3298264"/>
-            <a:ext cx="1216084" cy="4363630"/>
+          <a:xfrm rot="10800000">
+            <a:off x="3439419" y="4047962"/>
+            <a:ext cx="2308449" cy="828836"/>
           </a:xfrm>
-          <a:prstGeom prst="curvedRightArrow">
+          <a:prstGeom prst="bentArrow">
             <a:avLst>
               <a:gd name="adj1" fmla="val 25000"/>
-              <a:gd name="adj2" fmla="val 50000"/>
-              <a:gd name="adj3" fmla="val 26749"/>
+              <a:gd name="adj2" fmla="val 25578"/>
+              <a:gd name="adj3" fmla="val 25000"/>
+              <a:gd name="adj4" fmla="val 0"/>
             </a:avLst>
           </a:prstGeom>
         </p:spPr>
@@ -8542,10 +11016,10 @@
       </p:sp>
       <p:sp>
         <p:nvSpPr>
-          <p:cNvPr id="33" name="Arrow: Curved Right 32">
+          <p:cNvPr id="12" name="Rectangle 11">
             <a:extLst>
               <a:ext uri="{FF2B5EF4-FFF2-40B4-BE49-F238E27FC236}">
-                <a16:creationId xmlns:a16="http://schemas.microsoft.com/office/drawing/2014/main" id="{54B0C2FD-6555-4687-8D8E-1981BCA918D1}"/>
+                <a16:creationId xmlns:a16="http://schemas.microsoft.com/office/drawing/2014/main" id="{167294D8-8335-4F67-8BF5-77CC22E73A17}"/>
               </a:ext>
             </a:extLst>
           </p:cNvPr>
@@ -8553,16 +11027,137 @@
           <p:nvPr/>
         </p:nvSpPr>
         <p:spPr>
-          <a:xfrm rot="5400000" flipV="1">
-            <a:off x="4257049" y="228005"/>
-            <a:ext cx="1216084" cy="4363630"/>
+          <a:xfrm>
+            <a:off x="2403412" y="4265613"/>
+            <a:ext cx="914400" cy="914400"/>
           </a:xfrm>
-          <a:prstGeom prst="curvedRightArrow">
-            <a:avLst>
-              <a:gd name="adj1" fmla="val 25000"/>
-              <a:gd name="adj2" fmla="val 50000"/>
-              <a:gd name="adj3" fmla="val 26749"/>
-            </a:avLst>
+          <a:prstGeom prst="rect">
+            <a:avLst/>
+          </a:prstGeom>
+          <a:noFill/>
+          <a:ln>
+            <a:noFill/>
+          </a:ln>
+        </p:spPr>
+        <p:style>
+          <a:lnRef idx="2">
+            <a:schemeClr val="accent1">
+              <a:shade val="50000"/>
+            </a:schemeClr>
+          </a:lnRef>
+          <a:fillRef idx="1">
+            <a:schemeClr val="accent1"/>
+          </a:fillRef>
+          <a:effectRef idx="0">
+            <a:schemeClr val="accent1"/>
+          </a:effectRef>
+          <a:fontRef idx="minor">
+            <a:schemeClr val="lt1"/>
+          </a:fontRef>
+        </p:style>
+        <p:txBody>
+          <a:bodyPr rtlCol="0" anchor="ctr"/>
+          <a:lstStyle/>
+          <a:p>
+            <a:pPr algn="ctr"/>
+            <a:r>
+              <a:rPr lang="en-US" sz="2000" dirty="0">
+                <a:solidFill>
+                  <a:srgbClr val="FFC000"/>
+                </a:solidFill>
+              </a:rPr>
+              <a:t>Model </a:t>
+            </a:r>
+          </a:p>
+          <a:p>
+            <a:pPr algn="ctr"/>
+            <a:r>
+              <a:rPr lang="en-US" sz="2000" dirty="0">
+                <a:solidFill>
+                  <a:srgbClr val="FFC000"/>
+                </a:solidFill>
+              </a:rPr>
+              <a:t>Class</a:t>
+            </a:r>
+          </a:p>
+        </p:txBody>
+      </p:sp>
+      <p:sp>
+        <p:nvSpPr>
+          <p:cNvPr id="22" name="Rectangle 21">
+            <a:extLst>
+              <a:ext uri="{FF2B5EF4-FFF2-40B4-BE49-F238E27FC236}">
+                <a16:creationId xmlns:a16="http://schemas.microsoft.com/office/drawing/2014/main" id="{310DA046-6434-48EE-9C05-04D19D459EF5}"/>
+              </a:ext>
+            </a:extLst>
+          </p:cNvPr>
+          <p:cNvSpPr/>
+          <p:nvPr/>
+        </p:nvSpPr>
+        <p:spPr>
+          <a:xfrm>
+            <a:off x="6966441" y="4750496"/>
+            <a:ext cx="914400" cy="914400"/>
+          </a:xfrm>
+          <a:prstGeom prst="rect">
+            <a:avLst/>
+          </a:prstGeom>
+          <a:noFill/>
+          <a:ln>
+            <a:noFill/>
+          </a:ln>
+        </p:spPr>
+        <p:style>
+          <a:lnRef idx="2">
+            <a:schemeClr val="accent1">
+              <a:shade val="50000"/>
+            </a:schemeClr>
+          </a:lnRef>
+          <a:fillRef idx="1">
+            <a:schemeClr val="accent1"/>
+          </a:fillRef>
+          <a:effectRef idx="0">
+            <a:schemeClr val="accent1"/>
+          </a:effectRef>
+          <a:fontRef idx="minor">
+            <a:schemeClr val="lt1"/>
+          </a:fontRef>
+        </p:style>
+        <p:txBody>
+          <a:bodyPr rtlCol="0" anchor="ctr"/>
+          <a:lstStyle/>
+          <a:p>
+            <a:pPr algn="ctr"/>
+            <a:r>
+              <a:rPr lang="en-US" sz="2000" dirty="0">
+                <a:solidFill>
+                  <a:srgbClr val="FFC000"/>
+                </a:solidFill>
+              </a:rPr>
+              <a:t>SQL Server DB</a:t>
+            </a:r>
+          </a:p>
+        </p:txBody>
+      </p:sp>
+      <p:sp>
+        <p:nvSpPr>
+          <p:cNvPr id="13" name="Arrow: Down 12">
+            <a:extLst>
+              <a:ext uri="{FF2B5EF4-FFF2-40B4-BE49-F238E27FC236}">
+                <a16:creationId xmlns:a16="http://schemas.microsoft.com/office/drawing/2014/main" id="{01BD54BB-E07F-490B-9D9E-3DB205A1326B}"/>
+              </a:ext>
+            </a:extLst>
+          </p:cNvPr>
+          <p:cNvSpPr/>
+          <p:nvPr/>
+        </p:nvSpPr>
+        <p:spPr>
+          <a:xfrm>
+            <a:off x="7191739" y="4038339"/>
+            <a:ext cx="528145" cy="625957"/>
+          </a:xfrm>
+          <a:prstGeom prst="downArrow">
+            <a:avLst/>
           </a:prstGeom>
         </p:spPr>
         <p:style>
@@ -8586,18 +11181,14 @@
           <a:lstStyle/>
           <a:p>
             <a:pPr algn="ctr"/>
-            <a:endParaRPr lang="en-US">
-              <a:solidFill>
-                <a:schemeClr val="tx1"/>
-              </a:solidFill>
-            </a:endParaRPr>
+            <a:endParaRPr lang="en-US"/>
           </a:p>
         </p:txBody>
       </p:sp>
     </p:spTree>
     <p:extLst>
       <p:ext uri="{BB962C8B-B14F-4D97-AF65-F5344CB8AC3E}">
-        <p14:creationId xmlns:p14="http://schemas.microsoft.com/office/powerpoint/2010/main" val="2071270952"/>
+        <p14:creationId xmlns:p14="http://schemas.microsoft.com/office/powerpoint/2010/main" val="990684553"/>
       </p:ext>
     </p:extLst>
   </p:cSld>
@@ -8607,7 +11198,7 @@
 </p:sld>
 </file>
 
-<file path=ppt/slides/slide4.xml><?xml version="1.0" encoding="utf-8"?>
+<file path=ppt/slides/slide3.xml><?xml version="1.0" encoding="utf-8"?>
 <p:sld xmlns:a="http://schemas.openxmlformats.org/drawingml/2006/main" xmlns:r="http://schemas.openxmlformats.org/officeDocument/2006/relationships" xmlns:p="http://schemas.openxmlformats.org/presentationml/2006/main">
   <p:cSld>
     <p:bg>
@@ -9138,7 +11729,7 @@
                   <a:srgbClr val="FFC000"/>
                 </a:solidFill>
               </a:rPr>
-              <a:t>EFC </a:t>
+              <a:t>ORM </a:t>
             </a:r>
             <a:r>
               <a:rPr lang="en-US" dirty="0"/>
@@ -9150,11 +11741,11 @@
                   <a:srgbClr val="FFC000"/>
                 </a:solidFill>
               </a:rPr>
-              <a:t>E</a:t>
+              <a:t>O</a:t>
             </a:r>
             <a:r>
               <a:rPr lang="en-US" dirty="0"/>
-              <a:t>NTITY </a:t>
+              <a:t>BJECT </a:t>
             </a:r>
             <a:r>
               <a:rPr lang="en-US" b="1" dirty="0">
@@ -9162,11 +11753,11 @@
                   <a:srgbClr val="FFC000"/>
                 </a:solidFill>
               </a:rPr>
-              <a:t>F</a:t>
+              <a:t>R</a:t>
             </a:r>
             <a:r>
               <a:rPr lang="en-US" dirty="0"/>
-              <a:t>RAMEWORK </a:t>
+              <a:t>ELATIONAL </a:t>
             </a:r>
             <a:r>
               <a:rPr lang="en-US" b="1" dirty="0">
@@ -9174,288 +11765,327 @@
                   <a:srgbClr val="FFC000"/>
                 </a:solidFill>
               </a:rPr>
-              <a:t>C</a:t>
+              <a:t>M</a:t>
             </a:r>
             <a:r>
               <a:rPr lang="en-US" dirty="0"/>
-              <a:t>ORE)</a:t>
-            </a:r>
-          </a:p>
-        </p:txBody>
-      </p:sp>
-      <p:sp>
-        <p:nvSpPr>
-          <p:cNvPr id="14" name="Content Placeholder 2">
+              <a:t>APPING)</a:t>
+            </a:r>
+          </a:p>
+        </p:txBody>
+      </p:sp>
+      <p:pic>
+        <p:nvPicPr>
+          <p:cNvPr id="30" name="Picture 29">
             <a:extLst>
               <a:ext uri="{FF2B5EF4-FFF2-40B4-BE49-F238E27FC236}">
-                <a16:creationId xmlns:a16="http://schemas.microsoft.com/office/drawing/2014/main" id="{94B2B145-D0E5-404C-89A3-C7489DFAAF90}"/>
+                <a16:creationId xmlns:a16="http://schemas.microsoft.com/office/drawing/2014/main" id="{0A2379D1-5030-4CE8-813C-4173E5ABFBC0}"/>
               </a:ext>
             </a:extLst>
           </p:cNvPr>
-          <p:cNvSpPr>
-            <a:spLocks noGrp="1"/>
-          </p:cNvSpPr>
-          <p:nvPr>
-            <p:ph idx="1"/>
-          </p:nvPr>
-        </p:nvSpPr>
+          <p:cNvPicPr>
+            <a:picLocks noChangeAspect="1"/>
+          </p:cNvPicPr>
+          <p:nvPr/>
+        </p:nvPicPr>
+        <p:blipFill>
+          <a:blip r:embed="rId2"/>
+          <a:stretch>
+            <a:fillRect/>
+          </a:stretch>
+        </p:blipFill>
         <p:spPr>
           <a:xfrm>
-            <a:off x="1013429" y="1952623"/>
-            <a:ext cx="8225821" cy="4457701"/>
+            <a:off x="1215913" y="3080601"/>
+            <a:ext cx="7185929" cy="1756220"/>
           </a:xfrm>
+          <a:prstGeom prst="rect">
+            <a:avLst/>
+          </a:prstGeom>
         </p:spPr>
-        <p:txBody>
-          <a:bodyPr anchor="t">
-            <a:normAutofit/>
-          </a:bodyPr>
+      </p:pic>
+      <p:sp>
+        <p:nvSpPr>
+          <p:cNvPr id="11" name="Arrow: Curved Right 10">
+            <a:extLst>
+              <a:ext uri="{FF2B5EF4-FFF2-40B4-BE49-F238E27FC236}">
+                <a16:creationId xmlns:a16="http://schemas.microsoft.com/office/drawing/2014/main" id="{E5015501-DDD8-4446-904D-A30B44A1BDE5}"/>
+              </a:ext>
+            </a:extLst>
+          </p:cNvPr>
+          <p:cNvSpPr/>
+          <p:nvPr/>
+        </p:nvSpPr>
+        <p:spPr>
+          <a:xfrm rot="5400000" flipH="1">
+            <a:off x="4325315" y="3298264"/>
+            <a:ext cx="1216084" cy="4363630"/>
+          </a:xfrm>
+          <a:prstGeom prst="curvedRightArrow">
+            <a:avLst>
+              <a:gd name="adj1" fmla="val 25000"/>
+              <a:gd name="adj2" fmla="val 50000"/>
+              <a:gd name="adj3" fmla="val 26749"/>
+            </a:avLst>
+          </a:prstGeom>
+        </p:spPr>
+        <p:style>
+          <a:lnRef idx="2">
+            <a:schemeClr val="accent1">
+              <a:shade val="50000"/>
+            </a:schemeClr>
+          </a:lnRef>
+          <a:fillRef idx="1">
+            <a:schemeClr val="accent1"/>
+          </a:fillRef>
+          <a:effectRef idx="0">
+            <a:schemeClr val="accent1"/>
+          </a:effectRef>
+          <a:fontRef idx="minor">
+            <a:schemeClr val="lt1"/>
+          </a:fontRef>
+        </p:style>
+        <p:txBody>
+          <a:bodyPr rtlCol="0" anchor="ctr"/>
           <a:lstStyle/>
           <a:p>
-            <a:pPr algn="just">
-              <a:buClr>
-                <a:srgbClr val="FFC000"/>
-              </a:buClr>
-            </a:pPr>
-            <a:r>
-              <a:rPr lang="en-US" sz="2000" dirty="0">
-                <a:solidFill>
-                  <a:srgbClr val="FFC000"/>
-                </a:solidFill>
-              </a:rPr>
-              <a:t>Entity Framework Core</a:t>
-            </a:r>
-            <a:r>
-              <a:rPr lang="en-US" sz="2000" dirty="0"/>
-              <a:t> is the new version of Entity Framework  after </a:t>
-            </a:r>
-            <a:r>
-              <a:rPr lang="en-US" sz="2000" dirty="0">
-                <a:solidFill>
-                  <a:srgbClr val="FFC000"/>
-                </a:solidFill>
-              </a:rPr>
-              <a:t>EF 6</a:t>
-            </a:r>
-            <a:r>
-              <a:rPr lang="en-US" sz="2000" dirty="0"/>
-              <a:t> but it is </a:t>
-            </a:r>
-            <a:r>
-              <a:rPr lang="en-US" sz="2000" dirty="0">
-                <a:solidFill>
-                  <a:srgbClr val="FFC000"/>
-                </a:solidFill>
-              </a:rPr>
-              <a:t>redesigned</a:t>
-            </a:r>
-            <a:r>
-              <a:rPr lang="en-US" sz="2000" dirty="0"/>
-              <a:t>. </a:t>
-            </a:r>
-          </a:p>
-          <a:p>
-            <a:pPr algn="just">
-              <a:buClr>
-                <a:srgbClr val="FFC000"/>
-              </a:buClr>
-            </a:pPr>
-            <a:r>
-              <a:rPr lang="en-US" sz="2000" dirty="0"/>
-              <a:t>It is </a:t>
-            </a:r>
-            <a:r>
-              <a:rPr lang="en-US" sz="2000" dirty="0">
-                <a:solidFill>
-                  <a:srgbClr val="FFC000"/>
-                </a:solidFill>
-              </a:rPr>
-              <a:t>open-source</a:t>
-            </a:r>
-            <a:r>
-              <a:rPr lang="en-US" sz="2000" dirty="0"/>
-              <a:t>, </a:t>
-            </a:r>
-            <a:r>
-              <a:rPr lang="en-US" sz="2000" dirty="0">
-                <a:solidFill>
-                  <a:srgbClr val="FFC000"/>
-                </a:solidFill>
-              </a:rPr>
-              <a:t>lightweight</a:t>
-            </a:r>
-            <a:r>
-              <a:rPr lang="en-US" sz="2000" dirty="0"/>
-              <a:t>, </a:t>
-            </a:r>
-            <a:r>
-              <a:rPr lang="en-US" sz="2000" dirty="0">
-                <a:solidFill>
-                  <a:srgbClr val="FFC000"/>
-                </a:solidFill>
-              </a:rPr>
-              <a:t>extensible</a:t>
-            </a:r>
-            <a:r>
-              <a:rPr lang="en-US" sz="2000" dirty="0"/>
-              <a:t> and a </a:t>
-            </a:r>
-            <a:r>
-              <a:rPr lang="en-US" sz="2000" dirty="0">
-                <a:solidFill>
-                  <a:srgbClr val="FFC000"/>
-                </a:solidFill>
-              </a:rPr>
-              <a:t>cross-platform</a:t>
-            </a:r>
-            <a:r>
-              <a:rPr lang="en-US" sz="2000" dirty="0"/>
-              <a:t> version of Entity Framework.</a:t>
-            </a:r>
-          </a:p>
-          <a:p>
-            <a:pPr algn="just">
-              <a:buClr>
-                <a:srgbClr val="FFC000"/>
-              </a:buClr>
-            </a:pPr>
-            <a:r>
-              <a:rPr lang="en-US" sz="2000" dirty="0"/>
-              <a:t>Entity Framework Core is a </a:t>
-            </a:r>
-            <a:r>
-              <a:rPr lang="en-US" sz="2000" dirty="0">
-                <a:solidFill>
-                  <a:srgbClr val="FFC000"/>
-                </a:solidFill>
-              </a:rPr>
-              <a:t>data access technology</a:t>
-            </a:r>
-            <a:r>
-              <a:rPr lang="en-US" sz="2000" dirty="0"/>
-              <a:t>.</a:t>
-            </a:r>
-          </a:p>
-          <a:p>
-            <a:pPr algn="just">
-              <a:buClr>
-                <a:srgbClr val="FFC000"/>
-              </a:buClr>
-            </a:pPr>
-            <a:r>
-              <a:rPr lang="en-US" sz="2000" dirty="0"/>
-              <a:t>Entity Framework is an </a:t>
-            </a:r>
-            <a:r>
-              <a:rPr lang="en-US" sz="2000" dirty="0">
-                <a:solidFill>
-                  <a:srgbClr val="FFC000"/>
-                </a:solidFill>
-              </a:rPr>
-              <a:t>Object/Relational Mapping (ORM) framework</a:t>
-            </a:r>
-            <a:r>
-              <a:rPr lang="en-US" sz="2000" dirty="0"/>
-              <a:t>.</a:t>
-            </a:r>
-          </a:p>
-          <a:p>
-            <a:pPr algn="just">
-              <a:buClr>
-                <a:srgbClr val="FFC000"/>
-              </a:buClr>
-            </a:pPr>
-            <a:r>
-              <a:rPr lang="en-US" sz="2000" dirty="0"/>
-              <a:t>Its is an </a:t>
-            </a:r>
-            <a:r>
-              <a:rPr lang="en-US" sz="2000" dirty="0">
-                <a:solidFill>
-                  <a:srgbClr val="FFC000"/>
-                </a:solidFill>
-              </a:rPr>
-              <a:t>enhancement to ADO.NET </a:t>
-            </a:r>
-            <a:r>
-              <a:rPr lang="en-US" sz="2000" dirty="0"/>
-              <a:t>that gives developers an automated mechanism for accessing &amp; storing the data in the database.</a:t>
-            </a:r>
-          </a:p>
-          <a:p>
-            <a:pPr algn="just">
-              <a:buClr>
-                <a:srgbClr val="FFC000"/>
-              </a:buClr>
-            </a:pPr>
-            <a:r>
-              <a:rPr lang="en-US" sz="2000" dirty="0">
-                <a:solidFill>
-                  <a:srgbClr val="FFC000"/>
-                </a:solidFill>
-              </a:rPr>
-              <a:t>EF Core </a:t>
-            </a:r>
-            <a:r>
-              <a:rPr lang="en-US" sz="2000" dirty="0"/>
-              <a:t>is intended to be used with </a:t>
-            </a:r>
-            <a:r>
-              <a:rPr lang="en-US" sz="2000" dirty="0">
-                <a:solidFill>
-                  <a:srgbClr val="FFC000"/>
-                </a:solidFill>
-              </a:rPr>
-              <a:t>.NET Core applications</a:t>
-            </a:r>
-            <a:r>
-              <a:rPr lang="en-US" sz="2000" dirty="0"/>
-              <a:t>. However, it can also used with standard </a:t>
-            </a:r>
-            <a:r>
-              <a:rPr lang="en-US" sz="2000" dirty="0">
-                <a:solidFill>
-                  <a:srgbClr val="FFC000"/>
-                </a:solidFill>
-              </a:rPr>
-              <a:t>.NET 4.5+ framework </a:t>
-            </a:r>
-            <a:r>
-              <a:rPr lang="en-US" sz="2000" dirty="0"/>
-              <a:t>based applications.</a:t>
-            </a:r>
-          </a:p>
-          <a:p>
-            <a:pPr algn="just">
-              <a:buClr>
-                <a:srgbClr val="FFC000"/>
-              </a:buClr>
-            </a:pPr>
-            <a:endParaRPr lang="en-US" sz="2000" dirty="0"/>
-          </a:p>
-          <a:p>
-            <a:pPr algn="just">
-              <a:buClr>
-                <a:srgbClr val="FFC000"/>
-              </a:buClr>
-            </a:pPr>
-            <a:endParaRPr lang="en-US" sz="2000" dirty="0"/>
+            <a:pPr algn="ctr"/>
+            <a:endParaRPr lang="en-US">
+              <a:solidFill>
+                <a:schemeClr val="tx1"/>
+              </a:solidFill>
+            </a:endParaRPr>
+          </a:p>
+        </p:txBody>
+      </p:sp>
+      <p:sp>
+        <p:nvSpPr>
+          <p:cNvPr id="33" name="Arrow: Curved Right 32">
+            <a:extLst>
+              <a:ext uri="{FF2B5EF4-FFF2-40B4-BE49-F238E27FC236}">
+                <a16:creationId xmlns:a16="http://schemas.microsoft.com/office/drawing/2014/main" id="{54B0C2FD-6555-4687-8D8E-1981BCA918D1}"/>
+              </a:ext>
+            </a:extLst>
+          </p:cNvPr>
+          <p:cNvSpPr/>
+          <p:nvPr/>
+        </p:nvSpPr>
+        <p:spPr>
+          <a:xfrm rot="5400000" flipV="1">
+            <a:off x="4257049" y="228005"/>
+            <a:ext cx="1216084" cy="4363630"/>
+          </a:xfrm>
+          <a:prstGeom prst="curvedRightArrow">
+            <a:avLst>
+              <a:gd name="adj1" fmla="val 25000"/>
+              <a:gd name="adj2" fmla="val 50000"/>
+              <a:gd name="adj3" fmla="val 26749"/>
+            </a:avLst>
+          </a:prstGeom>
+        </p:spPr>
+        <p:style>
+          <a:lnRef idx="2">
+            <a:schemeClr val="accent1">
+              <a:shade val="50000"/>
+            </a:schemeClr>
+          </a:lnRef>
+          <a:fillRef idx="1">
+            <a:schemeClr val="accent1"/>
+          </a:fillRef>
+          <a:effectRef idx="0">
+            <a:schemeClr val="accent1"/>
+          </a:effectRef>
+          <a:fontRef idx="minor">
+            <a:schemeClr val="lt1"/>
+          </a:fontRef>
+        </p:style>
+        <p:txBody>
+          <a:bodyPr rtlCol="0" anchor="ctr"/>
+          <a:lstStyle/>
+          <a:p>
+            <a:pPr algn="ctr"/>
+            <a:endParaRPr lang="en-US">
+              <a:solidFill>
+                <a:schemeClr val="tx1"/>
+              </a:solidFill>
+            </a:endParaRPr>
           </a:p>
         </p:txBody>
       </p:sp>
     </p:spTree>
     <p:extLst>
       <p:ext uri="{BB962C8B-B14F-4D97-AF65-F5344CB8AC3E}">
-        <p14:creationId xmlns:p14="http://schemas.microsoft.com/office/powerpoint/2010/main" val="140043657"/>
+        <p14:creationId xmlns:p14="http://schemas.microsoft.com/office/powerpoint/2010/main" val="2071270952"/>
       </p:ext>
     </p:extLst>
   </p:cSld>
   <p:clrMapOvr>
     <a:overrideClrMapping bg1="dk1" tx1="lt1" bg2="dk2" tx2="lt2" accent1="accent1" accent2="accent2" accent3="accent3" accent4="accent4" accent5="accent5" accent6="accent6" hlink="hlink" folHlink="folHlink"/>
   </p:clrMapOvr>
+  <p:timing>
+    <p:tnLst>
+      <p:par>
+        <p:cTn id="1" dur="indefinite" restart="never" nodeType="tmRoot">
+          <p:childTnLst>
+            <p:seq concurrent="1" nextAc="seek">
+              <p:cTn id="2" dur="indefinite" nodeType="mainSeq">
+                <p:childTnLst>
+                  <p:par>
+                    <p:cTn id="3" fill="hold">
+                      <p:stCondLst>
+                        <p:cond delay="indefinite"/>
+                        <p:cond evt="onBegin" delay="0">
+                          <p:tn val="2"/>
+                        </p:cond>
+                      </p:stCondLst>
+                      <p:childTnLst>
+                        <p:par>
+                          <p:cTn id="4" fill="hold">
+                            <p:stCondLst>
+                              <p:cond delay="0"/>
+                            </p:stCondLst>
+                            <p:childTnLst>
+                              <p:par>
+                                <p:cTn id="5" presetID="10" presetClass="entr" presetSubtype="0" fill="hold" nodeType="withEffect">
+                                  <p:stCondLst>
+                                    <p:cond delay="0"/>
+                                  </p:stCondLst>
+                                  <p:childTnLst>
+                                    <p:set>
+                                      <p:cBhvr>
+                                        <p:cTn id="6" dur="1" fill="hold">
+                                          <p:stCondLst>
+                                            <p:cond delay="0"/>
+                                          </p:stCondLst>
+                                        </p:cTn>
+                                        <p:tgtEl>
+                                          <p:spTgt spid="30"/>
+                                        </p:tgtEl>
+                                        <p:attrNameLst>
+                                          <p:attrName>style.visibility</p:attrName>
+                                        </p:attrNameLst>
+                                      </p:cBhvr>
+                                      <p:to>
+                                        <p:strVal val="visible"/>
+                                      </p:to>
+                                    </p:set>
+                                    <p:animEffect transition="in" filter="fade">
+                                      <p:cBhvr>
+                                        <p:cTn id="7" dur="500"/>
+                                        <p:tgtEl>
+                                          <p:spTgt spid="30"/>
+                                        </p:tgtEl>
+                                      </p:cBhvr>
+                                    </p:animEffect>
+                                  </p:childTnLst>
+                                </p:cTn>
+                              </p:par>
+                              <p:par>
+                                <p:cTn id="8" presetID="21" presetClass="entr" presetSubtype="2" fill="hold" grpId="0" nodeType="withEffect">
+                                  <p:stCondLst>
+                                    <p:cond delay="0"/>
+                                  </p:stCondLst>
+                                  <p:childTnLst>
+                                    <p:set>
+                                      <p:cBhvr>
+                                        <p:cTn id="9" dur="1" fill="hold">
+                                          <p:stCondLst>
+                                            <p:cond delay="0"/>
+                                          </p:stCondLst>
+                                        </p:cTn>
+                                        <p:tgtEl>
+                                          <p:spTgt spid="33"/>
+                                        </p:tgtEl>
+                                        <p:attrNameLst>
+                                          <p:attrName>style.visibility</p:attrName>
+                                        </p:attrNameLst>
+                                      </p:cBhvr>
+                                      <p:to>
+                                        <p:strVal val="visible"/>
+                                      </p:to>
+                                    </p:set>
+                                    <p:animEffect transition="in" filter="wheel(2)">
+                                      <p:cBhvr>
+                                        <p:cTn id="10" dur="2000"/>
+                                        <p:tgtEl>
+                                          <p:spTgt spid="33"/>
+                                        </p:tgtEl>
+                                      </p:cBhvr>
+                                    </p:animEffect>
+                                  </p:childTnLst>
+                                </p:cTn>
+                              </p:par>
+                              <p:par>
+                                <p:cTn id="11" presetID="21" presetClass="entr" presetSubtype="1" fill="hold" grpId="0" nodeType="withEffect">
+                                  <p:stCondLst>
+                                    <p:cond delay="0"/>
+                                  </p:stCondLst>
+                                  <p:childTnLst>
+                                    <p:set>
+                                      <p:cBhvr>
+                                        <p:cTn id="12" dur="1" fill="hold">
+                                          <p:stCondLst>
+                                            <p:cond delay="0"/>
+                                          </p:stCondLst>
+                                        </p:cTn>
+                                        <p:tgtEl>
+                                          <p:spTgt spid="11"/>
+                                        </p:tgtEl>
+                                        <p:attrNameLst>
+                                          <p:attrName>style.visibility</p:attrName>
+                                        </p:attrNameLst>
+                                      </p:cBhvr>
+                                      <p:to>
+                                        <p:strVal val="visible"/>
+                                      </p:to>
+                                    </p:set>
+                                    <p:animEffect transition="in" filter="wheel(1)">
+                                      <p:cBhvr>
+                                        <p:cTn id="13" dur="2000"/>
+                                        <p:tgtEl>
+                                          <p:spTgt spid="11"/>
+                                        </p:tgtEl>
+                                      </p:cBhvr>
+                                    </p:animEffect>
+                                  </p:childTnLst>
+                                </p:cTn>
+                              </p:par>
+                            </p:childTnLst>
+                          </p:cTn>
+                        </p:par>
+                      </p:childTnLst>
+                    </p:cTn>
+                  </p:par>
+                </p:childTnLst>
+              </p:cTn>
+              <p:prevCondLst>
+                <p:cond evt="onPrev" delay="0">
+                  <p:tgtEl>
+                    <p:sldTgt/>
+                  </p:tgtEl>
+                </p:cond>
+              </p:prevCondLst>
+              <p:nextCondLst>
+                <p:cond evt="onNext" delay="0">
+                  <p:tgtEl>
+                    <p:sldTgt/>
+                  </p:tgtEl>
+                </p:cond>
+              </p:nextCondLst>
+            </p:seq>
+          </p:childTnLst>
+        </p:cTn>
+      </p:par>
+    </p:tnLst>
+    <p:bldLst>
+      <p:bldP spid="11" grpId="0" animBg="1"/>
+      <p:bldP spid="33" grpId="0" animBg="1"/>
+    </p:bldLst>
+  </p:timing>
 </p:sld>
 </file>
 
-<file path=ppt/slides/slide5.xml><?xml version="1.0" encoding="utf-8"?>
+<file path=ppt/slides/slide4.xml><?xml version="1.0" encoding="utf-8"?>
 <p:sld xmlns:a="http://schemas.openxmlformats.org/drawingml/2006/main" xmlns:r="http://schemas.openxmlformats.org/officeDocument/2006/relationships" xmlns:p="http://schemas.openxmlformats.org/presentationml/2006/main">
   <p:cSld>
     <p:bg>
@@ -9986,247 +12616,314 @@
                   <a:srgbClr val="FFC000"/>
                 </a:solidFill>
               </a:rPr>
-              <a:t>EF Core Development Approaches</a:t>
-            </a:r>
-            <a:endParaRPr lang="en-US" dirty="0"/>
-          </a:p>
-        </p:txBody>
-      </p:sp>
-      <p:sp>
-        <p:nvSpPr>
-          <p:cNvPr id="5" name="Rectangle 4">
+              <a:t>EFC </a:t>
+            </a:r>
+            <a:r>
+              <a:rPr lang="en-US" dirty="0"/>
+              <a:t>(</a:t>
+            </a:r>
+            <a:r>
+              <a:rPr lang="en-US" b="1" dirty="0">
+                <a:solidFill>
+                  <a:srgbClr val="FFC000"/>
+                </a:solidFill>
+              </a:rPr>
+              <a:t>E</a:t>
+            </a:r>
+            <a:r>
+              <a:rPr lang="en-US" dirty="0"/>
+              <a:t>NTITY </a:t>
+            </a:r>
+            <a:r>
+              <a:rPr lang="en-US" b="1" dirty="0">
+                <a:solidFill>
+                  <a:srgbClr val="FFC000"/>
+                </a:solidFill>
+              </a:rPr>
+              <a:t>F</a:t>
+            </a:r>
+            <a:r>
+              <a:rPr lang="en-US" dirty="0"/>
+              <a:t>RAMEWORK </a:t>
+            </a:r>
+            <a:r>
+              <a:rPr lang="en-US" b="1" dirty="0">
+                <a:solidFill>
+                  <a:srgbClr val="FFC000"/>
+                </a:solidFill>
+              </a:rPr>
+              <a:t>C</a:t>
+            </a:r>
+            <a:r>
+              <a:rPr lang="en-US" dirty="0"/>
+              <a:t>ORE)</a:t>
+            </a:r>
+          </a:p>
+        </p:txBody>
+      </p:sp>
+      <p:sp>
+        <p:nvSpPr>
+          <p:cNvPr id="14" name="Content Placeholder 2">
             <a:extLst>
               <a:ext uri="{FF2B5EF4-FFF2-40B4-BE49-F238E27FC236}">
-                <a16:creationId xmlns:a16="http://schemas.microsoft.com/office/drawing/2014/main" id="{6ABE95A2-7E42-4938-8044-E6B6021F5029}"/>
+                <a16:creationId xmlns:a16="http://schemas.microsoft.com/office/drawing/2014/main" id="{94B2B145-D0E5-404C-89A3-C7489DFAAF90}"/>
               </a:ext>
             </a:extLst>
           </p:cNvPr>
-          <p:cNvSpPr/>
-          <p:nvPr/>
+          <p:cNvSpPr>
+            <a:spLocks noGrp="1"/>
+          </p:cNvSpPr>
+          <p:nvPr>
+            <p:ph idx="1"/>
+          </p:nvPr>
         </p:nvSpPr>
         <p:spPr>
           <a:xfrm>
-            <a:off x="2409825" y="2276474"/>
-            <a:ext cx="4600575" cy="1152526"/>
+            <a:off x="1013429" y="1952623"/>
+            <a:ext cx="8225821" cy="4457701"/>
           </a:xfrm>
-          <a:prstGeom prst="rect">
-            <a:avLst/>
-          </a:prstGeom>
         </p:spPr>
-        <p:style>
-          <a:lnRef idx="2">
-            <a:schemeClr val="accent1">
-              <a:shade val="50000"/>
-            </a:schemeClr>
-          </a:lnRef>
-          <a:fillRef idx="1">
-            <a:schemeClr val="accent1"/>
-          </a:fillRef>
-          <a:effectRef idx="0">
-            <a:schemeClr val="accent1"/>
-          </a:effectRef>
-          <a:fontRef idx="minor">
-            <a:schemeClr val="lt1"/>
-          </a:fontRef>
-        </p:style>
-        <p:txBody>
-          <a:bodyPr rtlCol="0" anchor="ctr"/>
+        <p:txBody>
+          <a:bodyPr anchor="t">
+            <a:normAutofit/>
+          </a:bodyPr>
           <a:lstStyle/>
           <a:p>
-            <a:pPr algn="ctr"/>
-            <a:r>
-              <a:rPr lang="en-US" b="1" dirty="0">
-                <a:solidFill>
-                  <a:srgbClr val="000000"/>
+            <a:pPr algn="just">
+              <a:buClr>
+                <a:srgbClr val="FFC000"/>
+              </a:buClr>
+            </a:pPr>
+            <a:r>
+              <a:rPr lang="en-US" sz="2000" dirty="0">
+                <a:solidFill>
+                  <a:srgbClr val="FFC000"/>
                 </a:solidFill>
               </a:rPr>
-              <a:t>EF Core Development Approaches</a:t>
-            </a:r>
-            <a:endParaRPr lang="en-US" dirty="0">
-              <a:solidFill>
-                <a:srgbClr val="000000"/>
-              </a:solidFill>
-            </a:endParaRPr>
-          </a:p>
-        </p:txBody>
-      </p:sp>
-      <p:sp>
-        <p:nvSpPr>
-          <p:cNvPr id="15" name="Rectangle 14">
-            <a:extLst>
-              <a:ext uri="{FF2B5EF4-FFF2-40B4-BE49-F238E27FC236}">
-                <a16:creationId xmlns:a16="http://schemas.microsoft.com/office/drawing/2014/main" id="{58C5BD7C-91C8-4515-8E87-1B620DA8D3D0}"/>
-              </a:ext>
-            </a:extLst>
-          </p:cNvPr>
-          <p:cNvSpPr/>
-          <p:nvPr/>
-        </p:nvSpPr>
-        <p:spPr>
-          <a:xfrm>
-            <a:off x="1322589" y="4348162"/>
-            <a:ext cx="2551908" cy="871539"/>
-          </a:xfrm>
-          <a:prstGeom prst="rect">
-            <a:avLst/>
-          </a:prstGeom>
-        </p:spPr>
-        <p:style>
-          <a:lnRef idx="2">
-            <a:schemeClr val="accent1">
-              <a:shade val="50000"/>
-            </a:schemeClr>
-          </a:lnRef>
-          <a:fillRef idx="1">
-            <a:schemeClr val="accent1"/>
-          </a:fillRef>
-          <a:effectRef idx="0">
-            <a:schemeClr val="accent1"/>
-          </a:effectRef>
-          <a:fontRef idx="minor">
-            <a:schemeClr val="lt1"/>
-          </a:fontRef>
-        </p:style>
-        <p:txBody>
-          <a:bodyPr rtlCol="0" anchor="ctr"/>
-          <a:lstStyle/>
-          <a:p>
-            <a:pPr algn="ctr"/>
-            <a:r>
-              <a:rPr lang="en-US" b="1" dirty="0">
-                <a:solidFill>
-                  <a:srgbClr val="404040"/>
+              <a:t>Entity Framework Core</a:t>
+            </a:r>
+            <a:r>
+              <a:rPr lang="en-US" sz="2000" dirty="0"/>
+              <a:t> is the new version of Entity Framework  after </a:t>
+            </a:r>
+            <a:r>
+              <a:rPr lang="en-US" sz="2000" dirty="0">
+                <a:solidFill>
+                  <a:srgbClr val="FFC000"/>
                 </a:solidFill>
               </a:rPr>
-              <a:t>Code-First</a:t>
-            </a:r>
-          </a:p>
-          <a:p>
-            <a:pPr algn="ctr"/>
-            <a:r>
-              <a:rPr lang="en-US" b="1" dirty="0">
-                <a:solidFill>
-                  <a:srgbClr val="404040"/>
+              <a:t>EF 6</a:t>
+            </a:r>
+            <a:r>
+              <a:rPr lang="en-US" sz="2000" dirty="0"/>
+              <a:t> but it is </a:t>
+            </a:r>
+            <a:r>
+              <a:rPr lang="en-US" sz="2000" dirty="0">
+                <a:solidFill>
+                  <a:srgbClr val="FFC000"/>
                 </a:solidFill>
               </a:rPr>
-              <a:t>Approach</a:t>
-            </a:r>
-          </a:p>
-        </p:txBody>
-      </p:sp>
-      <p:sp>
-        <p:nvSpPr>
-          <p:cNvPr id="17" name="Rectangle 16">
-            <a:extLst>
-              <a:ext uri="{FF2B5EF4-FFF2-40B4-BE49-F238E27FC236}">
-                <a16:creationId xmlns:a16="http://schemas.microsoft.com/office/drawing/2014/main" id="{1BD80C84-24E3-4186-B497-F0FE1B85EDDB}"/>
-              </a:ext>
-            </a:extLst>
-          </p:cNvPr>
-          <p:cNvSpPr/>
-          <p:nvPr/>
-        </p:nvSpPr>
-        <p:spPr>
-          <a:xfrm>
-            <a:off x="5512989" y="4364830"/>
-            <a:ext cx="2551908" cy="871539"/>
-          </a:xfrm>
-          <a:prstGeom prst="rect">
-            <a:avLst/>
-          </a:prstGeom>
-        </p:spPr>
-        <p:style>
-          <a:lnRef idx="2">
-            <a:schemeClr val="accent1">
-              <a:shade val="50000"/>
-            </a:schemeClr>
-          </a:lnRef>
-          <a:fillRef idx="1">
-            <a:schemeClr val="accent1"/>
-          </a:fillRef>
-          <a:effectRef idx="0">
-            <a:schemeClr val="accent1"/>
-          </a:effectRef>
-          <a:fontRef idx="minor">
-            <a:schemeClr val="lt1"/>
-          </a:fontRef>
-        </p:style>
-        <p:txBody>
-          <a:bodyPr rtlCol="0" anchor="ctr"/>
-          <a:lstStyle/>
-          <a:p>
-            <a:pPr algn="ctr"/>
-            <a:r>
-              <a:rPr lang="en-US" b="1" dirty="0">
-                <a:solidFill>
-                  <a:srgbClr val="404040"/>
+              <a:t>redesigned</a:t>
+            </a:r>
+            <a:r>
+              <a:rPr lang="en-US" sz="2000" dirty="0"/>
+              <a:t>. </a:t>
+            </a:r>
+          </a:p>
+          <a:p>
+            <a:pPr algn="just">
+              <a:buClr>
+                <a:srgbClr val="FFC000"/>
+              </a:buClr>
+            </a:pPr>
+            <a:r>
+              <a:rPr lang="en-US" sz="2000" dirty="0"/>
+              <a:t>It is </a:t>
+            </a:r>
+            <a:r>
+              <a:rPr lang="en-US" sz="2000" dirty="0">
+                <a:solidFill>
+                  <a:srgbClr val="FFC000"/>
                 </a:solidFill>
               </a:rPr>
-              <a:t>Database-First</a:t>
-            </a:r>
-          </a:p>
-          <a:p>
-            <a:pPr algn="ctr"/>
-            <a:r>
-              <a:rPr lang="en-US" b="1" dirty="0">
-                <a:solidFill>
-                  <a:srgbClr val="404040"/>
+              <a:t>open-source</a:t>
+            </a:r>
+            <a:r>
+              <a:rPr lang="en-US" sz="2000" dirty="0"/>
+              <a:t>, </a:t>
+            </a:r>
+            <a:r>
+              <a:rPr lang="en-US" sz="2000" dirty="0">
+                <a:solidFill>
+                  <a:srgbClr val="FFC000"/>
                 </a:solidFill>
               </a:rPr>
-              <a:t>Approach</a:t>
-            </a:r>
-          </a:p>
-        </p:txBody>
-      </p:sp>
-      <p:sp>
-        <p:nvSpPr>
-          <p:cNvPr id="7" name="Right Brace 6">
-            <a:extLst>
-              <a:ext uri="{FF2B5EF4-FFF2-40B4-BE49-F238E27FC236}">
-                <a16:creationId xmlns:a16="http://schemas.microsoft.com/office/drawing/2014/main" id="{AE51974F-98C9-459B-BA3A-3BCAD77319DE}"/>
-              </a:ext>
-            </a:extLst>
-          </p:cNvPr>
-          <p:cNvSpPr/>
-          <p:nvPr/>
-        </p:nvSpPr>
-        <p:spPr>
-          <a:xfrm rot="16200000">
-            <a:off x="4108550" y="1780676"/>
-            <a:ext cx="871538" cy="4263433"/>
-          </a:xfrm>
-          <a:prstGeom prst="rightBrace">
-            <a:avLst/>
-          </a:prstGeom>
-          <a:ln w="19050"/>
-        </p:spPr>
-        <p:style>
-          <a:lnRef idx="1">
-            <a:schemeClr val="accent1"/>
-          </a:lnRef>
-          <a:fillRef idx="0">
-            <a:schemeClr val="accent1"/>
-          </a:fillRef>
-          <a:effectRef idx="0">
-            <a:schemeClr val="accent1"/>
-          </a:effectRef>
-          <a:fontRef idx="minor">
-            <a:schemeClr val="tx1"/>
-          </a:fontRef>
-        </p:style>
-        <p:txBody>
-          <a:bodyPr rtlCol="0" anchor="ctr"/>
-          <a:lstStyle/>
-          <a:p>
-            <a:pPr algn="ctr"/>
-            <a:endParaRPr lang="en-US"/>
+              <a:t>lightweight</a:t>
+            </a:r>
+            <a:r>
+              <a:rPr lang="en-US" sz="2000" dirty="0"/>
+              <a:t>, </a:t>
+            </a:r>
+            <a:r>
+              <a:rPr lang="en-US" sz="2000" dirty="0">
+                <a:solidFill>
+                  <a:srgbClr val="FFC000"/>
+                </a:solidFill>
+              </a:rPr>
+              <a:t>extensible</a:t>
+            </a:r>
+            <a:r>
+              <a:rPr lang="en-US" sz="2000" dirty="0"/>
+              <a:t> and a </a:t>
+            </a:r>
+            <a:r>
+              <a:rPr lang="en-US" sz="2000" dirty="0">
+                <a:solidFill>
+                  <a:srgbClr val="FFC000"/>
+                </a:solidFill>
+              </a:rPr>
+              <a:t>cross-platform</a:t>
+            </a:r>
+            <a:r>
+              <a:rPr lang="en-US" sz="2000" dirty="0"/>
+              <a:t> version of Entity Framework.</a:t>
+            </a:r>
+          </a:p>
+          <a:p>
+            <a:pPr algn="just">
+              <a:buClr>
+                <a:srgbClr val="FFC000"/>
+              </a:buClr>
+            </a:pPr>
+            <a:r>
+              <a:rPr lang="en-US" sz="2000" dirty="0"/>
+              <a:t>Entity Framework Core is a </a:t>
+            </a:r>
+            <a:r>
+              <a:rPr lang="en-US" sz="2000" dirty="0">
+                <a:solidFill>
+                  <a:srgbClr val="FFC000"/>
+                </a:solidFill>
+              </a:rPr>
+              <a:t>data access technology</a:t>
+            </a:r>
+            <a:r>
+              <a:rPr lang="en-US" sz="2000" dirty="0"/>
+              <a:t>.</a:t>
+            </a:r>
+          </a:p>
+          <a:p>
+            <a:pPr algn="just">
+              <a:buClr>
+                <a:srgbClr val="FFC000"/>
+              </a:buClr>
+            </a:pPr>
+            <a:r>
+              <a:rPr lang="en-US" sz="2000" dirty="0"/>
+              <a:t>Entity Framework is an </a:t>
+            </a:r>
+            <a:r>
+              <a:rPr lang="en-US" sz="2000" dirty="0">
+                <a:solidFill>
+                  <a:srgbClr val="FFC000"/>
+                </a:solidFill>
+              </a:rPr>
+              <a:t>Object/Relational Mapping (ORM) framework</a:t>
+            </a:r>
+            <a:r>
+              <a:rPr lang="en-US" sz="2000" dirty="0"/>
+              <a:t>.</a:t>
+            </a:r>
+          </a:p>
+          <a:p>
+            <a:pPr algn="just">
+              <a:buClr>
+                <a:srgbClr val="FFC000"/>
+              </a:buClr>
+            </a:pPr>
+            <a:r>
+              <a:rPr lang="en-US" sz="2000" dirty="0"/>
+              <a:t>Its is an </a:t>
+            </a:r>
+            <a:r>
+              <a:rPr lang="en-US" sz="2000" dirty="0">
+                <a:solidFill>
+                  <a:srgbClr val="FFC000"/>
+                </a:solidFill>
+              </a:rPr>
+              <a:t>enhancement to ADO.NET </a:t>
+            </a:r>
+            <a:r>
+              <a:rPr lang="en-US" sz="2000" dirty="0"/>
+              <a:t>that gives developers an automated mechanism for accessing &amp; storing the data in the database.</a:t>
+            </a:r>
+          </a:p>
+          <a:p>
+            <a:pPr algn="just">
+              <a:buClr>
+                <a:srgbClr val="FFC000"/>
+              </a:buClr>
+            </a:pPr>
+            <a:r>
+              <a:rPr lang="en-US" sz="2000" dirty="0">
+                <a:solidFill>
+                  <a:srgbClr val="FFC000"/>
+                </a:solidFill>
+              </a:rPr>
+              <a:t>EF Core </a:t>
+            </a:r>
+            <a:r>
+              <a:rPr lang="en-US" sz="2000" dirty="0"/>
+              <a:t>is intended to be used with </a:t>
+            </a:r>
+            <a:r>
+              <a:rPr lang="en-US" sz="2000" dirty="0">
+                <a:solidFill>
+                  <a:srgbClr val="FFC000"/>
+                </a:solidFill>
+              </a:rPr>
+              <a:t>.NET Core applications</a:t>
+            </a:r>
+            <a:r>
+              <a:rPr lang="en-US" sz="2000" dirty="0"/>
+              <a:t>. However, it can also used with standard </a:t>
+            </a:r>
+            <a:r>
+              <a:rPr lang="en-US" sz="2000" dirty="0">
+                <a:solidFill>
+                  <a:srgbClr val="FFC000"/>
+                </a:solidFill>
+              </a:rPr>
+              <a:t>.NET 4.5+ framework </a:t>
+            </a:r>
+            <a:r>
+              <a:rPr lang="en-US" sz="2000" dirty="0"/>
+              <a:t>based applications.</a:t>
+            </a:r>
+          </a:p>
+          <a:p>
+            <a:pPr algn="just">
+              <a:buClr>
+                <a:srgbClr val="FFC000"/>
+              </a:buClr>
+            </a:pPr>
+            <a:endParaRPr lang="en-US" sz="2000" dirty="0"/>
+          </a:p>
+          <a:p>
+            <a:pPr algn="just">
+              <a:buClr>
+                <a:srgbClr val="FFC000"/>
+              </a:buClr>
+            </a:pPr>
+            <a:endParaRPr lang="en-US" sz="2000" dirty="0"/>
           </a:p>
         </p:txBody>
       </p:sp>
     </p:spTree>
     <p:extLst>
       <p:ext uri="{BB962C8B-B14F-4D97-AF65-F5344CB8AC3E}">
-        <p14:creationId xmlns:p14="http://schemas.microsoft.com/office/powerpoint/2010/main" val="1545053664"/>
+        <p14:creationId xmlns:p14="http://schemas.microsoft.com/office/powerpoint/2010/main" val="140043657"/>
       </p:ext>
     </p:extLst>
   </p:cSld>
@@ -10236,7 +12933,7 @@
 </p:sld>
 </file>
 
-<file path=ppt/slides/slide6.xml><?xml version="1.0" encoding="utf-8"?>
+<file path=ppt/slides/slide5.xml><?xml version="1.0" encoding="utf-8"?>
 <p:sld xmlns:a="http://schemas.openxmlformats.org/drawingml/2006/main" xmlns:r="http://schemas.openxmlformats.org/officeDocument/2006/relationships" xmlns:p="http://schemas.openxmlformats.org/presentationml/2006/main">
   <p:cSld>
     <p:bg>
@@ -10767,6 +13464,787 @@
                   <a:srgbClr val="FFC000"/>
                 </a:solidFill>
               </a:rPr>
+              <a:t>EF Core Development Approaches</a:t>
+            </a:r>
+            <a:endParaRPr lang="en-US" dirty="0"/>
+          </a:p>
+        </p:txBody>
+      </p:sp>
+      <p:sp>
+        <p:nvSpPr>
+          <p:cNvPr id="5" name="Rectangle 4">
+            <a:extLst>
+              <a:ext uri="{FF2B5EF4-FFF2-40B4-BE49-F238E27FC236}">
+                <a16:creationId xmlns:a16="http://schemas.microsoft.com/office/drawing/2014/main" id="{6ABE95A2-7E42-4938-8044-E6B6021F5029}"/>
+              </a:ext>
+            </a:extLst>
+          </p:cNvPr>
+          <p:cNvSpPr/>
+          <p:nvPr/>
+        </p:nvSpPr>
+        <p:spPr>
+          <a:xfrm>
+            <a:off x="2409825" y="2276474"/>
+            <a:ext cx="4600575" cy="1152526"/>
+          </a:xfrm>
+          <a:prstGeom prst="rect">
+            <a:avLst/>
+          </a:prstGeom>
+        </p:spPr>
+        <p:style>
+          <a:lnRef idx="2">
+            <a:schemeClr val="accent1">
+              <a:shade val="50000"/>
+            </a:schemeClr>
+          </a:lnRef>
+          <a:fillRef idx="1">
+            <a:schemeClr val="accent1"/>
+          </a:fillRef>
+          <a:effectRef idx="0">
+            <a:schemeClr val="accent1"/>
+          </a:effectRef>
+          <a:fontRef idx="minor">
+            <a:schemeClr val="lt1"/>
+          </a:fontRef>
+        </p:style>
+        <p:txBody>
+          <a:bodyPr rtlCol="0" anchor="ctr"/>
+          <a:lstStyle/>
+          <a:p>
+            <a:pPr algn="ctr"/>
+            <a:r>
+              <a:rPr lang="en-US" b="1" dirty="0">
+                <a:solidFill>
+                  <a:srgbClr val="000000"/>
+                </a:solidFill>
+              </a:rPr>
+              <a:t>EF Core Development Approaches</a:t>
+            </a:r>
+            <a:endParaRPr lang="en-US" dirty="0">
+              <a:solidFill>
+                <a:srgbClr val="000000"/>
+              </a:solidFill>
+            </a:endParaRPr>
+          </a:p>
+        </p:txBody>
+      </p:sp>
+      <p:sp>
+        <p:nvSpPr>
+          <p:cNvPr id="15" name="Rectangle 14">
+            <a:extLst>
+              <a:ext uri="{FF2B5EF4-FFF2-40B4-BE49-F238E27FC236}">
+                <a16:creationId xmlns:a16="http://schemas.microsoft.com/office/drawing/2014/main" id="{58C5BD7C-91C8-4515-8E87-1B620DA8D3D0}"/>
+              </a:ext>
+            </a:extLst>
+          </p:cNvPr>
+          <p:cNvSpPr/>
+          <p:nvPr/>
+        </p:nvSpPr>
+        <p:spPr>
+          <a:xfrm>
+            <a:off x="1322589" y="4348162"/>
+            <a:ext cx="2551908" cy="871539"/>
+          </a:xfrm>
+          <a:prstGeom prst="rect">
+            <a:avLst/>
+          </a:prstGeom>
+        </p:spPr>
+        <p:style>
+          <a:lnRef idx="2">
+            <a:schemeClr val="accent1">
+              <a:shade val="50000"/>
+            </a:schemeClr>
+          </a:lnRef>
+          <a:fillRef idx="1">
+            <a:schemeClr val="accent1"/>
+          </a:fillRef>
+          <a:effectRef idx="0">
+            <a:schemeClr val="accent1"/>
+          </a:effectRef>
+          <a:fontRef idx="minor">
+            <a:schemeClr val="lt1"/>
+          </a:fontRef>
+        </p:style>
+        <p:txBody>
+          <a:bodyPr rtlCol="0" anchor="ctr"/>
+          <a:lstStyle/>
+          <a:p>
+            <a:pPr algn="ctr"/>
+            <a:r>
+              <a:rPr lang="en-US" b="1" dirty="0">
+                <a:solidFill>
+                  <a:srgbClr val="404040"/>
+                </a:solidFill>
+              </a:rPr>
+              <a:t>Code-First</a:t>
+            </a:r>
+          </a:p>
+          <a:p>
+            <a:pPr algn="ctr"/>
+            <a:r>
+              <a:rPr lang="en-US" b="1" dirty="0">
+                <a:solidFill>
+                  <a:srgbClr val="404040"/>
+                </a:solidFill>
+              </a:rPr>
+              <a:t>Approach</a:t>
+            </a:r>
+          </a:p>
+        </p:txBody>
+      </p:sp>
+      <p:sp>
+        <p:nvSpPr>
+          <p:cNvPr id="17" name="Rectangle 16">
+            <a:extLst>
+              <a:ext uri="{FF2B5EF4-FFF2-40B4-BE49-F238E27FC236}">
+                <a16:creationId xmlns:a16="http://schemas.microsoft.com/office/drawing/2014/main" id="{1BD80C84-24E3-4186-B497-F0FE1B85EDDB}"/>
+              </a:ext>
+            </a:extLst>
+          </p:cNvPr>
+          <p:cNvSpPr/>
+          <p:nvPr/>
+        </p:nvSpPr>
+        <p:spPr>
+          <a:xfrm>
+            <a:off x="5512989" y="4364830"/>
+            <a:ext cx="2551908" cy="871539"/>
+          </a:xfrm>
+          <a:prstGeom prst="rect">
+            <a:avLst/>
+          </a:prstGeom>
+        </p:spPr>
+        <p:style>
+          <a:lnRef idx="2">
+            <a:schemeClr val="accent1">
+              <a:shade val="50000"/>
+            </a:schemeClr>
+          </a:lnRef>
+          <a:fillRef idx="1">
+            <a:schemeClr val="accent1"/>
+          </a:fillRef>
+          <a:effectRef idx="0">
+            <a:schemeClr val="accent1"/>
+          </a:effectRef>
+          <a:fontRef idx="minor">
+            <a:schemeClr val="lt1"/>
+          </a:fontRef>
+        </p:style>
+        <p:txBody>
+          <a:bodyPr rtlCol="0" anchor="ctr"/>
+          <a:lstStyle/>
+          <a:p>
+            <a:pPr algn="ctr"/>
+            <a:r>
+              <a:rPr lang="en-US" b="1" dirty="0">
+                <a:solidFill>
+                  <a:srgbClr val="404040"/>
+                </a:solidFill>
+              </a:rPr>
+              <a:t>Database-First</a:t>
+            </a:r>
+          </a:p>
+          <a:p>
+            <a:pPr algn="ctr"/>
+            <a:r>
+              <a:rPr lang="en-US" b="1" dirty="0">
+                <a:solidFill>
+                  <a:srgbClr val="404040"/>
+                </a:solidFill>
+              </a:rPr>
+              <a:t>Approach</a:t>
+            </a:r>
+          </a:p>
+        </p:txBody>
+      </p:sp>
+      <p:sp>
+        <p:nvSpPr>
+          <p:cNvPr id="7" name="Right Brace 6">
+            <a:extLst>
+              <a:ext uri="{FF2B5EF4-FFF2-40B4-BE49-F238E27FC236}">
+                <a16:creationId xmlns:a16="http://schemas.microsoft.com/office/drawing/2014/main" id="{AE51974F-98C9-459B-BA3A-3BCAD77319DE}"/>
+              </a:ext>
+            </a:extLst>
+          </p:cNvPr>
+          <p:cNvSpPr/>
+          <p:nvPr/>
+        </p:nvSpPr>
+        <p:spPr>
+          <a:xfrm rot="16200000">
+            <a:off x="4108550" y="1780676"/>
+            <a:ext cx="871538" cy="4263433"/>
+          </a:xfrm>
+          <a:prstGeom prst="rightBrace">
+            <a:avLst/>
+          </a:prstGeom>
+          <a:ln w="19050"/>
+        </p:spPr>
+        <p:style>
+          <a:lnRef idx="1">
+            <a:schemeClr val="accent1"/>
+          </a:lnRef>
+          <a:fillRef idx="0">
+            <a:schemeClr val="accent1"/>
+          </a:fillRef>
+          <a:effectRef idx="0">
+            <a:schemeClr val="accent1"/>
+          </a:effectRef>
+          <a:fontRef idx="minor">
+            <a:schemeClr val="tx1"/>
+          </a:fontRef>
+        </p:style>
+        <p:txBody>
+          <a:bodyPr rtlCol="0" anchor="ctr"/>
+          <a:lstStyle/>
+          <a:p>
+            <a:pPr algn="ctr"/>
+            <a:endParaRPr lang="en-US"/>
+          </a:p>
+        </p:txBody>
+      </p:sp>
+    </p:spTree>
+    <p:extLst>
+      <p:ext uri="{BB962C8B-B14F-4D97-AF65-F5344CB8AC3E}">
+        <p14:creationId xmlns:p14="http://schemas.microsoft.com/office/powerpoint/2010/main" val="1545053664"/>
+      </p:ext>
+    </p:extLst>
+  </p:cSld>
+  <p:clrMapOvr>
+    <a:overrideClrMapping bg1="dk1" tx1="lt1" bg2="dk2" tx2="lt2" accent1="accent1" accent2="accent2" accent3="accent3" accent4="accent4" accent5="accent5" accent6="accent6" hlink="hlink" folHlink="folHlink"/>
+  </p:clrMapOvr>
+</p:sld>
+</file>
+
+<file path=ppt/slides/slide6.xml><?xml version="1.0" encoding="utf-8"?>
+<p:sld xmlns:a="http://schemas.openxmlformats.org/drawingml/2006/main" xmlns:r="http://schemas.openxmlformats.org/officeDocument/2006/relationships" xmlns:p="http://schemas.openxmlformats.org/presentationml/2006/main">
+  <p:cSld>
+    <p:bg>
+      <p:bgPr>
+        <a:solidFill>
+          <a:schemeClr val="bg2"/>
+        </a:solidFill>
+        <a:effectLst/>
+      </p:bgPr>
+    </p:bg>
+    <p:spTree>
+      <p:nvGrpSpPr>
+        <p:cNvPr id="1" name=""/>
+        <p:cNvGrpSpPr/>
+        <p:nvPr/>
+      </p:nvGrpSpPr>
+      <p:grpSpPr>
+        <a:xfrm>
+          <a:off x="0" y="0"/>
+          <a:ext cx="0" cy="0"/>
+          <a:chOff x="0" y="0"/>
+          <a:chExt cx="0" cy="0"/>
+        </a:xfrm>
+      </p:grpSpPr>
+      <p:sp useBgFill="1">
+        <p:nvSpPr>
+          <p:cNvPr id="21" name="Rectangle 20">
+            <a:extLst>
+              <a:ext uri="{FF2B5EF4-FFF2-40B4-BE49-F238E27FC236}">
+                <a16:creationId xmlns:a16="http://schemas.microsoft.com/office/drawing/2014/main" id="{99CAC3B1-4879-424D-8F15-206277196159}"/>
+              </a:ext>
+              <a:ext uri="{C183D7F6-B498-43B3-948B-1728B52AA6E4}">
+                <adec:decorative xmlns:adec="http://schemas.microsoft.com/office/drawing/2017/decorative" val="1"/>
+              </a:ext>
+            </a:extLst>
+          </p:cNvPr>
+          <p:cNvSpPr>
+            <a:spLocks noGrp="1" noRot="1" noChangeAspect="1" noMove="1" noResize="1" noEditPoints="1" noAdjustHandles="1" noChangeArrowheads="1" noChangeShapeType="1" noTextEdit="1"/>
+          </p:cNvSpPr>
+          <p:nvPr>
+            <p:extLst>
+              <p:ext uri="{386F3935-93C4-4BCD-93E2-E3B085C9AB24}">
+                <p16:designElem xmlns:p16="http://schemas.microsoft.com/office/powerpoint/2015/main" val="1"/>
+              </p:ext>
+            </p:extLst>
+          </p:nvPr>
+        </p:nvSpPr>
+        <p:spPr>
+          <a:xfrm>
+            <a:off x="0" y="0"/>
+            <a:ext cx="12192000" cy="6858000"/>
+          </a:xfrm>
+          <a:prstGeom prst="rect">
+            <a:avLst/>
+          </a:prstGeom>
+          <a:ln>
+            <a:noFill/>
+          </a:ln>
+        </p:spPr>
+        <p:style>
+          <a:lnRef idx="2">
+            <a:schemeClr val="accent1">
+              <a:shade val="50000"/>
+            </a:schemeClr>
+          </a:lnRef>
+          <a:fillRef idx="1">
+            <a:schemeClr val="accent1"/>
+          </a:fillRef>
+          <a:effectRef idx="0">
+            <a:schemeClr val="accent1"/>
+          </a:effectRef>
+          <a:fontRef idx="minor">
+            <a:schemeClr val="lt1"/>
+          </a:fontRef>
+        </p:style>
+        <p:txBody>
+          <a:bodyPr rtlCol="0" anchor="ctr"/>
+          <a:lstStyle/>
+          <a:p>
+            <a:pPr algn="ctr"/>
+            <a:endParaRPr lang="en-US" dirty="0"/>
+          </a:p>
+        </p:txBody>
+      </p:sp>
+      <p:grpSp>
+        <p:nvGrpSpPr>
+          <p:cNvPr id="23" name="Group 22">
+            <a:extLst>
+              <a:ext uri="{FF2B5EF4-FFF2-40B4-BE49-F238E27FC236}">
+                <a16:creationId xmlns:a16="http://schemas.microsoft.com/office/drawing/2014/main" id="{4B8492CB-DFBA-4A82-9778-F21493DA36C1}"/>
+              </a:ext>
+              <a:ext uri="{C183D7F6-B498-43B3-948B-1728B52AA6E4}">
+                <adec:decorative xmlns:adec="http://schemas.microsoft.com/office/drawing/2017/decorative" val="1"/>
+              </a:ext>
+            </a:extLst>
+          </p:cNvPr>
+          <p:cNvGrpSpPr>
+            <a:grpSpLocks noGrp="1" noUngrp="1" noRot="1" noChangeAspect="1" noMove="1" noResize="1"/>
+          </p:cNvGrpSpPr>
+          <p:nvPr>
+            <p:extLst>
+              <p:ext uri="{386F3935-93C4-4BCD-93E2-E3B085C9AB24}">
+                <p16:designElem xmlns:p16="http://schemas.microsoft.com/office/powerpoint/2015/main" val="1"/>
+              </p:ext>
+            </p:extLst>
+          </p:nvPr>
+        </p:nvGrpSpPr>
+        <p:grpSpPr>
+          <a:xfrm flipH="1">
+            <a:off x="6526211" y="0"/>
+            <a:ext cx="5014912" cy="6862763"/>
+            <a:chOff x="2928938" y="-4763"/>
+            <a:chExt cx="5014912" cy="6862763"/>
+          </a:xfrm>
+        </p:grpSpPr>
+        <p:sp>
+          <p:nvSpPr>
+            <p:cNvPr id="24" name="Freeform 6">
+              <a:extLst>
+                <a:ext uri="{FF2B5EF4-FFF2-40B4-BE49-F238E27FC236}">
+                  <a16:creationId xmlns:a16="http://schemas.microsoft.com/office/drawing/2014/main" id="{E34CC1C8-EBDD-4AEA-83E6-B27575B62E2E}"/>
+                </a:ext>
+                <a:ext uri="{C183D7F6-B498-43B3-948B-1728B52AA6E4}">
+                  <adec:decorative xmlns:adec="http://schemas.microsoft.com/office/drawing/2017/decorative" val="1"/>
+                </a:ext>
+              </a:extLst>
+            </p:cNvPr>
+            <p:cNvSpPr/>
+            <p:nvPr>
+              <p:extLst>
+                <p:ext uri="{386F3935-93C4-4BCD-93E2-E3B085C9AB24}">
+                  <p16:designElem xmlns:p16="http://schemas.microsoft.com/office/powerpoint/2015/main" val="1"/>
+                </p:ext>
+              </p:extLst>
+            </p:nvPr>
+          </p:nvSpPr>
+          <p:spPr bwMode="auto">
+            <a:xfrm>
+              <a:off x="3367088" y="-4763"/>
+              <a:ext cx="1063625" cy="2782888"/>
+            </a:xfrm>
+            <a:custGeom>
+              <a:avLst/>
+              <a:gdLst/>
+              <a:ahLst/>
+              <a:cxnLst/>
+              <a:rect l="0" t="0" r="r" b="b"/>
+              <a:pathLst>
+                <a:path w="670" h="1753">
+                  <a:moveTo>
+                    <a:pt x="0" y="1696"/>
+                  </a:moveTo>
+                  <a:lnTo>
+                    <a:pt x="225" y="1753"/>
+                  </a:lnTo>
+                  <a:lnTo>
+                    <a:pt x="670" y="0"/>
+                  </a:lnTo>
+                  <a:lnTo>
+                    <a:pt x="430" y="0"/>
+                  </a:lnTo>
+                  <a:lnTo>
+                    <a:pt x="0" y="1696"/>
+                  </a:lnTo>
+                  <a:close/>
+                </a:path>
+              </a:pathLst>
+            </a:custGeom>
+            <a:solidFill>
+              <a:schemeClr val="accent1"/>
+            </a:solidFill>
+            <a:ln>
+              <a:noFill/>
+            </a:ln>
+          </p:spPr>
+        </p:sp>
+        <p:sp>
+          <p:nvSpPr>
+            <p:cNvPr id="25" name="Freeform 7">
+              <a:extLst>
+                <a:ext uri="{FF2B5EF4-FFF2-40B4-BE49-F238E27FC236}">
+                  <a16:creationId xmlns:a16="http://schemas.microsoft.com/office/drawing/2014/main" id="{D6B38644-B85D-4211-9526-5B4C2A662BF7}"/>
+                </a:ext>
+                <a:ext uri="{C183D7F6-B498-43B3-948B-1728B52AA6E4}">
+                  <adec:decorative xmlns:adec="http://schemas.microsoft.com/office/drawing/2017/decorative" val="1"/>
+                </a:ext>
+              </a:extLst>
+            </p:cNvPr>
+            <p:cNvSpPr/>
+            <p:nvPr>
+              <p:extLst>
+                <p:ext uri="{386F3935-93C4-4BCD-93E2-E3B085C9AB24}">
+                  <p16:designElem xmlns:p16="http://schemas.microsoft.com/office/powerpoint/2015/main" val="1"/>
+                </p:ext>
+              </p:extLst>
+            </p:nvPr>
+          </p:nvSpPr>
+          <p:spPr bwMode="auto">
+            <a:xfrm>
+              <a:off x="2928938" y="-4763"/>
+              <a:ext cx="1035050" cy="2673350"/>
+            </a:xfrm>
+            <a:custGeom>
+              <a:avLst/>
+              <a:gdLst/>
+              <a:ahLst/>
+              <a:cxnLst/>
+              <a:rect l="0" t="0" r="r" b="b"/>
+              <a:pathLst>
+                <a:path w="652" h="1684">
+                  <a:moveTo>
+                    <a:pt x="225" y="1684"/>
+                  </a:moveTo>
+                  <a:lnTo>
+                    <a:pt x="652" y="0"/>
+                  </a:lnTo>
+                  <a:lnTo>
+                    <a:pt x="411" y="0"/>
+                  </a:lnTo>
+                  <a:lnTo>
+                    <a:pt x="0" y="1627"/>
+                  </a:lnTo>
+                  <a:lnTo>
+                    <a:pt x="219" y="1681"/>
+                  </a:lnTo>
+                  <a:lnTo>
+                    <a:pt x="225" y="1684"/>
+                  </a:lnTo>
+                  <a:close/>
+                </a:path>
+              </a:pathLst>
+            </a:custGeom>
+            <a:solidFill>
+              <a:srgbClr val="595959"/>
+            </a:solidFill>
+            <a:ln>
+              <a:noFill/>
+            </a:ln>
+          </p:spPr>
+        </p:sp>
+        <p:sp>
+          <p:nvSpPr>
+            <p:cNvPr id="26" name="Freeform 12">
+              <a:extLst>
+                <a:ext uri="{FF2B5EF4-FFF2-40B4-BE49-F238E27FC236}">
+                  <a16:creationId xmlns:a16="http://schemas.microsoft.com/office/drawing/2014/main" id="{8A8B2820-6B8F-4C19-BFC5-D28EE44E54CB}"/>
+                </a:ext>
+                <a:ext uri="{C183D7F6-B498-43B3-948B-1728B52AA6E4}">
+                  <adec:decorative xmlns:adec="http://schemas.microsoft.com/office/drawing/2017/decorative" val="1"/>
+                </a:ext>
+              </a:extLst>
+            </p:cNvPr>
+            <p:cNvSpPr/>
+            <p:nvPr>
+              <p:extLst>
+                <p:ext uri="{386F3935-93C4-4BCD-93E2-E3B085C9AB24}">
+                  <p16:designElem xmlns:p16="http://schemas.microsoft.com/office/powerpoint/2015/main" val="1"/>
+                </p:ext>
+              </p:extLst>
+            </p:nvPr>
+          </p:nvSpPr>
+          <p:spPr bwMode="auto">
+            <a:xfrm>
+              <a:off x="2928938" y="2582862"/>
+              <a:ext cx="2693987" cy="4275138"/>
+            </a:xfrm>
+            <a:custGeom>
+              <a:avLst/>
+              <a:gdLst/>
+              <a:ahLst/>
+              <a:cxnLst/>
+              <a:rect l="0" t="0" r="r" b="b"/>
+              <a:pathLst>
+                <a:path w="1697" h="2693">
+                  <a:moveTo>
+                    <a:pt x="0" y="0"/>
+                  </a:moveTo>
+                  <a:lnTo>
+                    <a:pt x="1622" y="2693"/>
+                  </a:lnTo>
+                  <a:lnTo>
+                    <a:pt x="1697" y="2693"/>
+                  </a:lnTo>
+                  <a:lnTo>
+                    <a:pt x="0" y="0"/>
+                  </a:lnTo>
+                  <a:close/>
+                </a:path>
+              </a:pathLst>
+            </a:custGeom>
+            <a:solidFill>
+              <a:srgbClr val="262626"/>
+            </a:solidFill>
+            <a:ln>
+              <a:noFill/>
+            </a:ln>
+          </p:spPr>
+        </p:sp>
+        <p:sp>
+          <p:nvSpPr>
+            <p:cNvPr id="27" name="Freeform 13">
+              <a:extLst>
+                <a:ext uri="{FF2B5EF4-FFF2-40B4-BE49-F238E27FC236}">
+                  <a16:creationId xmlns:a16="http://schemas.microsoft.com/office/drawing/2014/main" id="{773528ED-4D37-4A77-A8CA-86B6221C5E82}"/>
+                </a:ext>
+                <a:ext uri="{C183D7F6-B498-43B3-948B-1728B52AA6E4}">
+                  <adec:decorative xmlns:adec="http://schemas.microsoft.com/office/drawing/2017/decorative" val="1"/>
+                </a:ext>
+              </a:extLst>
+            </p:cNvPr>
+            <p:cNvSpPr/>
+            <p:nvPr>
+              <p:extLst>
+                <p:ext uri="{386F3935-93C4-4BCD-93E2-E3B085C9AB24}">
+                  <p16:designElem xmlns:p16="http://schemas.microsoft.com/office/powerpoint/2015/main" val="1"/>
+                </p:ext>
+              </p:extLst>
+            </p:nvPr>
+          </p:nvSpPr>
+          <p:spPr bwMode="auto">
+            <a:xfrm>
+              <a:off x="3371850" y="2692400"/>
+              <a:ext cx="3332162" cy="4165600"/>
+            </a:xfrm>
+            <a:custGeom>
+              <a:avLst/>
+              <a:gdLst/>
+              <a:ahLst/>
+              <a:cxnLst/>
+              <a:rect l="0" t="0" r="r" b="b"/>
+              <a:pathLst>
+                <a:path w="2099" h="2624">
+                  <a:moveTo>
+                    <a:pt x="2099" y="2624"/>
+                  </a:moveTo>
+                  <a:lnTo>
+                    <a:pt x="0" y="0"/>
+                  </a:lnTo>
+                  <a:lnTo>
+                    <a:pt x="2021" y="2624"/>
+                  </a:lnTo>
+                  <a:lnTo>
+                    <a:pt x="2099" y="2624"/>
+                  </a:lnTo>
+                  <a:close/>
+                </a:path>
+              </a:pathLst>
+            </a:custGeom>
+            <a:solidFill>
+              <a:schemeClr val="accent1">
+                <a:lumMod val="50000"/>
+              </a:schemeClr>
+            </a:solidFill>
+            <a:ln>
+              <a:noFill/>
+            </a:ln>
+          </p:spPr>
+        </p:sp>
+        <p:sp>
+          <p:nvSpPr>
+            <p:cNvPr id="28" name="Freeform 14">
+              <a:extLst>
+                <a:ext uri="{FF2B5EF4-FFF2-40B4-BE49-F238E27FC236}">
+                  <a16:creationId xmlns:a16="http://schemas.microsoft.com/office/drawing/2014/main" id="{8A58A902-E944-4399-9A93-A91A6A82B166}"/>
+                </a:ext>
+                <a:ext uri="{C183D7F6-B498-43B3-948B-1728B52AA6E4}">
+                  <adec:decorative xmlns:adec="http://schemas.microsoft.com/office/drawing/2017/decorative" val="1"/>
+                </a:ext>
+              </a:extLst>
+            </p:cNvPr>
+            <p:cNvSpPr/>
+            <p:nvPr>
+              <p:extLst>
+                <p:ext uri="{386F3935-93C4-4BCD-93E2-E3B085C9AB24}">
+                  <p16:designElem xmlns:p16="http://schemas.microsoft.com/office/powerpoint/2015/main" val="1"/>
+                </p:ext>
+              </p:extLst>
+            </p:nvPr>
+          </p:nvSpPr>
+          <p:spPr bwMode="auto">
+            <a:xfrm>
+              <a:off x="3367088" y="2687637"/>
+              <a:ext cx="4576762" cy="4170363"/>
+            </a:xfrm>
+            <a:custGeom>
+              <a:avLst/>
+              <a:gdLst/>
+              <a:ahLst/>
+              <a:cxnLst/>
+              <a:rect l="0" t="0" r="r" b="b"/>
+              <a:pathLst>
+                <a:path w="2883" h="2627">
+                  <a:moveTo>
+                    <a:pt x="0" y="0"/>
+                  </a:moveTo>
+                  <a:lnTo>
+                    <a:pt x="3" y="3"/>
+                  </a:lnTo>
+                  <a:lnTo>
+                    <a:pt x="2102" y="2627"/>
+                  </a:lnTo>
+                  <a:lnTo>
+                    <a:pt x="2883" y="2627"/>
+                  </a:lnTo>
+                  <a:lnTo>
+                    <a:pt x="225" y="57"/>
+                  </a:lnTo>
+                  <a:lnTo>
+                    <a:pt x="0" y="0"/>
+                  </a:lnTo>
+                  <a:close/>
+                </a:path>
+              </a:pathLst>
+            </a:custGeom>
+            <a:solidFill>
+              <a:schemeClr val="accent1">
+                <a:lumMod val="75000"/>
+              </a:schemeClr>
+            </a:solidFill>
+            <a:ln>
+              <a:noFill/>
+            </a:ln>
+          </p:spPr>
+        </p:sp>
+        <p:sp>
+          <p:nvSpPr>
+            <p:cNvPr id="29" name="Freeform 15">
+              <a:extLst>
+                <a:ext uri="{FF2B5EF4-FFF2-40B4-BE49-F238E27FC236}">
+                  <a16:creationId xmlns:a16="http://schemas.microsoft.com/office/drawing/2014/main" id="{4EDB1155-2E8E-4FB8-AD42-101FE4383231}"/>
+                </a:ext>
+                <a:ext uri="{C183D7F6-B498-43B3-948B-1728B52AA6E4}">
+                  <adec:decorative xmlns:adec="http://schemas.microsoft.com/office/drawing/2017/decorative" val="1"/>
+                </a:ext>
+              </a:extLst>
+            </p:cNvPr>
+            <p:cNvSpPr/>
+            <p:nvPr>
+              <p:extLst>
+                <p:ext uri="{386F3935-93C4-4BCD-93E2-E3B085C9AB24}">
+                  <p16:designElem xmlns:p16="http://schemas.microsoft.com/office/powerpoint/2015/main" val="1"/>
+                </p:ext>
+              </p:extLst>
+            </p:nvPr>
+          </p:nvSpPr>
+          <p:spPr bwMode="auto">
+            <a:xfrm>
+              <a:off x="2928938" y="2578100"/>
+              <a:ext cx="3584575" cy="4279900"/>
+            </a:xfrm>
+            <a:custGeom>
+              <a:avLst/>
+              <a:gdLst/>
+              <a:ahLst/>
+              <a:cxnLst/>
+              <a:rect l="0" t="0" r="r" b="b"/>
+              <a:pathLst>
+                <a:path w="2258" h="2696">
+                  <a:moveTo>
+                    <a:pt x="2258" y="2696"/>
+                  </a:moveTo>
+                  <a:lnTo>
+                    <a:pt x="264" y="111"/>
+                  </a:lnTo>
+                  <a:lnTo>
+                    <a:pt x="228" y="60"/>
+                  </a:lnTo>
+                  <a:lnTo>
+                    <a:pt x="225" y="57"/>
+                  </a:lnTo>
+                  <a:lnTo>
+                    <a:pt x="0" y="0"/>
+                  </a:lnTo>
+                  <a:lnTo>
+                    <a:pt x="0" y="3"/>
+                  </a:lnTo>
+                  <a:lnTo>
+                    <a:pt x="1697" y="2696"/>
+                  </a:lnTo>
+                  <a:lnTo>
+                    <a:pt x="2258" y="2696"/>
+                  </a:lnTo>
+                  <a:close/>
+                </a:path>
+              </a:pathLst>
+            </a:custGeom>
+            <a:solidFill>
+              <a:srgbClr val="404040"/>
+            </a:solidFill>
+            <a:ln>
+              <a:noFill/>
+            </a:ln>
+          </p:spPr>
+        </p:sp>
+      </p:grpSp>
+      <p:sp>
+        <p:nvSpPr>
+          <p:cNvPr id="2" name="Title 1">
+            <a:extLst>
+              <a:ext uri="{FF2B5EF4-FFF2-40B4-BE49-F238E27FC236}">
+                <a16:creationId xmlns:a16="http://schemas.microsoft.com/office/drawing/2014/main" id="{C7492CCE-C435-464E-A19A-D4C606FDBE3D}"/>
+              </a:ext>
+            </a:extLst>
+          </p:cNvPr>
+          <p:cNvSpPr>
+            <a:spLocks noGrp="1"/>
+          </p:cNvSpPr>
+          <p:nvPr>
+            <p:ph type="title"/>
+          </p:nvPr>
+        </p:nvSpPr>
+        <p:spPr>
+          <a:xfrm>
+            <a:off x="1018191" y="685800"/>
+            <a:ext cx="8837005" cy="1752599"/>
+          </a:xfrm>
+        </p:spPr>
+        <p:txBody>
+          <a:bodyPr>
+            <a:normAutofit/>
+          </a:bodyPr>
+          <a:lstStyle/>
+          <a:p>
+            <a:pPr algn="l"/>
+            <a:r>
+              <a:rPr lang="en-US" b="1" dirty="0">
+                <a:solidFill>
+                  <a:srgbClr val="FFC000"/>
+                </a:solidFill>
+              </a:rPr>
               <a:t>EF Core Database Providers</a:t>
             </a:r>
             <a:endParaRPr lang="en-US" dirty="0"/>
@@ -11306,6 +14784,779 @@
     <p:extLst>
       <p:ext uri="{BB962C8B-B14F-4D97-AF65-F5344CB8AC3E}">
         <p14:creationId xmlns:p14="http://schemas.microsoft.com/office/powerpoint/2010/main" val="3120113261"/>
+      </p:ext>
+    </p:extLst>
+  </p:cSld>
+  <p:clrMapOvr>
+    <a:overrideClrMapping bg1="dk1" tx1="lt1" bg2="dk2" tx2="lt2" accent1="accent1" accent2="accent2" accent3="accent3" accent4="accent4" accent5="accent5" accent6="accent6" hlink="hlink" folHlink="folHlink"/>
+  </p:clrMapOvr>
+</p:sld>
+</file>
+
+<file path=ppt/slides/slide7.xml><?xml version="1.0" encoding="utf-8"?>
+<p:sld xmlns:a="http://schemas.openxmlformats.org/drawingml/2006/main" xmlns:r="http://schemas.openxmlformats.org/officeDocument/2006/relationships" xmlns:p="http://schemas.openxmlformats.org/presentationml/2006/main">
+  <p:cSld>
+    <p:bg>
+      <p:bgPr>
+        <a:solidFill>
+          <a:schemeClr val="bg2"/>
+        </a:solidFill>
+        <a:effectLst/>
+      </p:bgPr>
+    </p:bg>
+    <p:spTree>
+      <p:nvGrpSpPr>
+        <p:cNvPr id="1" name=""/>
+        <p:cNvGrpSpPr/>
+        <p:nvPr/>
+      </p:nvGrpSpPr>
+      <p:grpSpPr>
+        <a:xfrm>
+          <a:off x="0" y="0"/>
+          <a:ext cx="0" cy="0"/>
+          <a:chOff x="0" y="0"/>
+          <a:chExt cx="0" cy="0"/>
+        </a:xfrm>
+      </p:grpSpPr>
+      <p:sp>
+        <p:nvSpPr>
+          <p:cNvPr id="2" name="Title 1">
+            <a:extLst>
+              <a:ext uri="{FF2B5EF4-FFF2-40B4-BE49-F238E27FC236}">
+                <a16:creationId xmlns:a16="http://schemas.microsoft.com/office/drawing/2014/main" id="{C7492CCE-C435-464E-A19A-D4C606FDBE3D}"/>
+              </a:ext>
+            </a:extLst>
+          </p:cNvPr>
+          <p:cNvSpPr>
+            <a:spLocks noGrp="1"/>
+          </p:cNvSpPr>
+          <p:nvPr>
+            <p:ph type="ctrTitle"/>
+          </p:nvPr>
+        </p:nvSpPr>
+        <p:spPr>
+          <a:xfrm>
+            <a:off x="2928401" y="1433231"/>
+            <a:ext cx="8574622" cy="2616199"/>
+          </a:xfrm>
+        </p:spPr>
+        <p:txBody>
+          <a:bodyPr>
+            <a:normAutofit fontScale="90000"/>
+          </a:bodyPr>
+          <a:lstStyle/>
+          <a:p>
+            <a:pPr algn="l"/>
+            <a:r>
+              <a:rPr lang="en-US" b="1" dirty="0">
+                <a:solidFill>
+                  <a:srgbClr val="FFC000"/>
+                </a:solidFill>
+              </a:rPr>
+              <a:t>Code First Approach </a:t>
+            </a:r>
+            <a:br>
+              <a:rPr lang="en-US" b="1" dirty="0">
+                <a:solidFill>
+                  <a:srgbClr val="FFC000"/>
+                </a:solidFill>
+              </a:rPr>
+            </a:br>
+            <a:r>
+              <a:rPr lang="en-US" b="1" dirty="0">
+                <a:solidFill>
+                  <a:srgbClr val="A6A6A6"/>
+                </a:solidFill>
+              </a:rPr>
+              <a:t>Entity Framework Core ASP.NET 6</a:t>
+            </a:r>
+            <a:endParaRPr lang="en-US" dirty="0">
+              <a:solidFill>
+                <a:srgbClr val="A6A6A6"/>
+              </a:solidFill>
+            </a:endParaRPr>
+          </a:p>
+        </p:txBody>
+      </p:sp>
+    </p:spTree>
+    <p:extLst>
+      <p:ext uri="{BB962C8B-B14F-4D97-AF65-F5344CB8AC3E}">
+        <p14:creationId xmlns:p14="http://schemas.microsoft.com/office/powerpoint/2010/main" val="3416184365"/>
+      </p:ext>
+    </p:extLst>
+  </p:cSld>
+  <p:clrMapOvr>
+    <a:overrideClrMapping bg1="dk1" tx1="lt1" bg2="dk2" tx2="lt2" accent1="accent1" accent2="accent2" accent3="accent3" accent4="accent4" accent5="accent5" accent6="accent6" hlink="hlink" folHlink="folHlink"/>
+  </p:clrMapOvr>
+</p:sld>
+</file>
+
+<file path=ppt/slides/slide8.xml><?xml version="1.0" encoding="utf-8"?>
+<p:sld xmlns:a="http://schemas.openxmlformats.org/drawingml/2006/main" xmlns:r="http://schemas.openxmlformats.org/officeDocument/2006/relationships" xmlns:p="http://schemas.openxmlformats.org/presentationml/2006/main">
+  <p:cSld>
+    <p:bg>
+      <p:bgPr>
+        <a:solidFill>
+          <a:schemeClr val="bg2"/>
+        </a:solidFill>
+        <a:effectLst/>
+      </p:bgPr>
+    </p:bg>
+    <p:spTree>
+      <p:nvGrpSpPr>
+        <p:cNvPr id="1" name=""/>
+        <p:cNvGrpSpPr/>
+        <p:nvPr/>
+      </p:nvGrpSpPr>
+      <p:grpSpPr>
+        <a:xfrm>
+          <a:off x="0" y="0"/>
+          <a:ext cx="0" cy="0"/>
+          <a:chOff x="0" y="0"/>
+          <a:chExt cx="0" cy="0"/>
+        </a:xfrm>
+      </p:grpSpPr>
+      <p:sp useBgFill="1">
+        <p:nvSpPr>
+          <p:cNvPr id="21" name="Rectangle 20">
+            <a:extLst>
+              <a:ext uri="{FF2B5EF4-FFF2-40B4-BE49-F238E27FC236}">
+                <a16:creationId xmlns:a16="http://schemas.microsoft.com/office/drawing/2014/main" id="{99CAC3B1-4879-424D-8F15-206277196159}"/>
+              </a:ext>
+              <a:ext uri="{C183D7F6-B498-43B3-948B-1728B52AA6E4}">
+                <adec:decorative xmlns:adec="http://schemas.microsoft.com/office/drawing/2017/decorative" val="1"/>
+              </a:ext>
+            </a:extLst>
+          </p:cNvPr>
+          <p:cNvSpPr>
+            <a:spLocks noGrp="1" noRot="1" noChangeAspect="1" noMove="1" noResize="1" noEditPoints="1" noAdjustHandles="1" noChangeArrowheads="1" noChangeShapeType="1" noTextEdit="1"/>
+          </p:cNvSpPr>
+          <p:nvPr>
+            <p:extLst>
+              <p:ext uri="{386F3935-93C4-4BCD-93E2-E3B085C9AB24}">
+                <p16:designElem xmlns:p16="http://schemas.microsoft.com/office/powerpoint/2015/main" val="1"/>
+              </p:ext>
+            </p:extLst>
+          </p:nvPr>
+        </p:nvSpPr>
+        <p:spPr>
+          <a:xfrm>
+            <a:off x="0" y="0"/>
+            <a:ext cx="12192000" cy="6858000"/>
+          </a:xfrm>
+          <a:prstGeom prst="rect">
+            <a:avLst/>
+          </a:prstGeom>
+          <a:ln>
+            <a:noFill/>
+          </a:ln>
+        </p:spPr>
+        <p:style>
+          <a:lnRef idx="2">
+            <a:schemeClr val="accent1">
+              <a:shade val="50000"/>
+            </a:schemeClr>
+          </a:lnRef>
+          <a:fillRef idx="1">
+            <a:schemeClr val="accent1"/>
+          </a:fillRef>
+          <a:effectRef idx="0">
+            <a:schemeClr val="accent1"/>
+          </a:effectRef>
+          <a:fontRef idx="minor">
+            <a:schemeClr val="lt1"/>
+          </a:fontRef>
+        </p:style>
+        <p:txBody>
+          <a:bodyPr rtlCol="0" anchor="ctr"/>
+          <a:lstStyle/>
+          <a:p>
+            <a:pPr algn="ctr"/>
+            <a:endParaRPr lang="en-US" dirty="0"/>
+          </a:p>
+        </p:txBody>
+      </p:sp>
+      <p:grpSp>
+        <p:nvGrpSpPr>
+          <p:cNvPr id="23" name="Group 22">
+            <a:extLst>
+              <a:ext uri="{FF2B5EF4-FFF2-40B4-BE49-F238E27FC236}">
+                <a16:creationId xmlns:a16="http://schemas.microsoft.com/office/drawing/2014/main" id="{4B8492CB-DFBA-4A82-9778-F21493DA36C1}"/>
+              </a:ext>
+              <a:ext uri="{C183D7F6-B498-43B3-948B-1728B52AA6E4}">
+                <adec:decorative xmlns:adec="http://schemas.microsoft.com/office/drawing/2017/decorative" val="1"/>
+              </a:ext>
+            </a:extLst>
+          </p:cNvPr>
+          <p:cNvGrpSpPr>
+            <a:grpSpLocks noGrp="1" noUngrp="1" noRot="1" noChangeAspect="1" noMove="1" noResize="1"/>
+          </p:cNvGrpSpPr>
+          <p:nvPr>
+            <p:extLst>
+              <p:ext uri="{386F3935-93C4-4BCD-93E2-E3B085C9AB24}">
+                <p16:designElem xmlns:p16="http://schemas.microsoft.com/office/powerpoint/2015/main" val="1"/>
+              </p:ext>
+            </p:extLst>
+          </p:nvPr>
+        </p:nvGrpSpPr>
+        <p:grpSpPr>
+          <a:xfrm flipH="1">
+            <a:off x="6526211" y="0"/>
+            <a:ext cx="5014912" cy="6862763"/>
+            <a:chOff x="2928938" y="-4763"/>
+            <a:chExt cx="5014912" cy="6862763"/>
+          </a:xfrm>
+        </p:grpSpPr>
+        <p:sp>
+          <p:nvSpPr>
+            <p:cNvPr id="24" name="Freeform 6">
+              <a:extLst>
+                <a:ext uri="{FF2B5EF4-FFF2-40B4-BE49-F238E27FC236}">
+                  <a16:creationId xmlns:a16="http://schemas.microsoft.com/office/drawing/2014/main" id="{E34CC1C8-EBDD-4AEA-83E6-B27575B62E2E}"/>
+                </a:ext>
+                <a:ext uri="{C183D7F6-B498-43B3-948B-1728B52AA6E4}">
+                  <adec:decorative xmlns:adec="http://schemas.microsoft.com/office/drawing/2017/decorative" val="1"/>
+                </a:ext>
+              </a:extLst>
+            </p:cNvPr>
+            <p:cNvSpPr/>
+            <p:nvPr>
+              <p:extLst>
+                <p:ext uri="{386F3935-93C4-4BCD-93E2-E3B085C9AB24}">
+                  <p16:designElem xmlns:p16="http://schemas.microsoft.com/office/powerpoint/2015/main" val="1"/>
+                </p:ext>
+              </p:extLst>
+            </p:nvPr>
+          </p:nvSpPr>
+          <p:spPr bwMode="auto">
+            <a:xfrm>
+              <a:off x="3367088" y="-4763"/>
+              <a:ext cx="1063625" cy="2782888"/>
+            </a:xfrm>
+            <a:custGeom>
+              <a:avLst/>
+              <a:gdLst/>
+              <a:ahLst/>
+              <a:cxnLst/>
+              <a:rect l="0" t="0" r="r" b="b"/>
+              <a:pathLst>
+                <a:path w="670" h="1753">
+                  <a:moveTo>
+                    <a:pt x="0" y="1696"/>
+                  </a:moveTo>
+                  <a:lnTo>
+                    <a:pt x="225" y="1753"/>
+                  </a:lnTo>
+                  <a:lnTo>
+                    <a:pt x="670" y="0"/>
+                  </a:lnTo>
+                  <a:lnTo>
+                    <a:pt x="430" y="0"/>
+                  </a:lnTo>
+                  <a:lnTo>
+                    <a:pt x="0" y="1696"/>
+                  </a:lnTo>
+                  <a:close/>
+                </a:path>
+              </a:pathLst>
+            </a:custGeom>
+            <a:solidFill>
+              <a:schemeClr val="accent1"/>
+            </a:solidFill>
+            <a:ln>
+              <a:noFill/>
+            </a:ln>
+          </p:spPr>
+        </p:sp>
+        <p:sp>
+          <p:nvSpPr>
+            <p:cNvPr id="25" name="Freeform 7">
+              <a:extLst>
+                <a:ext uri="{FF2B5EF4-FFF2-40B4-BE49-F238E27FC236}">
+                  <a16:creationId xmlns:a16="http://schemas.microsoft.com/office/drawing/2014/main" id="{D6B38644-B85D-4211-9526-5B4C2A662BF7}"/>
+                </a:ext>
+                <a:ext uri="{C183D7F6-B498-43B3-948B-1728B52AA6E4}">
+                  <adec:decorative xmlns:adec="http://schemas.microsoft.com/office/drawing/2017/decorative" val="1"/>
+                </a:ext>
+              </a:extLst>
+            </p:cNvPr>
+            <p:cNvSpPr/>
+            <p:nvPr>
+              <p:extLst>
+                <p:ext uri="{386F3935-93C4-4BCD-93E2-E3B085C9AB24}">
+                  <p16:designElem xmlns:p16="http://schemas.microsoft.com/office/powerpoint/2015/main" val="1"/>
+                </p:ext>
+              </p:extLst>
+            </p:nvPr>
+          </p:nvSpPr>
+          <p:spPr bwMode="auto">
+            <a:xfrm>
+              <a:off x="2928938" y="-4763"/>
+              <a:ext cx="1035050" cy="2673350"/>
+            </a:xfrm>
+            <a:custGeom>
+              <a:avLst/>
+              <a:gdLst/>
+              <a:ahLst/>
+              <a:cxnLst/>
+              <a:rect l="0" t="0" r="r" b="b"/>
+              <a:pathLst>
+                <a:path w="652" h="1684">
+                  <a:moveTo>
+                    <a:pt x="225" y="1684"/>
+                  </a:moveTo>
+                  <a:lnTo>
+                    <a:pt x="652" y="0"/>
+                  </a:lnTo>
+                  <a:lnTo>
+                    <a:pt x="411" y="0"/>
+                  </a:lnTo>
+                  <a:lnTo>
+                    <a:pt x="0" y="1627"/>
+                  </a:lnTo>
+                  <a:lnTo>
+                    <a:pt x="219" y="1681"/>
+                  </a:lnTo>
+                  <a:lnTo>
+                    <a:pt x="225" y="1684"/>
+                  </a:lnTo>
+                  <a:close/>
+                </a:path>
+              </a:pathLst>
+            </a:custGeom>
+            <a:solidFill>
+              <a:srgbClr val="595959"/>
+            </a:solidFill>
+            <a:ln>
+              <a:noFill/>
+            </a:ln>
+          </p:spPr>
+        </p:sp>
+        <p:sp>
+          <p:nvSpPr>
+            <p:cNvPr id="26" name="Freeform 12">
+              <a:extLst>
+                <a:ext uri="{FF2B5EF4-FFF2-40B4-BE49-F238E27FC236}">
+                  <a16:creationId xmlns:a16="http://schemas.microsoft.com/office/drawing/2014/main" id="{8A8B2820-6B8F-4C19-BFC5-D28EE44E54CB}"/>
+                </a:ext>
+                <a:ext uri="{C183D7F6-B498-43B3-948B-1728B52AA6E4}">
+                  <adec:decorative xmlns:adec="http://schemas.microsoft.com/office/drawing/2017/decorative" val="1"/>
+                </a:ext>
+              </a:extLst>
+            </p:cNvPr>
+            <p:cNvSpPr/>
+            <p:nvPr>
+              <p:extLst>
+                <p:ext uri="{386F3935-93C4-4BCD-93E2-E3B085C9AB24}">
+                  <p16:designElem xmlns:p16="http://schemas.microsoft.com/office/powerpoint/2015/main" val="1"/>
+                </p:ext>
+              </p:extLst>
+            </p:nvPr>
+          </p:nvSpPr>
+          <p:spPr bwMode="auto">
+            <a:xfrm>
+              <a:off x="2928938" y="2582862"/>
+              <a:ext cx="2693987" cy="4275138"/>
+            </a:xfrm>
+            <a:custGeom>
+              <a:avLst/>
+              <a:gdLst/>
+              <a:ahLst/>
+              <a:cxnLst/>
+              <a:rect l="0" t="0" r="r" b="b"/>
+              <a:pathLst>
+                <a:path w="1697" h="2693">
+                  <a:moveTo>
+                    <a:pt x="0" y="0"/>
+                  </a:moveTo>
+                  <a:lnTo>
+                    <a:pt x="1622" y="2693"/>
+                  </a:lnTo>
+                  <a:lnTo>
+                    <a:pt x="1697" y="2693"/>
+                  </a:lnTo>
+                  <a:lnTo>
+                    <a:pt x="0" y="0"/>
+                  </a:lnTo>
+                  <a:close/>
+                </a:path>
+              </a:pathLst>
+            </a:custGeom>
+            <a:solidFill>
+              <a:srgbClr val="262626"/>
+            </a:solidFill>
+            <a:ln>
+              <a:noFill/>
+            </a:ln>
+          </p:spPr>
+        </p:sp>
+        <p:sp>
+          <p:nvSpPr>
+            <p:cNvPr id="27" name="Freeform 13">
+              <a:extLst>
+                <a:ext uri="{FF2B5EF4-FFF2-40B4-BE49-F238E27FC236}">
+                  <a16:creationId xmlns:a16="http://schemas.microsoft.com/office/drawing/2014/main" id="{773528ED-4D37-4A77-A8CA-86B6221C5E82}"/>
+                </a:ext>
+                <a:ext uri="{C183D7F6-B498-43B3-948B-1728B52AA6E4}">
+                  <adec:decorative xmlns:adec="http://schemas.microsoft.com/office/drawing/2017/decorative" val="1"/>
+                </a:ext>
+              </a:extLst>
+            </p:cNvPr>
+            <p:cNvSpPr/>
+            <p:nvPr>
+              <p:extLst>
+                <p:ext uri="{386F3935-93C4-4BCD-93E2-E3B085C9AB24}">
+                  <p16:designElem xmlns:p16="http://schemas.microsoft.com/office/powerpoint/2015/main" val="1"/>
+                </p:ext>
+              </p:extLst>
+            </p:nvPr>
+          </p:nvSpPr>
+          <p:spPr bwMode="auto">
+            <a:xfrm>
+              <a:off x="3371850" y="2692400"/>
+              <a:ext cx="3332162" cy="4165600"/>
+            </a:xfrm>
+            <a:custGeom>
+              <a:avLst/>
+              <a:gdLst/>
+              <a:ahLst/>
+              <a:cxnLst/>
+              <a:rect l="0" t="0" r="r" b="b"/>
+              <a:pathLst>
+                <a:path w="2099" h="2624">
+                  <a:moveTo>
+                    <a:pt x="2099" y="2624"/>
+                  </a:moveTo>
+                  <a:lnTo>
+                    <a:pt x="0" y="0"/>
+                  </a:lnTo>
+                  <a:lnTo>
+                    <a:pt x="2021" y="2624"/>
+                  </a:lnTo>
+                  <a:lnTo>
+                    <a:pt x="2099" y="2624"/>
+                  </a:lnTo>
+                  <a:close/>
+                </a:path>
+              </a:pathLst>
+            </a:custGeom>
+            <a:solidFill>
+              <a:schemeClr val="accent1">
+                <a:lumMod val="50000"/>
+              </a:schemeClr>
+            </a:solidFill>
+            <a:ln>
+              <a:noFill/>
+            </a:ln>
+          </p:spPr>
+        </p:sp>
+        <p:sp>
+          <p:nvSpPr>
+            <p:cNvPr id="28" name="Freeform 14">
+              <a:extLst>
+                <a:ext uri="{FF2B5EF4-FFF2-40B4-BE49-F238E27FC236}">
+                  <a16:creationId xmlns:a16="http://schemas.microsoft.com/office/drawing/2014/main" id="{8A58A902-E944-4399-9A93-A91A6A82B166}"/>
+                </a:ext>
+                <a:ext uri="{C183D7F6-B498-43B3-948B-1728B52AA6E4}">
+                  <adec:decorative xmlns:adec="http://schemas.microsoft.com/office/drawing/2017/decorative" val="1"/>
+                </a:ext>
+              </a:extLst>
+            </p:cNvPr>
+            <p:cNvSpPr/>
+            <p:nvPr>
+              <p:extLst>
+                <p:ext uri="{386F3935-93C4-4BCD-93E2-E3B085C9AB24}">
+                  <p16:designElem xmlns:p16="http://schemas.microsoft.com/office/powerpoint/2015/main" val="1"/>
+                </p:ext>
+              </p:extLst>
+            </p:nvPr>
+          </p:nvSpPr>
+          <p:spPr bwMode="auto">
+            <a:xfrm>
+              <a:off x="3367088" y="2687637"/>
+              <a:ext cx="4576762" cy="4170363"/>
+            </a:xfrm>
+            <a:custGeom>
+              <a:avLst/>
+              <a:gdLst/>
+              <a:ahLst/>
+              <a:cxnLst/>
+              <a:rect l="0" t="0" r="r" b="b"/>
+              <a:pathLst>
+                <a:path w="2883" h="2627">
+                  <a:moveTo>
+                    <a:pt x="0" y="0"/>
+                  </a:moveTo>
+                  <a:lnTo>
+                    <a:pt x="3" y="3"/>
+                  </a:lnTo>
+                  <a:lnTo>
+                    <a:pt x="2102" y="2627"/>
+                  </a:lnTo>
+                  <a:lnTo>
+                    <a:pt x="2883" y="2627"/>
+                  </a:lnTo>
+                  <a:lnTo>
+                    <a:pt x="225" y="57"/>
+                  </a:lnTo>
+                  <a:lnTo>
+                    <a:pt x="0" y="0"/>
+                  </a:lnTo>
+                  <a:close/>
+                </a:path>
+              </a:pathLst>
+            </a:custGeom>
+            <a:solidFill>
+              <a:schemeClr val="accent1">
+                <a:lumMod val="75000"/>
+              </a:schemeClr>
+            </a:solidFill>
+            <a:ln>
+              <a:noFill/>
+            </a:ln>
+          </p:spPr>
+        </p:sp>
+        <p:sp>
+          <p:nvSpPr>
+            <p:cNvPr id="29" name="Freeform 15">
+              <a:extLst>
+                <a:ext uri="{FF2B5EF4-FFF2-40B4-BE49-F238E27FC236}">
+                  <a16:creationId xmlns:a16="http://schemas.microsoft.com/office/drawing/2014/main" id="{4EDB1155-2E8E-4FB8-AD42-101FE4383231}"/>
+                </a:ext>
+                <a:ext uri="{C183D7F6-B498-43B3-948B-1728B52AA6E4}">
+                  <adec:decorative xmlns:adec="http://schemas.microsoft.com/office/drawing/2017/decorative" val="1"/>
+                </a:ext>
+              </a:extLst>
+            </p:cNvPr>
+            <p:cNvSpPr/>
+            <p:nvPr>
+              <p:extLst>
+                <p:ext uri="{386F3935-93C4-4BCD-93E2-E3B085C9AB24}">
+                  <p16:designElem xmlns:p16="http://schemas.microsoft.com/office/powerpoint/2015/main" val="1"/>
+                </p:ext>
+              </p:extLst>
+            </p:nvPr>
+          </p:nvSpPr>
+          <p:spPr bwMode="auto">
+            <a:xfrm>
+              <a:off x="2928938" y="2578100"/>
+              <a:ext cx="3584575" cy="4279900"/>
+            </a:xfrm>
+            <a:custGeom>
+              <a:avLst/>
+              <a:gdLst/>
+              <a:ahLst/>
+              <a:cxnLst/>
+              <a:rect l="0" t="0" r="r" b="b"/>
+              <a:pathLst>
+                <a:path w="2258" h="2696">
+                  <a:moveTo>
+                    <a:pt x="2258" y="2696"/>
+                  </a:moveTo>
+                  <a:lnTo>
+                    <a:pt x="264" y="111"/>
+                  </a:lnTo>
+                  <a:lnTo>
+                    <a:pt x="228" y="60"/>
+                  </a:lnTo>
+                  <a:lnTo>
+                    <a:pt x="225" y="57"/>
+                  </a:lnTo>
+                  <a:lnTo>
+                    <a:pt x="0" y="0"/>
+                  </a:lnTo>
+                  <a:lnTo>
+                    <a:pt x="0" y="3"/>
+                  </a:lnTo>
+                  <a:lnTo>
+                    <a:pt x="1697" y="2696"/>
+                  </a:lnTo>
+                  <a:lnTo>
+                    <a:pt x="2258" y="2696"/>
+                  </a:lnTo>
+                  <a:close/>
+                </a:path>
+              </a:pathLst>
+            </a:custGeom>
+            <a:solidFill>
+              <a:srgbClr val="404040"/>
+            </a:solidFill>
+            <a:ln>
+              <a:noFill/>
+            </a:ln>
+          </p:spPr>
+        </p:sp>
+      </p:grpSp>
+      <p:sp>
+        <p:nvSpPr>
+          <p:cNvPr id="2" name="Title 1">
+            <a:extLst>
+              <a:ext uri="{FF2B5EF4-FFF2-40B4-BE49-F238E27FC236}">
+                <a16:creationId xmlns:a16="http://schemas.microsoft.com/office/drawing/2014/main" id="{C7492CCE-C435-464E-A19A-D4C606FDBE3D}"/>
+              </a:ext>
+            </a:extLst>
+          </p:cNvPr>
+          <p:cNvSpPr>
+            <a:spLocks noGrp="1"/>
+          </p:cNvSpPr>
+          <p:nvPr>
+            <p:ph type="title"/>
+          </p:nvPr>
+        </p:nvSpPr>
+        <p:spPr>
+          <a:xfrm>
+            <a:off x="1018191" y="685800"/>
+            <a:ext cx="8837005" cy="1752599"/>
+          </a:xfrm>
+        </p:spPr>
+        <p:txBody>
+          <a:bodyPr>
+            <a:normAutofit/>
+          </a:bodyPr>
+          <a:lstStyle/>
+          <a:p>
+            <a:pPr algn="l"/>
+            <a:r>
+              <a:rPr lang="en-US" sz="4800" b="1" dirty="0">
+                <a:solidFill>
+                  <a:srgbClr val="FFC000"/>
+                </a:solidFill>
+              </a:rPr>
+              <a:t>Code First Approach </a:t>
+            </a:r>
+            <a:endParaRPr lang="en-US" sz="4800" dirty="0"/>
+          </a:p>
+        </p:txBody>
+      </p:sp>
+      <p:pic>
+        <p:nvPicPr>
+          <p:cNvPr id="34" name="Picture 33">
+            <a:extLst>
+              <a:ext uri="{FF2B5EF4-FFF2-40B4-BE49-F238E27FC236}">
+                <a16:creationId xmlns:a16="http://schemas.microsoft.com/office/drawing/2014/main" id="{4491171E-8D1F-4DC3-87B3-2ABF04129A90}"/>
+              </a:ext>
+            </a:extLst>
+          </p:cNvPr>
+          <p:cNvPicPr>
+            <a:picLocks noChangeAspect="1"/>
+          </p:cNvPicPr>
+          <p:nvPr/>
+        </p:nvPicPr>
+        <p:blipFill>
+          <a:blip r:embed="rId2"/>
+          <a:stretch>
+            <a:fillRect/>
+          </a:stretch>
+        </p:blipFill>
+        <p:spPr>
+          <a:xfrm>
+            <a:off x="1089027" y="2538335"/>
+            <a:ext cx="7230136" cy="2023031"/>
+          </a:xfrm>
+          <a:prstGeom prst="rect">
+            <a:avLst/>
+          </a:prstGeom>
+        </p:spPr>
+      </p:pic>
+    </p:spTree>
+    <p:extLst>
+      <p:ext uri="{BB962C8B-B14F-4D97-AF65-F5344CB8AC3E}">
+        <p14:creationId xmlns:p14="http://schemas.microsoft.com/office/powerpoint/2010/main" val="2874833592"/>
+      </p:ext>
+    </p:extLst>
+  </p:cSld>
+  <p:clrMapOvr>
+    <a:overrideClrMapping bg1="dk1" tx1="lt1" bg2="dk2" tx2="lt2" accent1="accent1" accent2="accent2" accent3="accent3" accent4="accent4" accent5="accent5" accent6="accent6" hlink="hlink" folHlink="folHlink"/>
+  </p:clrMapOvr>
+</p:sld>
+</file>
+
+<file path=ppt/slides/slide9.xml><?xml version="1.0" encoding="utf-8"?>
+<p:sld xmlns:a="http://schemas.openxmlformats.org/drawingml/2006/main" xmlns:r="http://schemas.openxmlformats.org/officeDocument/2006/relationships" xmlns:p="http://schemas.openxmlformats.org/presentationml/2006/main">
+  <p:cSld>
+    <p:bg>
+      <p:bgPr>
+        <a:solidFill>
+          <a:schemeClr val="bg2"/>
+        </a:solidFill>
+        <a:effectLst/>
+      </p:bgPr>
+    </p:bg>
+    <p:spTree>
+      <p:nvGrpSpPr>
+        <p:cNvPr id="1" name=""/>
+        <p:cNvGrpSpPr/>
+        <p:nvPr/>
+      </p:nvGrpSpPr>
+      <p:grpSpPr>
+        <a:xfrm>
+          <a:off x="0" y="0"/>
+          <a:ext cx="0" cy="0"/>
+          <a:chOff x="0" y="0"/>
+          <a:chExt cx="0" cy="0"/>
+        </a:xfrm>
+      </p:grpSpPr>
+      <p:sp>
+        <p:nvSpPr>
+          <p:cNvPr id="2" name="Title 1">
+            <a:extLst>
+              <a:ext uri="{FF2B5EF4-FFF2-40B4-BE49-F238E27FC236}">
+                <a16:creationId xmlns:a16="http://schemas.microsoft.com/office/drawing/2014/main" id="{C7492CCE-C435-464E-A19A-D4C606FDBE3D}"/>
+              </a:ext>
+            </a:extLst>
+          </p:cNvPr>
+          <p:cNvSpPr>
+            <a:spLocks noGrp="1"/>
+          </p:cNvSpPr>
+          <p:nvPr>
+            <p:ph type="title"/>
+          </p:nvPr>
+        </p:nvSpPr>
+        <p:spPr/>
+        <p:txBody>
+          <a:bodyPr>
+            <a:normAutofit/>
+          </a:bodyPr>
+          <a:lstStyle/>
+          <a:p>
+            <a:pPr algn="l"/>
+            <a:endParaRPr lang="en-US" dirty="0">
+              <a:solidFill>
+                <a:srgbClr val="A6A6A6"/>
+              </a:solidFill>
+            </a:endParaRPr>
+          </a:p>
+        </p:txBody>
+      </p:sp>
+      <p:sp>
+        <p:nvSpPr>
+          <p:cNvPr id="5" name="Content Placeholder 4">
+            <a:extLst>
+              <a:ext uri="{FF2B5EF4-FFF2-40B4-BE49-F238E27FC236}">
+                <a16:creationId xmlns:a16="http://schemas.microsoft.com/office/drawing/2014/main" id="{A6BB712D-26E2-4FDF-BD5F-4C6B85B6CE19}"/>
+              </a:ext>
+            </a:extLst>
+          </p:cNvPr>
+          <p:cNvSpPr>
+            <a:spLocks noGrp="1"/>
+          </p:cNvSpPr>
+          <p:nvPr>
+            <p:ph idx="1"/>
+          </p:nvPr>
+        </p:nvSpPr>
+        <p:spPr/>
+        <p:txBody>
+          <a:bodyPr/>
+          <a:lstStyle/>
+          <a:p>
+            <a:endParaRPr lang="en-US"/>
+          </a:p>
+        </p:txBody>
+      </p:sp>
+    </p:spTree>
+    <p:extLst>
+      <p:ext uri="{BB962C8B-B14F-4D97-AF65-F5344CB8AC3E}">
+        <p14:creationId xmlns:p14="http://schemas.microsoft.com/office/powerpoint/2010/main" val="240611038"/>
       </p:ext>
     </p:extLst>
   </p:cSld>
@@ -11867,12 +16118,11 @@
 </file>
 
 <file path=customXml/item1.xml><?xml version="1.0" encoding="utf-8"?>
-<?mso-contentType ?>
-<FormTemplates xmlns="http://schemas.microsoft.com/sharepoint/v3/contenttype/forms">
-  <Display>DocumentLibraryForm</Display>
-  <Edit>DocumentLibraryForm</Edit>
-  <New>DocumentLibraryForm</New>
-</FormTemplates>
+<p:properties xmlns:p="http://schemas.microsoft.com/office/2006/metadata/properties" xmlns:xsi="http://www.w3.org/2001/XMLSchema-instance" xmlns:pc="http://schemas.microsoft.com/office/infopath/2007/PartnerControls">
+  <documentManagement>
+    <MediaServiceKeyPoints xmlns="71af3243-3dd4-4a8d-8c0d-dd76da1f02a5" xsi:nil="true"/>
+  </documentManagement>
+</p:properties>
 </file>
 
 <file path=customXml/item2.xml><?xml version="1.0" encoding="utf-8"?>
@@ -12087,17 +16337,20 @@
 </file>
 
 <file path=customXml/item3.xml><?xml version="1.0" encoding="utf-8"?>
-<p:properties xmlns:p="http://schemas.microsoft.com/office/2006/metadata/properties" xmlns:xsi="http://www.w3.org/2001/XMLSchema-instance" xmlns:pc="http://schemas.microsoft.com/office/infopath/2007/PartnerControls">
-  <documentManagement>
-    <MediaServiceKeyPoints xmlns="71af3243-3dd4-4a8d-8c0d-dd76da1f02a5" xsi:nil="true"/>
-  </documentManagement>
-</p:properties>
+<?mso-contentType ?>
+<FormTemplates xmlns="http://schemas.microsoft.com/sharepoint/v3/contenttype/forms">
+  <Display>DocumentLibraryForm</Display>
+  <Edit>DocumentLibraryForm</Edit>
+  <New>DocumentLibraryForm</New>
+</FormTemplates>
 </file>
 
 <file path=customXml/itemProps1.xml><?xml version="1.0" encoding="utf-8"?>
-<ds:datastoreItem xmlns:ds="http://schemas.openxmlformats.org/officeDocument/2006/customXml" ds:itemID="{33315AA3-EAE3-44ED-8368-BAC2FFFB4817}">
+<ds:datastoreItem xmlns:ds="http://schemas.openxmlformats.org/officeDocument/2006/customXml" ds:itemID="{D7023227-530E-4024-91EF-312A851A758C}">
   <ds:schemaRefs>
-    <ds:schemaRef ds:uri="http://schemas.microsoft.com/sharepoint/v3/contenttype/forms"/>
+    <ds:schemaRef ds:uri="http://schemas.microsoft.com/office/2006/metadata/properties"/>
+    <ds:schemaRef ds:uri="http://schemas.microsoft.com/office/infopath/2007/PartnerControls"/>
+    <ds:schemaRef ds:uri="71af3243-3dd4-4a8d-8c0d-dd76da1f02a5"/>
   </ds:schemaRefs>
 </ds:datastoreItem>
 </file>
@@ -12122,11 +16375,9 @@
 </file>
 
 <file path=customXml/itemProps3.xml><?xml version="1.0" encoding="utf-8"?>
-<ds:datastoreItem xmlns:ds="http://schemas.openxmlformats.org/officeDocument/2006/customXml" ds:itemID="{D7023227-530E-4024-91EF-312A851A758C}">
+<ds:datastoreItem xmlns:ds="http://schemas.openxmlformats.org/officeDocument/2006/customXml" ds:itemID="{33315AA3-EAE3-44ED-8368-BAC2FFFB4817}">
   <ds:schemaRefs>
-    <ds:schemaRef ds:uri="http://schemas.microsoft.com/office/2006/metadata/properties"/>
-    <ds:schemaRef ds:uri="http://schemas.microsoft.com/office/infopath/2007/PartnerControls"/>
-    <ds:schemaRef ds:uri="71af3243-3dd4-4a8d-8c0d-dd76da1f02a5"/>
+    <ds:schemaRef ds:uri="http://schemas.microsoft.com/sharepoint/v3/contenttype/forms"/>
   </ds:schemaRefs>
 </ds:datastoreItem>
 </file>
--- a/PowerPoint Presentation/Entity Framework ASP.NET Core.pptx
+++ b/PowerPoint Presentation/Entity Framework ASP.NET Core.pptx
@@ -14,16 +14,16 @@
     <p:sldId id="262" r:id="rId8"/>
     <p:sldId id="263" r:id="rId9"/>
     <p:sldId id="264" r:id="rId10"/>
-    <p:sldId id="265" r:id="rId11"/>
-    <p:sldId id="268" r:id="rId12"/>
-    <p:sldId id="267" r:id="rId13"/>
-    <p:sldId id="269" r:id="rId14"/>
-    <p:sldId id="270" r:id="rId15"/>
-    <p:sldId id="271" r:id="rId16"/>
-    <p:sldId id="272" r:id="rId17"/>
-    <p:sldId id="273" r:id="rId18"/>
-    <p:sldId id="274" r:id="rId19"/>
-    <p:sldId id="275" r:id="rId20"/>
+    <p:sldId id="269" r:id="rId11"/>
+    <p:sldId id="270" r:id="rId12"/>
+    <p:sldId id="271" r:id="rId13"/>
+    <p:sldId id="272" r:id="rId14"/>
+    <p:sldId id="273" r:id="rId15"/>
+    <p:sldId id="274" r:id="rId16"/>
+    <p:sldId id="275" r:id="rId17"/>
+    <p:sldId id="265" r:id="rId18"/>
+    <p:sldId id="268" r:id="rId19"/>
+    <p:sldId id="267" r:id="rId20"/>
   </p:sldIdLst>
   <p:sldSz cx="12192000" cy="6858000"/>
   <p:notesSz cx="6858000" cy="9144000"/>
@@ -212,7 +212,7 @@
           <a:p>
             <a:fld id="{4B3F774C-70F7-4ED4-813C-739E51CF8487}" type="datetimeFigureOut">
               <a:rPr lang="en-US" smtClean="0"/>
-              <a:t>10/21/2023</a:t>
+              <a:t>10/24/2023</a:t>
             </a:fld>
             <a:endParaRPr lang="en-US" dirty="0"/>
           </a:p>
@@ -981,7 +981,7 @@
           <a:p>
             <a:fld id="{F9F2E34D-57B0-41D5-A7AF-DF10D1068115}" type="datetime1">
               <a:rPr lang="en-US" smtClean="0"/>
-              <a:t>10/21/2023</a:t>
+              <a:t>10/24/2023</a:t>
             </a:fld>
             <a:endParaRPr lang="en-US" dirty="0"/>
           </a:p>
@@ -1273,7 +1273,7 @@
           <a:p>
             <a:fld id="{DF6E8327-77F4-4A2B-9238-101C8E3404E4}" type="datetime1">
               <a:rPr lang="en-US" smtClean="0"/>
-              <a:t>10/21/2023</a:t>
+              <a:t>10/24/2023</a:t>
             </a:fld>
             <a:endParaRPr lang="en-US" dirty="0"/>
           </a:p>
@@ -1517,7 +1517,7 @@
           <a:p>
             <a:fld id="{5287327A-3B7B-4F18-AD00-4892CF91FF9D}" type="datetime1">
               <a:rPr lang="en-US" smtClean="0"/>
-              <a:t>10/21/2023</a:t>
+              <a:t>10/24/2023</a:t>
             </a:fld>
             <a:endParaRPr lang="en-US" dirty="0"/>
           </a:p>
@@ -2053,7 +2053,7 @@
           <a:p>
             <a:fld id="{84398241-E647-4007-AB01-BB30869910EB}" type="datetime1">
               <a:rPr lang="en-US" smtClean="0"/>
-              <a:t>10/21/2023</a:t>
+              <a:t>10/24/2023</a:t>
             </a:fld>
             <a:endParaRPr lang="en-US" dirty="0"/>
           </a:p>
@@ -2297,7 +2297,7 @@
           <a:p>
             <a:fld id="{A09F5554-C941-4C3B-A197-75ED448862A0}" type="datetime1">
               <a:rPr lang="en-US" smtClean="0"/>
-              <a:t>10/21/2023</a:t>
+              <a:t>10/24/2023</a:t>
             </a:fld>
             <a:endParaRPr lang="en-US" dirty="0"/>
           </a:p>
@@ -2825,7 +2825,7 @@
           <a:p>
             <a:fld id="{DC6B44A0-C3F8-4023-9352-7CF7C034B2C8}" type="datetime1">
               <a:rPr lang="en-US" smtClean="0"/>
-              <a:t>10/21/2023</a:t>
+              <a:t>10/24/2023</a:t>
             </a:fld>
             <a:endParaRPr lang="en-US" dirty="0"/>
           </a:p>
@@ -3118,7 +3118,7 @@
           <a:p>
             <a:fld id="{79C3DC5B-471F-47EA-B884-FE923235A560}" type="datetime1">
               <a:rPr lang="en-US" smtClean="0"/>
-              <a:t>10/21/2023</a:t>
+              <a:t>10/24/2023</a:t>
             </a:fld>
             <a:endParaRPr lang="en-US" dirty="0"/>
           </a:p>
@@ -3288,7 +3288,7 @@
           <a:p>
             <a:fld id="{03F8C408-3247-4796-93FF-B91D6887AEC0}" type="datetime1">
               <a:rPr lang="en-US" smtClean="0"/>
-              <a:t>10/21/2023</a:t>
+              <a:t>10/24/2023</a:t>
             </a:fld>
             <a:endParaRPr lang="en-US" dirty="0"/>
           </a:p>
@@ -3464,7 +3464,7 @@
           <a:p>
             <a:fld id="{BBA1D282-CC74-49F4-B876-75084EFB56F1}" type="datetime1">
               <a:rPr lang="en-US" smtClean="0"/>
-              <a:t>10/21/2023</a:t>
+              <a:t>10/24/2023</a:t>
             </a:fld>
             <a:endParaRPr lang="en-US" dirty="0"/>
           </a:p>
@@ -3630,7 +3630,7 @@
           <a:p>
             <a:fld id="{BF56EAF9-2583-4989-8D87-13F548ED6E0C}" type="datetime1">
               <a:rPr lang="en-US" smtClean="0"/>
-              <a:t>10/21/2023</a:t>
+              <a:t>10/24/2023</a:t>
             </a:fld>
             <a:endParaRPr lang="en-US" dirty="0"/>
           </a:p>
@@ -3877,7 +3877,7 @@
           <a:p>
             <a:fld id="{B70E3CFB-BB1B-4B2A-ADF6-B1A4609854C4}" type="datetime1">
               <a:rPr lang="en-US" smtClean="0"/>
-              <a:t>10/21/2023</a:t>
+              <a:t>10/24/2023</a:t>
             </a:fld>
             <a:endParaRPr lang="en-US" dirty="0"/>
           </a:p>
@@ -4170,7 +4170,7 @@
           <a:p>
             <a:fld id="{2B3AEAA8-1A97-412E-935C-2E918F139579}" type="datetime1">
               <a:rPr lang="en-US" smtClean="0"/>
-              <a:t>10/21/2023</a:t>
+              <a:t>10/24/2023</a:t>
             </a:fld>
             <a:endParaRPr lang="en-US" dirty="0"/>
           </a:p>
@@ -4608,7 +4608,7 @@
           <a:p>
             <a:fld id="{638B0DF1-CA1F-4E36-8C65-C52A9896A8FB}" type="datetime1">
               <a:rPr lang="en-US" smtClean="0"/>
-              <a:t>10/21/2023</a:t>
+              <a:t>10/24/2023</a:t>
             </a:fld>
             <a:endParaRPr lang="en-US" dirty="0"/>
           </a:p>
@@ -4722,7 +4722,7 @@
           <a:p>
             <a:fld id="{DB6173FD-197A-4AD6-8D60-38B6A76F0734}" type="datetime1">
               <a:rPr lang="en-US" smtClean="0"/>
-              <a:t>10/21/2023</a:t>
+              <a:t>10/24/2023</a:t>
             </a:fld>
             <a:endParaRPr lang="en-US" dirty="0"/>
           </a:p>
@@ -4813,7 +4813,7 @@
           <a:p>
             <a:fld id="{6BDC3949-07FA-4C7A-A990-D6D1043EED71}" type="datetime1">
               <a:rPr lang="en-US" smtClean="0"/>
-              <a:t>10/21/2023</a:t>
+              <a:t>10/24/2023</a:t>
             </a:fld>
             <a:endParaRPr lang="en-US" dirty="0"/>
           </a:p>
@@ -5092,7 +5092,7 @@
           <a:p>
             <a:fld id="{2E9E2DE8-6D13-4218-A974-D45AA7B6E4FF}" type="datetime1">
               <a:rPr lang="en-US" smtClean="0"/>
-              <a:t>10/21/2023</a:t>
+              <a:t>10/24/2023</a:t>
             </a:fld>
             <a:endParaRPr lang="en-US" dirty="0"/>
           </a:p>
@@ -5379,7 +5379,7 @@
           <a:p>
             <a:fld id="{9CDAB7D7-4BDA-4ABC-B31D-66201C69A314}" type="datetime1">
               <a:rPr lang="en-US" smtClean="0"/>
-              <a:t>10/21/2023</a:t>
+              <a:t>10/24/2023</a:t>
             </a:fld>
             <a:endParaRPr lang="en-US" dirty="0"/>
           </a:p>
@@ -5905,7 +5905,7 @@
           <a:p>
             <a:fld id="{4E3F0A0B-291C-4112-A023-023C51AB2E85}" type="datetime1">
               <a:rPr lang="en-US" smtClean="0"/>
-              <a:t>10/21/2023</a:t>
+              <a:t>10/24/2023</a:t>
             </a:fld>
             <a:endParaRPr lang="en-US" dirty="0"/>
           </a:p>
@@ -6996,6 +6996,1736 @@
       </p:grpSpPr>
       <p:sp>
         <p:nvSpPr>
+          <p:cNvPr id="43" name="Rectangle 42">
+            <a:extLst>
+              <a:ext uri="{FF2B5EF4-FFF2-40B4-BE49-F238E27FC236}">
+                <a16:creationId xmlns:a16="http://schemas.microsoft.com/office/drawing/2014/main" id="{655E530D-049D-4EB1-AD75-BB1475BFEED4}"/>
+              </a:ext>
+            </a:extLst>
+          </p:cNvPr>
+          <p:cNvSpPr/>
+          <p:nvPr/>
+        </p:nvSpPr>
+        <p:spPr>
+          <a:xfrm>
+            <a:off x="1732009" y="1032303"/>
+            <a:ext cx="1882047" cy="526656"/>
+          </a:xfrm>
+          <a:prstGeom prst="rect">
+            <a:avLst/>
+          </a:prstGeom>
+        </p:spPr>
+        <p:style>
+          <a:lnRef idx="2">
+            <a:schemeClr val="accent1">
+              <a:shade val="50000"/>
+            </a:schemeClr>
+          </a:lnRef>
+          <a:fillRef idx="1">
+            <a:schemeClr val="accent1"/>
+          </a:fillRef>
+          <a:effectRef idx="0">
+            <a:schemeClr val="accent1"/>
+          </a:effectRef>
+          <a:fontRef idx="minor">
+            <a:schemeClr val="lt1"/>
+          </a:fontRef>
+        </p:style>
+        <p:txBody>
+          <a:bodyPr rtlCol="0" anchor="ctr"/>
+          <a:lstStyle/>
+          <a:p>
+            <a:r>
+              <a:rPr lang="en-US" sz="3200" b="1" dirty="0">
+                <a:solidFill>
+                  <a:srgbClr val="7030A0"/>
+                </a:solidFill>
+              </a:rPr>
+              <a:t>Step # 02</a:t>
+            </a:r>
+          </a:p>
+        </p:txBody>
+      </p:sp>
+      <p:sp>
+        <p:nvSpPr>
+          <p:cNvPr id="14" name="Rectangle 13">
+            <a:extLst>
+              <a:ext uri="{FF2B5EF4-FFF2-40B4-BE49-F238E27FC236}">
+                <a16:creationId xmlns:a16="http://schemas.microsoft.com/office/drawing/2014/main" id="{85BBF831-03CE-4DC6-98AB-FA29819745EF}"/>
+              </a:ext>
+            </a:extLst>
+          </p:cNvPr>
+          <p:cNvSpPr/>
+          <p:nvPr/>
+        </p:nvSpPr>
+        <p:spPr>
+          <a:xfrm>
+            <a:off x="1583502" y="1840095"/>
+            <a:ext cx="8059910" cy="518748"/>
+          </a:xfrm>
+          <a:prstGeom prst="rect">
+            <a:avLst/>
+          </a:prstGeom>
+          <a:noFill/>
+          <a:ln>
+            <a:noFill/>
+          </a:ln>
+        </p:spPr>
+        <p:style>
+          <a:lnRef idx="2">
+            <a:schemeClr val="accent1">
+              <a:shade val="50000"/>
+            </a:schemeClr>
+          </a:lnRef>
+          <a:fillRef idx="1">
+            <a:schemeClr val="accent1"/>
+          </a:fillRef>
+          <a:effectRef idx="0">
+            <a:schemeClr val="accent1"/>
+          </a:effectRef>
+          <a:fontRef idx="minor">
+            <a:schemeClr val="lt1"/>
+          </a:fontRef>
+        </p:style>
+        <p:txBody>
+          <a:bodyPr rtlCol="0" anchor="ctr"/>
+          <a:lstStyle/>
+          <a:p>
+            <a:pPr marL="457200" indent="-457200">
+              <a:buFont typeface="Wingdings" panose="05000000000000000000" pitchFamily="2" charset="2"/>
+              <a:buChar char="Ø"/>
+            </a:pPr>
+            <a:r>
+              <a:rPr lang="en-US" sz="3200" dirty="0">
+                <a:solidFill>
+                  <a:schemeClr val="tx1"/>
+                </a:solidFill>
+              </a:rPr>
+              <a:t>Execute a command for scaffold DBContext</a:t>
+            </a:r>
+          </a:p>
+        </p:txBody>
+      </p:sp>
+      <p:sp>
+        <p:nvSpPr>
+          <p:cNvPr id="5" name="Rectangle 4">
+            <a:extLst>
+              <a:ext uri="{FF2B5EF4-FFF2-40B4-BE49-F238E27FC236}">
+                <a16:creationId xmlns:a16="http://schemas.microsoft.com/office/drawing/2014/main" id="{612C8AB2-565E-4F9E-AE1D-85205F3F703B}"/>
+              </a:ext>
+            </a:extLst>
+          </p:cNvPr>
+          <p:cNvSpPr/>
+          <p:nvPr/>
+        </p:nvSpPr>
+        <p:spPr>
+          <a:xfrm>
+            <a:off x="1511371" y="2950713"/>
+            <a:ext cx="10459990" cy="707886"/>
+          </a:xfrm>
+          <a:prstGeom prst="rect">
+            <a:avLst/>
+          </a:prstGeom>
+        </p:spPr>
+        <p:txBody>
+          <a:bodyPr wrap="square">
+            <a:spAutoFit/>
+          </a:bodyPr>
+          <a:lstStyle/>
+          <a:p>
+            <a:pPr algn="ctr"/>
+            <a:r>
+              <a:rPr lang="en-US" sz="2000" dirty="0"/>
+              <a:t>Scaffold-DbContext "data source=.;initial catalog=Studentdb;user id=sa;password=aptech;" </a:t>
+            </a:r>
+            <a:r>
+              <a:rPr lang="en-US" sz="2000" dirty="0">
+                <a:solidFill>
+                  <a:srgbClr val="00B0F0"/>
+                </a:solidFill>
+              </a:rPr>
+              <a:t>Microsoft.EntityFrameworkCore.SqlServer  </a:t>
+            </a:r>
+            <a:r>
+              <a:rPr lang="en-US" sz="2000" dirty="0">
+                <a:solidFill>
+                  <a:srgbClr val="FFC000"/>
+                </a:solidFill>
+              </a:rPr>
+              <a:t>-OutputDir</a:t>
+            </a:r>
+            <a:r>
+              <a:rPr lang="en-US" sz="2000" dirty="0"/>
+              <a:t> </a:t>
+            </a:r>
+            <a:r>
+              <a:rPr lang="en-US" sz="2000" dirty="0">
+                <a:solidFill>
+                  <a:srgbClr val="DC143F"/>
+                </a:solidFill>
+              </a:rPr>
+              <a:t>Models</a:t>
+            </a:r>
+          </a:p>
+        </p:txBody>
+      </p:sp>
+      <p:sp>
+        <p:nvSpPr>
+          <p:cNvPr id="18" name="Rectangle 17">
+            <a:extLst>
+              <a:ext uri="{FF2B5EF4-FFF2-40B4-BE49-F238E27FC236}">
+                <a16:creationId xmlns:a16="http://schemas.microsoft.com/office/drawing/2014/main" id="{CF32C2D0-78EB-409F-8E24-C54E8139E14F}"/>
+              </a:ext>
+            </a:extLst>
+          </p:cNvPr>
+          <p:cNvSpPr/>
+          <p:nvPr/>
+        </p:nvSpPr>
+        <p:spPr>
+          <a:xfrm>
+            <a:off x="8109155" y="4167775"/>
+            <a:ext cx="914400" cy="914400"/>
+          </a:xfrm>
+          <a:prstGeom prst="rect">
+            <a:avLst/>
+          </a:prstGeom>
+          <a:noFill/>
+          <a:ln>
+            <a:noFill/>
+          </a:ln>
+        </p:spPr>
+        <p:style>
+          <a:lnRef idx="2">
+            <a:schemeClr val="accent1">
+              <a:shade val="50000"/>
+            </a:schemeClr>
+          </a:lnRef>
+          <a:fillRef idx="1">
+            <a:schemeClr val="accent1"/>
+          </a:fillRef>
+          <a:effectRef idx="0">
+            <a:schemeClr val="accent1"/>
+          </a:effectRef>
+          <a:fontRef idx="minor">
+            <a:schemeClr val="lt1"/>
+          </a:fontRef>
+        </p:style>
+        <p:txBody>
+          <a:bodyPr rtlCol="0" anchor="ctr"/>
+          <a:lstStyle/>
+          <a:p>
+            <a:pPr algn="ctr"/>
+            <a:r>
+              <a:rPr lang="en-US" sz="2000" dirty="0">
+                <a:solidFill>
+                  <a:srgbClr val="FFC000"/>
+                </a:solidFill>
+              </a:rPr>
+              <a:t>Flag</a:t>
+            </a:r>
+          </a:p>
+        </p:txBody>
+      </p:sp>
+      <p:sp>
+        <p:nvSpPr>
+          <p:cNvPr id="19" name="Arrow: Down 18">
+            <a:extLst>
+              <a:ext uri="{FF2B5EF4-FFF2-40B4-BE49-F238E27FC236}">
+                <a16:creationId xmlns:a16="http://schemas.microsoft.com/office/drawing/2014/main" id="{F6176B24-86E1-48FE-B933-7719B16E98D3}"/>
+              </a:ext>
+            </a:extLst>
+          </p:cNvPr>
+          <p:cNvSpPr/>
+          <p:nvPr/>
+        </p:nvSpPr>
+        <p:spPr>
+          <a:xfrm>
+            <a:off x="8291273" y="3665667"/>
+            <a:ext cx="528145" cy="625957"/>
+          </a:xfrm>
+          <a:prstGeom prst="downArrow">
+            <a:avLst/>
+          </a:prstGeom>
+        </p:spPr>
+        <p:style>
+          <a:lnRef idx="2">
+            <a:schemeClr val="accent1">
+              <a:shade val="50000"/>
+            </a:schemeClr>
+          </a:lnRef>
+          <a:fillRef idx="1">
+            <a:schemeClr val="accent1"/>
+          </a:fillRef>
+          <a:effectRef idx="0">
+            <a:schemeClr val="accent1"/>
+          </a:effectRef>
+          <a:fontRef idx="minor">
+            <a:schemeClr val="lt1"/>
+          </a:fontRef>
+        </p:style>
+        <p:txBody>
+          <a:bodyPr rtlCol="0" anchor="ctr"/>
+          <a:lstStyle/>
+          <a:p>
+            <a:pPr algn="ctr"/>
+            <a:endParaRPr lang="en-US"/>
+          </a:p>
+        </p:txBody>
+      </p:sp>
+      <p:sp>
+        <p:nvSpPr>
+          <p:cNvPr id="20" name="Rectangle 19">
+            <a:extLst>
+              <a:ext uri="{FF2B5EF4-FFF2-40B4-BE49-F238E27FC236}">
+                <a16:creationId xmlns:a16="http://schemas.microsoft.com/office/drawing/2014/main" id="{99789330-0621-4A51-A826-69684280706D}"/>
+              </a:ext>
+            </a:extLst>
+          </p:cNvPr>
+          <p:cNvSpPr/>
+          <p:nvPr/>
+        </p:nvSpPr>
+        <p:spPr>
+          <a:xfrm>
+            <a:off x="8999794" y="4283528"/>
+            <a:ext cx="1419996" cy="914400"/>
+          </a:xfrm>
+          <a:prstGeom prst="rect">
+            <a:avLst/>
+          </a:prstGeom>
+          <a:noFill/>
+          <a:ln>
+            <a:noFill/>
+          </a:ln>
+        </p:spPr>
+        <p:style>
+          <a:lnRef idx="2">
+            <a:schemeClr val="accent1">
+              <a:shade val="50000"/>
+            </a:schemeClr>
+          </a:lnRef>
+          <a:fillRef idx="1">
+            <a:schemeClr val="accent1"/>
+          </a:fillRef>
+          <a:effectRef idx="0">
+            <a:schemeClr val="accent1"/>
+          </a:effectRef>
+          <a:fontRef idx="minor">
+            <a:schemeClr val="lt1"/>
+          </a:fontRef>
+        </p:style>
+        <p:txBody>
+          <a:bodyPr rtlCol="0" anchor="ctr"/>
+          <a:lstStyle/>
+          <a:p>
+            <a:pPr algn="ctr"/>
+            <a:r>
+              <a:rPr lang="en-US" sz="2000" dirty="0">
+                <a:solidFill>
+                  <a:srgbClr val="DC143F"/>
+                </a:solidFill>
+              </a:rPr>
+              <a:t>Folder Target</a:t>
+            </a:r>
+          </a:p>
+        </p:txBody>
+      </p:sp>
+      <p:sp>
+        <p:nvSpPr>
+          <p:cNvPr id="21" name="Arrow: Down 20">
+            <a:extLst>
+              <a:ext uri="{FF2B5EF4-FFF2-40B4-BE49-F238E27FC236}">
+                <a16:creationId xmlns:a16="http://schemas.microsoft.com/office/drawing/2014/main" id="{FD56632A-CCD7-4F15-B366-8491B8F2E194}"/>
+              </a:ext>
+            </a:extLst>
+          </p:cNvPr>
+          <p:cNvSpPr/>
+          <p:nvPr/>
+        </p:nvSpPr>
+        <p:spPr>
+          <a:xfrm>
+            <a:off x="9466427" y="3640728"/>
+            <a:ext cx="528145" cy="625957"/>
+          </a:xfrm>
+          <a:prstGeom prst="downArrow">
+            <a:avLst/>
+          </a:prstGeom>
+        </p:spPr>
+        <p:style>
+          <a:lnRef idx="2">
+            <a:schemeClr val="accent1">
+              <a:shade val="50000"/>
+            </a:schemeClr>
+          </a:lnRef>
+          <a:fillRef idx="1">
+            <a:schemeClr val="accent1"/>
+          </a:fillRef>
+          <a:effectRef idx="0">
+            <a:schemeClr val="accent1"/>
+          </a:effectRef>
+          <a:fontRef idx="minor">
+            <a:schemeClr val="lt1"/>
+          </a:fontRef>
+        </p:style>
+        <p:txBody>
+          <a:bodyPr rtlCol="0" anchor="ctr"/>
+          <a:lstStyle/>
+          <a:p>
+            <a:pPr algn="ctr"/>
+            <a:endParaRPr lang="en-US"/>
+          </a:p>
+        </p:txBody>
+      </p:sp>
+      <p:sp>
+        <p:nvSpPr>
+          <p:cNvPr id="22" name="Rectangle 21">
+            <a:extLst>
+              <a:ext uri="{FF2B5EF4-FFF2-40B4-BE49-F238E27FC236}">
+                <a16:creationId xmlns:a16="http://schemas.microsoft.com/office/drawing/2014/main" id="{6343ED99-BB7E-41AF-8049-CAC7FC331570}"/>
+              </a:ext>
+            </a:extLst>
+          </p:cNvPr>
+          <p:cNvSpPr/>
+          <p:nvPr/>
+        </p:nvSpPr>
+        <p:spPr>
+          <a:xfrm>
+            <a:off x="4415164" y="4203529"/>
+            <a:ext cx="1680836" cy="914400"/>
+          </a:xfrm>
+          <a:prstGeom prst="rect">
+            <a:avLst/>
+          </a:prstGeom>
+          <a:noFill/>
+          <a:ln>
+            <a:noFill/>
+          </a:ln>
+        </p:spPr>
+        <p:style>
+          <a:lnRef idx="2">
+            <a:schemeClr val="accent1">
+              <a:shade val="50000"/>
+            </a:schemeClr>
+          </a:lnRef>
+          <a:fillRef idx="1">
+            <a:schemeClr val="accent1"/>
+          </a:fillRef>
+          <a:effectRef idx="0">
+            <a:schemeClr val="accent1"/>
+          </a:effectRef>
+          <a:fontRef idx="minor">
+            <a:schemeClr val="lt1"/>
+          </a:fontRef>
+        </p:style>
+        <p:txBody>
+          <a:bodyPr rtlCol="0" anchor="ctr"/>
+          <a:lstStyle/>
+          <a:p>
+            <a:pPr algn="ctr"/>
+            <a:r>
+              <a:rPr lang="en-US" sz="2000" dirty="0">
+                <a:solidFill>
+                  <a:srgbClr val="00B0F0"/>
+                </a:solidFill>
+              </a:rPr>
+              <a:t>Database Provider</a:t>
+            </a:r>
+          </a:p>
+        </p:txBody>
+      </p:sp>
+      <p:sp>
+        <p:nvSpPr>
+          <p:cNvPr id="23" name="Arrow: Down 22">
+            <a:extLst>
+              <a:ext uri="{FF2B5EF4-FFF2-40B4-BE49-F238E27FC236}">
+                <a16:creationId xmlns:a16="http://schemas.microsoft.com/office/drawing/2014/main" id="{1C74A2E7-5425-4172-AD7E-E8596FCBEE84}"/>
+              </a:ext>
+            </a:extLst>
+          </p:cNvPr>
+          <p:cNvSpPr/>
+          <p:nvPr/>
+        </p:nvSpPr>
+        <p:spPr>
+          <a:xfrm>
+            <a:off x="4991510" y="3640728"/>
+            <a:ext cx="528145" cy="625957"/>
+          </a:xfrm>
+          <a:prstGeom prst="downArrow">
+            <a:avLst/>
+          </a:prstGeom>
+        </p:spPr>
+        <p:style>
+          <a:lnRef idx="2">
+            <a:schemeClr val="accent1">
+              <a:shade val="50000"/>
+            </a:schemeClr>
+          </a:lnRef>
+          <a:fillRef idx="1">
+            <a:schemeClr val="accent1"/>
+          </a:fillRef>
+          <a:effectRef idx="0">
+            <a:schemeClr val="accent1"/>
+          </a:effectRef>
+          <a:fontRef idx="minor">
+            <a:schemeClr val="lt1"/>
+          </a:fontRef>
+        </p:style>
+        <p:txBody>
+          <a:bodyPr rtlCol="0" anchor="ctr"/>
+          <a:lstStyle/>
+          <a:p>
+            <a:pPr algn="ctr"/>
+            <a:endParaRPr lang="en-US"/>
+          </a:p>
+        </p:txBody>
+      </p:sp>
+      <p:sp>
+        <p:nvSpPr>
+          <p:cNvPr id="24" name="Rectangle 23">
+            <a:extLst>
+              <a:ext uri="{FF2B5EF4-FFF2-40B4-BE49-F238E27FC236}">
+                <a16:creationId xmlns:a16="http://schemas.microsoft.com/office/drawing/2014/main" id="{3C1497E9-E84B-40C7-972B-6D08A6D07524}"/>
+              </a:ext>
+            </a:extLst>
+          </p:cNvPr>
+          <p:cNvSpPr/>
+          <p:nvPr/>
+        </p:nvSpPr>
+        <p:spPr>
+          <a:xfrm>
+            <a:off x="1732009" y="5313681"/>
+            <a:ext cx="10018713" cy="914400"/>
+          </a:xfrm>
+          <a:prstGeom prst="rect">
+            <a:avLst/>
+          </a:prstGeom>
+          <a:noFill/>
+          <a:ln>
+            <a:noFill/>
+          </a:ln>
+        </p:spPr>
+        <p:style>
+          <a:lnRef idx="2">
+            <a:schemeClr val="accent1">
+              <a:shade val="50000"/>
+            </a:schemeClr>
+          </a:lnRef>
+          <a:fillRef idx="1">
+            <a:schemeClr val="accent1"/>
+          </a:fillRef>
+          <a:effectRef idx="0">
+            <a:schemeClr val="accent1"/>
+          </a:effectRef>
+          <a:fontRef idx="minor">
+            <a:schemeClr val="lt1"/>
+          </a:fontRef>
+        </p:style>
+        <p:txBody>
+          <a:bodyPr rtlCol="0" anchor="ctr"/>
+          <a:lstStyle/>
+          <a:p>
+            <a:pPr marL="457200" indent="-457200">
+              <a:buFont typeface="Wingdings" panose="05000000000000000000" pitchFamily="2" charset="2"/>
+              <a:buChar char="Ø"/>
+            </a:pPr>
+            <a:r>
+              <a:rPr lang="en-US" sz="3200" dirty="0">
+                <a:solidFill>
+                  <a:schemeClr val="tx1"/>
+                </a:solidFill>
+              </a:rPr>
+              <a:t>Above command will generate </a:t>
+            </a:r>
+            <a:r>
+              <a:rPr lang="en-US" sz="3200" b="1" dirty="0">
+                <a:solidFill>
+                  <a:srgbClr val="DC143F"/>
+                </a:solidFill>
+              </a:rPr>
+              <a:t>modal class</a:t>
+            </a:r>
+            <a:r>
+              <a:rPr lang="en-US" sz="3200" dirty="0">
+                <a:solidFill>
+                  <a:srgbClr val="DC143F"/>
+                </a:solidFill>
+              </a:rPr>
+              <a:t> </a:t>
+            </a:r>
+            <a:r>
+              <a:rPr lang="en-US" sz="3200" dirty="0">
+                <a:solidFill>
+                  <a:schemeClr val="tx1"/>
+                </a:solidFill>
+              </a:rPr>
+              <a:t>and </a:t>
+            </a:r>
+            <a:r>
+              <a:rPr lang="en-US" sz="3200" b="1" dirty="0">
+                <a:solidFill>
+                  <a:srgbClr val="FFC000"/>
+                </a:solidFill>
+              </a:rPr>
+              <a:t>DbContext</a:t>
+            </a:r>
+            <a:r>
+              <a:rPr lang="en-US" sz="3200" dirty="0">
+                <a:solidFill>
+                  <a:srgbClr val="FFC000"/>
+                </a:solidFill>
+              </a:rPr>
+              <a:t> class </a:t>
+            </a:r>
+            <a:r>
+              <a:rPr lang="en-US" sz="3200" dirty="0">
+                <a:solidFill>
+                  <a:schemeClr val="tx1"/>
+                </a:solidFill>
+              </a:rPr>
+              <a:t>automatically </a:t>
+            </a:r>
+          </a:p>
+        </p:txBody>
+      </p:sp>
+    </p:spTree>
+    <p:extLst>
+      <p:ext uri="{BB962C8B-B14F-4D97-AF65-F5344CB8AC3E}">
+        <p14:creationId xmlns:p14="http://schemas.microsoft.com/office/powerpoint/2010/main" val="1809819102"/>
+      </p:ext>
+    </p:extLst>
+  </p:cSld>
+  <p:clrMapOvr>
+    <a:overrideClrMapping bg1="dk1" tx1="lt1" bg2="dk2" tx2="lt2" accent1="accent1" accent2="accent2" accent3="accent3" accent4="accent4" accent5="accent5" accent6="accent6" hlink="hlink" folHlink="folHlink"/>
+  </p:clrMapOvr>
+</p:sld>
+</file>
+
+<file path=ppt/slides/slide11.xml><?xml version="1.0" encoding="utf-8"?>
+<p:sld xmlns:a="http://schemas.openxmlformats.org/drawingml/2006/main" xmlns:r="http://schemas.openxmlformats.org/officeDocument/2006/relationships" xmlns:p="http://schemas.openxmlformats.org/presentationml/2006/main">
+  <p:cSld>
+    <p:bg>
+      <p:bgPr>
+        <a:solidFill>
+          <a:schemeClr val="bg2"/>
+        </a:solidFill>
+        <a:effectLst/>
+      </p:bgPr>
+    </p:bg>
+    <p:spTree>
+      <p:nvGrpSpPr>
+        <p:cNvPr id="1" name=""/>
+        <p:cNvGrpSpPr/>
+        <p:nvPr/>
+      </p:nvGrpSpPr>
+      <p:grpSpPr>
+        <a:xfrm>
+          <a:off x="0" y="0"/>
+          <a:ext cx="0" cy="0"/>
+          <a:chOff x="0" y="0"/>
+          <a:chExt cx="0" cy="0"/>
+        </a:xfrm>
+      </p:grpSpPr>
+      <p:sp>
+        <p:nvSpPr>
+          <p:cNvPr id="43" name="Rectangle 42">
+            <a:extLst>
+              <a:ext uri="{FF2B5EF4-FFF2-40B4-BE49-F238E27FC236}">
+                <a16:creationId xmlns:a16="http://schemas.microsoft.com/office/drawing/2014/main" id="{655E530D-049D-4EB1-AD75-BB1475BFEED4}"/>
+              </a:ext>
+            </a:extLst>
+          </p:cNvPr>
+          <p:cNvSpPr/>
+          <p:nvPr/>
+        </p:nvSpPr>
+        <p:spPr>
+          <a:xfrm>
+            <a:off x="1732009" y="1032303"/>
+            <a:ext cx="1882047" cy="526656"/>
+          </a:xfrm>
+          <a:prstGeom prst="rect">
+            <a:avLst/>
+          </a:prstGeom>
+        </p:spPr>
+        <p:style>
+          <a:lnRef idx="2">
+            <a:schemeClr val="accent1">
+              <a:shade val="50000"/>
+            </a:schemeClr>
+          </a:lnRef>
+          <a:fillRef idx="1">
+            <a:schemeClr val="accent1"/>
+          </a:fillRef>
+          <a:effectRef idx="0">
+            <a:schemeClr val="accent1"/>
+          </a:effectRef>
+          <a:fontRef idx="minor">
+            <a:schemeClr val="lt1"/>
+          </a:fontRef>
+        </p:style>
+        <p:txBody>
+          <a:bodyPr rtlCol="0" anchor="ctr"/>
+          <a:lstStyle/>
+          <a:p>
+            <a:r>
+              <a:rPr lang="en-US" sz="3200" b="1" dirty="0">
+                <a:solidFill>
+                  <a:srgbClr val="7030A0"/>
+                </a:solidFill>
+              </a:rPr>
+              <a:t>Step # 02</a:t>
+            </a:r>
+          </a:p>
+        </p:txBody>
+      </p:sp>
+      <p:sp>
+        <p:nvSpPr>
+          <p:cNvPr id="14" name="Rectangle 13">
+            <a:extLst>
+              <a:ext uri="{FF2B5EF4-FFF2-40B4-BE49-F238E27FC236}">
+                <a16:creationId xmlns:a16="http://schemas.microsoft.com/office/drawing/2014/main" id="{85BBF831-03CE-4DC6-98AB-FA29819745EF}"/>
+              </a:ext>
+            </a:extLst>
+          </p:cNvPr>
+          <p:cNvSpPr/>
+          <p:nvPr/>
+        </p:nvSpPr>
+        <p:spPr>
+          <a:xfrm>
+            <a:off x="1583502" y="1840095"/>
+            <a:ext cx="10167220" cy="518748"/>
+          </a:xfrm>
+          <a:prstGeom prst="rect">
+            <a:avLst/>
+          </a:prstGeom>
+          <a:noFill/>
+          <a:ln>
+            <a:noFill/>
+          </a:ln>
+        </p:spPr>
+        <p:style>
+          <a:lnRef idx="2">
+            <a:schemeClr val="accent1">
+              <a:shade val="50000"/>
+            </a:schemeClr>
+          </a:lnRef>
+          <a:fillRef idx="1">
+            <a:schemeClr val="accent1"/>
+          </a:fillRef>
+          <a:effectRef idx="0">
+            <a:schemeClr val="accent1"/>
+          </a:effectRef>
+          <a:fontRef idx="minor">
+            <a:schemeClr val="lt1"/>
+          </a:fontRef>
+        </p:style>
+        <p:txBody>
+          <a:bodyPr rtlCol="0" anchor="ctr"/>
+          <a:lstStyle/>
+          <a:p>
+            <a:pPr marL="457200" indent="-457200">
+              <a:buFont typeface="Wingdings" panose="05000000000000000000" pitchFamily="2" charset="2"/>
+              <a:buChar char="Ø"/>
+            </a:pPr>
+            <a:r>
+              <a:rPr lang="en-US" sz="3200" dirty="0">
+                <a:solidFill>
+                  <a:schemeClr val="tx1"/>
+                </a:solidFill>
+              </a:rPr>
+              <a:t>If we update our database then how we can update our model and DbContext</a:t>
+            </a:r>
+          </a:p>
+        </p:txBody>
+      </p:sp>
+      <p:sp>
+        <p:nvSpPr>
+          <p:cNvPr id="5" name="Rectangle 4">
+            <a:extLst>
+              <a:ext uri="{FF2B5EF4-FFF2-40B4-BE49-F238E27FC236}">
+                <a16:creationId xmlns:a16="http://schemas.microsoft.com/office/drawing/2014/main" id="{612C8AB2-565E-4F9E-AE1D-85205F3F703B}"/>
+              </a:ext>
+            </a:extLst>
+          </p:cNvPr>
+          <p:cNvSpPr/>
+          <p:nvPr/>
+        </p:nvSpPr>
+        <p:spPr>
+          <a:xfrm>
+            <a:off x="1290732" y="3610936"/>
+            <a:ext cx="10459990" cy="707886"/>
+          </a:xfrm>
+          <a:prstGeom prst="rect">
+            <a:avLst/>
+          </a:prstGeom>
+        </p:spPr>
+        <p:txBody>
+          <a:bodyPr wrap="square">
+            <a:spAutoFit/>
+          </a:bodyPr>
+          <a:lstStyle/>
+          <a:p>
+            <a:pPr algn="ctr"/>
+            <a:r>
+              <a:rPr lang="en-US" sz="2000" dirty="0"/>
+              <a:t>Scaffold-DbContext "data source=.;initial catalog=Studentdb;user id=sa;password=aptech;" </a:t>
+            </a:r>
+            <a:r>
+              <a:rPr lang="en-US" sz="2000" dirty="0">
+                <a:solidFill>
+                  <a:srgbClr val="00B0F0"/>
+                </a:solidFill>
+              </a:rPr>
+              <a:t>Microsoft.EntityFrameworkCore.SqlServer  </a:t>
+            </a:r>
+            <a:r>
+              <a:rPr lang="en-US" sz="2000" dirty="0">
+                <a:solidFill>
+                  <a:srgbClr val="FFC000"/>
+                </a:solidFill>
+              </a:rPr>
+              <a:t>-OutputDir</a:t>
+            </a:r>
+            <a:r>
+              <a:rPr lang="en-US" sz="2000" dirty="0"/>
+              <a:t> </a:t>
+            </a:r>
+            <a:r>
+              <a:rPr lang="en-US" sz="2000" dirty="0">
+                <a:solidFill>
+                  <a:srgbClr val="DC143F"/>
+                </a:solidFill>
+              </a:rPr>
+              <a:t>Models </a:t>
+            </a:r>
+            <a:r>
+              <a:rPr lang="en-US" sz="2000" b="1" dirty="0">
+                <a:solidFill>
+                  <a:srgbClr val="FFFF00"/>
+                </a:solidFill>
+              </a:rPr>
+              <a:t>-force</a:t>
+            </a:r>
+          </a:p>
+        </p:txBody>
+      </p:sp>
+      <p:sp>
+        <p:nvSpPr>
+          <p:cNvPr id="18" name="Rectangle 17">
+            <a:extLst>
+              <a:ext uri="{FF2B5EF4-FFF2-40B4-BE49-F238E27FC236}">
+                <a16:creationId xmlns:a16="http://schemas.microsoft.com/office/drawing/2014/main" id="{CF32C2D0-78EB-409F-8E24-C54E8139E14F}"/>
+              </a:ext>
+            </a:extLst>
+          </p:cNvPr>
+          <p:cNvSpPr/>
+          <p:nvPr/>
+        </p:nvSpPr>
+        <p:spPr>
+          <a:xfrm>
+            <a:off x="7496630" y="4832761"/>
+            <a:ext cx="914400" cy="914400"/>
+          </a:xfrm>
+          <a:prstGeom prst="rect">
+            <a:avLst/>
+          </a:prstGeom>
+          <a:noFill/>
+          <a:ln>
+            <a:noFill/>
+          </a:ln>
+        </p:spPr>
+        <p:style>
+          <a:lnRef idx="2">
+            <a:schemeClr val="accent1">
+              <a:shade val="50000"/>
+            </a:schemeClr>
+          </a:lnRef>
+          <a:fillRef idx="1">
+            <a:schemeClr val="accent1"/>
+          </a:fillRef>
+          <a:effectRef idx="0">
+            <a:schemeClr val="accent1"/>
+          </a:effectRef>
+          <a:fontRef idx="minor">
+            <a:schemeClr val="lt1"/>
+          </a:fontRef>
+        </p:style>
+        <p:txBody>
+          <a:bodyPr rtlCol="0" anchor="ctr"/>
+          <a:lstStyle/>
+          <a:p>
+            <a:pPr algn="ctr"/>
+            <a:r>
+              <a:rPr lang="en-US" sz="2000" dirty="0">
+                <a:solidFill>
+                  <a:srgbClr val="FFC000"/>
+                </a:solidFill>
+              </a:rPr>
+              <a:t>Flag</a:t>
+            </a:r>
+          </a:p>
+        </p:txBody>
+      </p:sp>
+      <p:sp>
+        <p:nvSpPr>
+          <p:cNvPr id="19" name="Arrow: Down 18">
+            <a:extLst>
+              <a:ext uri="{FF2B5EF4-FFF2-40B4-BE49-F238E27FC236}">
+                <a16:creationId xmlns:a16="http://schemas.microsoft.com/office/drawing/2014/main" id="{F6176B24-86E1-48FE-B933-7719B16E98D3}"/>
+              </a:ext>
+            </a:extLst>
+          </p:cNvPr>
+          <p:cNvSpPr/>
+          <p:nvPr/>
+        </p:nvSpPr>
+        <p:spPr>
+          <a:xfrm>
+            <a:off x="7678748" y="4363107"/>
+            <a:ext cx="528145" cy="625957"/>
+          </a:xfrm>
+          <a:prstGeom prst="downArrow">
+            <a:avLst/>
+          </a:prstGeom>
+        </p:spPr>
+        <p:style>
+          <a:lnRef idx="2">
+            <a:schemeClr val="accent1">
+              <a:shade val="50000"/>
+            </a:schemeClr>
+          </a:lnRef>
+          <a:fillRef idx="1">
+            <a:schemeClr val="accent1"/>
+          </a:fillRef>
+          <a:effectRef idx="0">
+            <a:schemeClr val="accent1"/>
+          </a:effectRef>
+          <a:fontRef idx="minor">
+            <a:schemeClr val="lt1"/>
+          </a:fontRef>
+        </p:style>
+        <p:txBody>
+          <a:bodyPr rtlCol="0" anchor="ctr"/>
+          <a:lstStyle/>
+          <a:p>
+            <a:pPr algn="ctr"/>
+            <a:endParaRPr lang="en-US"/>
+          </a:p>
+        </p:txBody>
+      </p:sp>
+      <p:sp>
+        <p:nvSpPr>
+          <p:cNvPr id="20" name="Rectangle 19">
+            <a:extLst>
+              <a:ext uri="{FF2B5EF4-FFF2-40B4-BE49-F238E27FC236}">
+                <a16:creationId xmlns:a16="http://schemas.microsoft.com/office/drawing/2014/main" id="{99789330-0621-4A51-A826-69684280706D}"/>
+              </a:ext>
+            </a:extLst>
+          </p:cNvPr>
+          <p:cNvSpPr/>
+          <p:nvPr/>
+        </p:nvSpPr>
+        <p:spPr>
+          <a:xfrm>
+            <a:off x="8353768" y="5005907"/>
+            <a:ext cx="1419996" cy="914400"/>
+          </a:xfrm>
+          <a:prstGeom prst="rect">
+            <a:avLst/>
+          </a:prstGeom>
+          <a:noFill/>
+          <a:ln>
+            <a:noFill/>
+          </a:ln>
+        </p:spPr>
+        <p:style>
+          <a:lnRef idx="2">
+            <a:schemeClr val="accent1">
+              <a:shade val="50000"/>
+            </a:schemeClr>
+          </a:lnRef>
+          <a:fillRef idx="1">
+            <a:schemeClr val="accent1"/>
+          </a:fillRef>
+          <a:effectRef idx="0">
+            <a:schemeClr val="accent1"/>
+          </a:effectRef>
+          <a:fontRef idx="minor">
+            <a:schemeClr val="lt1"/>
+          </a:fontRef>
+        </p:style>
+        <p:txBody>
+          <a:bodyPr rtlCol="0" anchor="ctr"/>
+          <a:lstStyle/>
+          <a:p>
+            <a:pPr algn="ctr"/>
+            <a:r>
+              <a:rPr lang="en-US" sz="2000" dirty="0">
+                <a:solidFill>
+                  <a:srgbClr val="DC143F"/>
+                </a:solidFill>
+              </a:rPr>
+              <a:t>Folder Target</a:t>
+            </a:r>
+          </a:p>
+        </p:txBody>
+      </p:sp>
+      <p:sp>
+        <p:nvSpPr>
+          <p:cNvPr id="21" name="Arrow: Down 20">
+            <a:extLst>
+              <a:ext uri="{FF2B5EF4-FFF2-40B4-BE49-F238E27FC236}">
+                <a16:creationId xmlns:a16="http://schemas.microsoft.com/office/drawing/2014/main" id="{FD56632A-CCD7-4F15-B366-8491B8F2E194}"/>
+              </a:ext>
+            </a:extLst>
+          </p:cNvPr>
+          <p:cNvSpPr/>
+          <p:nvPr/>
+        </p:nvSpPr>
+        <p:spPr>
+          <a:xfrm>
+            <a:off x="8820401" y="4363107"/>
+            <a:ext cx="528145" cy="625957"/>
+          </a:xfrm>
+          <a:prstGeom prst="downArrow">
+            <a:avLst/>
+          </a:prstGeom>
+        </p:spPr>
+        <p:style>
+          <a:lnRef idx="2">
+            <a:schemeClr val="accent1">
+              <a:shade val="50000"/>
+            </a:schemeClr>
+          </a:lnRef>
+          <a:fillRef idx="1">
+            <a:schemeClr val="accent1"/>
+          </a:fillRef>
+          <a:effectRef idx="0">
+            <a:schemeClr val="accent1"/>
+          </a:effectRef>
+          <a:fontRef idx="minor">
+            <a:schemeClr val="lt1"/>
+          </a:fontRef>
+        </p:style>
+        <p:txBody>
+          <a:bodyPr rtlCol="0" anchor="ctr"/>
+          <a:lstStyle/>
+          <a:p>
+            <a:pPr algn="ctr"/>
+            <a:endParaRPr lang="en-US"/>
+          </a:p>
+        </p:txBody>
+      </p:sp>
+      <p:sp>
+        <p:nvSpPr>
+          <p:cNvPr id="22" name="Rectangle 21">
+            <a:extLst>
+              <a:ext uri="{FF2B5EF4-FFF2-40B4-BE49-F238E27FC236}">
+                <a16:creationId xmlns:a16="http://schemas.microsoft.com/office/drawing/2014/main" id="{6343ED99-BB7E-41AF-8049-CAC7FC331570}"/>
+              </a:ext>
+            </a:extLst>
+          </p:cNvPr>
+          <p:cNvSpPr/>
+          <p:nvPr/>
+        </p:nvSpPr>
+        <p:spPr>
+          <a:xfrm>
+            <a:off x="4194525" y="4863752"/>
+            <a:ext cx="1680836" cy="914400"/>
+          </a:xfrm>
+          <a:prstGeom prst="rect">
+            <a:avLst/>
+          </a:prstGeom>
+          <a:noFill/>
+          <a:ln>
+            <a:noFill/>
+          </a:ln>
+        </p:spPr>
+        <p:style>
+          <a:lnRef idx="2">
+            <a:schemeClr val="accent1">
+              <a:shade val="50000"/>
+            </a:schemeClr>
+          </a:lnRef>
+          <a:fillRef idx="1">
+            <a:schemeClr val="accent1"/>
+          </a:fillRef>
+          <a:effectRef idx="0">
+            <a:schemeClr val="accent1"/>
+          </a:effectRef>
+          <a:fontRef idx="minor">
+            <a:schemeClr val="lt1"/>
+          </a:fontRef>
+        </p:style>
+        <p:txBody>
+          <a:bodyPr rtlCol="0" anchor="ctr"/>
+          <a:lstStyle/>
+          <a:p>
+            <a:pPr algn="ctr"/>
+            <a:r>
+              <a:rPr lang="en-US" sz="2000" dirty="0">
+                <a:solidFill>
+                  <a:srgbClr val="00B0F0"/>
+                </a:solidFill>
+              </a:rPr>
+              <a:t>Database Provider</a:t>
+            </a:r>
+          </a:p>
+        </p:txBody>
+      </p:sp>
+      <p:sp>
+        <p:nvSpPr>
+          <p:cNvPr id="23" name="Arrow: Down 22">
+            <a:extLst>
+              <a:ext uri="{FF2B5EF4-FFF2-40B4-BE49-F238E27FC236}">
+                <a16:creationId xmlns:a16="http://schemas.microsoft.com/office/drawing/2014/main" id="{1C74A2E7-5425-4172-AD7E-E8596FCBEE84}"/>
+              </a:ext>
+            </a:extLst>
+          </p:cNvPr>
+          <p:cNvSpPr/>
+          <p:nvPr/>
+        </p:nvSpPr>
+        <p:spPr>
+          <a:xfrm>
+            <a:off x="4770871" y="4300951"/>
+            <a:ext cx="528145" cy="625957"/>
+          </a:xfrm>
+          <a:prstGeom prst="downArrow">
+            <a:avLst/>
+          </a:prstGeom>
+        </p:spPr>
+        <p:style>
+          <a:lnRef idx="2">
+            <a:schemeClr val="accent1">
+              <a:shade val="50000"/>
+            </a:schemeClr>
+          </a:lnRef>
+          <a:fillRef idx="1">
+            <a:schemeClr val="accent1"/>
+          </a:fillRef>
+          <a:effectRef idx="0">
+            <a:schemeClr val="accent1"/>
+          </a:effectRef>
+          <a:fontRef idx="minor">
+            <a:schemeClr val="lt1"/>
+          </a:fontRef>
+        </p:style>
+        <p:txBody>
+          <a:bodyPr rtlCol="0" anchor="ctr"/>
+          <a:lstStyle/>
+          <a:p>
+            <a:pPr algn="ctr"/>
+            <a:endParaRPr lang="en-US"/>
+          </a:p>
+        </p:txBody>
+      </p:sp>
+      <p:sp>
+        <p:nvSpPr>
+          <p:cNvPr id="24" name="Rectangle 23">
+            <a:extLst>
+              <a:ext uri="{FF2B5EF4-FFF2-40B4-BE49-F238E27FC236}">
+                <a16:creationId xmlns:a16="http://schemas.microsoft.com/office/drawing/2014/main" id="{3C1497E9-E84B-40C7-972B-6D08A6D07524}"/>
+              </a:ext>
+            </a:extLst>
+          </p:cNvPr>
+          <p:cNvSpPr/>
+          <p:nvPr/>
+        </p:nvSpPr>
+        <p:spPr>
+          <a:xfrm>
+            <a:off x="1583502" y="2666268"/>
+            <a:ext cx="10018713" cy="914400"/>
+          </a:xfrm>
+          <a:prstGeom prst="rect">
+            <a:avLst/>
+          </a:prstGeom>
+          <a:noFill/>
+          <a:ln>
+            <a:noFill/>
+          </a:ln>
+        </p:spPr>
+        <p:style>
+          <a:lnRef idx="2">
+            <a:schemeClr val="accent1">
+              <a:shade val="50000"/>
+            </a:schemeClr>
+          </a:lnRef>
+          <a:fillRef idx="1">
+            <a:schemeClr val="accent1"/>
+          </a:fillRef>
+          <a:effectRef idx="0">
+            <a:schemeClr val="accent1"/>
+          </a:effectRef>
+          <a:fontRef idx="minor">
+            <a:schemeClr val="lt1"/>
+          </a:fontRef>
+        </p:style>
+        <p:txBody>
+          <a:bodyPr rtlCol="0" anchor="ctr"/>
+          <a:lstStyle/>
+          <a:p>
+            <a:pPr marL="457200" indent="-457200">
+              <a:buFont typeface="Wingdings" panose="05000000000000000000" pitchFamily="2" charset="2"/>
+              <a:buChar char="Ø"/>
+            </a:pPr>
+            <a:r>
+              <a:rPr lang="en-US" sz="3200" dirty="0">
+                <a:solidFill>
+                  <a:schemeClr val="tx1"/>
+                </a:solidFill>
+              </a:rPr>
+              <a:t>By using this command </a:t>
+            </a:r>
+          </a:p>
+        </p:txBody>
+      </p:sp>
+    </p:spTree>
+    <p:extLst>
+      <p:ext uri="{BB962C8B-B14F-4D97-AF65-F5344CB8AC3E}">
+        <p14:creationId xmlns:p14="http://schemas.microsoft.com/office/powerpoint/2010/main" val="1778412655"/>
+      </p:ext>
+    </p:extLst>
+  </p:cSld>
+  <p:clrMapOvr>
+    <a:overrideClrMapping bg1="dk1" tx1="lt1" bg2="dk2" tx2="lt2" accent1="accent1" accent2="accent2" accent3="accent3" accent4="accent4" accent5="accent5" accent6="accent6" hlink="hlink" folHlink="folHlink"/>
+  </p:clrMapOvr>
+</p:sld>
+</file>
+
+<file path=ppt/slides/slide12.xml><?xml version="1.0" encoding="utf-8"?>
+<p:sld xmlns:a="http://schemas.openxmlformats.org/drawingml/2006/main" xmlns:r="http://schemas.openxmlformats.org/officeDocument/2006/relationships" xmlns:p="http://schemas.openxmlformats.org/presentationml/2006/main">
+  <p:cSld>
+    <p:bg>
+      <p:bgPr>
+        <a:solidFill>
+          <a:schemeClr val="bg2"/>
+        </a:solidFill>
+        <a:effectLst/>
+      </p:bgPr>
+    </p:bg>
+    <p:spTree>
+      <p:nvGrpSpPr>
+        <p:cNvPr id="1" name=""/>
+        <p:cNvGrpSpPr/>
+        <p:nvPr/>
+      </p:nvGrpSpPr>
+      <p:grpSpPr>
+        <a:xfrm>
+          <a:off x="0" y="0"/>
+          <a:ext cx="0" cy="0"/>
+          <a:chOff x="0" y="0"/>
+          <a:chExt cx="0" cy="0"/>
+        </a:xfrm>
+      </p:grpSpPr>
+      <p:sp>
+        <p:nvSpPr>
+          <p:cNvPr id="43" name="Rectangle 42">
+            <a:extLst>
+              <a:ext uri="{FF2B5EF4-FFF2-40B4-BE49-F238E27FC236}">
+                <a16:creationId xmlns:a16="http://schemas.microsoft.com/office/drawing/2014/main" id="{655E530D-049D-4EB1-AD75-BB1475BFEED4}"/>
+              </a:ext>
+            </a:extLst>
+          </p:cNvPr>
+          <p:cNvSpPr/>
+          <p:nvPr/>
+        </p:nvSpPr>
+        <p:spPr>
+          <a:xfrm>
+            <a:off x="1732009" y="1032303"/>
+            <a:ext cx="1882047" cy="526656"/>
+          </a:xfrm>
+          <a:prstGeom prst="rect">
+            <a:avLst/>
+          </a:prstGeom>
+        </p:spPr>
+        <p:style>
+          <a:lnRef idx="2">
+            <a:schemeClr val="accent1">
+              <a:shade val="50000"/>
+            </a:schemeClr>
+          </a:lnRef>
+          <a:fillRef idx="1">
+            <a:schemeClr val="accent1"/>
+          </a:fillRef>
+          <a:effectRef idx="0">
+            <a:schemeClr val="accent1"/>
+          </a:effectRef>
+          <a:fontRef idx="minor">
+            <a:schemeClr val="lt1"/>
+          </a:fontRef>
+        </p:style>
+        <p:txBody>
+          <a:bodyPr rtlCol="0" anchor="ctr"/>
+          <a:lstStyle/>
+          <a:p>
+            <a:r>
+              <a:rPr lang="en-US" sz="3200" b="1" dirty="0">
+                <a:solidFill>
+                  <a:srgbClr val="7030A0"/>
+                </a:solidFill>
+              </a:rPr>
+              <a:t>Step # 03</a:t>
+            </a:r>
+          </a:p>
+        </p:txBody>
+      </p:sp>
+      <p:sp>
+        <p:nvSpPr>
+          <p:cNvPr id="14" name="Rectangle 13">
+            <a:extLst>
+              <a:ext uri="{FF2B5EF4-FFF2-40B4-BE49-F238E27FC236}">
+                <a16:creationId xmlns:a16="http://schemas.microsoft.com/office/drawing/2014/main" id="{85BBF831-03CE-4DC6-98AB-FA29819745EF}"/>
+              </a:ext>
+            </a:extLst>
+          </p:cNvPr>
+          <p:cNvSpPr/>
+          <p:nvPr/>
+        </p:nvSpPr>
+        <p:spPr>
+          <a:xfrm>
+            <a:off x="1583502" y="1840094"/>
+            <a:ext cx="10167220" cy="1222419"/>
+          </a:xfrm>
+          <a:prstGeom prst="rect">
+            <a:avLst/>
+          </a:prstGeom>
+          <a:noFill/>
+          <a:ln>
+            <a:noFill/>
+          </a:ln>
+        </p:spPr>
+        <p:style>
+          <a:lnRef idx="2">
+            <a:schemeClr val="accent1">
+              <a:shade val="50000"/>
+            </a:schemeClr>
+          </a:lnRef>
+          <a:fillRef idx="1">
+            <a:schemeClr val="accent1"/>
+          </a:fillRef>
+          <a:effectRef idx="0">
+            <a:schemeClr val="accent1"/>
+          </a:effectRef>
+          <a:fontRef idx="minor">
+            <a:schemeClr val="lt1"/>
+          </a:fontRef>
+        </p:style>
+        <p:txBody>
+          <a:bodyPr rtlCol="0" anchor="ctr"/>
+          <a:lstStyle/>
+          <a:p>
+            <a:pPr marL="457200" indent="-457200">
+              <a:buFont typeface="Wingdings" panose="05000000000000000000" pitchFamily="2" charset="2"/>
+              <a:buChar char="Ø"/>
+            </a:pPr>
+            <a:r>
+              <a:rPr lang="en-US" sz="3200" dirty="0">
+                <a:solidFill>
+                  <a:schemeClr val="tx1"/>
+                </a:solidFill>
+              </a:rPr>
+              <a:t>Move </a:t>
+            </a:r>
+            <a:r>
+              <a:rPr lang="en-US" sz="3200" b="1" dirty="0">
+                <a:solidFill>
+                  <a:srgbClr val="00B0F0"/>
+                </a:solidFill>
+              </a:rPr>
+              <a:t>Connection String </a:t>
+            </a:r>
+            <a:r>
+              <a:rPr lang="en-US" sz="3200" dirty="0">
+                <a:solidFill>
+                  <a:schemeClr val="tx1"/>
+                </a:solidFill>
+              </a:rPr>
+              <a:t>from </a:t>
+            </a:r>
+            <a:r>
+              <a:rPr lang="en-US" sz="3200" b="1" dirty="0">
+                <a:solidFill>
+                  <a:srgbClr val="FFC000"/>
+                </a:solidFill>
+              </a:rPr>
+              <a:t>DbContext</a:t>
+            </a:r>
+            <a:r>
+              <a:rPr lang="en-US" sz="3200" dirty="0">
+                <a:solidFill>
+                  <a:schemeClr val="tx1"/>
+                </a:solidFill>
+              </a:rPr>
+              <a:t> Class to </a:t>
+            </a:r>
+            <a:r>
+              <a:rPr lang="en-US" sz="3200" b="1" dirty="0">
+                <a:solidFill>
+                  <a:srgbClr val="FFC000"/>
+                </a:solidFill>
+              </a:rPr>
+              <a:t>appsettings.json </a:t>
+            </a:r>
+            <a:r>
+              <a:rPr lang="en-US" sz="3200" dirty="0">
+                <a:solidFill>
+                  <a:schemeClr val="tx1"/>
+                </a:solidFill>
+              </a:rPr>
+              <a:t>File</a:t>
+            </a:r>
+          </a:p>
+        </p:txBody>
+      </p:sp>
+    </p:spTree>
+    <p:extLst>
+      <p:ext uri="{BB962C8B-B14F-4D97-AF65-F5344CB8AC3E}">
+        <p14:creationId xmlns:p14="http://schemas.microsoft.com/office/powerpoint/2010/main" val="916604783"/>
+      </p:ext>
+    </p:extLst>
+  </p:cSld>
+  <p:clrMapOvr>
+    <a:overrideClrMapping bg1="dk1" tx1="lt1" bg2="dk2" tx2="lt2" accent1="accent1" accent2="accent2" accent3="accent3" accent4="accent4" accent5="accent5" accent6="accent6" hlink="hlink" folHlink="folHlink"/>
+  </p:clrMapOvr>
+</p:sld>
+</file>
+
+<file path=ppt/slides/slide13.xml><?xml version="1.0" encoding="utf-8"?>
+<p:sld xmlns:a="http://schemas.openxmlformats.org/drawingml/2006/main" xmlns:r="http://schemas.openxmlformats.org/officeDocument/2006/relationships" xmlns:p="http://schemas.openxmlformats.org/presentationml/2006/main">
+  <p:cSld>
+    <p:bg>
+      <p:bgPr>
+        <a:solidFill>
+          <a:schemeClr val="bg2"/>
+        </a:solidFill>
+        <a:effectLst/>
+      </p:bgPr>
+    </p:bg>
+    <p:spTree>
+      <p:nvGrpSpPr>
+        <p:cNvPr id="1" name=""/>
+        <p:cNvGrpSpPr/>
+        <p:nvPr/>
+      </p:nvGrpSpPr>
+      <p:grpSpPr>
+        <a:xfrm>
+          <a:off x="0" y="0"/>
+          <a:ext cx="0" cy="0"/>
+          <a:chOff x="0" y="0"/>
+          <a:chExt cx="0" cy="0"/>
+        </a:xfrm>
+      </p:grpSpPr>
+      <p:sp>
+        <p:nvSpPr>
+          <p:cNvPr id="43" name="Rectangle 42">
+            <a:extLst>
+              <a:ext uri="{FF2B5EF4-FFF2-40B4-BE49-F238E27FC236}">
+                <a16:creationId xmlns:a16="http://schemas.microsoft.com/office/drawing/2014/main" id="{655E530D-049D-4EB1-AD75-BB1475BFEED4}"/>
+              </a:ext>
+            </a:extLst>
+          </p:cNvPr>
+          <p:cNvSpPr/>
+          <p:nvPr/>
+        </p:nvSpPr>
+        <p:spPr>
+          <a:xfrm>
+            <a:off x="1732009" y="1032303"/>
+            <a:ext cx="1882047" cy="526656"/>
+          </a:xfrm>
+          <a:prstGeom prst="rect">
+            <a:avLst/>
+          </a:prstGeom>
+        </p:spPr>
+        <p:style>
+          <a:lnRef idx="2">
+            <a:schemeClr val="accent1">
+              <a:shade val="50000"/>
+            </a:schemeClr>
+          </a:lnRef>
+          <a:fillRef idx="1">
+            <a:schemeClr val="accent1"/>
+          </a:fillRef>
+          <a:effectRef idx="0">
+            <a:schemeClr val="accent1"/>
+          </a:effectRef>
+          <a:fontRef idx="minor">
+            <a:schemeClr val="lt1"/>
+          </a:fontRef>
+        </p:style>
+        <p:txBody>
+          <a:bodyPr rtlCol="0" anchor="ctr"/>
+          <a:lstStyle/>
+          <a:p>
+            <a:r>
+              <a:rPr lang="en-US" sz="3200" b="1" dirty="0">
+                <a:solidFill>
+                  <a:srgbClr val="7030A0"/>
+                </a:solidFill>
+              </a:rPr>
+              <a:t>Step # 04</a:t>
+            </a:r>
+          </a:p>
+        </p:txBody>
+      </p:sp>
+      <p:sp>
+        <p:nvSpPr>
+          <p:cNvPr id="14" name="Rectangle 13">
+            <a:extLst>
+              <a:ext uri="{FF2B5EF4-FFF2-40B4-BE49-F238E27FC236}">
+                <a16:creationId xmlns:a16="http://schemas.microsoft.com/office/drawing/2014/main" id="{85BBF831-03CE-4DC6-98AB-FA29819745EF}"/>
+              </a:ext>
+            </a:extLst>
+          </p:cNvPr>
+          <p:cNvSpPr/>
+          <p:nvPr/>
+        </p:nvSpPr>
+        <p:spPr>
+          <a:xfrm>
+            <a:off x="1583502" y="1840094"/>
+            <a:ext cx="10167220" cy="1222419"/>
+          </a:xfrm>
+          <a:prstGeom prst="rect">
+            <a:avLst/>
+          </a:prstGeom>
+          <a:noFill/>
+          <a:ln>
+            <a:noFill/>
+          </a:ln>
+        </p:spPr>
+        <p:style>
+          <a:lnRef idx="2">
+            <a:schemeClr val="accent1">
+              <a:shade val="50000"/>
+            </a:schemeClr>
+          </a:lnRef>
+          <a:fillRef idx="1">
+            <a:schemeClr val="accent1"/>
+          </a:fillRef>
+          <a:effectRef idx="0">
+            <a:schemeClr val="accent1"/>
+          </a:effectRef>
+          <a:fontRef idx="minor">
+            <a:schemeClr val="lt1"/>
+          </a:fontRef>
+        </p:style>
+        <p:txBody>
+          <a:bodyPr rtlCol="0" anchor="ctr"/>
+          <a:lstStyle/>
+          <a:p>
+            <a:pPr marL="457200" indent="-457200">
+              <a:buFont typeface="Wingdings" panose="05000000000000000000" pitchFamily="2" charset="2"/>
+              <a:buChar char="Ø"/>
+            </a:pPr>
+            <a:r>
+              <a:rPr lang="en-US" sz="3200" dirty="0">
+                <a:solidFill>
+                  <a:schemeClr val="tx1"/>
+                </a:solidFill>
+              </a:rPr>
+              <a:t>Register Connection String in </a:t>
+            </a:r>
+            <a:r>
+              <a:rPr lang="en-US" sz="3200" b="1" dirty="0">
+                <a:solidFill>
+                  <a:srgbClr val="FFC000"/>
+                </a:solidFill>
+              </a:rPr>
+              <a:t>Program.cs </a:t>
+            </a:r>
+            <a:r>
+              <a:rPr lang="en-US" sz="3200" dirty="0">
+                <a:solidFill>
+                  <a:schemeClr val="tx1"/>
+                </a:solidFill>
+              </a:rPr>
+              <a:t>File.</a:t>
+            </a:r>
+          </a:p>
+        </p:txBody>
+      </p:sp>
+      <p:pic>
+        <p:nvPicPr>
+          <p:cNvPr id="5" name="Picture 4">
+            <a:extLst>
+              <a:ext uri="{FF2B5EF4-FFF2-40B4-BE49-F238E27FC236}">
+                <a16:creationId xmlns:a16="http://schemas.microsoft.com/office/drawing/2014/main" id="{D82B1682-B69F-48FF-A60A-970397596CB0}"/>
+              </a:ext>
+            </a:extLst>
+          </p:cNvPr>
+          <p:cNvPicPr>
+            <a:picLocks noChangeAspect="1"/>
+          </p:cNvPicPr>
+          <p:nvPr/>
+        </p:nvPicPr>
+        <p:blipFill>
+          <a:blip r:embed="rId2"/>
+          <a:stretch>
+            <a:fillRect/>
+          </a:stretch>
+        </p:blipFill>
+        <p:spPr>
+          <a:xfrm>
+            <a:off x="1538497" y="2976499"/>
+            <a:ext cx="10212225" cy="905001"/>
+          </a:xfrm>
+          <a:prstGeom prst="rect">
+            <a:avLst/>
+          </a:prstGeom>
+        </p:spPr>
+      </p:pic>
+      <p:pic>
+        <p:nvPicPr>
+          <p:cNvPr id="7" name="Picture 6">
+            <a:extLst>
+              <a:ext uri="{FF2B5EF4-FFF2-40B4-BE49-F238E27FC236}">
+                <a16:creationId xmlns:a16="http://schemas.microsoft.com/office/drawing/2014/main" id="{86CCCD1C-5EF9-493B-9FF8-2D97EDBB63FC}"/>
+              </a:ext>
+            </a:extLst>
+          </p:cNvPr>
+          <p:cNvPicPr>
+            <a:picLocks noChangeAspect="1"/>
+          </p:cNvPicPr>
+          <p:nvPr/>
+        </p:nvPicPr>
+        <p:blipFill>
+          <a:blip r:embed="rId3"/>
+          <a:stretch>
+            <a:fillRect/>
+          </a:stretch>
+        </p:blipFill>
+        <p:spPr>
+          <a:xfrm>
+            <a:off x="2303168" y="4690737"/>
+            <a:ext cx="7925906" cy="1495634"/>
+          </a:xfrm>
+          <a:prstGeom prst="rect">
+            <a:avLst/>
+          </a:prstGeom>
+        </p:spPr>
+      </p:pic>
+      <p:sp>
+        <p:nvSpPr>
+          <p:cNvPr id="8" name="Rectangle 7">
+            <a:extLst>
+              <a:ext uri="{FF2B5EF4-FFF2-40B4-BE49-F238E27FC236}">
+                <a16:creationId xmlns:a16="http://schemas.microsoft.com/office/drawing/2014/main" id="{E7338303-8B54-4806-8210-AFFD634AB79F}"/>
+              </a:ext>
+            </a:extLst>
+          </p:cNvPr>
+          <p:cNvSpPr/>
+          <p:nvPr/>
+        </p:nvSpPr>
+        <p:spPr>
+          <a:xfrm>
+            <a:off x="6921795" y="4890314"/>
+            <a:ext cx="1733107" cy="255182"/>
+          </a:xfrm>
+          <a:prstGeom prst="rect">
+            <a:avLst/>
+          </a:prstGeom>
+          <a:noFill/>
+          <a:ln>
+            <a:noFill/>
+          </a:ln>
+        </p:spPr>
+        <p:style>
+          <a:lnRef idx="2">
+            <a:schemeClr val="accent1">
+              <a:shade val="50000"/>
+            </a:schemeClr>
+          </a:lnRef>
+          <a:fillRef idx="1">
+            <a:schemeClr val="accent1"/>
+          </a:fillRef>
+          <a:effectRef idx="0">
+            <a:schemeClr val="accent1"/>
+          </a:effectRef>
+          <a:fontRef idx="minor">
+            <a:schemeClr val="lt1"/>
+          </a:fontRef>
+        </p:style>
+        <p:txBody>
+          <a:bodyPr rtlCol="0" anchor="ctr"/>
+          <a:lstStyle/>
+          <a:p>
+            <a:pPr algn="ctr"/>
+            <a:r>
+              <a:rPr lang="en-US" b="1" dirty="0">
+                <a:solidFill>
+                  <a:srgbClr val="FF0000"/>
+                </a:solidFill>
+              </a:rPr>
+              <a:t>Ctrl </a:t>
+            </a:r>
+            <a:r>
+              <a:rPr lang="en-US" dirty="0">
+                <a:solidFill>
+                  <a:srgbClr val="FF0000"/>
+                </a:solidFill>
+              </a:rPr>
+              <a:t>+ </a:t>
+            </a:r>
+            <a:r>
+              <a:rPr lang="en-US" sz="3600" b="1" dirty="0">
+                <a:solidFill>
+                  <a:srgbClr val="FF0000"/>
+                </a:solidFill>
+              </a:rPr>
+              <a:t>.</a:t>
+            </a:r>
+            <a:r>
+              <a:rPr lang="en-US" sz="1200" b="1" dirty="0">
+                <a:solidFill>
+                  <a:srgbClr val="FF0000"/>
+                </a:solidFill>
+              </a:rPr>
+              <a:t>(dot)</a:t>
+            </a:r>
+            <a:endParaRPr lang="en-US" b="1" dirty="0">
+              <a:solidFill>
+                <a:srgbClr val="FF0000"/>
+              </a:solidFill>
+            </a:endParaRPr>
+          </a:p>
+        </p:txBody>
+      </p:sp>
+    </p:spTree>
+    <p:extLst>
+      <p:ext uri="{BB962C8B-B14F-4D97-AF65-F5344CB8AC3E}">
+        <p14:creationId xmlns:p14="http://schemas.microsoft.com/office/powerpoint/2010/main" val="2751478820"/>
+      </p:ext>
+    </p:extLst>
+  </p:cSld>
+  <p:clrMapOvr>
+    <a:overrideClrMapping bg1="dk1" tx1="lt1" bg2="dk2" tx2="lt2" accent1="accent1" accent2="accent2" accent3="accent3" accent4="accent4" accent5="accent5" accent6="accent6" hlink="hlink" folHlink="folHlink"/>
+  </p:clrMapOvr>
+</p:sld>
+</file>
+
+<file path=ppt/slides/slide14.xml><?xml version="1.0" encoding="utf-8"?>
+<p:sld xmlns:a="http://schemas.openxmlformats.org/drawingml/2006/main" xmlns:r="http://schemas.openxmlformats.org/officeDocument/2006/relationships" xmlns:p="http://schemas.openxmlformats.org/presentationml/2006/main">
+  <p:cSld>
+    <p:bg>
+      <p:bgPr>
+        <a:solidFill>
+          <a:schemeClr val="bg2"/>
+        </a:solidFill>
+        <a:effectLst/>
+      </p:bgPr>
+    </p:bg>
+    <p:spTree>
+      <p:nvGrpSpPr>
+        <p:cNvPr id="1" name=""/>
+        <p:cNvGrpSpPr/>
+        <p:nvPr/>
+      </p:nvGrpSpPr>
+      <p:grpSpPr>
+        <a:xfrm>
+          <a:off x="0" y="0"/>
+          <a:ext cx="0" cy="0"/>
+          <a:chOff x="0" y="0"/>
+          <a:chExt cx="0" cy="0"/>
+        </a:xfrm>
+      </p:grpSpPr>
+      <p:sp>
+        <p:nvSpPr>
           <p:cNvPr id="2" name="Title 1">
             <a:extLst>
               <a:ext uri="{FF2B5EF4-FFF2-40B4-BE49-F238E27FC236}">
@@ -7029,7 +8759,7 @@
                   <a:srgbClr val="FFC000"/>
                 </a:solidFill>
               </a:rPr>
-              <a:t>Database First Approach </a:t>
+              <a:t>Code First Approach </a:t>
             </a:r>
             <a:br>
               <a:rPr lang="en-US" b="1" dirty="0">
@@ -7057,7 +8787,7 @@
     </p:spTree>
     <p:extLst>
       <p:ext uri="{BB962C8B-B14F-4D97-AF65-F5344CB8AC3E}">
-        <p14:creationId xmlns:p14="http://schemas.microsoft.com/office/powerpoint/2010/main" val="3913161221"/>
+        <p14:creationId xmlns:p14="http://schemas.microsoft.com/office/powerpoint/2010/main" val="3416184365"/>
       </p:ext>
     </p:extLst>
   </p:cSld>
@@ -7067,7 +8797,7 @@
 </p:sld>
 </file>
 
-<file path=ppt/slides/slide11.xml><?xml version="1.0" encoding="utf-8"?>
+<file path=ppt/slides/slide15.xml><?xml version="1.0" encoding="utf-8"?>
 <p:sld xmlns:a="http://schemas.openxmlformats.org/drawingml/2006/main" xmlns:r="http://schemas.openxmlformats.org/officeDocument/2006/relationships" xmlns:p="http://schemas.openxmlformats.org/presentationml/2006/main">
   <p:cSld>
     <p:bg>
@@ -7581,8 +9311,8 @@
         </p:nvSpPr>
         <p:spPr>
           <a:xfrm>
-            <a:off x="939001" y="323445"/>
-            <a:ext cx="8837005" cy="1440712"/>
+            <a:off x="1018191" y="685800"/>
+            <a:ext cx="8837005" cy="1752599"/>
           </a:xfrm>
         </p:spPr>
         <p:txBody>
@@ -7593,714 +9323,23 @@
           <a:p>
             <a:pPr algn="l"/>
             <a:r>
-              <a:rPr lang="en-US" b="1" dirty="0">
+              <a:rPr lang="en-US" sz="4800" b="1" dirty="0">
                 <a:solidFill>
                   <a:srgbClr val="FFC000"/>
                 </a:solidFill>
               </a:rPr>
-              <a:t>Database First Approach.</a:t>
-            </a:r>
-            <a:endParaRPr lang="en-US" dirty="0"/>
-          </a:p>
-        </p:txBody>
-      </p:sp>
-      <p:sp>
-        <p:nvSpPr>
-          <p:cNvPr id="14" name="Content Placeholder 2">
+              <a:t>Code First Approach </a:t>
+            </a:r>
+            <a:endParaRPr lang="en-US" sz="4800" dirty="0"/>
+          </a:p>
+        </p:txBody>
+      </p:sp>
+      <p:pic>
+        <p:nvPicPr>
+          <p:cNvPr id="34" name="Picture 33">
             <a:extLst>
               <a:ext uri="{FF2B5EF4-FFF2-40B4-BE49-F238E27FC236}">
-                <a16:creationId xmlns:a16="http://schemas.microsoft.com/office/drawing/2014/main" id="{94B2B145-D0E5-404C-89A3-C7489DFAAF90}"/>
-              </a:ext>
-            </a:extLst>
-          </p:cNvPr>
-          <p:cNvSpPr>
-            <a:spLocks noGrp="1"/>
-          </p:cNvSpPr>
-          <p:nvPr>
-            <p:ph idx="1"/>
-          </p:nvPr>
-        </p:nvSpPr>
-        <p:spPr>
-          <a:xfrm>
-            <a:off x="950599" y="1538693"/>
-            <a:ext cx="8225821" cy="2031821"/>
-          </a:xfrm>
-        </p:spPr>
-        <p:txBody>
-          <a:bodyPr anchor="t">
-            <a:normAutofit/>
-          </a:bodyPr>
-          <a:lstStyle/>
-          <a:p>
-            <a:pPr algn="just">
-              <a:buClr>
-                <a:srgbClr val="FFC000"/>
-              </a:buClr>
-            </a:pPr>
-            <a:r>
-              <a:rPr lang="en-US" sz="2000" dirty="0"/>
-              <a:t>In the </a:t>
-            </a:r>
-            <a:r>
-              <a:rPr lang="en-US" sz="2000" dirty="0">
-                <a:solidFill>
-                  <a:srgbClr val="FFFF00"/>
-                </a:solidFill>
-              </a:rPr>
-              <a:t>database-first approach </a:t>
-            </a:r>
-            <a:r>
-              <a:rPr lang="en-US" sz="2000" dirty="0"/>
-              <a:t>the  Entity Framework core creates </a:t>
-            </a:r>
-            <a:r>
-              <a:rPr lang="en-US" sz="2000" dirty="0">
-                <a:solidFill>
-                  <a:srgbClr val="FFFF00"/>
-                </a:solidFill>
-              </a:rPr>
-              <a:t>model classes </a:t>
-            </a:r>
-            <a:r>
-              <a:rPr lang="en-US" sz="2000" dirty="0"/>
-              <a:t>and properties corresponding to the </a:t>
-            </a:r>
-            <a:r>
-              <a:rPr lang="en-US" sz="2000" dirty="0">
-                <a:solidFill>
-                  <a:srgbClr val="FFFF00"/>
-                </a:solidFill>
-              </a:rPr>
-              <a:t>existing database objects</a:t>
-            </a:r>
-            <a:r>
-              <a:rPr lang="en-US" sz="2000" dirty="0"/>
-              <a:t>, such as </a:t>
-            </a:r>
-            <a:r>
-              <a:rPr lang="en-US" sz="2000" dirty="0">
-                <a:solidFill>
-                  <a:srgbClr val="FFFF00"/>
-                </a:solidFill>
-              </a:rPr>
-              <a:t>tables and columns</a:t>
-            </a:r>
-            <a:r>
-              <a:rPr lang="en-US" sz="2000" dirty="0"/>
-              <a:t>.</a:t>
-            </a:r>
-          </a:p>
-          <a:p>
-            <a:pPr algn="just">
-              <a:buClr>
-                <a:srgbClr val="FFC000"/>
-              </a:buClr>
-            </a:pPr>
-            <a:r>
-              <a:rPr lang="en-US" sz="2000" dirty="0"/>
-              <a:t>The </a:t>
-            </a:r>
-            <a:r>
-              <a:rPr lang="en-US" sz="2000" dirty="0">
-                <a:solidFill>
-                  <a:srgbClr val="FFFF00"/>
-                </a:solidFill>
-              </a:rPr>
-              <a:t>database-first approach </a:t>
-            </a:r>
-            <a:r>
-              <a:rPr lang="en-US" sz="2000" dirty="0"/>
-              <a:t>is applicable in scenario where a database </a:t>
-            </a:r>
-            <a:r>
-              <a:rPr lang="en-US" sz="2000" dirty="0">
-                <a:solidFill>
-                  <a:srgbClr val="FFFF00"/>
-                </a:solidFill>
-              </a:rPr>
-              <a:t>already exist </a:t>
-            </a:r>
-            <a:r>
-              <a:rPr lang="en-US" sz="2000" dirty="0"/>
-              <a:t>for the application.</a:t>
-            </a:r>
-          </a:p>
-          <a:p>
-            <a:pPr algn="just">
-              <a:buClr>
-                <a:srgbClr val="FFC000"/>
-              </a:buClr>
-            </a:pPr>
-            <a:endParaRPr lang="en-US" sz="2000" dirty="0"/>
-          </a:p>
-        </p:txBody>
-      </p:sp>
-      <p:sp>
-        <p:nvSpPr>
-          <p:cNvPr id="13" name="Rectangle 12">
-            <a:extLst>
-              <a:ext uri="{FF2B5EF4-FFF2-40B4-BE49-F238E27FC236}">
-                <a16:creationId xmlns:a16="http://schemas.microsoft.com/office/drawing/2014/main" id="{EC91A0AC-C5EE-4CDA-90DD-107C10B3BB00}"/>
-              </a:ext>
-            </a:extLst>
-          </p:cNvPr>
-          <p:cNvSpPr/>
-          <p:nvPr/>
-        </p:nvSpPr>
-        <p:spPr>
-          <a:xfrm>
-            <a:off x="302132" y="3622814"/>
-            <a:ext cx="1777998" cy="1776500"/>
-          </a:xfrm>
-          <a:prstGeom prst="rect">
-            <a:avLst/>
-          </a:prstGeom>
-        </p:spPr>
-        <p:style>
-          <a:lnRef idx="2">
-            <a:schemeClr val="accent1">
-              <a:shade val="50000"/>
-            </a:schemeClr>
-          </a:lnRef>
-          <a:fillRef idx="1">
-            <a:schemeClr val="accent1"/>
-          </a:fillRef>
-          <a:effectRef idx="0">
-            <a:schemeClr val="accent1"/>
-          </a:effectRef>
-          <a:fontRef idx="minor">
-            <a:schemeClr val="lt1"/>
-          </a:fontRef>
-        </p:style>
-        <p:txBody>
-          <a:bodyPr rtlCol="0" anchor="ctr"/>
-          <a:lstStyle/>
-          <a:p>
-            <a:pPr algn="ctr"/>
-            <a:r>
-              <a:rPr lang="en-US" dirty="0">
-                <a:solidFill>
-                  <a:srgbClr val="000000"/>
-                </a:solidFill>
-              </a:rPr>
-              <a:t>Existing</a:t>
-            </a:r>
-          </a:p>
-          <a:p>
-            <a:pPr algn="ctr"/>
-            <a:r>
-              <a:rPr lang="en-US" dirty="0">
-                <a:solidFill>
-                  <a:srgbClr val="000000"/>
-                </a:solidFill>
-              </a:rPr>
-              <a:t>Database </a:t>
-            </a:r>
-          </a:p>
-          <a:p>
-            <a:pPr algn="ctr"/>
-            <a:r>
-              <a:rPr lang="en-US" dirty="0">
-                <a:solidFill>
-                  <a:srgbClr val="000000"/>
-                </a:solidFill>
-              </a:rPr>
-              <a:t>Tables</a:t>
-            </a:r>
-          </a:p>
-        </p:txBody>
-      </p:sp>
-      <p:sp>
-        <p:nvSpPr>
-          <p:cNvPr id="15" name="Rectangle 14">
-            <a:extLst>
-              <a:ext uri="{FF2B5EF4-FFF2-40B4-BE49-F238E27FC236}">
-                <a16:creationId xmlns:a16="http://schemas.microsoft.com/office/drawing/2014/main" id="{0AB674E2-F7D4-4F70-86B8-2DEF1CFD0764}"/>
-              </a:ext>
-            </a:extLst>
-          </p:cNvPr>
-          <p:cNvSpPr/>
-          <p:nvPr/>
-        </p:nvSpPr>
-        <p:spPr>
-          <a:xfrm>
-            <a:off x="3299168" y="3622814"/>
-            <a:ext cx="1777998" cy="1776499"/>
-          </a:xfrm>
-          <a:prstGeom prst="rect">
-            <a:avLst/>
-          </a:prstGeom>
-        </p:spPr>
-        <p:style>
-          <a:lnRef idx="2">
-            <a:schemeClr val="accent1">
-              <a:shade val="50000"/>
-            </a:schemeClr>
-          </a:lnRef>
-          <a:fillRef idx="1">
-            <a:schemeClr val="accent1"/>
-          </a:fillRef>
-          <a:effectRef idx="0">
-            <a:schemeClr val="accent1"/>
-          </a:effectRef>
-          <a:fontRef idx="minor">
-            <a:schemeClr val="lt1"/>
-          </a:fontRef>
-        </p:style>
-        <p:txBody>
-          <a:bodyPr rtlCol="0" anchor="ctr"/>
-          <a:lstStyle/>
-          <a:p>
-            <a:pPr algn="ctr"/>
-            <a:r>
-              <a:rPr lang="en-US" b="1" dirty="0">
-                <a:solidFill>
-                  <a:srgbClr val="000000"/>
-                </a:solidFill>
-              </a:rPr>
-              <a:t>Scaffold</a:t>
-            </a:r>
-          </a:p>
-          <a:p>
-            <a:pPr algn="ctr"/>
-            <a:r>
-              <a:rPr lang="en-US" b="1" dirty="0">
-                <a:solidFill>
-                  <a:srgbClr val="000000"/>
-                </a:solidFill>
-              </a:rPr>
-              <a:t>DbContext</a:t>
-            </a:r>
-            <a:endParaRPr lang="en-US" dirty="0">
-              <a:solidFill>
-                <a:srgbClr val="000000"/>
-              </a:solidFill>
-            </a:endParaRPr>
-          </a:p>
-        </p:txBody>
-      </p:sp>
-      <p:sp>
-        <p:nvSpPr>
-          <p:cNvPr id="16" name="Arrow: Down 15">
-            <a:extLst>
-              <a:ext uri="{FF2B5EF4-FFF2-40B4-BE49-F238E27FC236}">
-                <a16:creationId xmlns:a16="http://schemas.microsoft.com/office/drawing/2014/main" id="{9C46A2A4-05D4-414D-888E-CE0F10E82669}"/>
-              </a:ext>
-            </a:extLst>
-          </p:cNvPr>
-          <p:cNvSpPr/>
-          <p:nvPr/>
-        </p:nvSpPr>
-        <p:spPr>
-          <a:xfrm rot="16200000">
-            <a:off x="2432052" y="4057217"/>
-            <a:ext cx="528145" cy="1004426"/>
-          </a:xfrm>
-          <a:prstGeom prst="downArrow">
-            <a:avLst/>
-          </a:prstGeom>
-        </p:spPr>
-        <p:style>
-          <a:lnRef idx="2">
-            <a:schemeClr val="accent1">
-              <a:shade val="50000"/>
-            </a:schemeClr>
-          </a:lnRef>
-          <a:fillRef idx="1">
-            <a:schemeClr val="accent1"/>
-          </a:fillRef>
-          <a:effectRef idx="0">
-            <a:schemeClr val="accent1"/>
-          </a:effectRef>
-          <a:fontRef idx="minor">
-            <a:schemeClr val="lt1"/>
-          </a:fontRef>
-        </p:style>
-        <p:txBody>
-          <a:bodyPr rtlCol="0" anchor="ctr"/>
-          <a:lstStyle/>
-          <a:p>
-            <a:pPr algn="ctr"/>
-            <a:endParaRPr lang="en-US" dirty="0"/>
-          </a:p>
-        </p:txBody>
-      </p:sp>
-      <p:sp>
-        <p:nvSpPr>
-          <p:cNvPr id="17" name="Arrow: Down 16">
-            <a:extLst>
-              <a:ext uri="{FF2B5EF4-FFF2-40B4-BE49-F238E27FC236}">
-                <a16:creationId xmlns:a16="http://schemas.microsoft.com/office/drawing/2014/main" id="{D8E14C50-E48A-4AF2-A9CD-1C950B73A908}"/>
-              </a:ext>
-            </a:extLst>
-          </p:cNvPr>
-          <p:cNvSpPr/>
-          <p:nvPr/>
-        </p:nvSpPr>
-        <p:spPr>
-          <a:xfrm rot="16200000">
-            <a:off x="5485119" y="4057217"/>
-            <a:ext cx="528145" cy="1004426"/>
-          </a:xfrm>
-          <a:prstGeom prst="downArrow">
-            <a:avLst/>
-          </a:prstGeom>
-        </p:spPr>
-        <p:style>
-          <a:lnRef idx="2">
-            <a:schemeClr val="accent1">
-              <a:shade val="50000"/>
-            </a:schemeClr>
-          </a:lnRef>
-          <a:fillRef idx="1">
-            <a:schemeClr val="accent1"/>
-          </a:fillRef>
-          <a:effectRef idx="0">
-            <a:schemeClr val="accent1"/>
-          </a:effectRef>
-          <a:fontRef idx="minor">
-            <a:schemeClr val="lt1"/>
-          </a:fontRef>
-        </p:style>
-        <p:txBody>
-          <a:bodyPr rtlCol="0" anchor="ctr"/>
-          <a:lstStyle/>
-          <a:p>
-            <a:pPr algn="ctr"/>
-            <a:endParaRPr lang="en-US"/>
-          </a:p>
-        </p:txBody>
-      </p:sp>
-      <p:sp>
-        <p:nvSpPr>
-          <p:cNvPr id="18" name="Rectangle 17">
-            <a:extLst>
-              <a:ext uri="{FF2B5EF4-FFF2-40B4-BE49-F238E27FC236}">
-                <a16:creationId xmlns:a16="http://schemas.microsoft.com/office/drawing/2014/main" id="{023A6B8A-5F57-476A-A551-A7C2EF159F05}"/>
-              </a:ext>
-            </a:extLst>
-          </p:cNvPr>
-          <p:cNvSpPr/>
-          <p:nvPr/>
-        </p:nvSpPr>
-        <p:spPr>
-          <a:xfrm>
-            <a:off x="7098700" y="3275676"/>
-            <a:ext cx="1312478" cy="914400"/>
-          </a:xfrm>
-          <a:prstGeom prst="rect">
-            <a:avLst/>
-          </a:prstGeom>
-        </p:spPr>
-        <p:style>
-          <a:lnRef idx="2">
-            <a:schemeClr val="accent1">
-              <a:shade val="50000"/>
-            </a:schemeClr>
-          </a:lnRef>
-          <a:fillRef idx="1">
-            <a:schemeClr val="accent1"/>
-          </a:fillRef>
-          <a:effectRef idx="0">
-            <a:schemeClr val="accent1"/>
-          </a:effectRef>
-          <a:fontRef idx="minor">
-            <a:schemeClr val="lt1"/>
-          </a:fontRef>
-        </p:style>
-        <p:txBody>
-          <a:bodyPr rtlCol="0" anchor="ctr"/>
-          <a:lstStyle/>
-          <a:p>
-            <a:pPr algn="ctr"/>
-            <a:r>
-              <a:rPr lang="en-US" b="1" dirty="0">
-                <a:ln>
-                  <a:solidFill>
-                    <a:srgbClr val="00B050"/>
-                  </a:solidFill>
-                </a:ln>
-                <a:solidFill>
-                  <a:srgbClr val="000000"/>
-                </a:solidFill>
-              </a:rPr>
-              <a:t>Model Class</a:t>
-            </a:r>
-          </a:p>
-        </p:txBody>
-      </p:sp>
-      <p:sp>
-        <p:nvSpPr>
-          <p:cNvPr id="19" name="Rectangle 18">
-            <a:extLst>
-              <a:ext uri="{FF2B5EF4-FFF2-40B4-BE49-F238E27FC236}">
-                <a16:creationId xmlns:a16="http://schemas.microsoft.com/office/drawing/2014/main" id="{8BC1FF9A-4E0C-4250-B835-13F4952A6C29}"/>
-              </a:ext>
-            </a:extLst>
-          </p:cNvPr>
-          <p:cNvSpPr/>
-          <p:nvPr/>
-        </p:nvSpPr>
-        <p:spPr>
-          <a:xfrm>
-            <a:off x="7202458" y="4990638"/>
-            <a:ext cx="1383908" cy="914400"/>
-          </a:xfrm>
-          <a:prstGeom prst="rect">
-            <a:avLst/>
-          </a:prstGeom>
-        </p:spPr>
-        <p:style>
-          <a:lnRef idx="2">
-            <a:schemeClr val="accent1">
-              <a:shade val="50000"/>
-            </a:schemeClr>
-          </a:lnRef>
-          <a:fillRef idx="1">
-            <a:schemeClr val="accent1"/>
-          </a:fillRef>
-          <a:effectRef idx="0">
-            <a:schemeClr val="accent1"/>
-          </a:effectRef>
-          <a:fontRef idx="minor">
-            <a:schemeClr val="lt1"/>
-          </a:fontRef>
-        </p:style>
-        <p:txBody>
-          <a:bodyPr rtlCol="0" anchor="ctr"/>
-          <a:lstStyle/>
-          <a:p>
-            <a:pPr algn="ctr"/>
-            <a:r>
-              <a:rPr lang="en-US" b="1" dirty="0">
-                <a:ln>
-                  <a:solidFill>
-                    <a:srgbClr val="00B050"/>
-                  </a:solidFill>
-                </a:ln>
-                <a:solidFill>
-                  <a:srgbClr val="000000"/>
-                </a:solidFill>
-              </a:rPr>
-              <a:t>DbContext</a:t>
-            </a:r>
-          </a:p>
-          <a:p>
-            <a:pPr algn="ctr"/>
-            <a:r>
-              <a:rPr lang="en-US" b="1" dirty="0">
-                <a:ln>
-                  <a:solidFill>
-                    <a:srgbClr val="00B050"/>
-                  </a:solidFill>
-                </a:ln>
-                <a:solidFill>
-                  <a:srgbClr val="000000"/>
-                </a:solidFill>
-              </a:rPr>
-              <a:t>Class</a:t>
-            </a:r>
-          </a:p>
-        </p:txBody>
-      </p:sp>
-      <p:sp>
-        <p:nvSpPr>
-          <p:cNvPr id="20" name="Right Brace 19">
-            <a:extLst>
-              <a:ext uri="{FF2B5EF4-FFF2-40B4-BE49-F238E27FC236}">
-                <a16:creationId xmlns:a16="http://schemas.microsoft.com/office/drawing/2014/main" id="{9D624544-30ED-411C-BEC7-64485B12B46E}"/>
-              </a:ext>
-            </a:extLst>
-          </p:cNvPr>
-          <p:cNvSpPr/>
-          <p:nvPr/>
-        </p:nvSpPr>
-        <p:spPr>
-          <a:xfrm rot="10800000">
-            <a:off x="6141075" y="3732876"/>
-            <a:ext cx="871538" cy="1653108"/>
-          </a:xfrm>
-          <a:prstGeom prst="rightBrace">
-            <a:avLst/>
-          </a:prstGeom>
-          <a:ln w="19050"/>
-        </p:spPr>
-        <p:style>
-          <a:lnRef idx="1">
-            <a:schemeClr val="accent1"/>
-          </a:lnRef>
-          <a:fillRef idx="0">
-            <a:schemeClr val="accent1"/>
-          </a:fillRef>
-          <a:effectRef idx="0">
-            <a:schemeClr val="accent1"/>
-          </a:effectRef>
-          <a:fontRef idx="minor">
-            <a:schemeClr val="tx1"/>
-          </a:fontRef>
-        </p:style>
-        <p:txBody>
-          <a:bodyPr rtlCol="0" anchor="ctr"/>
-          <a:lstStyle/>
-          <a:p>
-            <a:pPr algn="ctr"/>
-            <a:endParaRPr lang="en-US"/>
-          </a:p>
-        </p:txBody>
-      </p:sp>
-      <p:sp>
-        <p:nvSpPr>
-          <p:cNvPr id="22" name="Rectangle 21">
-            <a:extLst>
-              <a:ext uri="{FF2B5EF4-FFF2-40B4-BE49-F238E27FC236}">
-                <a16:creationId xmlns:a16="http://schemas.microsoft.com/office/drawing/2014/main" id="{45B11A66-A3F3-4B50-832C-688C7FD0D1D1}"/>
-              </a:ext>
-            </a:extLst>
-          </p:cNvPr>
-          <p:cNvSpPr/>
-          <p:nvPr/>
-        </p:nvSpPr>
-        <p:spPr>
-          <a:xfrm>
-            <a:off x="3212216" y="5214256"/>
-            <a:ext cx="2084110" cy="914400"/>
-          </a:xfrm>
-          <a:prstGeom prst="rect">
-            <a:avLst/>
-          </a:prstGeom>
-          <a:noFill/>
-          <a:ln>
-            <a:noFill/>
-          </a:ln>
-        </p:spPr>
-        <p:style>
-          <a:lnRef idx="2">
-            <a:schemeClr val="accent1">
-              <a:shade val="50000"/>
-            </a:schemeClr>
-          </a:lnRef>
-          <a:fillRef idx="1">
-            <a:schemeClr val="accent1"/>
-          </a:fillRef>
-          <a:effectRef idx="0">
-            <a:schemeClr val="accent1"/>
-          </a:effectRef>
-          <a:fontRef idx="minor">
-            <a:schemeClr val="lt1"/>
-          </a:fontRef>
-        </p:style>
-        <p:txBody>
-          <a:bodyPr rtlCol="0" anchor="ctr"/>
-          <a:lstStyle/>
-          <a:p>
-            <a:pPr algn="ctr"/>
-            <a:r>
-              <a:rPr lang="en-US" sz="2400" b="1" dirty="0">
-                <a:solidFill>
-                  <a:srgbClr val="FFC000"/>
-                </a:solidFill>
-              </a:rPr>
-              <a:t>Command</a:t>
-            </a:r>
-          </a:p>
-        </p:txBody>
-      </p:sp>
-      <p:sp>
-        <p:nvSpPr>
-          <p:cNvPr id="4" name="Plus Sign 3">
-            <a:extLst>
-              <a:ext uri="{FF2B5EF4-FFF2-40B4-BE49-F238E27FC236}">
-                <a16:creationId xmlns:a16="http://schemas.microsoft.com/office/drawing/2014/main" id="{D01A00E9-C807-4C33-8390-C53776D6AEEF}"/>
-              </a:ext>
-            </a:extLst>
-          </p:cNvPr>
-          <p:cNvSpPr/>
-          <p:nvPr/>
-        </p:nvSpPr>
-        <p:spPr>
-          <a:xfrm>
-            <a:off x="7515683" y="4344526"/>
-            <a:ext cx="590773" cy="636587"/>
-          </a:xfrm>
-          <a:prstGeom prst="mathPlus">
-            <a:avLst/>
-          </a:prstGeom>
-          <a:solidFill>
-            <a:srgbClr val="00B050"/>
-          </a:solidFill>
-          <a:ln>
-            <a:noFill/>
-          </a:ln>
-        </p:spPr>
-        <p:style>
-          <a:lnRef idx="2">
-            <a:schemeClr val="accent1">
-              <a:shade val="50000"/>
-            </a:schemeClr>
-          </a:lnRef>
-          <a:fillRef idx="1">
-            <a:schemeClr val="accent1"/>
-          </a:fillRef>
-          <a:effectRef idx="0">
-            <a:schemeClr val="accent1"/>
-          </a:effectRef>
-          <a:fontRef idx="minor">
-            <a:schemeClr val="lt1"/>
-          </a:fontRef>
-        </p:style>
-        <p:txBody>
-          <a:bodyPr rtlCol="0" anchor="ctr"/>
-          <a:lstStyle/>
-          <a:p>
-            <a:pPr algn="ctr"/>
-            <a:endParaRPr lang="en-US"/>
-          </a:p>
-        </p:txBody>
-      </p:sp>
-    </p:spTree>
-    <p:extLst>
-      <p:ext uri="{BB962C8B-B14F-4D97-AF65-F5344CB8AC3E}">
-        <p14:creationId xmlns:p14="http://schemas.microsoft.com/office/powerpoint/2010/main" val="965440168"/>
-      </p:ext>
-    </p:extLst>
-  </p:cSld>
-  <p:clrMapOvr>
-    <a:overrideClrMapping bg1="dk1" tx1="lt1" bg2="dk2" tx2="lt2" accent1="accent1" accent2="accent2" accent3="accent3" accent4="accent4" accent5="accent5" accent6="accent6" hlink="hlink" folHlink="folHlink"/>
-  </p:clrMapOvr>
-</p:sld>
-</file>
-
-<file path=ppt/slides/slide12.xml><?xml version="1.0" encoding="utf-8"?>
-<p:sld xmlns:a="http://schemas.openxmlformats.org/drawingml/2006/main" xmlns:r="http://schemas.openxmlformats.org/officeDocument/2006/relationships" xmlns:p="http://schemas.openxmlformats.org/presentationml/2006/main">
-  <p:cSld>
-    <p:bg>
-      <p:bgPr>
-        <a:solidFill>
-          <a:schemeClr val="bg2"/>
-        </a:solidFill>
-        <a:effectLst/>
-      </p:bgPr>
-    </p:bg>
-    <p:spTree>
-      <p:nvGrpSpPr>
-        <p:cNvPr id="1" name=""/>
-        <p:cNvGrpSpPr/>
-        <p:nvPr/>
-      </p:nvGrpSpPr>
-      <p:grpSpPr>
-        <a:xfrm>
-          <a:off x="0" y="0"/>
-          <a:ext cx="0" cy="0"/>
-          <a:chOff x="0" y="0"/>
-          <a:chExt cx="0" cy="0"/>
-        </a:xfrm>
-      </p:grpSpPr>
-      <p:pic>
-        <p:nvPicPr>
-          <p:cNvPr id="40" name="Picture 39">
-            <a:extLst>
-              <a:ext uri="{FF2B5EF4-FFF2-40B4-BE49-F238E27FC236}">
-                <a16:creationId xmlns:a16="http://schemas.microsoft.com/office/drawing/2014/main" id="{BB8EE029-CBE1-462D-BAC3-F66A43459D59}"/>
+                <a16:creationId xmlns:a16="http://schemas.microsoft.com/office/drawing/2014/main" id="{4491171E-8D1F-4DC3-87B3-2ABF04129A90}"/>
               </a:ext>
             </a:extLst>
           </p:cNvPr>
@@ -8317,1791 +9356,18 @@
         </p:blipFill>
         <p:spPr>
           <a:xfrm>
-            <a:off x="3907529" y="5400919"/>
-            <a:ext cx="7703899" cy="799272"/>
+            <a:off x="1089027" y="2538335"/>
+            <a:ext cx="7230136" cy="2023031"/>
           </a:xfrm>
           <a:prstGeom prst="rect">
             <a:avLst/>
           </a:prstGeom>
         </p:spPr>
       </p:pic>
-      <p:sp>
-        <p:nvSpPr>
-          <p:cNvPr id="2" name="Title 1">
-            <a:extLst>
-              <a:ext uri="{FF2B5EF4-FFF2-40B4-BE49-F238E27FC236}">
-                <a16:creationId xmlns:a16="http://schemas.microsoft.com/office/drawing/2014/main" id="{C7492CCE-C435-464E-A19A-D4C606FDBE3D}"/>
-              </a:ext>
-            </a:extLst>
-          </p:cNvPr>
-          <p:cNvSpPr>
-            <a:spLocks noGrp="1"/>
-          </p:cNvSpPr>
-          <p:nvPr>
-            <p:ph type="title"/>
-          </p:nvPr>
-        </p:nvSpPr>
-        <p:spPr>
-          <a:xfrm>
-            <a:off x="1732010" y="109692"/>
-            <a:ext cx="10018713" cy="1752599"/>
-          </a:xfrm>
-        </p:spPr>
-        <p:txBody>
-          <a:bodyPr>
-            <a:normAutofit/>
-          </a:bodyPr>
-          <a:lstStyle/>
-          <a:p>
-            <a:r>
-              <a:rPr lang="en-US" b="1" dirty="0">
-                <a:solidFill>
-                  <a:srgbClr val="FFC000"/>
-                </a:solidFill>
-              </a:rPr>
-              <a:t>Install 3 Packages ASP.NET Core MVC Application </a:t>
-            </a:r>
-            <a:endParaRPr lang="en-US" dirty="0"/>
-          </a:p>
-        </p:txBody>
-      </p:sp>
-      <p:pic>
-        <p:nvPicPr>
-          <p:cNvPr id="30" name="Content Placeholder 29">
-            <a:extLst>
-              <a:ext uri="{FF2B5EF4-FFF2-40B4-BE49-F238E27FC236}">
-                <a16:creationId xmlns:a16="http://schemas.microsoft.com/office/drawing/2014/main" id="{40290917-7F92-4D9D-A3C4-9BC426887109}"/>
-              </a:ext>
-            </a:extLst>
-          </p:cNvPr>
-          <p:cNvPicPr>
-            <a:picLocks noGrp="1" noChangeAspect="1"/>
-          </p:cNvPicPr>
-          <p:nvPr>
-            <p:ph sz="half" idx="2"/>
-          </p:nvPr>
-        </p:nvPicPr>
-        <p:blipFill>
-          <a:blip r:embed="rId3"/>
-          <a:stretch>
-            <a:fillRect/>
-          </a:stretch>
-        </p:blipFill>
-        <p:spPr>
-          <a:xfrm>
-            <a:off x="3946328" y="2090496"/>
-            <a:ext cx="7665101" cy="785366"/>
-          </a:xfrm>
-        </p:spPr>
-      </p:pic>
-      <p:pic>
-        <p:nvPicPr>
-          <p:cNvPr id="7" name="Picture 6">
-            <a:extLst>
-              <a:ext uri="{FF2B5EF4-FFF2-40B4-BE49-F238E27FC236}">
-                <a16:creationId xmlns:a16="http://schemas.microsoft.com/office/drawing/2014/main" id="{AF3A908F-96D3-4E4B-9A77-12CB8C2E959A}"/>
-              </a:ext>
-            </a:extLst>
-          </p:cNvPr>
-          <p:cNvPicPr>
-            <a:picLocks noChangeAspect="1"/>
-          </p:cNvPicPr>
-          <p:nvPr/>
-        </p:nvPicPr>
-        <p:blipFill>
-          <a:blip r:embed="rId4"/>
-          <a:stretch>
-            <a:fillRect/>
-          </a:stretch>
-        </p:blipFill>
-        <p:spPr>
-          <a:xfrm>
-            <a:off x="2573838" y="1697405"/>
-            <a:ext cx="1574734" cy="1574734"/>
-          </a:xfrm>
-          <a:prstGeom prst="rect">
-            <a:avLst/>
-          </a:prstGeom>
-        </p:spPr>
-      </p:pic>
-      <p:pic>
-        <p:nvPicPr>
-          <p:cNvPr id="34" name="Picture 33">
-            <a:extLst>
-              <a:ext uri="{FF2B5EF4-FFF2-40B4-BE49-F238E27FC236}">
-                <a16:creationId xmlns:a16="http://schemas.microsoft.com/office/drawing/2014/main" id="{E825E400-ABE1-4747-88FC-C998D660E2E0}"/>
-              </a:ext>
-            </a:extLst>
-          </p:cNvPr>
-          <p:cNvPicPr>
-            <a:picLocks noChangeAspect="1"/>
-          </p:cNvPicPr>
-          <p:nvPr/>
-        </p:nvPicPr>
-        <p:blipFill>
-          <a:blip r:embed="rId5"/>
-          <a:stretch>
-            <a:fillRect/>
-          </a:stretch>
-        </p:blipFill>
-        <p:spPr>
-          <a:xfrm>
-            <a:off x="3972433" y="3831382"/>
-            <a:ext cx="7638996" cy="752513"/>
-          </a:xfrm>
-          <a:prstGeom prst="rect">
-            <a:avLst/>
-          </a:prstGeom>
-        </p:spPr>
-      </p:pic>
-      <p:pic>
-        <p:nvPicPr>
-          <p:cNvPr id="32" name="Picture 31">
-            <a:extLst>
-              <a:ext uri="{FF2B5EF4-FFF2-40B4-BE49-F238E27FC236}">
-                <a16:creationId xmlns:a16="http://schemas.microsoft.com/office/drawing/2014/main" id="{6198CDE2-0E23-4B5D-807A-D71FB0111D82}"/>
-              </a:ext>
-            </a:extLst>
-          </p:cNvPr>
-          <p:cNvPicPr>
-            <a:picLocks noChangeAspect="1"/>
-          </p:cNvPicPr>
-          <p:nvPr/>
-        </p:nvPicPr>
-        <p:blipFill>
-          <a:blip r:embed="rId6"/>
-          <a:stretch>
-            <a:fillRect/>
-          </a:stretch>
-        </p:blipFill>
-        <p:spPr>
-          <a:xfrm>
-            <a:off x="2573838" y="3422942"/>
-            <a:ext cx="1572768" cy="1572768"/>
-          </a:xfrm>
-          <a:prstGeom prst="rect">
-            <a:avLst/>
-          </a:prstGeom>
-        </p:spPr>
-      </p:pic>
-      <p:pic>
-        <p:nvPicPr>
-          <p:cNvPr id="36" name="Picture 35">
-            <a:extLst>
-              <a:ext uri="{FF2B5EF4-FFF2-40B4-BE49-F238E27FC236}">
-                <a16:creationId xmlns:a16="http://schemas.microsoft.com/office/drawing/2014/main" id="{DDC00B44-4E7F-4E79-AB00-5D190260DE35}"/>
-              </a:ext>
-            </a:extLst>
-          </p:cNvPr>
-          <p:cNvPicPr>
-            <a:picLocks noChangeAspect="1"/>
-          </p:cNvPicPr>
-          <p:nvPr/>
-        </p:nvPicPr>
-        <p:blipFill>
-          <a:blip r:embed="rId7"/>
-          <a:stretch>
-            <a:fillRect/>
-          </a:stretch>
-        </p:blipFill>
-        <p:spPr>
-          <a:xfrm>
-            <a:off x="2501268" y="5014171"/>
-            <a:ext cx="1572768" cy="1572768"/>
-          </a:xfrm>
-          <a:prstGeom prst="rect">
-            <a:avLst/>
-          </a:prstGeom>
-        </p:spPr>
-      </p:pic>
-      <p:sp>
-        <p:nvSpPr>
-          <p:cNvPr id="41" name="Rectangle 40">
-            <a:extLst>
-              <a:ext uri="{FF2B5EF4-FFF2-40B4-BE49-F238E27FC236}">
-                <a16:creationId xmlns:a16="http://schemas.microsoft.com/office/drawing/2014/main" id="{4E23958F-DDAF-4384-BF30-0112435DB5FA}"/>
-              </a:ext>
-            </a:extLst>
-          </p:cNvPr>
-          <p:cNvSpPr/>
-          <p:nvPr/>
-        </p:nvSpPr>
-        <p:spPr>
-          <a:xfrm>
-            <a:off x="3798262" y="4552142"/>
-            <a:ext cx="8059910" cy="518748"/>
-          </a:xfrm>
-          <a:prstGeom prst="rect">
-            <a:avLst/>
-          </a:prstGeom>
-          <a:noFill/>
-          <a:ln>
-            <a:noFill/>
-          </a:ln>
-        </p:spPr>
-        <p:style>
-          <a:lnRef idx="2">
-            <a:schemeClr val="accent1">
-              <a:shade val="50000"/>
-            </a:schemeClr>
-          </a:lnRef>
-          <a:fillRef idx="1">
-            <a:schemeClr val="accent1"/>
-          </a:fillRef>
-          <a:effectRef idx="0">
-            <a:schemeClr val="accent1"/>
-          </a:effectRef>
-          <a:fontRef idx="minor">
-            <a:schemeClr val="lt1"/>
-          </a:fontRef>
-        </p:style>
-        <p:txBody>
-          <a:bodyPr rtlCol="0" anchor="ctr"/>
-          <a:lstStyle/>
-          <a:p>
-            <a:pPr algn="ctr"/>
-            <a:r>
-              <a:rPr lang="en-US" sz="2000" dirty="0">
-                <a:solidFill>
-                  <a:srgbClr val="FFC000"/>
-                </a:solidFill>
-              </a:rPr>
-              <a:t>They’re primarily used to manage Migrations and to scaffold a DBContext</a:t>
-            </a:r>
-          </a:p>
-        </p:txBody>
-      </p:sp>
-      <p:sp>
-        <p:nvSpPr>
-          <p:cNvPr id="42" name="Rectangle 41">
-            <a:extLst>
-              <a:ext uri="{FF2B5EF4-FFF2-40B4-BE49-F238E27FC236}">
-                <a16:creationId xmlns:a16="http://schemas.microsoft.com/office/drawing/2014/main" id="{626BA2D2-3EC1-48B8-9E9A-72B4C720ABAC}"/>
-              </a:ext>
-            </a:extLst>
-          </p:cNvPr>
-          <p:cNvSpPr/>
-          <p:nvPr/>
-        </p:nvSpPr>
-        <p:spPr>
-          <a:xfrm>
-            <a:off x="3360222" y="6222701"/>
-            <a:ext cx="8059910" cy="518748"/>
-          </a:xfrm>
-          <a:prstGeom prst="rect">
-            <a:avLst/>
-          </a:prstGeom>
-          <a:noFill/>
-          <a:ln>
-            <a:noFill/>
-          </a:ln>
-        </p:spPr>
-        <p:style>
-          <a:lnRef idx="2">
-            <a:schemeClr val="accent1">
-              <a:shade val="50000"/>
-            </a:schemeClr>
-          </a:lnRef>
-          <a:fillRef idx="1">
-            <a:schemeClr val="accent1"/>
-          </a:fillRef>
-          <a:effectRef idx="0">
-            <a:schemeClr val="accent1"/>
-          </a:effectRef>
-          <a:fontRef idx="minor">
-            <a:schemeClr val="lt1"/>
-          </a:fontRef>
-        </p:style>
-        <p:txBody>
-          <a:bodyPr rtlCol="0" anchor="ctr"/>
-          <a:lstStyle/>
-          <a:p>
-            <a:pPr algn="ctr"/>
-            <a:r>
-              <a:rPr lang="en-US" sz="2000" dirty="0">
-                <a:solidFill>
-                  <a:srgbClr val="FFC000"/>
-                </a:solidFill>
-              </a:rPr>
-              <a:t>This Contains all the design-time logic for Entity Framework Core.</a:t>
-            </a:r>
-          </a:p>
-        </p:txBody>
-      </p:sp>
-      <p:sp>
-        <p:nvSpPr>
-          <p:cNvPr id="43" name="Rectangle 42">
-            <a:extLst>
-              <a:ext uri="{FF2B5EF4-FFF2-40B4-BE49-F238E27FC236}">
-                <a16:creationId xmlns:a16="http://schemas.microsoft.com/office/drawing/2014/main" id="{655E530D-049D-4EB1-AD75-BB1475BFEED4}"/>
-              </a:ext>
-            </a:extLst>
-          </p:cNvPr>
-          <p:cNvSpPr/>
-          <p:nvPr/>
-        </p:nvSpPr>
-        <p:spPr>
-          <a:xfrm>
-            <a:off x="1632814" y="1095348"/>
-            <a:ext cx="1882047" cy="526656"/>
-          </a:xfrm>
-          <a:prstGeom prst="rect">
-            <a:avLst/>
-          </a:prstGeom>
-        </p:spPr>
-        <p:style>
-          <a:lnRef idx="2">
-            <a:schemeClr val="accent1">
-              <a:shade val="50000"/>
-            </a:schemeClr>
-          </a:lnRef>
-          <a:fillRef idx="1">
-            <a:schemeClr val="accent1"/>
-          </a:fillRef>
-          <a:effectRef idx="0">
-            <a:schemeClr val="accent1"/>
-          </a:effectRef>
-          <a:fontRef idx="minor">
-            <a:schemeClr val="lt1"/>
-          </a:fontRef>
-        </p:style>
-        <p:txBody>
-          <a:bodyPr rtlCol="0" anchor="ctr"/>
-          <a:lstStyle/>
-          <a:p>
-            <a:r>
-              <a:rPr lang="en-US" sz="3200" b="1" dirty="0">
-                <a:solidFill>
-                  <a:srgbClr val="7030A0"/>
-                </a:solidFill>
-              </a:rPr>
-              <a:t>Step # 01</a:t>
-            </a:r>
-          </a:p>
-        </p:txBody>
-      </p:sp>
     </p:spTree>
     <p:extLst>
       <p:ext uri="{BB962C8B-B14F-4D97-AF65-F5344CB8AC3E}">
-        <p14:creationId xmlns:p14="http://schemas.microsoft.com/office/powerpoint/2010/main" val="890071324"/>
-      </p:ext>
-    </p:extLst>
-  </p:cSld>
-  <p:clrMapOvr>
-    <a:overrideClrMapping bg1="dk1" tx1="lt1" bg2="dk2" tx2="lt2" accent1="accent1" accent2="accent2" accent3="accent3" accent4="accent4" accent5="accent5" accent6="accent6" hlink="hlink" folHlink="folHlink"/>
-  </p:clrMapOvr>
-</p:sld>
-</file>
-
-<file path=ppt/slides/slide13.xml><?xml version="1.0" encoding="utf-8"?>
-<p:sld xmlns:a="http://schemas.openxmlformats.org/drawingml/2006/main" xmlns:r="http://schemas.openxmlformats.org/officeDocument/2006/relationships" xmlns:p="http://schemas.openxmlformats.org/presentationml/2006/main">
-  <p:cSld>
-    <p:bg>
-      <p:bgPr>
-        <a:solidFill>
-          <a:schemeClr val="bg2"/>
-        </a:solidFill>
-        <a:effectLst/>
-      </p:bgPr>
-    </p:bg>
-    <p:spTree>
-      <p:nvGrpSpPr>
-        <p:cNvPr id="1" name=""/>
-        <p:cNvGrpSpPr/>
-        <p:nvPr/>
-      </p:nvGrpSpPr>
-      <p:grpSpPr>
-        <a:xfrm>
-          <a:off x="0" y="0"/>
-          <a:ext cx="0" cy="0"/>
-          <a:chOff x="0" y="0"/>
-          <a:chExt cx="0" cy="0"/>
-        </a:xfrm>
-      </p:grpSpPr>
-      <p:sp>
-        <p:nvSpPr>
-          <p:cNvPr id="43" name="Rectangle 42">
-            <a:extLst>
-              <a:ext uri="{FF2B5EF4-FFF2-40B4-BE49-F238E27FC236}">
-                <a16:creationId xmlns:a16="http://schemas.microsoft.com/office/drawing/2014/main" id="{655E530D-049D-4EB1-AD75-BB1475BFEED4}"/>
-              </a:ext>
-            </a:extLst>
-          </p:cNvPr>
-          <p:cNvSpPr/>
-          <p:nvPr/>
-        </p:nvSpPr>
-        <p:spPr>
-          <a:xfrm>
-            <a:off x="1732009" y="1032303"/>
-            <a:ext cx="1882047" cy="526656"/>
-          </a:xfrm>
-          <a:prstGeom prst="rect">
-            <a:avLst/>
-          </a:prstGeom>
-        </p:spPr>
-        <p:style>
-          <a:lnRef idx="2">
-            <a:schemeClr val="accent1">
-              <a:shade val="50000"/>
-            </a:schemeClr>
-          </a:lnRef>
-          <a:fillRef idx="1">
-            <a:schemeClr val="accent1"/>
-          </a:fillRef>
-          <a:effectRef idx="0">
-            <a:schemeClr val="accent1"/>
-          </a:effectRef>
-          <a:fontRef idx="minor">
-            <a:schemeClr val="lt1"/>
-          </a:fontRef>
-        </p:style>
-        <p:txBody>
-          <a:bodyPr rtlCol="0" anchor="ctr"/>
-          <a:lstStyle/>
-          <a:p>
-            <a:r>
-              <a:rPr lang="en-US" sz="3200" b="1" dirty="0">
-                <a:solidFill>
-                  <a:srgbClr val="7030A0"/>
-                </a:solidFill>
-              </a:rPr>
-              <a:t>Step # 02</a:t>
-            </a:r>
-          </a:p>
-        </p:txBody>
-      </p:sp>
-      <p:sp>
-        <p:nvSpPr>
-          <p:cNvPr id="14" name="Rectangle 13">
-            <a:extLst>
-              <a:ext uri="{FF2B5EF4-FFF2-40B4-BE49-F238E27FC236}">
-                <a16:creationId xmlns:a16="http://schemas.microsoft.com/office/drawing/2014/main" id="{85BBF831-03CE-4DC6-98AB-FA29819745EF}"/>
-              </a:ext>
-            </a:extLst>
-          </p:cNvPr>
-          <p:cNvSpPr/>
-          <p:nvPr/>
-        </p:nvSpPr>
-        <p:spPr>
-          <a:xfrm>
-            <a:off x="1583502" y="1840095"/>
-            <a:ext cx="8059910" cy="518748"/>
-          </a:xfrm>
-          <a:prstGeom prst="rect">
-            <a:avLst/>
-          </a:prstGeom>
-          <a:noFill/>
-          <a:ln>
-            <a:noFill/>
-          </a:ln>
-        </p:spPr>
-        <p:style>
-          <a:lnRef idx="2">
-            <a:schemeClr val="accent1">
-              <a:shade val="50000"/>
-            </a:schemeClr>
-          </a:lnRef>
-          <a:fillRef idx="1">
-            <a:schemeClr val="accent1"/>
-          </a:fillRef>
-          <a:effectRef idx="0">
-            <a:schemeClr val="accent1"/>
-          </a:effectRef>
-          <a:fontRef idx="minor">
-            <a:schemeClr val="lt1"/>
-          </a:fontRef>
-        </p:style>
-        <p:txBody>
-          <a:bodyPr rtlCol="0" anchor="ctr"/>
-          <a:lstStyle/>
-          <a:p>
-            <a:pPr marL="457200" indent="-457200">
-              <a:buFont typeface="Wingdings" panose="05000000000000000000" pitchFamily="2" charset="2"/>
-              <a:buChar char="Ø"/>
-            </a:pPr>
-            <a:r>
-              <a:rPr lang="en-US" sz="3200" dirty="0">
-                <a:solidFill>
-                  <a:schemeClr val="tx1"/>
-                </a:solidFill>
-              </a:rPr>
-              <a:t>Execute a command for scaffold DBContext</a:t>
-            </a:r>
-          </a:p>
-        </p:txBody>
-      </p:sp>
-      <p:sp>
-        <p:nvSpPr>
-          <p:cNvPr id="5" name="Rectangle 4">
-            <a:extLst>
-              <a:ext uri="{FF2B5EF4-FFF2-40B4-BE49-F238E27FC236}">
-                <a16:creationId xmlns:a16="http://schemas.microsoft.com/office/drawing/2014/main" id="{612C8AB2-565E-4F9E-AE1D-85205F3F703B}"/>
-              </a:ext>
-            </a:extLst>
-          </p:cNvPr>
-          <p:cNvSpPr/>
-          <p:nvPr/>
-        </p:nvSpPr>
-        <p:spPr>
-          <a:xfrm>
-            <a:off x="1511371" y="2950713"/>
-            <a:ext cx="10459990" cy="707886"/>
-          </a:xfrm>
-          <a:prstGeom prst="rect">
-            <a:avLst/>
-          </a:prstGeom>
-        </p:spPr>
-        <p:txBody>
-          <a:bodyPr wrap="square">
-            <a:spAutoFit/>
-          </a:bodyPr>
-          <a:lstStyle/>
-          <a:p>
-            <a:pPr algn="ctr"/>
-            <a:r>
-              <a:rPr lang="en-US" sz="2000" dirty="0"/>
-              <a:t>Scaffold-DbContext "data source=.;initial catalog=Studentdb;user id=sa;password=aptech;" </a:t>
-            </a:r>
-            <a:r>
-              <a:rPr lang="en-US" sz="2000" dirty="0">
-                <a:solidFill>
-                  <a:srgbClr val="00B0F0"/>
-                </a:solidFill>
-              </a:rPr>
-              <a:t>Microsoft.EntityFrameworkCore.SqlServer  </a:t>
-            </a:r>
-            <a:r>
-              <a:rPr lang="en-US" sz="2000" dirty="0">
-                <a:solidFill>
-                  <a:srgbClr val="FFC000"/>
-                </a:solidFill>
-              </a:rPr>
-              <a:t>-OutputDir</a:t>
-            </a:r>
-            <a:r>
-              <a:rPr lang="en-US" sz="2000" dirty="0"/>
-              <a:t> </a:t>
-            </a:r>
-            <a:r>
-              <a:rPr lang="en-US" sz="2000" dirty="0">
-                <a:solidFill>
-                  <a:srgbClr val="DC143F"/>
-                </a:solidFill>
-              </a:rPr>
-              <a:t>Models</a:t>
-            </a:r>
-          </a:p>
-        </p:txBody>
-      </p:sp>
-      <p:sp>
-        <p:nvSpPr>
-          <p:cNvPr id="18" name="Rectangle 17">
-            <a:extLst>
-              <a:ext uri="{FF2B5EF4-FFF2-40B4-BE49-F238E27FC236}">
-                <a16:creationId xmlns:a16="http://schemas.microsoft.com/office/drawing/2014/main" id="{CF32C2D0-78EB-409F-8E24-C54E8139E14F}"/>
-              </a:ext>
-            </a:extLst>
-          </p:cNvPr>
-          <p:cNvSpPr/>
-          <p:nvPr/>
-        </p:nvSpPr>
-        <p:spPr>
-          <a:xfrm>
-            <a:off x="8109155" y="4167775"/>
-            <a:ext cx="914400" cy="914400"/>
-          </a:xfrm>
-          <a:prstGeom prst="rect">
-            <a:avLst/>
-          </a:prstGeom>
-          <a:noFill/>
-          <a:ln>
-            <a:noFill/>
-          </a:ln>
-        </p:spPr>
-        <p:style>
-          <a:lnRef idx="2">
-            <a:schemeClr val="accent1">
-              <a:shade val="50000"/>
-            </a:schemeClr>
-          </a:lnRef>
-          <a:fillRef idx="1">
-            <a:schemeClr val="accent1"/>
-          </a:fillRef>
-          <a:effectRef idx="0">
-            <a:schemeClr val="accent1"/>
-          </a:effectRef>
-          <a:fontRef idx="minor">
-            <a:schemeClr val="lt1"/>
-          </a:fontRef>
-        </p:style>
-        <p:txBody>
-          <a:bodyPr rtlCol="0" anchor="ctr"/>
-          <a:lstStyle/>
-          <a:p>
-            <a:pPr algn="ctr"/>
-            <a:r>
-              <a:rPr lang="en-US" sz="2000" dirty="0">
-                <a:solidFill>
-                  <a:srgbClr val="FFC000"/>
-                </a:solidFill>
-              </a:rPr>
-              <a:t>Flag</a:t>
-            </a:r>
-          </a:p>
-        </p:txBody>
-      </p:sp>
-      <p:sp>
-        <p:nvSpPr>
-          <p:cNvPr id="19" name="Arrow: Down 18">
-            <a:extLst>
-              <a:ext uri="{FF2B5EF4-FFF2-40B4-BE49-F238E27FC236}">
-                <a16:creationId xmlns:a16="http://schemas.microsoft.com/office/drawing/2014/main" id="{F6176B24-86E1-48FE-B933-7719B16E98D3}"/>
-              </a:ext>
-            </a:extLst>
-          </p:cNvPr>
-          <p:cNvSpPr/>
-          <p:nvPr/>
-        </p:nvSpPr>
-        <p:spPr>
-          <a:xfrm>
-            <a:off x="8291273" y="3665667"/>
-            <a:ext cx="528145" cy="625957"/>
-          </a:xfrm>
-          <a:prstGeom prst="downArrow">
-            <a:avLst/>
-          </a:prstGeom>
-        </p:spPr>
-        <p:style>
-          <a:lnRef idx="2">
-            <a:schemeClr val="accent1">
-              <a:shade val="50000"/>
-            </a:schemeClr>
-          </a:lnRef>
-          <a:fillRef idx="1">
-            <a:schemeClr val="accent1"/>
-          </a:fillRef>
-          <a:effectRef idx="0">
-            <a:schemeClr val="accent1"/>
-          </a:effectRef>
-          <a:fontRef idx="minor">
-            <a:schemeClr val="lt1"/>
-          </a:fontRef>
-        </p:style>
-        <p:txBody>
-          <a:bodyPr rtlCol="0" anchor="ctr"/>
-          <a:lstStyle/>
-          <a:p>
-            <a:pPr algn="ctr"/>
-            <a:endParaRPr lang="en-US"/>
-          </a:p>
-        </p:txBody>
-      </p:sp>
-      <p:sp>
-        <p:nvSpPr>
-          <p:cNvPr id="20" name="Rectangle 19">
-            <a:extLst>
-              <a:ext uri="{FF2B5EF4-FFF2-40B4-BE49-F238E27FC236}">
-                <a16:creationId xmlns:a16="http://schemas.microsoft.com/office/drawing/2014/main" id="{99789330-0621-4A51-A826-69684280706D}"/>
-              </a:ext>
-            </a:extLst>
-          </p:cNvPr>
-          <p:cNvSpPr/>
-          <p:nvPr/>
-        </p:nvSpPr>
-        <p:spPr>
-          <a:xfrm>
-            <a:off x="8999794" y="4283528"/>
-            <a:ext cx="1419996" cy="914400"/>
-          </a:xfrm>
-          <a:prstGeom prst="rect">
-            <a:avLst/>
-          </a:prstGeom>
-          <a:noFill/>
-          <a:ln>
-            <a:noFill/>
-          </a:ln>
-        </p:spPr>
-        <p:style>
-          <a:lnRef idx="2">
-            <a:schemeClr val="accent1">
-              <a:shade val="50000"/>
-            </a:schemeClr>
-          </a:lnRef>
-          <a:fillRef idx="1">
-            <a:schemeClr val="accent1"/>
-          </a:fillRef>
-          <a:effectRef idx="0">
-            <a:schemeClr val="accent1"/>
-          </a:effectRef>
-          <a:fontRef idx="minor">
-            <a:schemeClr val="lt1"/>
-          </a:fontRef>
-        </p:style>
-        <p:txBody>
-          <a:bodyPr rtlCol="0" anchor="ctr"/>
-          <a:lstStyle/>
-          <a:p>
-            <a:pPr algn="ctr"/>
-            <a:r>
-              <a:rPr lang="en-US" sz="2000" dirty="0">
-                <a:solidFill>
-                  <a:srgbClr val="DC143F"/>
-                </a:solidFill>
-              </a:rPr>
-              <a:t>Folder Target</a:t>
-            </a:r>
-          </a:p>
-        </p:txBody>
-      </p:sp>
-      <p:sp>
-        <p:nvSpPr>
-          <p:cNvPr id="21" name="Arrow: Down 20">
-            <a:extLst>
-              <a:ext uri="{FF2B5EF4-FFF2-40B4-BE49-F238E27FC236}">
-                <a16:creationId xmlns:a16="http://schemas.microsoft.com/office/drawing/2014/main" id="{FD56632A-CCD7-4F15-B366-8491B8F2E194}"/>
-              </a:ext>
-            </a:extLst>
-          </p:cNvPr>
-          <p:cNvSpPr/>
-          <p:nvPr/>
-        </p:nvSpPr>
-        <p:spPr>
-          <a:xfrm>
-            <a:off x="9466427" y="3640728"/>
-            <a:ext cx="528145" cy="625957"/>
-          </a:xfrm>
-          <a:prstGeom prst="downArrow">
-            <a:avLst/>
-          </a:prstGeom>
-        </p:spPr>
-        <p:style>
-          <a:lnRef idx="2">
-            <a:schemeClr val="accent1">
-              <a:shade val="50000"/>
-            </a:schemeClr>
-          </a:lnRef>
-          <a:fillRef idx="1">
-            <a:schemeClr val="accent1"/>
-          </a:fillRef>
-          <a:effectRef idx="0">
-            <a:schemeClr val="accent1"/>
-          </a:effectRef>
-          <a:fontRef idx="minor">
-            <a:schemeClr val="lt1"/>
-          </a:fontRef>
-        </p:style>
-        <p:txBody>
-          <a:bodyPr rtlCol="0" anchor="ctr"/>
-          <a:lstStyle/>
-          <a:p>
-            <a:pPr algn="ctr"/>
-            <a:endParaRPr lang="en-US"/>
-          </a:p>
-        </p:txBody>
-      </p:sp>
-      <p:sp>
-        <p:nvSpPr>
-          <p:cNvPr id="22" name="Rectangle 21">
-            <a:extLst>
-              <a:ext uri="{FF2B5EF4-FFF2-40B4-BE49-F238E27FC236}">
-                <a16:creationId xmlns:a16="http://schemas.microsoft.com/office/drawing/2014/main" id="{6343ED99-BB7E-41AF-8049-CAC7FC331570}"/>
-              </a:ext>
-            </a:extLst>
-          </p:cNvPr>
-          <p:cNvSpPr/>
-          <p:nvPr/>
-        </p:nvSpPr>
-        <p:spPr>
-          <a:xfrm>
-            <a:off x="4415164" y="4203529"/>
-            <a:ext cx="1680836" cy="914400"/>
-          </a:xfrm>
-          <a:prstGeom prst="rect">
-            <a:avLst/>
-          </a:prstGeom>
-          <a:noFill/>
-          <a:ln>
-            <a:noFill/>
-          </a:ln>
-        </p:spPr>
-        <p:style>
-          <a:lnRef idx="2">
-            <a:schemeClr val="accent1">
-              <a:shade val="50000"/>
-            </a:schemeClr>
-          </a:lnRef>
-          <a:fillRef idx="1">
-            <a:schemeClr val="accent1"/>
-          </a:fillRef>
-          <a:effectRef idx="0">
-            <a:schemeClr val="accent1"/>
-          </a:effectRef>
-          <a:fontRef idx="minor">
-            <a:schemeClr val="lt1"/>
-          </a:fontRef>
-        </p:style>
-        <p:txBody>
-          <a:bodyPr rtlCol="0" anchor="ctr"/>
-          <a:lstStyle/>
-          <a:p>
-            <a:pPr algn="ctr"/>
-            <a:r>
-              <a:rPr lang="en-US" sz="2000" dirty="0">
-                <a:solidFill>
-                  <a:srgbClr val="00B0F0"/>
-                </a:solidFill>
-              </a:rPr>
-              <a:t>Database Provider</a:t>
-            </a:r>
-          </a:p>
-        </p:txBody>
-      </p:sp>
-      <p:sp>
-        <p:nvSpPr>
-          <p:cNvPr id="23" name="Arrow: Down 22">
-            <a:extLst>
-              <a:ext uri="{FF2B5EF4-FFF2-40B4-BE49-F238E27FC236}">
-                <a16:creationId xmlns:a16="http://schemas.microsoft.com/office/drawing/2014/main" id="{1C74A2E7-5425-4172-AD7E-E8596FCBEE84}"/>
-              </a:ext>
-            </a:extLst>
-          </p:cNvPr>
-          <p:cNvSpPr/>
-          <p:nvPr/>
-        </p:nvSpPr>
-        <p:spPr>
-          <a:xfrm>
-            <a:off x="4991510" y="3640728"/>
-            <a:ext cx="528145" cy="625957"/>
-          </a:xfrm>
-          <a:prstGeom prst="downArrow">
-            <a:avLst/>
-          </a:prstGeom>
-        </p:spPr>
-        <p:style>
-          <a:lnRef idx="2">
-            <a:schemeClr val="accent1">
-              <a:shade val="50000"/>
-            </a:schemeClr>
-          </a:lnRef>
-          <a:fillRef idx="1">
-            <a:schemeClr val="accent1"/>
-          </a:fillRef>
-          <a:effectRef idx="0">
-            <a:schemeClr val="accent1"/>
-          </a:effectRef>
-          <a:fontRef idx="minor">
-            <a:schemeClr val="lt1"/>
-          </a:fontRef>
-        </p:style>
-        <p:txBody>
-          <a:bodyPr rtlCol="0" anchor="ctr"/>
-          <a:lstStyle/>
-          <a:p>
-            <a:pPr algn="ctr"/>
-            <a:endParaRPr lang="en-US"/>
-          </a:p>
-        </p:txBody>
-      </p:sp>
-      <p:sp>
-        <p:nvSpPr>
-          <p:cNvPr id="24" name="Rectangle 23">
-            <a:extLst>
-              <a:ext uri="{FF2B5EF4-FFF2-40B4-BE49-F238E27FC236}">
-                <a16:creationId xmlns:a16="http://schemas.microsoft.com/office/drawing/2014/main" id="{3C1497E9-E84B-40C7-972B-6D08A6D07524}"/>
-              </a:ext>
-            </a:extLst>
-          </p:cNvPr>
-          <p:cNvSpPr/>
-          <p:nvPr/>
-        </p:nvSpPr>
-        <p:spPr>
-          <a:xfrm>
-            <a:off x="1732009" y="5313681"/>
-            <a:ext cx="10018713" cy="914400"/>
-          </a:xfrm>
-          <a:prstGeom prst="rect">
-            <a:avLst/>
-          </a:prstGeom>
-          <a:noFill/>
-          <a:ln>
-            <a:noFill/>
-          </a:ln>
-        </p:spPr>
-        <p:style>
-          <a:lnRef idx="2">
-            <a:schemeClr val="accent1">
-              <a:shade val="50000"/>
-            </a:schemeClr>
-          </a:lnRef>
-          <a:fillRef idx="1">
-            <a:schemeClr val="accent1"/>
-          </a:fillRef>
-          <a:effectRef idx="0">
-            <a:schemeClr val="accent1"/>
-          </a:effectRef>
-          <a:fontRef idx="minor">
-            <a:schemeClr val="lt1"/>
-          </a:fontRef>
-        </p:style>
-        <p:txBody>
-          <a:bodyPr rtlCol="0" anchor="ctr"/>
-          <a:lstStyle/>
-          <a:p>
-            <a:pPr marL="457200" indent="-457200">
-              <a:buFont typeface="Wingdings" panose="05000000000000000000" pitchFamily="2" charset="2"/>
-              <a:buChar char="Ø"/>
-            </a:pPr>
-            <a:r>
-              <a:rPr lang="en-US" sz="3200" dirty="0">
-                <a:solidFill>
-                  <a:schemeClr val="tx1"/>
-                </a:solidFill>
-              </a:rPr>
-              <a:t>Above command will generate </a:t>
-            </a:r>
-            <a:r>
-              <a:rPr lang="en-US" sz="3200" b="1" dirty="0">
-                <a:solidFill>
-                  <a:srgbClr val="DC143F"/>
-                </a:solidFill>
-              </a:rPr>
-              <a:t>modal class</a:t>
-            </a:r>
-            <a:r>
-              <a:rPr lang="en-US" sz="3200" dirty="0">
-                <a:solidFill>
-                  <a:srgbClr val="DC143F"/>
-                </a:solidFill>
-              </a:rPr>
-              <a:t> </a:t>
-            </a:r>
-            <a:r>
-              <a:rPr lang="en-US" sz="3200" dirty="0">
-                <a:solidFill>
-                  <a:schemeClr val="tx1"/>
-                </a:solidFill>
-              </a:rPr>
-              <a:t>and </a:t>
-            </a:r>
-            <a:r>
-              <a:rPr lang="en-US" sz="3200" b="1" dirty="0">
-                <a:solidFill>
-                  <a:srgbClr val="FFC000"/>
-                </a:solidFill>
-              </a:rPr>
-              <a:t>DbContext</a:t>
-            </a:r>
-            <a:r>
-              <a:rPr lang="en-US" sz="3200" dirty="0">
-                <a:solidFill>
-                  <a:srgbClr val="FFC000"/>
-                </a:solidFill>
-              </a:rPr>
-              <a:t> class </a:t>
-            </a:r>
-            <a:r>
-              <a:rPr lang="en-US" sz="3200" dirty="0">
-                <a:solidFill>
-                  <a:schemeClr val="tx1"/>
-                </a:solidFill>
-              </a:rPr>
-              <a:t>automatically </a:t>
-            </a:r>
-          </a:p>
-        </p:txBody>
-      </p:sp>
-    </p:spTree>
-    <p:extLst>
-      <p:ext uri="{BB962C8B-B14F-4D97-AF65-F5344CB8AC3E}">
-        <p14:creationId xmlns:p14="http://schemas.microsoft.com/office/powerpoint/2010/main" val="1809819102"/>
-      </p:ext>
-    </p:extLst>
-  </p:cSld>
-  <p:clrMapOvr>
-    <a:overrideClrMapping bg1="dk1" tx1="lt1" bg2="dk2" tx2="lt2" accent1="accent1" accent2="accent2" accent3="accent3" accent4="accent4" accent5="accent5" accent6="accent6" hlink="hlink" folHlink="folHlink"/>
-  </p:clrMapOvr>
-</p:sld>
-</file>
-
-<file path=ppt/slides/slide14.xml><?xml version="1.0" encoding="utf-8"?>
-<p:sld xmlns:a="http://schemas.openxmlformats.org/drawingml/2006/main" xmlns:r="http://schemas.openxmlformats.org/officeDocument/2006/relationships" xmlns:p="http://schemas.openxmlformats.org/presentationml/2006/main">
-  <p:cSld>
-    <p:bg>
-      <p:bgPr>
-        <a:solidFill>
-          <a:schemeClr val="bg2"/>
-        </a:solidFill>
-        <a:effectLst/>
-      </p:bgPr>
-    </p:bg>
-    <p:spTree>
-      <p:nvGrpSpPr>
-        <p:cNvPr id="1" name=""/>
-        <p:cNvGrpSpPr/>
-        <p:nvPr/>
-      </p:nvGrpSpPr>
-      <p:grpSpPr>
-        <a:xfrm>
-          <a:off x="0" y="0"/>
-          <a:ext cx="0" cy="0"/>
-          <a:chOff x="0" y="0"/>
-          <a:chExt cx="0" cy="0"/>
-        </a:xfrm>
-      </p:grpSpPr>
-      <p:sp>
-        <p:nvSpPr>
-          <p:cNvPr id="43" name="Rectangle 42">
-            <a:extLst>
-              <a:ext uri="{FF2B5EF4-FFF2-40B4-BE49-F238E27FC236}">
-                <a16:creationId xmlns:a16="http://schemas.microsoft.com/office/drawing/2014/main" id="{655E530D-049D-4EB1-AD75-BB1475BFEED4}"/>
-              </a:ext>
-            </a:extLst>
-          </p:cNvPr>
-          <p:cNvSpPr/>
-          <p:nvPr/>
-        </p:nvSpPr>
-        <p:spPr>
-          <a:xfrm>
-            <a:off x="1732009" y="1032303"/>
-            <a:ext cx="1882047" cy="526656"/>
-          </a:xfrm>
-          <a:prstGeom prst="rect">
-            <a:avLst/>
-          </a:prstGeom>
-        </p:spPr>
-        <p:style>
-          <a:lnRef idx="2">
-            <a:schemeClr val="accent1">
-              <a:shade val="50000"/>
-            </a:schemeClr>
-          </a:lnRef>
-          <a:fillRef idx="1">
-            <a:schemeClr val="accent1"/>
-          </a:fillRef>
-          <a:effectRef idx="0">
-            <a:schemeClr val="accent1"/>
-          </a:effectRef>
-          <a:fontRef idx="minor">
-            <a:schemeClr val="lt1"/>
-          </a:fontRef>
-        </p:style>
-        <p:txBody>
-          <a:bodyPr rtlCol="0" anchor="ctr"/>
-          <a:lstStyle/>
-          <a:p>
-            <a:r>
-              <a:rPr lang="en-US" sz="3200" b="1" dirty="0">
-                <a:solidFill>
-                  <a:srgbClr val="7030A0"/>
-                </a:solidFill>
-              </a:rPr>
-              <a:t>Step # 02</a:t>
-            </a:r>
-          </a:p>
-        </p:txBody>
-      </p:sp>
-      <p:sp>
-        <p:nvSpPr>
-          <p:cNvPr id="14" name="Rectangle 13">
-            <a:extLst>
-              <a:ext uri="{FF2B5EF4-FFF2-40B4-BE49-F238E27FC236}">
-                <a16:creationId xmlns:a16="http://schemas.microsoft.com/office/drawing/2014/main" id="{85BBF831-03CE-4DC6-98AB-FA29819745EF}"/>
-              </a:ext>
-            </a:extLst>
-          </p:cNvPr>
-          <p:cNvSpPr/>
-          <p:nvPr/>
-        </p:nvSpPr>
-        <p:spPr>
-          <a:xfrm>
-            <a:off x="1583502" y="1840095"/>
-            <a:ext cx="10167220" cy="518748"/>
-          </a:xfrm>
-          <a:prstGeom prst="rect">
-            <a:avLst/>
-          </a:prstGeom>
-          <a:noFill/>
-          <a:ln>
-            <a:noFill/>
-          </a:ln>
-        </p:spPr>
-        <p:style>
-          <a:lnRef idx="2">
-            <a:schemeClr val="accent1">
-              <a:shade val="50000"/>
-            </a:schemeClr>
-          </a:lnRef>
-          <a:fillRef idx="1">
-            <a:schemeClr val="accent1"/>
-          </a:fillRef>
-          <a:effectRef idx="0">
-            <a:schemeClr val="accent1"/>
-          </a:effectRef>
-          <a:fontRef idx="minor">
-            <a:schemeClr val="lt1"/>
-          </a:fontRef>
-        </p:style>
-        <p:txBody>
-          <a:bodyPr rtlCol="0" anchor="ctr"/>
-          <a:lstStyle/>
-          <a:p>
-            <a:pPr marL="457200" indent="-457200">
-              <a:buFont typeface="Wingdings" panose="05000000000000000000" pitchFamily="2" charset="2"/>
-              <a:buChar char="Ø"/>
-            </a:pPr>
-            <a:r>
-              <a:rPr lang="en-US" sz="3200" dirty="0">
-                <a:solidFill>
-                  <a:schemeClr val="tx1"/>
-                </a:solidFill>
-              </a:rPr>
-              <a:t>If we update our database then how we can update our model and DbContext</a:t>
-            </a:r>
-          </a:p>
-        </p:txBody>
-      </p:sp>
-      <p:sp>
-        <p:nvSpPr>
-          <p:cNvPr id="5" name="Rectangle 4">
-            <a:extLst>
-              <a:ext uri="{FF2B5EF4-FFF2-40B4-BE49-F238E27FC236}">
-                <a16:creationId xmlns:a16="http://schemas.microsoft.com/office/drawing/2014/main" id="{612C8AB2-565E-4F9E-AE1D-85205F3F703B}"/>
-              </a:ext>
-            </a:extLst>
-          </p:cNvPr>
-          <p:cNvSpPr/>
-          <p:nvPr/>
-        </p:nvSpPr>
-        <p:spPr>
-          <a:xfrm>
-            <a:off x="1290732" y="3610936"/>
-            <a:ext cx="10459990" cy="707886"/>
-          </a:xfrm>
-          <a:prstGeom prst="rect">
-            <a:avLst/>
-          </a:prstGeom>
-        </p:spPr>
-        <p:txBody>
-          <a:bodyPr wrap="square">
-            <a:spAutoFit/>
-          </a:bodyPr>
-          <a:lstStyle/>
-          <a:p>
-            <a:pPr algn="ctr"/>
-            <a:r>
-              <a:rPr lang="en-US" sz="2000" dirty="0"/>
-              <a:t>Scaffold-DbContext "data source=.;initial catalog=Studentdb;user id=sa;password=aptech;" </a:t>
-            </a:r>
-            <a:r>
-              <a:rPr lang="en-US" sz="2000" dirty="0">
-                <a:solidFill>
-                  <a:srgbClr val="00B0F0"/>
-                </a:solidFill>
-              </a:rPr>
-              <a:t>Microsoft.EntityFrameworkCore.SqlServer  </a:t>
-            </a:r>
-            <a:r>
-              <a:rPr lang="en-US" sz="2000" dirty="0">
-                <a:solidFill>
-                  <a:srgbClr val="FFC000"/>
-                </a:solidFill>
-              </a:rPr>
-              <a:t>-OutputDir</a:t>
-            </a:r>
-            <a:r>
-              <a:rPr lang="en-US" sz="2000" dirty="0"/>
-              <a:t> </a:t>
-            </a:r>
-            <a:r>
-              <a:rPr lang="en-US" sz="2000" dirty="0">
-                <a:solidFill>
-                  <a:srgbClr val="DC143F"/>
-                </a:solidFill>
-              </a:rPr>
-              <a:t>Models </a:t>
-            </a:r>
-            <a:r>
-              <a:rPr lang="en-US" sz="2000" b="1" dirty="0">
-                <a:solidFill>
-                  <a:srgbClr val="FFFF00"/>
-                </a:solidFill>
-              </a:rPr>
-              <a:t>-force</a:t>
-            </a:r>
-          </a:p>
-        </p:txBody>
-      </p:sp>
-      <p:sp>
-        <p:nvSpPr>
-          <p:cNvPr id="18" name="Rectangle 17">
-            <a:extLst>
-              <a:ext uri="{FF2B5EF4-FFF2-40B4-BE49-F238E27FC236}">
-                <a16:creationId xmlns:a16="http://schemas.microsoft.com/office/drawing/2014/main" id="{CF32C2D0-78EB-409F-8E24-C54E8139E14F}"/>
-              </a:ext>
-            </a:extLst>
-          </p:cNvPr>
-          <p:cNvSpPr/>
-          <p:nvPr/>
-        </p:nvSpPr>
-        <p:spPr>
-          <a:xfrm>
-            <a:off x="7496630" y="4832761"/>
-            <a:ext cx="914400" cy="914400"/>
-          </a:xfrm>
-          <a:prstGeom prst="rect">
-            <a:avLst/>
-          </a:prstGeom>
-          <a:noFill/>
-          <a:ln>
-            <a:noFill/>
-          </a:ln>
-        </p:spPr>
-        <p:style>
-          <a:lnRef idx="2">
-            <a:schemeClr val="accent1">
-              <a:shade val="50000"/>
-            </a:schemeClr>
-          </a:lnRef>
-          <a:fillRef idx="1">
-            <a:schemeClr val="accent1"/>
-          </a:fillRef>
-          <a:effectRef idx="0">
-            <a:schemeClr val="accent1"/>
-          </a:effectRef>
-          <a:fontRef idx="minor">
-            <a:schemeClr val="lt1"/>
-          </a:fontRef>
-        </p:style>
-        <p:txBody>
-          <a:bodyPr rtlCol="0" anchor="ctr"/>
-          <a:lstStyle/>
-          <a:p>
-            <a:pPr algn="ctr"/>
-            <a:r>
-              <a:rPr lang="en-US" sz="2000" dirty="0">
-                <a:solidFill>
-                  <a:srgbClr val="FFC000"/>
-                </a:solidFill>
-              </a:rPr>
-              <a:t>Flag</a:t>
-            </a:r>
-          </a:p>
-        </p:txBody>
-      </p:sp>
-      <p:sp>
-        <p:nvSpPr>
-          <p:cNvPr id="19" name="Arrow: Down 18">
-            <a:extLst>
-              <a:ext uri="{FF2B5EF4-FFF2-40B4-BE49-F238E27FC236}">
-                <a16:creationId xmlns:a16="http://schemas.microsoft.com/office/drawing/2014/main" id="{F6176B24-86E1-48FE-B933-7719B16E98D3}"/>
-              </a:ext>
-            </a:extLst>
-          </p:cNvPr>
-          <p:cNvSpPr/>
-          <p:nvPr/>
-        </p:nvSpPr>
-        <p:spPr>
-          <a:xfrm>
-            <a:off x="7678748" y="4363107"/>
-            <a:ext cx="528145" cy="625957"/>
-          </a:xfrm>
-          <a:prstGeom prst="downArrow">
-            <a:avLst/>
-          </a:prstGeom>
-        </p:spPr>
-        <p:style>
-          <a:lnRef idx="2">
-            <a:schemeClr val="accent1">
-              <a:shade val="50000"/>
-            </a:schemeClr>
-          </a:lnRef>
-          <a:fillRef idx="1">
-            <a:schemeClr val="accent1"/>
-          </a:fillRef>
-          <a:effectRef idx="0">
-            <a:schemeClr val="accent1"/>
-          </a:effectRef>
-          <a:fontRef idx="minor">
-            <a:schemeClr val="lt1"/>
-          </a:fontRef>
-        </p:style>
-        <p:txBody>
-          <a:bodyPr rtlCol="0" anchor="ctr"/>
-          <a:lstStyle/>
-          <a:p>
-            <a:pPr algn="ctr"/>
-            <a:endParaRPr lang="en-US"/>
-          </a:p>
-        </p:txBody>
-      </p:sp>
-      <p:sp>
-        <p:nvSpPr>
-          <p:cNvPr id="20" name="Rectangle 19">
-            <a:extLst>
-              <a:ext uri="{FF2B5EF4-FFF2-40B4-BE49-F238E27FC236}">
-                <a16:creationId xmlns:a16="http://schemas.microsoft.com/office/drawing/2014/main" id="{99789330-0621-4A51-A826-69684280706D}"/>
-              </a:ext>
-            </a:extLst>
-          </p:cNvPr>
-          <p:cNvSpPr/>
-          <p:nvPr/>
-        </p:nvSpPr>
-        <p:spPr>
-          <a:xfrm>
-            <a:off x="8353768" y="5005907"/>
-            <a:ext cx="1419996" cy="914400"/>
-          </a:xfrm>
-          <a:prstGeom prst="rect">
-            <a:avLst/>
-          </a:prstGeom>
-          <a:noFill/>
-          <a:ln>
-            <a:noFill/>
-          </a:ln>
-        </p:spPr>
-        <p:style>
-          <a:lnRef idx="2">
-            <a:schemeClr val="accent1">
-              <a:shade val="50000"/>
-            </a:schemeClr>
-          </a:lnRef>
-          <a:fillRef idx="1">
-            <a:schemeClr val="accent1"/>
-          </a:fillRef>
-          <a:effectRef idx="0">
-            <a:schemeClr val="accent1"/>
-          </a:effectRef>
-          <a:fontRef idx="minor">
-            <a:schemeClr val="lt1"/>
-          </a:fontRef>
-        </p:style>
-        <p:txBody>
-          <a:bodyPr rtlCol="0" anchor="ctr"/>
-          <a:lstStyle/>
-          <a:p>
-            <a:pPr algn="ctr"/>
-            <a:r>
-              <a:rPr lang="en-US" sz="2000" dirty="0">
-                <a:solidFill>
-                  <a:srgbClr val="DC143F"/>
-                </a:solidFill>
-              </a:rPr>
-              <a:t>Folder Target</a:t>
-            </a:r>
-          </a:p>
-        </p:txBody>
-      </p:sp>
-      <p:sp>
-        <p:nvSpPr>
-          <p:cNvPr id="21" name="Arrow: Down 20">
-            <a:extLst>
-              <a:ext uri="{FF2B5EF4-FFF2-40B4-BE49-F238E27FC236}">
-                <a16:creationId xmlns:a16="http://schemas.microsoft.com/office/drawing/2014/main" id="{FD56632A-CCD7-4F15-B366-8491B8F2E194}"/>
-              </a:ext>
-            </a:extLst>
-          </p:cNvPr>
-          <p:cNvSpPr/>
-          <p:nvPr/>
-        </p:nvSpPr>
-        <p:spPr>
-          <a:xfrm>
-            <a:off x="8820401" y="4363107"/>
-            <a:ext cx="528145" cy="625957"/>
-          </a:xfrm>
-          <a:prstGeom prst="downArrow">
-            <a:avLst/>
-          </a:prstGeom>
-        </p:spPr>
-        <p:style>
-          <a:lnRef idx="2">
-            <a:schemeClr val="accent1">
-              <a:shade val="50000"/>
-            </a:schemeClr>
-          </a:lnRef>
-          <a:fillRef idx="1">
-            <a:schemeClr val="accent1"/>
-          </a:fillRef>
-          <a:effectRef idx="0">
-            <a:schemeClr val="accent1"/>
-          </a:effectRef>
-          <a:fontRef idx="minor">
-            <a:schemeClr val="lt1"/>
-          </a:fontRef>
-        </p:style>
-        <p:txBody>
-          <a:bodyPr rtlCol="0" anchor="ctr"/>
-          <a:lstStyle/>
-          <a:p>
-            <a:pPr algn="ctr"/>
-            <a:endParaRPr lang="en-US"/>
-          </a:p>
-        </p:txBody>
-      </p:sp>
-      <p:sp>
-        <p:nvSpPr>
-          <p:cNvPr id="22" name="Rectangle 21">
-            <a:extLst>
-              <a:ext uri="{FF2B5EF4-FFF2-40B4-BE49-F238E27FC236}">
-                <a16:creationId xmlns:a16="http://schemas.microsoft.com/office/drawing/2014/main" id="{6343ED99-BB7E-41AF-8049-CAC7FC331570}"/>
-              </a:ext>
-            </a:extLst>
-          </p:cNvPr>
-          <p:cNvSpPr/>
-          <p:nvPr/>
-        </p:nvSpPr>
-        <p:spPr>
-          <a:xfrm>
-            <a:off x="4194525" y="4863752"/>
-            <a:ext cx="1680836" cy="914400"/>
-          </a:xfrm>
-          <a:prstGeom prst="rect">
-            <a:avLst/>
-          </a:prstGeom>
-          <a:noFill/>
-          <a:ln>
-            <a:noFill/>
-          </a:ln>
-        </p:spPr>
-        <p:style>
-          <a:lnRef idx="2">
-            <a:schemeClr val="accent1">
-              <a:shade val="50000"/>
-            </a:schemeClr>
-          </a:lnRef>
-          <a:fillRef idx="1">
-            <a:schemeClr val="accent1"/>
-          </a:fillRef>
-          <a:effectRef idx="0">
-            <a:schemeClr val="accent1"/>
-          </a:effectRef>
-          <a:fontRef idx="minor">
-            <a:schemeClr val="lt1"/>
-          </a:fontRef>
-        </p:style>
-        <p:txBody>
-          <a:bodyPr rtlCol="0" anchor="ctr"/>
-          <a:lstStyle/>
-          <a:p>
-            <a:pPr algn="ctr"/>
-            <a:r>
-              <a:rPr lang="en-US" sz="2000" dirty="0">
-                <a:solidFill>
-                  <a:srgbClr val="00B0F0"/>
-                </a:solidFill>
-              </a:rPr>
-              <a:t>Database Provider</a:t>
-            </a:r>
-          </a:p>
-        </p:txBody>
-      </p:sp>
-      <p:sp>
-        <p:nvSpPr>
-          <p:cNvPr id="23" name="Arrow: Down 22">
-            <a:extLst>
-              <a:ext uri="{FF2B5EF4-FFF2-40B4-BE49-F238E27FC236}">
-                <a16:creationId xmlns:a16="http://schemas.microsoft.com/office/drawing/2014/main" id="{1C74A2E7-5425-4172-AD7E-E8596FCBEE84}"/>
-              </a:ext>
-            </a:extLst>
-          </p:cNvPr>
-          <p:cNvSpPr/>
-          <p:nvPr/>
-        </p:nvSpPr>
-        <p:spPr>
-          <a:xfrm>
-            <a:off x="4770871" y="4300951"/>
-            <a:ext cx="528145" cy="625957"/>
-          </a:xfrm>
-          <a:prstGeom prst="downArrow">
-            <a:avLst/>
-          </a:prstGeom>
-        </p:spPr>
-        <p:style>
-          <a:lnRef idx="2">
-            <a:schemeClr val="accent1">
-              <a:shade val="50000"/>
-            </a:schemeClr>
-          </a:lnRef>
-          <a:fillRef idx="1">
-            <a:schemeClr val="accent1"/>
-          </a:fillRef>
-          <a:effectRef idx="0">
-            <a:schemeClr val="accent1"/>
-          </a:effectRef>
-          <a:fontRef idx="minor">
-            <a:schemeClr val="lt1"/>
-          </a:fontRef>
-        </p:style>
-        <p:txBody>
-          <a:bodyPr rtlCol="0" anchor="ctr"/>
-          <a:lstStyle/>
-          <a:p>
-            <a:pPr algn="ctr"/>
-            <a:endParaRPr lang="en-US"/>
-          </a:p>
-        </p:txBody>
-      </p:sp>
-      <p:sp>
-        <p:nvSpPr>
-          <p:cNvPr id="24" name="Rectangle 23">
-            <a:extLst>
-              <a:ext uri="{FF2B5EF4-FFF2-40B4-BE49-F238E27FC236}">
-                <a16:creationId xmlns:a16="http://schemas.microsoft.com/office/drawing/2014/main" id="{3C1497E9-E84B-40C7-972B-6D08A6D07524}"/>
-              </a:ext>
-            </a:extLst>
-          </p:cNvPr>
-          <p:cNvSpPr/>
-          <p:nvPr/>
-        </p:nvSpPr>
-        <p:spPr>
-          <a:xfrm>
-            <a:off x="1583502" y="2666268"/>
-            <a:ext cx="10018713" cy="914400"/>
-          </a:xfrm>
-          <a:prstGeom prst="rect">
-            <a:avLst/>
-          </a:prstGeom>
-          <a:noFill/>
-          <a:ln>
-            <a:noFill/>
-          </a:ln>
-        </p:spPr>
-        <p:style>
-          <a:lnRef idx="2">
-            <a:schemeClr val="accent1">
-              <a:shade val="50000"/>
-            </a:schemeClr>
-          </a:lnRef>
-          <a:fillRef idx="1">
-            <a:schemeClr val="accent1"/>
-          </a:fillRef>
-          <a:effectRef idx="0">
-            <a:schemeClr val="accent1"/>
-          </a:effectRef>
-          <a:fontRef idx="minor">
-            <a:schemeClr val="lt1"/>
-          </a:fontRef>
-        </p:style>
-        <p:txBody>
-          <a:bodyPr rtlCol="0" anchor="ctr"/>
-          <a:lstStyle/>
-          <a:p>
-            <a:pPr marL="457200" indent="-457200">
-              <a:buFont typeface="Wingdings" panose="05000000000000000000" pitchFamily="2" charset="2"/>
-              <a:buChar char="Ø"/>
-            </a:pPr>
-            <a:r>
-              <a:rPr lang="en-US" sz="3200" dirty="0">
-                <a:solidFill>
-                  <a:schemeClr val="tx1"/>
-                </a:solidFill>
-              </a:rPr>
-              <a:t>By using this command </a:t>
-            </a:r>
-          </a:p>
-        </p:txBody>
-      </p:sp>
-    </p:spTree>
-    <p:extLst>
-      <p:ext uri="{BB962C8B-B14F-4D97-AF65-F5344CB8AC3E}">
-        <p14:creationId xmlns:p14="http://schemas.microsoft.com/office/powerpoint/2010/main" val="1778412655"/>
-      </p:ext>
-    </p:extLst>
-  </p:cSld>
-  <p:clrMapOvr>
-    <a:overrideClrMapping bg1="dk1" tx1="lt1" bg2="dk2" tx2="lt2" accent1="accent1" accent2="accent2" accent3="accent3" accent4="accent4" accent5="accent5" accent6="accent6" hlink="hlink" folHlink="folHlink"/>
-  </p:clrMapOvr>
-</p:sld>
-</file>
-
-<file path=ppt/slides/slide15.xml><?xml version="1.0" encoding="utf-8"?>
-<p:sld xmlns:a="http://schemas.openxmlformats.org/drawingml/2006/main" xmlns:r="http://schemas.openxmlformats.org/officeDocument/2006/relationships" xmlns:p="http://schemas.openxmlformats.org/presentationml/2006/main">
-  <p:cSld>
-    <p:bg>
-      <p:bgPr>
-        <a:solidFill>
-          <a:schemeClr val="bg2"/>
-        </a:solidFill>
-        <a:effectLst/>
-      </p:bgPr>
-    </p:bg>
-    <p:spTree>
-      <p:nvGrpSpPr>
-        <p:cNvPr id="1" name=""/>
-        <p:cNvGrpSpPr/>
-        <p:nvPr/>
-      </p:nvGrpSpPr>
-      <p:grpSpPr>
-        <a:xfrm>
-          <a:off x="0" y="0"/>
-          <a:ext cx="0" cy="0"/>
-          <a:chOff x="0" y="0"/>
-          <a:chExt cx="0" cy="0"/>
-        </a:xfrm>
-      </p:grpSpPr>
-      <p:sp>
-        <p:nvSpPr>
-          <p:cNvPr id="43" name="Rectangle 42">
-            <a:extLst>
-              <a:ext uri="{FF2B5EF4-FFF2-40B4-BE49-F238E27FC236}">
-                <a16:creationId xmlns:a16="http://schemas.microsoft.com/office/drawing/2014/main" id="{655E530D-049D-4EB1-AD75-BB1475BFEED4}"/>
-              </a:ext>
-            </a:extLst>
-          </p:cNvPr>
-          <p:cNvSpPr/>
-          <p:nvPr/>
-        </p:nvSpPr>
-        <p:spPr>
-          <a:xfrm>
-            <a:off x="1732009" y="1032303"/>
-            <a:ext cx="1882047" cy="526656"/>
-          </a:xfrm>
-          <a:prstGeom prst="rect">
-            <a:avLst/>
-          </a:prstGeom>
-        </p:spPr>
-        <p:style>
-          <a:lnRef idx="2">
-            <a:schemeClr val="accent1">
-              <a:shade val="50000"/>
-            </a:schemeClr>
-          </a:lnRef>
-          <a:fillRef idx="1">
-            <a:schemeClr val="accent1"/>
-          </a:fillRef>
-          <a:effectRef idx="0">
-            <a:schemeClr val="accent1"/>
-          </a:effectRef>
-          <a:fontRef idx="minor">
-            <a:schemeClr val="lt1"/>
-          </a:fontRef>
-        </p:style>
-        <p:txBody>
-          <a:bodyPr rtlCol="0" anchor="ctr"/>
-          <a:lstStyle/>
-          <a:p>
-            <a:r>
-              <a:rPr lang="en-US" sz="3200" b="1" dirty="0">
-                <a:solidFill>
-                  <a:srgbClr val="7030A0"/>
-                </a:solidFill>
-              </a:rPr>
-              <a:t>Step # 03</a:t>
-            </a:r>
-          </a:p>
-        </p:txBody>
-      </p:sp>
-      <p:sp>
-        <p:nvSpPr>
-          <p:cNvPr id="14" name="Rectangle 13">
-            <a:extLst>
-              <a:ext uri="{FF2B5EF4-FFF2-40B4-BE49-F238E27FC236}">
-                <a16:creationId xmlns:a16="http://schemas.microsoft.com/office/drawing/2014/main" id="{85BBF831-03CE-4DC6-98AB-FA29819745EF}"/>
-              </a:ext>
-            </a:extLst>
-          </p:cNvPr>
-          <p:cNvSpPr/>
-          <p:nvPr/>
-        </p:nvSpPr>
-        <p:spPr>
-          <a:xfrm>
-            <a:off x="1583502" y="1840094"/>
-            <a:ext cx="10167220" cy="1222419"/>
-          </a:xfrm>
-          <a:prstGeom prst="rect">
-            <a:avLst/>
-          </a:prstGeom>
-          <a:noFill/>
-          <a:ln>
-            <a:noFill/>
-          </a:ln>
-        </p:spPr>
-        <p:style>
-          <a:lnRef idx="2">
-            <a:schemeClr val="accent1">
-              <a:shade val="50000"/>
-            </a:schemeClr>
-          </a:lnRef>
-          <a:fillRef idx="1">
-            <a:schemeClr val="accent1"/>
-          </a:fillRef>
-          <a:effectRef idx="0">
-            <a:schemeClr val="accent1"/>
-          </a:effectRef>
-          <a:fontRef idx="minor">
-            <a:schemeClr val="lt1"/>
-          </a:fontRef>
-        </p:style>
-        <p:txBody>
-          <a:bodyPr rtlCol="0" anchor="ctr"/>
-          <a:lstStyle/>
-          <a:p>
-            <a:pPr marL="457200" indent="-457200">
-              <a:buFont typeface="Wingdings" panose="05000000000000000000" pitchFamily="2" charset="2"/>
-              <a:buChar char="Ø"/>
-            </a:pPr>
-            <a:r>
-              <a:rPr lang="en-US" sz="3200" dirty="0">
-                <a:solidFill>
-                  <a:schemeClr val="tx1"/>
-                </a:solidFill>
-              </a:rPr>
-              <a:t>Move </a:t>
-            </a:r>
-            <a:r>
-              <a:rPr lang="en-US" sz="3200" b="1" dirty="0">
-                <a:solidFill>
-                  <a:srgbClr val="00B0F0"/>
-                </a:solidFill>
-              </a:rPr>
-              <a:t>Connection String </a:t>
-            </a:r>
-            <a:r>
-              <a:rPr lang="en-US" sz="3200" dirty="0">
-                <a:solidFill>
-                  <a:schemeClr val="tx1"/>
-                </a:solidFill>
-              </a:rPr>
-              <a:t>from </a:t>
-            </a:r>
-            <a:r>
-              <a:rPr lang="en-US" sz="3200" b="1" dirty="0">
-                <a:solidFill>
-                  <a:srgbClr val="FFC000"/>
-                </a:solidFill>
-              </a:rPr>
-              <a:t>DbContext</a:t>
-            </a:r>
-            <a:r>
-              <a:rPr lang="en-US" sz="3200" dirty="0">
-                <a:solidFill>
-                  <a:schemeClr val="tx1"/>
-                </a:solidFill>
-              </a:rPr>
-              <a:t> Class to </a:t>
-            </a:r>
-            <a:r>
-              <a:rPr lang="en-US" sz="3200" b="1" dirty="0">
-                <a:solidFill>
-                  <a:srgbClr val="FFC000"/>
-                </a:solidFill>
-              </a:rPr>
-              <a:t>appsettings.json </a:t>
-            </a:r>
-            <a:r>
-              <a:rPr lang="en-US" sz="3200" dirty="0">
-                <a:solidFill>
-                  <a:schemeClr val="tx1"/>
-                </a:solidFill>
-              </a:rPr>
-              <a:t>File</a:t>
-            </a:r>
-          </a:p>
-        </p:txBody>
-      </p:sp>
-    </p:spTree>
-    <p:extLst>
-      <p:ext uri="{BB962C8B-B14F-4D97-AF65-F5344CB8AC3E}">
-        <p14:creationId xmlns:p14="http://schemas.microsoft.com/office/powerpoint/2010/main" val="916604783"/>
+        <p14:creationId xmlns:p14="http://schemas.microsoft.com/office/powerpoint/2010/main" val="2874833592"/>
       </p:ext>
     </p:extLst>
   </p:cSld>
@@ -10138,136 +9404,65 @@
       </p:grpSpPr>
       <p:sp>
         <p:nvSpPr>
-          <p:cNvPr id="43" name="Rectangle 42">
+          <p:cNvPr id="2" name="Title 1">
             <a:extLst>
               <a:ext uri="{FF2B5EF4-FFF2-40B4-BE49-F238E27FC236}">
-                <a16:creationId xmlns:a16="http://schemas.microsoft.com/office/drawing/2014/main" id="{655E530D-049D-4EB1-AD75-BB1475BFEED4}"/>
+                <a16:creationId xmlns:a16="http://schemas.microsoft.com/office/drawing/2014/main" id="{C7492CCE-C435-464E-A19A-D4C606FDBE3D}"/>
               </a:ext>
             </a:extLst>
           </p:cNvPr>
-          <p:cNvSpPr/>
-          <p:nvPr/>
-        </p:nvSpPr>
-        <p:spPr>
-          <a:xfrm>
-            <a:off x="1732009" y="1032303"/>
-            <a:ext cx="1882047" cy="526656"/>
-          </a:xfrm>
-          <a:prstGeom prst="rect">
-            <a:avLst/>
-          </a:prstGeom>
-        </p:spPr>
-        <p:style>
-          <a:lnRef idx="2">
-            <a:schemeClr val="accent1">
-              <a:shade val="50000"/>
-            </a:schemeClr>
-          </a:lnRef>
-          <a:fillRef idx="1">
-            <a:schemeClr val="accent1"/>
-          </a:fillRef>
-          <a:effectRef idx="0">
-            <a:schemeClr val="accent1"/>
-          </a:effectRef>
-          <a:fontRef idx="minor">
-            <a:schemeClr val="lt1"/>
-          </a:fontRef>
-        </p:style>
-        <p:txBody>
-          <a:bodyPr rtlCol="0" anchor="ctr"/>
+          <p:cNvSpPr>
+            <a:spLocks noGrp="1"/>
+          </p:cNvSpPr>
+          <p:nvPr>
+            <p:ph type="title"/>
+          </p:nvPr>
+        </p:nvSpPr>
+        <p:spPr/>
+        <p:txBody>
+          <a:bodyPr>
+            <a:normAutofit/>
+          </a:bodyPr>
           <a:lstStyle/>
           <a:p>
-            <a:r>
-              <a:rPr lang="en-US" sz="3200" b="1" dirty="0">
-                <a:solidFill>
-                  <a:srgbClr val="7030A0"/>
-                </a:solidFill>
-              </a:rPr>
-              <a:t>Step # 04</a:t>
-            </a:r>
-          </a:p>
-        </p:txBody>
-      </p:sp>
-      <p:sp>
-        <p:nvSpPr>
-          <p:cNvPr id="14" name="Rectangle 13">
+            <a:pPr algn="l"/>
+            <a:endParaRPr lang="en-US" dirty="0">
+              <a:solidFill>
+                <a:srgbClr val="A6A6A6"/>
+              </a:solidFill>
+            </a:endParaRPr>
+          </a:p>
+        </p:txBody>
+      </p:sp>
+      <p:sp>
+        <p:nvSpPr>
+          <p:cNvPr id="5" name="Content Placeholder 4">
             <a:extLst>
               <a:ext uri="{FF2B5EF4-FFF2-40B4-BE49-F238E27FC236}">
-                <a16:creationId xmlns:a16="http://schemas.microsoft.com/office/drawing/2014/main" id="{85BBF831-03CE-4DC6-98AB-FA29819745EF}"/>
+                <a16:creationId xmlns:a16="http://schemas.microsoft.com/office/drawing/2014/main" id="{A6BB712D-26E2-4FDF-BD5F-4C6B85B6CE19}"/>
               </a:ext>
             </a:extLst>
           </p:cNvPr>
-          <p:cNvSpPr/>
-          <p:nvPr/>
-        </p:nvSpPr>
-        <p:spPr>
-          <a:xfrm>
-            <a:off x="1583502" y="1840094"/>
-            <a:ext cx="10167220" cy="1222419"/>
-          </a:xfrm>
-          <a:prstGeom prst="rect">
-            <a:avLst/>
-          </a:prstGeom>
-          <a:noFill/>
-          <a:ln>
-            <a:noFill/>
-          </a:ln>
-        </p:spPr>
-        <p:style>
-          <a:lnRef idx="2">
-            <a:schemeClr val="accent1">
-              <a:shade val="50000"/>
-            </a:schemeClr>
-          </a:lnRef>
-          <a:fillRef idx="1">
-            <a:schemeClr val="accent1"/>
-          </a:fillRef>
-          <a:effectRef idx="0">
-            <a:schemeClr val="accent1"/>
-          </a:effectRef>
-          <a:fontRef idx="minor">
-            <a:schemeClr val="lt1"/>
-          </a:fontRef>
-        </p:style>
-        <p:txBody>
-          <a:bodyPr rtlCol="0" anchor="ctr"/>
+          <p:cNvSpPr>
+            <a:spLocks noGrp="1"/>
+          </p:cNvSpPr>
+          <p:nvPr>
+            <p:ph idx="1"/>
+          </p:nvPr>
+        </p:nvSpPr>
+        <p:spPr/>
+        <p:txBody>
+          <a:bodyPr/>
           <a:lstStyle/>
           <a:p>
-            <a:pPr marL="457200" indent="-457200">
-              <a:buFont typeface="Wingdings" panose="05000000000000000000" pitchFamily="2" charset="2"/>
-              <a:buChar char="Ø"/>
-            </a:pPr>
-            <a:r>
-              <a:rPr lang="en-US" sz="3200" dirty="0">
-                <a:solidFill>
-                  <a:schemeClr val="tx1"/>
-                </a:solidFill>
-              </a:rPr>
-              <a:t>Register Connection String in </a:t>
-            </a:r>
-            <a:r>
-              <a:rPr lang="en-US" sz="3200" b="1" dirty="0">
-                <a:solidFill>
-                  <a:srgbClr val="FFC000"/>
-                </a:solidFill>
-              </a:rPr>
-              <a:t>Program.cs </a:t>
-            </a:r>
-            <a:r>
-              <a:rPr lang="en-US" sz="3200" dirty="0">
-                <a:solidFill>
-                  <a:schemeClr val="tx1"/>
-                </a:solidFill>
-              </a:rPr>
-              <a:t>File.</a:t>
-            </a:r>
+            <a:endParaRPr lang="en-US"/>
           </a:p>
         </p:txBody>
       </p:sp>
     </p:spTree>
     <p:extLst>
       <p:ext uri="{BB962C8B-B14F-4D97-AF65-F5344CB8AC3E}">
-        <p14:creationId xmlns:p14="http://schemas.microsoft.com/office/powerpoint/2010/main" val="2751478820"/>
+        <p14:creationId xmlns:p14="http://schemas.microsoft.com/office/powerpoint/2010/main" val="240611038"/>
       </p:ext>
     </p:extLst>
   </p:cSld>
@@ -14853,7 +14048,7 @@
                   <a:srgbClr val="FFC000"/>
                 </a:solidFill>
               </a:rPr>
-              <a:t>Code First Approach </a:t>
+              <a:t>Database First Approach </a:t>
             </a:r>
             <a:br>
               <a:rPr lang="en-US" b="1" dirty="0">
@@ -14881,7 +14076,7 @@
     </p:spTree>
     <p:extLst>
       <p:ext uri="{BB962C8B-B14F-4D97-AF65-F5344CB8AC3E}">
-        <p14:creationId xmlns:p14="http://schemas.microsoft.com/office/powerpoint/2010/main" val="3416184365"/>
+        <p14:creationId xmlns:p14="http://schemas.microsoft.com/office/powerpoint/2010/main" val="3913161221"/>
       </p:ext>
     </p:extLst>
   </p:cSld>
@@ -15405,8 +14600,8 @@
         </p:nvSpPr>
         <p:spPr>
           <a:xfrm>
-            <a:off x="1018191" y="685800"/>
-            <a:ext cx="8837005" cy="1752599"/>
+            <a:off x="939001" y="323445"/>
+            <a:ext cx="8837005" cy="1440712"/>
           </a:xfrm>
         </p:spPr>
         <p:txBody>
@@ -15417,51 +14612,674 @@
           <a:p>
             <a:pPr algn="l"/>
             <a:r>
-              <a:rPr lang="en-US" sz="4800" b="1" dirty="0">
+              <a:rPr lang="en-US" b="1" dirty="0">
                 <a:solidFill>
                   <a:srgbClr val="FFC000"/>
                 </a:solidFill>
               </a:rPr>
-              <a:t>Code First Approach </a:t>
-            </a:r>
-            <a:endParaRPr lang="en-US" sz="4800" dirty="0"/>
-          </a:p>
-        </p:txBody>
-      </p:sp>
-      <p:pic>
-        <p:nvPicPr>
-          <p:cNvPr id="34" name="Picture 33">
+              <a:t>Database First Approach.</a:t>
+            </a:r>
+            <a:endParaRPr lang="en-US" dirty="0"/>
+          </a:p>
+        </p:txBody>
+      </p:sp>
+      <p:sp>
+        <p:nvSpPr>
+          <p:cNvPr id="14" name="Content Placeholder 2">
             <a:extLst>
               <a:ext uri="{FF2B5EF4-FFF2-40B4-BE49-F238E27FC236}">
-                <a16:creationId xmlns:a16="http://schemas.microsoft.com/office/drawing/2014/main" id="{4491171E-8D1F-4DC3-87B3-2ABF04129A90}"/>
+                <a16:creationId xmlns:a16="http://schemas.microsoft.com/office/drawing/2014/main" id="{94B2B145-D0E5-404C-89A3-C7489DFAAF90}"/>
               </a:ext>
             </a:extLst>
           </p:cNvPr>
-          <p:cNvPicPr>
-            <a:picLocks noChangeAspect="1"/>
-          </p:cNvPicPr>
-          <p:nvPr/>
-        </p:nvPicPr>
-        <p:blipFill>
-          <a:blip r:embed="rId2"/>
-          <a:stretch>
-            <a:fillRect/>
-          </a:stretch>
-        </p:blipFill>
+          <p:cNvSpPr>
+            <a:spLocks noGrp="1"/>
+          </p:cNvSpPr>
+          <p:nvPr>
+            <p:ph idx="1"/>
+          </p:nvPr>
+        </p:nvSpPr>
         <p:spPr>
           <a:xfrm>
-            <a:off x="1089027" y="2538335"/>
-            <a:ext cx="7230136" cy="2023031"/>
+            <a:off x="950599" y="1538693"/>
+            <a:ext cx="8225821" cy="2031821"/>
+          </a:xfrm>
+        </p:spPr>
+        <p:txBody>
+          <a:bodyPr anchor="t">
+            <a:normAutofit/>
+          </a:bodyPr>
+          <a:lstStyle/>
+          <a:p>
+            <a:pPr algn="just">
+              <a:buClr>
+                <a:srgbClr val="FFC000"/>
+              </a:buClr>
+            </a:pPr>
+            <a:r>
+              <a:rPr lang="en-US" sz="2000" dirty="0"/>
+              <a:t>In the </a:t>
+            </a:r>
+            <a:r>
+              <a:rPr lang="en-US" sz="2000" dirty="0">
+                <a:solidFill>
+                  <a:srgbClr val="FFFF00"/>
+                </a:solidFill>
+              </a:rPr>
+              <a:t>database-first approach </a:t>
+            </a:r>
+            <a:r>
+              <a:rPr lang="en-US" sz="2000" dirty="0"/>
+              <a:t>the  Entity Framework core creates </a:t>
+            </a:r>
+            <a:r>
+              <a:rPr lang="en-US" sz="2000" dirty="0">
+                <a:solidFill>
+                  <a:srgbClr val="FFFF00"/>
+                </a:solidFill>
+              </a:rPr>
+              <a:t>model classes </a:t>
+            </a:r>
+            <a:r>
+              <a:rPr lang="en-US" sz="2000" dirty="0"/>
+              <a:t>and properties corresponding to the </a:t>
+            </a:r>
+            <a:r>
+              <a:rPr lang="en-US" sz="2000" dirty="0">
+                <a:solidFill>
+                  <a:srgbClr val="FFFF00"/>
+                </a:solidFill>
+              </a:rPr>
+              <a:t>existing database objects</a:t>
+            </a:r>
+            <a:r>
+              <a:rPr lang="en-US" sz="2000" dirty="0"/>
+              <a:t>, such as </a:t>
+            </a:r>
+            <a:r>
+              <a:rPr lang="en-US" sz="2000" dirty="0">
+                <a:solidFill>
+                  <a:srgbClr val="FFFF00"/>
+                </a:solidFill>
+              </a:rPr>
+              <a:t>tables and columns</a:t>
+            </a:r>
+            <a:r>
+              <a:rPr lang="en-US" sz="2000" dirty="0"/>
+              <a:t>.</a:t>
+            </a:r>
+          </a:p>
+          <a:p>
+            <a:pPr algn="just">
+              <a:buClr>
+                <a:srgbClr val="FFC000"/>
+              </a:buClr>
+            </a:pPr>
+            <a:r>
+              <a:rPr lang="en-US" sz="2000" dirty="0"/>
+              <a:t>The </a:t>
+            </a:r>
+            <a:r>
+              <a:rPr lang="en-US" sz="2000" dirty="0">
+                <a:solidFill>
+                  <a:srgbClr val="FFFF00"/>
+                </a:solidFill>
+              </a:rPr>
+              <a:t>database-first approach </a:t>
+            </a:r>
+            <a:r>
+              <a:rPr lang="en-US" sz="2000" dirty="0"/>
+              <a:t>is applicable in scenario where a database </a:t>
+            </a:r>
+            <a:r>
+              <a:rPr lang="en-US" sz="2000" dirty="0">
+                <a:solidFill>
+                  <a:srgbClr val="FFFF00"/>
+                </a:solidFill>
+              </a:rPr>
+              <a:t>already exist </a:t>
+            </a:r>
+            <a:r>
+              <a:rPr lang="en-US" sz="2000" dirty="0"/>
+              <a:t>for the application.</a:t>
+            </a:r>
+          </a:p>
+          <a:p>
+            <a:pPr algn="just">
+              <a:buClr>
+                <a:srgbClr val="FFC000"/>
+              </a:buClr>
+            </a:pPr>
+            <a:endParaRPr lang="en-US" sz="2000" dirty="0"/>
+          </a:p>
+        </p:txBody>
+      </p:sp>
+      <p:sp>
+        <p:nvSpPr>
+          <p:cNvPr id="13" name="Rectangle 12">
+            <a:extLst>
+              <a:ext uri="{FF2B5EF4-FFF2-40B4-BE49-F238E27FC236}">
+                <a16:creationId xmlns:a16="http://schemas.microsoft.com/office/drawing/2014/main" id="{EC91A0AC-C5EE-4CDA-90DD-107C10B3BB00}"/>
+              </a:ext>
+            </a:extLst>
+          </p:cNvPr>
+          <p:cNvSpPr/>
+          <p:nvPr/>
+        </p:nvSpPr>
+        <p:spPr>
+          <a:xfrm>
+            <a:off x="302132" y="3622814"/>
+            <a:ext cx="1777998" cy="1776500"/>
           </a:xfrm>
           <a:prstGeom prst="rect">
             <a:avLst/>
           </a:prstGeom>
         </p:spPr>
-      </p:pic>
+        <p:style>
+          <a:lnRef idx="2">
+            <a:schemeClr val="accent1">
+              <a:shade val="50000"/>
+            </a:schemeClr>
+          </a:lnRef>
+          <a:fillRef idx="1">
+            <a:schemeClr val="accent1"/>
+          </a:fillRef>
+          <a:effectRef idx="0">
+            <a:schemeClr val="accent1"/>
+          </a:effectRef>
+          <a:fontRef idx="minor">
+            <a:schemeClr val="lt1"/>
+          </a:fontRef>
+        </p:style>
+        <p:txBody>
+          <a:bodyPr rtlCol="0" anchor="ctr"/>
+          <a:lstStyle/>
+          <a:p>
+            <a:pPr algn="ctr"/>
+            <a:r>
+              <a:rPr lang="en-US" dirty="0">
+                <a:solidFill>
+                  <a:srgbClr val="000000"/>
+                </a:solidFill>
+              </a:rPr>
+              <a:t>Existing</a:t>
+            </a:r>
+          </a:p>
+          <a:p>
+            <a:pPr algn="ctr"/>
+            <a:r>
+              <a:rPr lang="en-US" dirty="0">
+                <a:solidFill>
+                  <a:srgbClr val="000000"/>
+                </a:solidFill>
+              </a:rPr>
+              <a:t>Database </a:t>
+            </a:r>
+          </a:p>
+          <a:p>
+            <a:pPr algn="ctr"/>
+            <a:r>
+              <a:rPr lang="en-US" dirty="0">
+                <a:solidFill>
+                  <a:srgbClr val="000000"/>
+                </a:solidFill>
+              </a:rPr>
+              <a:t>Tables</a:t>
+            </a:r>
+          </a:p>
+        </p:txBody>
+      </p:sp>
+      <p:sp>
+        <p:nvSpPr>
+          <p:cNvPr id="15" name="Rectangle 14">
+            <a:extLst>
+              <a:ext uri="{FF2B5EF4-FFF2-40B4-BE49-F238E27FC236}">
+                <a16:creationId xmlns:a16="http://schemas.microsoft.com/office/drawing/2014/main" id="{0AB674E2-F7D4-4F70-86B8-2DEF1CFD0764}"/>
+              </a:ext>
+            </a:extLst>
+          </p:cNvPr>
+          <p:cNvSpPr/>
+          <p:nvPr/>
+        </p:nvSpPr>
+        <p:spPr>
+          <a:xfrm>
+            <a:off x="3299168" y="3622814"/>
+            <a:ext cx="1777998" cy="1776499"/>
+          </a:xfrm>
+          <a:prstGeom prst="rect">
+            <a:avLst/>
+          </a:prstGeom>
+        </p:spPr>
+        <p:style>
+          <a:lnRef idx="2">
+            <a:schemeClr val="accent1">
+              <a:shade val="50000"/>
+            </a:schemeClr>
+          </a:lnRef>
+          <a:fillRef idx="1">
+            <a:schemeClr val="accent1"/>
+          </a:fillRef>
+          <a:effectRef idx="0">
+            <a:schemeClr val="accent1"/>
+          </a:effectRef>
+          <a:fontRef idx="minor">
+            <a:schemeClr val="lt1"/>
+          </a:fontRef>
+        </p:style>
+        <p:txBody>
+          <a:bodyPr rtlCol="0" anchor="ctr"/>
+          <a:lstStyle/>
+          <a:p>
+            <a:pPr algn="ctr"/>
+            <a:r>
+              <a:rPr lang="en-US" b="1" dirty="0">
+                <a:solidFill>
+                  <a:srgbClr val="000000"/>
+                </a:solidFill>
+              </a:rPr>
+              <a:t>Scaffold</a:t>
+            </a:r>
+          </a:p>
+          <a:p>
+            <a:pPr algn="ctr"/>
+            <a:r>
+              <a:rPr lang="en-US" b="1" dirty="0">
+                <a:solidFill>
+                  <a:srgbClr val="000000"/>
+                </a:solidFill>
+              </a:rPr>
+              <a:t>DbContext</a:t>
+            </a:r>
+            <a:endParaRPr lang="en-US" dirty="0">
+              <a:solidFill>
+                <a:srgbClr val="000000"/>
+              </a:solidFill>
+            </a:endParaRPr>
+          </a:p>
+        </p:txBody>
+      </p:sp>
+      <p:sp>
+        <p:nvSpPr>
+          <p:cNvPr id="16" name="Arrow: Down 15">
+            <a:extLst>
+              <a:ext uri="{FF2B5EF4-FFF2-40B4-BE49-F238E27FC236}">
+                <a16:creationId xmlns:a16="http://schemas.microsoft.com/office/drawing/2014/main" id="{9C46A2A4-05D4-414D-888E-CE0F10E82669}"/>
+              </a:ext>
+            </a:extLst>
+          </p:cNvPr>
+          <p:cNvSpPr/>
+          <p:nvPr/>
+        </p:nvSpPr>
+        <p:spPr>
+          <a:xfrm rot="16200000">
+            <a:off x="2432052" y="4057217"/>
+            <a:ext cx="528145" cy="1004426"/>
+          </a:xfrm>
+          <a:prstGeom prst="downArrow">
+            <a:avLst/>
+          </a:prstGeom>
+        </p:spPr>
+        <p:style>
+          <a:lnRef idx="2">
+            <a:schemeClr val="accent1">
+              <a:shade val="50000"/>
+            </a:schemeClr>
+          </a:lnRef>
+          <a:fillRef idx="1">
+            <a:schemeClr val="accent1"/>
+          </a:fillRef>
+          <a:effectRef idx="0">
+            <a:schemeClr val="accent1"/>
+          </a:effectRef>
+          <a:fontRef idx="minor">
+            <a:schemeClr val="lt1"/>
+          </a:fontRef>
+        </p:style>
+        <p:txBody>
+          <a:bodyPr rtlCol="0" anchor="ctr"/>
+          <a:lstStyle/>
+          <a:p>
+            <a:pPr algn="ctr"/>
+            <a:endParaRPr lang="en-US" dirty="0"/>
+          </a:p>
+        </p:txBody>
+      </p:sp>
+      <p:sp>
+        <p:nvSpPr>
+          <p:cNvPr id="17" name="Arrow: Down 16">
+            <a:extLst>
+              <a:ext uri="{FF2B5EF4-FFF2-40B4-BE49-F238E27FC236}">
+                <a16:creationId xmlns:a16="http://schemas.microsoft.com/office/drawing/2014/main" id="{D8E14C50-E48A-4AF2-A9CD-1C950B73A908}"/>
+              </a:ext>
+            </a:extLst>
+          </p:cNvPr>
+          <p:cNvSpPr/>
+          <p:nvPr/>
+        </p:nvSpPr>
+        <p:spPr>
+          <a:xfrm rot="16200000">
+            <a:off x="5485119" y="4057217"/>
+            <a:ext cx="528145" cy="1004426"/>
+          </a:xfrm>
+          <a:prstGeom prst="downArrow">
+            <a:avLst/>
+          </a:prstGeom>
+        </p:spPr>
+        <p:style>
+          <a:lnRef idx="2">
+            <a:schemeClr val="accent1">
+              <a:shade val="50000"/>
+            </a:schemeClr>
+          </a:lnRef>
+          <a:fillRef idx="1">
+            <a:schemeClr val="accent1"/>
+          </a:fillRef>
+          <a:effectRef idx="0">
+            <a:schemeClr val="accent1"/>
+          </a:effectRef>
+          <a:fontRef idx="minor">
+            <a:schemeClr val="lt1"/>
+          </a:fontRef>
+        </p:style>
+        <p:txBody>
+          <a:bodyPr rtlCol="0" anchor="ctr"/>
+          <a:lstStyle/>
+          <a:p>
+            <a:pPr algn="ctr"/>
+            <a:endParaRPr lang="en-US"/>
+          </a:p>
+        </p:txBody>
+      </p:sp>
+      <p:sp>
+        <p:nvSpPr>
+          <p:cNvPr id="18" name="Rectangle 17">
+            <a:extLst>
+              <a:ext uri="{FF2B5EF4-FFF2-40B4-BE49-F238E27FC236}">
+                <a16:creationId xmlns:a16="http://schemas.microsoft.com/office/drawing/2014/main" id="{023A6B8A-5F57-476A-A551-A7C2EF159F05}"/>
+              </a:ext>
+            </a:extLst>
+          </p:cNvPr>
+          <p:cNvSpPr/>
+          <p:nvPr/>
+        </p:nvSpPr>
+        <p:spPr>
+          <a:xfrm>
+            <a:off x="7098700" y="3275676"/>
+            <a:ext cx="1312478" cy="914400"/>
+          </a:xfrm>
+          <a:prstGeom prst="rect">
+            <a:avLst/>
+          </a:prstGeom>
+        </p:spPr>
+        <p:style>
+          <a:lnRef idx="2">
+            <a:schemeClr val="accent1">
+              <a:shade val="50000"/>
+            </a:schemeClr>
+          </a:lnRef>
+          <a:fillRef idx="1">
+            <a:schemeClr val="accent1"/>
+          </a:fillRef>
+          <a:effectRef idx="0">
+            <a:schemeClr val="accent1"/>
+          </a:effectRef>
+          <a:fontRef idx="minor">
+            <a:schemeClr val="lt1"/>
+          </a:fontRef>
+        </p:style>
+        <p:txBody>
+          <a:bodyPr rtlCol="0" anchor="ctr"/>
+          <a:lstStyle/>
+          <a:p>
+            <a:pPr algn="ctr"/>
+            <a:r>
+              <a:rPr lang="en-US" b="1" dirty="0">
+                <a:ln>
+                  <a:solidFill>
+                    <a:srgbClr val="00B050"/>
+                  </a:solidFill>
+                </a:ln>
+                <a:solidFill>
+                  <a:srgbClr val="000000"/>
+                </a:solidFill>
+              </a:rPr>
+              <a:t>Model Class</a:t>
+            </a:r>
+          </a:p>
+        </p:txBody>
+      </p:sp>
+      <p:sp>
+        <p:nvSpPr>
+          <p:cNvPr id="19" name="Rectangle 18">
+            <a:extLst>
+              <a:ext uri="{FF2B5EF4-FFF2-40B4-BE49-F238E27FC236}">
+                <a16:creationId xmlns:a16="http://schemas.microsoft.com/office/drawing/2014/main" id="{8BC1FF9A-4E0C-4250-B835-13F4952A6C29}"/>
+              </a:ext>
+            </a:extLst>
+          </p:cNvPr>
+          <p:cNvSpPr/>
+          <p:nvPr/>
+        </p:nvSpPr>
+        <p:spPr>
+          <a:xfrm>
+            <a:off x="7202458" y="4990638"/>
+            <a:ext cx="1383908" cy="914400"/>
+          </a:xfrm>
+          <a:prstGeom prst="rect">
+            <a:avLst/>
+          </a:prstGeom>
+        </p:spPr>
+        <p:style>
+          <a:lnRef idx="2">
+            <a:schemeClr val="accent1">
+              <a:shade val="50000"/>
+            </a:schemeClr>
+          </a:lnRef>
+          <a:fillRef idx="1">
+            <a:schemeClr val="accent1"/>
+          </a:fillRef>
+          <a:effectRef idx="0">
+            <a:schemeClr val="accent1"/>
+          </a:effectRef>
+          <a:fontRef idx="minor">
+            <a:schemeClr val="lt1"/>
+          </a:fontRef>
+        </p:style>
+        <p:txBody>
+          <a:bodyPr rtlCol="0" anchor="ctr"/>
+          <a:lstStyle/>
+          <a:p>
+            <a:pPr algn="ctr"/>
+            <a:r>
+              <a:rPr lang="en-US" b="1" dirty="0">
+                <a:ln>
+                  <a:solidFill>
+                    <a:srgbClr val="00B050"/>
+                  </a:solidFill>
+                </a:ln>
+                <a:solidFill>
+                  <a:srgbClr val="000000"/>
+                </a:solidFill>
+              </a:rPr>
+              <a:t>DbContext</a:t>
+            </a:r>
+          </a:p>
+          <a:p>
+            <a:pPr algn="ctr"/>
+            <a:r>
+              <a:rPr lang="en-US" b="1" dirty="0">
+                <a:ln>
+                  <a:solidFill>
+                    <a:srgbClr val="00B050"/>
+                  </a:solidFill>
+                </a:ln>
+                <a:solidFill>
+                  <a:srgbClr val="000000"/>
+                </a:solidFill>
+              </a:rPr>
+              <a:t>Class</a:t>
+            </a:r>
+          </a:p>
+        </p:txBody>
+      </p:sp>
+      <p:sp>
+        <p:nvSpPr>
+          <p:cNvPr id="20" name="Right Brace 19">
+            <a:extLst>
+              <a:ext uri="{FF2B5EF4-FFF2-40B4-BE49-F238E27FC236}">
+                <a16:creationId xmlns:a16="http://schemas.microsoft.com/office/drawing/2014/main" id="{9D624544-30ED-411C-BEC7-64485B12B46E}"/>
+              </a:ext>
+            </a:extLst>
+          </p:cNvPr>
+          <p:cNvSpPr/>
+          <p:nvPr/>
+        </p:nvSpPr>
+        <p:spPr>
+          <a:xfrm rot="10800000">
+            <a:off x="6141075" y="3732876"/>
+            <a:ext cx="871538" cy="1653108"/>
+          </a:xfrm>
+          <a:prstGeom prst="rightBrace">
+            <a:avLst/>
+          </a:prstGeom>
+          <a:ln w="19050"/>
+        </p:spPr>
+        <p:style>
+          <a:lnRef idx="1">
+            <a:schemeClr val="accent1"/>
+          </a:lnRef>
+          <a:fillRef idx="0">
+            <a:schemeClr val="accent1"/>
+          </a:fillRef>
+          <a:effectRef idx="0">
+            <a:schemeClr val="accent1"/>
+          </a:effectRef>
+          <a:fontRef idx="minor">
+            <a:schemeClr val="tx1"/>
+          </a:fontRef>
+        </p:style>
+        <p:txBody>
+          <a:bodyPr rtlCol="0" anchor="ctr"/>
+          <a:lstStyle/>
+          <a:p>
+            <a:pPr algn="ctr"/>
+            <a:endParaRPr lang="en-US"/>
+          </a:p>
+        </p:txBody>
+      </p:sp>
+      <p:sp>
+        <p:nvSpPr>
+          <p:cNvPr id="22" name="Rectangle 21">
+            <a:extLst>
+              <a:ext uri="{FF2B5EF4-FFF2-40B4-BE49-F238E27FC236}">
+                <a16:creationId xmlns:a16="http://schemas.microsoft.com/office/drawing/2014/main" id="{45B11A66-A3F3-4B50-832C-688C7FD0D1D1}"/>
+              </a:ext>
+            </a:extLst>
+          </p:cNvPr>
+          <p:cNvSpPr/>
+          <p:nvPr/>
+        </p:nvSpPr>
+        <p:spPr>
+          <a:xfrm>
+            <a:off x="3212216" y="5214256"/>
+            <a:ext cx="2084110" cy="914400"/>
+          </a:xfrm>
+          <a:prstGeom prst="rect">
+            <a:avLst/>
+          </a:prstGeom>
+          <a:noFill/>
+          <a:ln>
+            <a:noFill/>
+          </a:ln>
+        </p:spPr>
+        <p:style>
+          <a:lnRef idx="2">
+            <a:schemeClr val="accent1">
+              <a:shade val="50000"/>
+            </a:schemeClr>
+          </a:lnRef>
+          <a:fillRef idx="1">
+            <a:schemeClr val="accent1"/>
+          </a:fillRef>
+          <a:effectRef idx="0">
+            <a:schemeClr val="accent1"/>
+          </a:effectRef>
+          <a:fontRef idx="minor">
+            <a:schemeClr val="lt1"/>
+          </a:fontRef>
+        </p:style>
+        <p:txBody>
+          <a:bodyPr rtlCol="0" anchor="ctr"/>
+          <a:lstStyle/>
+          <a:p>
+            <a:pPr algn="ctr"/>
+            <a:r>
+              <a:rPr lang="en-US" sz="2400" b="1" dirty="0">
+                <a:solidFill>
+                  <a:srgbClr val="FFC000"/>
+                </a:solidFill>
+              </a:rPr>
+              <a:t>Command</a:t>
+            </a:r>
+          </a:p>
+        </p:txBody>
+      </p:sp>
+      <p:sp>
+        <p:nvSpPr>
+          <p:cNvPr id="4" name="Plus Sign 3">
+            <a:extLst>
+              <a:ext uri="{FF2B5EF4-FFF2-40B4-BE49-F238E27FC236}">
+                <a16:creationId xmlns:a16="http://schemas.microsoft.com/office/drawing/2014/main" id="{D01A00E9-C807-4C33-8390-C53776D6AEEF}"/>
+              </a:ext>
+            </a:extLst>
+          </p:cNvPr>
+          <p:cNvSpPr/>
+          <p:nvPr/>
+        </p:nvSpPr>
+        <p:spPr>
+          <a:xfrm>
+            <a:off x="7515683" y="4344526"/>
+            <a:ext cx="590773" cy="636587"/>
+          </a:xfrm>
+          <a:prstGeom prst="mathPlus">
+            <a:avLst/>
+          </a:prstGeom>
+          <a:solidFill>
+            <a:srgbClr val="00B050"/>
+          </a:solidFill>
+          <a:ln>
+            <a:noFill/>
+          </a:ln>
+        </p:spPr>
+        <p:style>
+          <a:lnRef idx="2">
+            <a:schemeClr val="accent1">
+              <a:shade val="50000"/>
+            </a:schemeClr>
+          </a:lnRef>
+          <a:fillRef idx="1">
+            <a:schemeClr val="accent1"/>
+          </a:fillRef>
+          <a:effectRef idx="0">
+            <a:schemeClr val="accent1"/>
+          </a:effectRef>
+          <a:fontRef idx="minor">
+            <a:schemeClr val="lt1"/>
+          </a:fontRef>
+        </p:style>
+        <p:txBody>
+          <a:bodyPr rtlCol="0" anchor="ctr"/>
+          <a:lstStyle/>
+          <a:p>
+            <a:pPr algn="ctr"/>
+            <a:endParaRPr lang="en-US"/>
+          </a:p>
+        </p:txBody>
+      </p:sp>
     </p:spTree>
     <p:extLst>
       <p:ext uri="{BB962C8B-B14F-4D97-AF65-F5344CB8AC3E}">
-        <p14:creationId xmlns:p14="http://schemas.microsoft.com/office/powerpoint/2010/main" val="2874833592"/>
+        <p14:creationId xmlns:p14="http://schemas.microsoft.com/office/powerpoint/2010/main" val="965440168"/>
       </p:ext>
     </p:extLst>
   </p:cSld>
@@ -15496,6 +15314,36 @@
           <a:chExt cx="0" cy="0"/>
         </a:xfrm>
       </p:grpSpPr>
+      <p:pic>
+        <p:nvPicPr>
+          <p:cNvPr id="40" name="Picture 39">
+            <a:extLst>
+              <a:ext uri="{FF2B5EF4-FFF2-40B4-BE49-F238E27FC236}">
+                <a16:creationId xmlns:a16="http://schemas.microsoft.com/office/drawing/2014/main" id="{BB8EE029-CBE1-462D-BAC3-F66A43459D59}"/>
+              </a:ext>
+            </a:extLst>
+          </p:cNvPr>
+          <p:cNvPicPr>
+            <a:picLocks noChangeAspect="1"/>
+          </p:cNvPicPr>
+          <p:nvPr/>
+        </p:nvPicPr>
+        <p:blipFill>
+          <a:blip r:embed="rId2"/>
+          <a:stretch>
+            <a:fillRect/>
+          </a:stretch>
+        </p:blipFill>
+        <p:spPr>
+          <a:xfrm>
+            <a:off x="3907529" y="5400919"/>
+            <a:ext cx="7703899" cy="799272"/>
+          </a:xfrm>
+          <a:prstGeom prst="rect">
+            <a:avLst/>
+          </a:prstGeom>
+        </p:spPr>
+      </p:pic>
       <p:sp>
         <p:nvSpPr>
           <p:cNvPr id="2" name="Title 1">
@@ -15512,51 +15360,349 @@
             <p:ph type="title"/>
           </p:nvPr>
         </p:nvSpPr>
-        <p:spPr/>
+        <p:spPr>
+          <a:xfrm>
+            <a:off x="1732010" y="109692"/>
+            <a:ext cx="10018713" cy="1752599"/>
+          </a:xfrm>
+        </p:spPr>
         <p:txBody>
           <a:bodyPr>
             <a:normAutofit/>
           </a:bodyPr>
           <a:lstStyle/>
           <a:p>
-            <a:pPr algn="l"/>
-            <a:endParaRPr lang="en-US" dirty="0">
-              <a:solidFill>
-                <a:srgbClr val="A6A6A6"/>
-              </a:solidFill>
-            </a:endParaRPr>
-          </a:p>
-        </p:txBody>
-      </p:sp>
-      <p:sp>
-        <p:nvSpPr>
-          <p:cNvPr id="5" name="Content Placeholder 4">
+            <a:r>
+              <a:rPr lang="en-US" b="1" dirty="0">
+                <a:solidFill>
+                  <a:srgbClr val="FFC000"/>
+                </a:solidFill>
+              </a:rPr>
+              <a:t>Install 3 Packages ASP.NET Core MVC Application </a:t>
+            </a:r>
+            <a:endParaRPr lang="en-US" dirty="0"/>
+          </a:p>
+        </p:txBody>
+      </p:sp>
+      <p:pic>
+        <p:nvPicPr>
+          <p:cNvPr id="30" name="Content Placeholder 29">
             <a:extLst>
               <a:ext uri="{FF2B5EF4-FFF2-40B4-BE49-F238E27FC236}">
-                <a16:creationId xmlns:a16="http://schemas.microsoft.com/office/drawing/2014/main" id="{A6BB712D-26E2-4FDF-BD5F-4C6B85B6CE19}"/>
+                <a16:creationId xmlns:a16="http://schemas.microsoft.com/office/drawing/2014/main" id="{40290917-7F92-4D9D-A3C4-9BC426887109}"/>
               </a:ext>
             </a:extLst>
           </p:cNvPr>
-          <p:cNvSpPr>
-            <a:spLocks noGrp="1"/>
-          </p:cNvSpPr>
+          <p:cNvPicPr>
+            <a:picLocks noGrp="1" noChangeAspect="1"/>
+          </p:cNvPicPr>
           <p:nvPr>
-            <p:ph idx="1"/>
+            <p:ph sz="half" idx="2"/>
           </p:nvPr>
-        </p:nvSpPr>
-        <p:spPr/>
-        <p:txBody>
-          <a:bodyPr/>
+        </p:nvPicPr>
+        <p:blipFill>
+          <a:blip r:embed="rId3"/>
+          <a:stretch>
+            <a:fillRect/>
+          </a:stretch>
+        </p:blipFill>
+        <p:spPr>
+          <a:xfrm>
+            <a:off x="3946328" y="2090496"/>
+            <a:ext cx="7665101" cy="785366"/>
+          </a:xfrm>
+        </p:spPr>
+      </p:pic>
+      <p:pic>
+        <p:nvPicPr>
+          <p:cNvPr id="7" name="Picture 6">
+            <a:extLst>
+              <a:ext uri="{FF2B5EF4-FFF2-40B4-BE49-F238E27FC236}">
+                <a16:creationId xmlns:a16="http://schemas.microsoft.com/office/drawing/2014/main" id="{AF3A908F-96D3-4E4B-9A77-12CB8C2E959A}"/>
+              </a:ext>
+            </a:extLst>
+          </p:cNvPr>
+          <p:cNvPicPr>
+            <a:picLocks noChangeAspect="1"/>
+          </p:cNvPicPr>
+          <p:nvPr/>
+        </p:nvPicPr>
+        <p:blipFill>
+          <a:blip r:embed="rId4"/>
+          <a:stretch>
+            <a:fillRect/>
+          </a:stretch>
+        </p:blipFill>
+        <p:spPr>
+          <a:xfrm>
+            <a:off x="2573838" y="1697405"/>
+            <a:ext cx="1574734" cy="1574734"/>
+          </a:xfrm>
+          <a:prstGeom prst="rect">
+            <a:avLst/>
+          </a:prstGeom>
+        </p:spPr>
+      </p:pic>
+      <p:pic>
+        <p:nvPicPr>
+          <p:cNvPr id="34" name="Picture 33">
+            <a:extLst>
+              <a:ext uri="{FF2B5EF4-FFF2-40B4-BE49-F238E27FC236}">
+                <a16:creationId xmlns:a16="http://schemas.microsoft.com/office/drawing/2014/main" id="{E825E400-ABE1-4747-88FC-C998D660E2E0}"/>
+              </a:ext>
+            </a:extLst>
+          </p:cNvPr>
+          <p:cNvPicPr>
+            <a:picLocks noChangeAspect="1"/>
+          </p:cNvPicPr>
+          <p:nvPr/>
+        </p:nvPicPr>
+        <p:blipFill>
+          <a:blip r:embed="rId5"/>
+          <a:stretch>
+            <a:fillRect/>
+          </a:stretch>
+        </p:blipFill>
+        <p:spPr>
+          <a:xfrm>
+            <a:off x="3972433" y="3831382"/>
+            <a:ext cx="7638996" cy="752513"/>
+          </a:xfrm>
+          <a:prstGeom prst="rect">
+            <a:avLst/>
+          </a:prstGeom>
+        </p:spPr>
+      </p:pic>
+      <p:pic>
+        <p:nvPicPr>
+          <p:cNvPr id="32" name="Picture 31">
+            <a:extLst>
+              <a:ext uri="{FF2B5EF4-FFF2-40B4-BE49-F238E27FC236}">
+                <a16:creationId xmlns:a16="http://schemas.microsoft.com/office/drawing/2014/main" id="{6198CDE2-0E23-4B5D-807A-D71FB0111D82}"/>
+              </a:ext>
+            </a:extLst>
+          </p:cNvPr>
+          <p:cNvPicPr>
+            <a:picLocks noChangeAspect="1"/>
+          </p:cNvPicPr>
+          <p:nvPr/>
+        </p:nvPicPr>
+        <p:blipFill>
+          <a:blip r:embed="rId6"/>
+          <a:stretch>
+            <a:fillRect/>
+          </a:stretch>
+        </p:blipFill>
+        <p:spPr>
+          <a:xfrm>
+            <a:off x="2573838" y="3422942"/>
+            <a:ext cx="1572768" cy="1572768"/>
+          </a:xfrm>
+          <a:prstGeom prst="rect">
+            <a:avLst/>
+          </a:prstGeom>
+        </p:spPr>
+      </p:pic>
+      <p:pic>
+        <p:nvPicPr>
+          <p:cNvPr id="36" name="Picture 35">
+            <a:extLst>
+              <a:ext uri="{FF2B5EF4-FFF2-40B4-BE49-F238E27FC236}">
+                <a16:creationId xmlns:a16="http://schemas.microsoft.com/office/drawing/2014/main" id="{DDC00B44-4E7F-4E79-AB00-5D190260DE35}"/>
+              </a:ext>
+            </a:extLst>
+          </p:cNvPr>
+          <p:cNvPicPr>
+            <a:picLocks noChangeAspect="1"/>
+          </p:cNvPicPr>
+          <p:nvPr/>
+        </p:nvPicPr>
+        <p:blipFill>
+          <a:blip r:embed="rId7"/>
+          <a:stretch>
+            <a:fillRect/>
+          </a:stretch>
+        </p:blipFill>
+        <p:spPr>
+          <a:xfrm>
+            <a:off x="2501268" y="5014171"/>
+            <a:ext cx="1572768" cy="1572768"/>
+          </a:xfrm>
+          <a:prstGeom prst="rect">
+            <a:avLst/>
+          </a:prstGeom>
+        </p:spPr>
+      </p:pic>
+      <p:sp>
+        <p:nvSpPr>
+          <p:cNvPr id="41" name="Rectangle 40">
+            <a:extLst>
+              <a:ext uri="{FF2B5EF4-FFF2-40B4-BE49-F238E27FC236}">
+                <a16:creationId xmlns:a16="http://schemas.microsoft.com/office/drawing/2014/main" id="{4E23958F-DDAF-4384-BF30-0112435DB5FA}"/>
+              </a:ext>
+            </a:extLst>
+          </p:cNvPr>
+          <p:cNvSpPr/>
+          <p:nvPr/>
+        </p:nvSpPr>
+        <p:spPr>
+          <a:xfrm>
+            <a:off x="3798262" y="4552142"/>
+            <a:ext cx="8059910" cy="518748"/>
+          </a:xfrm>
+          <a:prstGeom prst="rect">
+            <a:avLst/>
+          </a:prstGeom>
+          <a:noFill/>
+          <a:ln>
+            <a:noFill/>
+          </a:ln>
+        </p:spPr>
+        <p:style>
+          <a:lnRef idx="2">
+            <a:schemeClr val="accent1">
+              <a:shade val="50000"/>
+            </a:schemeClr>
+          </a:lnRef>
+          <a:fillRef idx="1">
+            <a:schemeClr val="accent1"/>
+          </a:fillRef>
+          <a:effectRef idx="0">
+            <a:schemeClr val="accent1"/>
+          </a:effectRef>
+          <a:fontRef idx="minor">
+            <a:schemeClr val="lt1"/>
+          </a:fontRef>
+        </p:style>
+        <p:txBody>
+          <a:bodyPr rtlCol="0" anchor="ctr"/>
           <a:lstStyle/>
           <a:p>
-            <a:endParaRPr lang="en-US"/>
+            <a:pPr algn="ctr"/>
+            <a:r>
+              <a:rPr lang="en-US" sz="2000" dirty="0">
+                <a:solidFill>
+                  <a:srgbClr val="FFC000"/>
+                </a:solidFill>
+              </a:rPr>
+              <a:t>They’re primarily used to manage Migrations and to scaffold a DBContext</a:t>
+            </a:r>
+          </a:p>
+        </p:txBody>
+      </p:sp>
+      <p:sp>
+        <p:nvSpPr>
+          <p:cNvPr id="42" name="Rectangle 41">
+            <a:extLst>
+              <a:ext uri="{FF2B5EF4-FFF2-40B4-BE49-F238E27FC236}">
+                <a16:creationId xmlns:a16="http://schemas.microsoft.com/office/drawing/2014/main" id="{626BA2D2-3EC1-48B8-9E9A-72B4C720ABAC}"/>
+              </a:ext>
+            </a:extLst>
+          </p:cNvPr>
+          <p:cNvSpPr/>
+          <p:nvPr/>
+        </p:nvSpPr>
+        <p:spPr>
+          <a:xfrm>
+            <a:off x="3360222" y="6222701"/>
+            <a:ext cx="8059910" cy="518748"/>
+          </a:xfrm>
+          <a:prstGeom prst="rect">
+            <a:avLst/>
+          </a:prstGeom>
+          <a:noFill/>
+          <a:ln>
+            <a:noFill/>
+          </a:ln>
+        </p:spPr>
+        <p:style>
+          <a:lnRef idx="2">
+            <a:schemeClr val="accent1">
+              <a:shade val="50000"/>
+            </a:schemeClr>
+          </a:lnRef>
+          <a:fillRef idx="1">
+            <a:schemeClr val="accent1"/>
+          </a:fillRef>
+          <a:effectRef idx="0">
+            <a:schemeClr val="accent1"/>
+          </a:effectRef>
+          <a:fontRef idx="minor">
+            <a:schemeClr val="lt1"/>
+          </a:fontRef>
+        </p:style>
+        <p:txBody>
+          <a:bodyPr rtlCol="0" anchor="ctr"/>
+          <a:lstStyle/>
+          <a:p>
+            <a:pPr algn="ctr"/>
+            <a:r>
+              <a:rPr lang="en-US" sz="2000" dirty="0">
+                <a:solidFill>
+                  <a:srgbClr val="FFC000"/>
+                </a:solidFill>
+              </a:rPr>
+              <a:t>This Contains all the design-time logic for Entity Framework Core.</a:t>
+            </a:r>
+          </a:p>
+        </p:txBody>
+      </p:sp>
+      <p:sp>
+        <p:nvSpPr>
+          <p:cNvPr id="43" name="Rectangle 42">
+            <a:extLst>
+              <a:ext uri="{FF2B5EF4-FFF2-40B4-BE49-F238E27FC236}">
+                <a16:creationId xmlns:a16="http://schemas.microsoft.com/office/drawing/2014/main" id="{655E530D-049D-4EB1-AD75-BB1475BFEED4}"/>
+              </a:ext>
+            </a:extLst>
+          </p:cNvPr>
+          <p:cNvSpPr/>
+          <p:nvPr/>
+        </p:nvSpPr>
+        <p:spPr>
+          <a:xfrm>
+            <a:off x="1632814" y="1095348"/>
+            <a:ext cx="1882047" cy="526656"/>
+          </a:xfrm>
+          <a:prstGeom prst="rect">
+            <a:avLst/>
+          </a:prstGeom>
+        </p:spPr>
+        <p:style>
+          <a:lnRef idx="2">
+            <a:schemeClr val="accent1">
+              <a:shade val="50000"/>
+            </a:schemeClr>
+          </a:lnRef>
+          <a:fillRef idx="1">
+            <a:schemeClr val="accent1"/>
+          </a:fillRef>
+          <a:effectRef idx="0">
+            <a:schemeClr val="accent1"/>
+          </a:effectRef>
+          <a:fontRef idx="minor">
+            <a:schemeClr val="lt1"/>
+          </a:fontRef>
+        </p:style>
+        <p:txBody>
+          <a:bodyPr rtlCol="0" anchor="ctr"/>
+          <a:lstStyle/>
+          <a:p>
+            <a:r>
+              <a:rPr lang="en-US" sz="3200" b="1" dirty="0">
+                <a:solidFill>
+                  <a:srgbClr val="7030A0"/>
+                </a:solidFill>
+              </a:rPr>
+              <a:t>Step # 01</a:t>
+            </a:r>
           </a:p>
         </p:txBody>
       </p:sp>
     </p:spTree>
     <p:extLst>
       <p:ext uri="{BB962C8B-B14F-4D97-AF65-F5344CB8AC3E}">
-        <p14:creationId xmlns:p14="http://schemas.microsoft.com/office/powerpoint/2010/main" val="240611038"/>
+        <p14:creationId xmlns:p14="http://schemas.microsoft.com/office/powerpoint/2010/main" val="890071324"/>
       </p:ext>
     </p:extLst>
   </p:cSld>
@@ -16126,6 +16272,15 @@
 </file>
 
 <file path=customXml/item2.xml><?xml version="1.0" encoding="utf-8"?>
+<?mso-contentType ?>
+<FormTemplates xmlns="http://schemas.microsoft.com/sharepoint/v3/contenttype/forms">
+  <Display>DocumentLibraryForm</Display>
+  <Edit>DocumentLibraryForm</Edit>
+  <New>DocumentLibraryForm</New>
+</FormTemplates>
+</file>
+
+<file path=customXml/item3.xml><?xml version="1.0" encoding="utf-8"?>
 <ct:contentTypeSchema xmlns:ct="http://schemas.microsoft.com/office/2006/metadata/contentType" xmlns:ma="http://schemas.microsoft.com/office/2006/metadata/properties/metaAttributes" ct:_="" ma:_="" ma:contentTypeName="Document" ma:contentTypeID="0x01010079F111ED35F8CC479449609E8A0923A6" ma:contentTypeVersion="11" ma:contentTypeDescription="Create a new document." ma:contentTypeScope="" ma:versionID="9677210f24a1be23c92c90fd886aa0aa">
   <xsd:schema xmlns:xsd="http://www.w3.org/2001/XMLSchema" xmlns:xs="http://www.w3.org/2001/XMLSchema" xmlns:p="http://schemas.microsoft.com/office/2006/metadata/properties" xmlns:ns2="71af3243-3dd4-4a8d-8c0d-dd76da1f02a5" xmlns:ns3="16c05727-aa75-4e4a-9b5f-8a80a1165891" targetNamespace="http://schemas.microsoft.com/office/2006/metadata/properties" ma:root="true" ma:fieldsID="60e05723c5c1908df1a1a4ebf11d344e" ns2:_="" ns3:_="">
     <xsd:import namespace="71af3243-3dd4-4a8d-8c0d-dd76da1f02a5"/>
@@ -16336,15 +16491,6 @@
 </ct:contentTypeSchema>
 </file>
 
-<file path=customXml/item3.xml><?xml version="1.0" encoding="utf-8"?>
-<?mso-contentType ?>
-<FormTemplates xmlns="http://schemas.microsoft.com/sharepoint/v3/contenttype/forms">
-  <Display>DocumentLibraryForm</Display>
-  <Edit>DocumentLibraryForm</Edit>
-  <New>DocumentLibraryForm</New>
-</FormTemplates>
-</file>
-
 <file path=customXml/itemProps1.xml><?xml version="1.0" encoding="utf-8"?>
 <ds:datastoreItem xmlns:ds="http://schemas.openxmlformats.org/officeDocument/2006/customXml" ds:itemID="{D7023227-530E-4024-91EF-312A851A758C}">
   <ds:schemaRefs>
@@ -16356,6 +16502,14 @@
 </file>
 
 <file path=customXml/itemProps2.xml><?xml version="1.0" encoding="utf-8"?>
+<ds:datastoreItem xmlns:ds="http://schemas.openxmlformats.org/officeDocument/2006/customXml" ds:itemID="{33315AA3-EAE3-44ED-8368-BAC2FFFB4817}">
+  <ds:schemaRefs>
+    <ds:schemaRef ds:uri="http://schemas.microsoft.com/sharepoint/v3/contenttype/forms"/>
+  </ds:schemaRefs>
+</ds:datastoreItem>
+</file>
+
+<file path=customXml/itemProps3.xml><?xml version="1.0" encoding="utf-8"?>
 <ds:datastoreItem xmlns:ds="http://schemas.openxmlformats.org/officeDocument/2006/customXml" ds:itemID="{627C19A7-3107-4CB2-BD0D-F7C79BE028CC}">
   <ds:schemaRefs>
     <ds:schemaRef ds:uri="http://schemas.microsoft.com/office/2006/metadata/contentType"/>
@@ -16372,12 +16526,4 @@
     <ds:schemaRef ds:uri="http://schemas.microsoft.com/internal/obd"/>
   </ds:schemaRefs>
 </ds:datastoreItem>
-</file>
-
-<file path=customXml/itemProps3.xml><?xml version="1.0" encoding="utf-8"?>
-<ds:datastoreItem xmlns:ds="http://schemas.openxmlformats.org/officeDocument/2006/customXml" ds:itemID="{33315AA3-EAE3-44ED-8368-BAC2FFFB4817}">
-  <ds:schemaRefs>
-    <ds:schemaRef ds:uri="http://schemas.microsoft.com/sharepoint/v3/contenttype/forms"/>
-  </ds:schemaRefs>
-</ds:datastoreItem>
 </file>